--- a/Final Presentation Slides/Team_6_Final_Slides.pptx
+++ b/Final Presentation Slides/Team_6_Final_Slides.pptx
@@ -5,7 +5,7 @@
     <p:sldMasterId id="2147483797" r:id="rId1"/>
   </p:sldMasterIdLst>
   <p:notesMasterIdLst>
-    <p:notesMasterId r:id="rId14"/>
+    <p:notesMasterId r:id="rId13"/>
   </p:notesMasterIdLst>
   <p:sldIdLst>
     <p:sldId id="256" r:id="rId2"/>
@@ -13,13 +13,12 @@
     <p:sldId id="259" r:id="rId4"/>
     <p:sldId id="265" r:id="rId5"/>
     <p:sldId id="264" r:id="rId6"/>
-    <p:sldId id="272" r:id="rId7"/>
-    <p:sldId id="274" r:id="rId8"/>
-    <p:sldId id="273" r:id="rId9"/>
-    <p:sldId id="275" r:id="rId10"/>
-    <p:sldId id="260" r:id="rId11"/>
-    <p:sldId id="270" r:id="rId12"/>
-    <p:sldId id="271" r:id="rId13"/>
+    <p:sldId id="277" r:id="rId7"/>
+    <p:sldId id="276" r:id="rId8"/>
+    <p:sldId id="275" r:id="rId9"/>
+    <p:sldId id="260" r:id="rId10"/>
+    <p:sldId id="270" r:id="rId11"/>
+    <p:sldId id="271" r:id="rId12"/>
   </p:sldIdLst>
   <p:sldSz cx="12192000" cy="6858000"/>
   <p:notesSz cx="6858000" cy="9144000"/>
@@ -1061,7 +1060,7 @@
     </p:spTree>
     <p:extLst>
       <p:ext uri="{BB962C8B-B14F-4D97-AF65-F5344CB8AC3E}">
-        <p14:creationId xmlns:p14="http://schemas.microsoft.com/office/powerpoint/2010/main" val="2064881907"/>
+        <p14:creationId xmlns:p14="http://schemas.microsoft.com/office/powerpoint/2010/main" val="1599829775"/>
       </p:ext>
     </p:extLst>
   </p:cSld>
@@ -1152,7 +1151,7 @@
     </p:spTree>
     <p:extLst>
       <p:ext uri="{BB962C8B-B14F-4D97-AF65-F5344CB8AC3E}">
-        <p14:creationId xmlns:p14="http://schemas.microsoft.com/office/powerpoint/2010/main" val="2434199567"/>
+        <p14:creationId xmlns:p14="http://schemas.microsoft.com/office/powerpoint/2010/main" val="153279925"/>
       </p:ext>
     </p:extLst>
   </p:cSld>
@@ -1235,97 +1234,6 @@
             <a:fld id="{9BCCD4D3-9FFD-4D42-BD91-737D0D78D7F6}" type="slidenum">
               <a:rPr lang="en-US" smtClean="0"/>
               <a:t>8</a:t>
-            </a:fld>
-            <a:endParaRPr lang="en-US"/>
-          </a:p>
-        </p:txBody>
-      </p:sp>
-    </p:spTree>
-    <p:extLst>
-      <p:ext uri="{BB962C8B-B14F-4D97-AF65-F5344CB8AC3E}">
-        <p14:creationId xmlns:p14="http://schemas.microsoft.com/office/powerpoint/2010/main" val="2745762874"/>
-      </p:ext>
-    </p:extLst>
-  </p:cSld>
-  <p:clrMapOvr>
-    <a:masterClrMapping/>
-  </p:clrMapOvr>
-</p:notes>
-</file>
-
-<file path=ppt/notesSlides/notesSlide9.xml><?xml version="1.0" encoding="utf-8"?>
-<p:notes xmlns:a="http://schemas.openxmlformats.org/drawingml/2006/main" xmlns:r="http://schemas.openxmlformats.org/officeDocument/2006/relationships" xmlns:p="http://schemas.openxmlformats.org/presentationml/2006/main">
-  <p:cSld>
-    <p:spTree>
-      <p:nvGrpSpPr>
-        <p:cNvPr id="1" name=""/>
-        <p:cNvGrpSpPr/>
-        <p:nvPr/>
-      </p:nvGrpSpPr>
-      <p:grpSpPr>
-        <a:xfrm>
-          <a:off x="0" y="0"/>
-          <a:ext cx="0" cy="0"/>
-          <a:chOff x="0" y="0"/>
-          <a:chExt cx="0" cy="0"/>
-        </a:xfrm>
-      </p:grpSpPr>
-      <p:sp>
-        <p:nvSpPr>
-          <p:cNvPr id="2" name="Slide Image Placeholder 1"/>
-          <p:cNvSpPr>
-            <a:spLocks noGrp="1" noRot="1" noChangeAspect="1"/>
-          </p:cNvSpPr>
-          <p:nvPr>
-            <p:ph type="sldImg"/>
-          </p:nvPr>
-        </p:nvSpPr>
-        <p:spPr/>
-      </p:sp>
-      <p:sp>
-        <p:nvSpPr>
-          <p:cNvPr id="3" name="Notes Placeholder 2"/>
-          <p:cNvSpPr>
-            <a:spLocks noGrp="1"/>
-          </p:cNvSpPr>
-          <p:nvPr>
-            <p:ph type="body" idx="1"/>
-          </p:nvPr>
-        </p:nvSpPr>
-        <p:spPr/>
-        <p:txBody>
-          <a:bodyPr/>
-          <a:lstStyle/>
-          <a:p>
-            <a:r>
-              <a:rPr lang="en-US" sz="1800" dirty="0">
-                <a:effectLst/>
-                <a:latin typeface="Segoe UI" panose="020B0502040204020203" pitchFamily="34" charset="0"/>
-              </a:rPr>
-              <a:t>Departure delay and arrival delay are highly correlated and arrival delay has missing values so we will be excluding arrival delay. ID is removed because it doesn’t provide useful information for modeling.</a:t>
-            </a:r>
-            <a:endParaRPr lang="en-US" dirty="0"/>
-          </a:p>
-        </p:txBody>
-      </p:sp>
-      <p:sp>
-        <p:nvSpPr>
-          <p:cNvPr id="4" name="Slide Number Placeholder 3"/>
-          <p:cNvSpPr>
-            <a:spLocks noGrp="1"/>
-          </p:cNvSpPr>
-          <p:nvPr>
-            <p:ph type="sldNum" sz="quarter" idx="5"/>
-          </p:nvPr>
-        </p:nvSpPr>
-        <p:spPr/>
-        <p:txBody>
-          <a:bodyPr/>
-          <a:lstStyle/>
-          <a:p>
-            <a:fld id="{9BCCD4D3-9FFD-4D42-BD91-737D0D78D7F6}" type="slidenum">
-              <a:rPr lang="en-US" smtClean="0"/>
-              <a:t>9</a:t>
             </a:fld>
             <a:endParaRPr lang="en-US"/>
           </a:p>
@@ -4766,171 +4674,6 @@
           <p:cNvPr id="2" name="Title 1">
             <a:extLst>
               <a:ext uri="{FF2B5EF4-FFF2-40B4-BE49-F238E27FC236}">
-                <a16:creationId xmlns:a16="http://schemas.microsoft.com/office/drawing/2014/main" id="{49241911-89D4-97F0-FABA-ADD4726EFB7A}"/>
-              </a:ext>
-            </a:extLst>
-          </p:cNvPr>
-          <p:cNvSpPr>
-            <a:spLocks noGrp="1"/>
-          </p:cNvSpPr>
-          <p:nvPr>
-            <p:ph type="title"/>
-          </p:nvPr>
-        </p:nvSpPr>
-        <p:spPr/>
-        <p:txBody>
-          <a:bodyPr/>
-          <a:lstStyle/>
-          <a:p>
-            <a:r>
-              <a:rPr lang="en-US" dirty="0"/>
-              <a:t>Sources</a:t>
-            </a:r>
-          </a:p>
-        </p:txBody>
-      </p:sp>
-      <p:sp>
-        <p:nvSpPr>
-          <p:cNvPr id="3" name="Content Placeholder 2">
-            <a:extLst>
-              <a:ext uri="{FF2B5EF4-FFF2-40B4-BE49-F238E27FC236}">
-                <a16:creationId xmlns:a16="http://schemas.microsoft.com/office/drawing/2014/main" id="{39FCF39E-D111-3122-EA43-D55DA132BB63}"/>
-              </a:ext>
-            </a:extLst>
-          </p:cNvPr>
-          <p:cNvSpPr>
-            <a:spLocks noGrp="1"/>
-          </p:cNvSpPr>
-          <p:nvPr>
-            <p:ph idx="1"/>
-          </p:nvPr>
-        </p:nvSpPr>
-        <p:spPr/>
-        <p:txBody>
-          <a:bodyPr/>
-          <a:lstStyle/>
-          <a:p>
-            <a:pPr marL="457200" indent="-457200">
-              <a:buAutoNum type="arabicPeriod"/>
-            </a:pPr>
-            <a:r>
-              <a:rPr lang="en-US" dirty="0">
-                <a:hlinkClick r:id="rId2"/>
-              </a:rPr>
-              <a:t>https://www.forbes.com/sites/forbesbusinesscouncil/2022/12/12/customer-retention-versus-customer-acquisition/?sh=3cef46fc1c7d</a:t>
-            </a:r>
-            <a:endParaRPr lang="en-US" dirty="0"/>
-          </a:p>
-          <a:p>
-            <a:pPr marL="457200" indent="-457200">
-              <a:buAutoNum type="arabicPeriod"/>
-            </a:pPr>
-            <a:r>
-              <a:rPr lang="en-US" dirty="0">
-                <a:hlinkClick r:id="rId3"/>
-              </a:rPr>
-              <a:t>https://www.kaggle.com/datasets/teejmahal20/airline-passenger-satisfaction</a:t>
-            </a:r>
-            <a:endParaRPr lang="en-US" dirty="0"/>
-          </a:p>
-          <a:p>
-            <a:pPr marL="457200" indent="-457200">
-              <a:buAutoNum type="arabicPeriod"/>
-            </a:pPr>
-            <a:r>
-              <a:rPr lang="en-US" dirty="0">
-                <a:hlinkClick r:id="rId4"/>
-              </a:rPr>
-              <a:t>https://www.sciencedirect.com/science/article/pii/S0969699723000844#bib20</a:t>
-            </a:r>
-            <a:endParaRPr lang="en-US" dirty="0"/>
-          </a:p>
-          <a:p>
-            <a:pPr marL="457200" indent="-457200">
-              <a:buAutoNum type="arabicPeriod"/>
-            </a:pPr>
-            <a:r>
-              <a:rPr lang="en-US" dirty="0">
-                <a:hlinkClick r:id="rId5"/>
-              </a:rPr>
-              <a:t>https://www.sciencedirect.com/science/article/abs/pii/S0969699719302959</a:t>
-            </a:r>
-            <a:endParaRPr lang="en-US" dirty="0"/>
-          </a:p>
-          <a:p>
-            <a:pPr marL="457200" indent="-457200">
-              <a:buFont typeface="Wingdings 2" pitchFamily="18" charset="2"/>
-              <a:buAutoNum type="arabicPeriod"/>
-            </a:pPr>
-            <a:r>
-              <a:rPr lang="en-US" dirty="0">
-                <a:hlinkClick r:id="rId6"/>
-              </a:rPr>
-              <a:t>https://www.sciencedirect.com/science/article/pii/S2352340923002421</a:t>
-            </a:r>
-            <a:endParaRPr lang="en-US" dirty="0"/>
-          </a:p>
-          <a:p>
-            <a:pPr marL="457200" indent="-457200">
-              <a:buAutoNum type="arabicPeriod"/>
-            </a:pPr>
-            <a:r>
-              <a:rPr lang="en-US" dirty="0">
-                <a:hlinkClick r:id="rId7"/>
-              </a:rPr>
-              <a:t>https://psycnet.apa.org/record/1989-10632-001</a:t>
-            </a:r>
-            <a:endParaRPr lang="en-US" dirty="0"/>
-          </a:p>
-          <a:p>
-            <a:pPr marL="457200" indent="-457200">
-              <a:buAutoNum type="arabicPeriod"/>
-            </a:pPr>
-            <a:r>
-              <a:rPr lang="en-US" dirty="0">
-                <a:hlinkClick r:id="rId8"/>
-              </a:rPr>
-              <a:t>https://www.techscience.com/cmc/v75n1/51460/pdf</a:t>
-            </a:r>
-            <a:endParaRPr lang="en-US" dirty="0"/>
-          </a:p>
-        </p:txBody>
-      </p:sp>
-    </p:spTree>
-    <p:extLst>
-      <p:ext uri="{BB962C8B-B14F-4D97-AF65-F5344CB8AC3E}">
-        <p14:creationId xmlns:p14="http://schemas.microsoft.com/office/powerpoint/2010/main" val="1917321065"/>
-      </p:ext>
-    </p:extLst>
-  </p:cSld>
-  <p:clrMapOvr>
-    <a:masterClrMapping/>
-  </p:clrMapOvr>
-</p:sld>
-</file>
-
-<file path=ppt/slides/slide11.xml><?xml version="1.0" encoding="utf-8"?>
-<p:sld xmlns:a="http://schemas.openxmlformats.org/drawingml/2006/main" xmlns:r="http://schemas.openxmlformats.org/officeDocument/2006/relationships" xmlns:p="http://schemas.openxmlformats.org/presentationml/2006/main">
-  <p:cSld>
-    <p:spTree>
-      <p:nvGrpSpPr>
-        <p:cNvPr id="1" name=""/>
-        <p:cNvGrpSpPr/>
-        <p:nvPr/>
-      </p:nvGrpSpPr>
-      <p:grpSpPr>
-        <a:xfrm>
-          <a:off x="0" y="0"/>
-          <a:ext cx="0" cy="0"/>
-          <a:chOff x="0" y="0"/>
-          <a:chExt cx="0" cy="0"/>
-        </a:xfrm>
-      </p:grpSpPr>
-      <p:sp>
-        <p:nvSpPr>
-          <p:cNvPr id="2" name="Title 1">
-            <a:extLst>
-              <a:ext uri="{FF2B5EF4-FFF2-40B4-BE49-F238E27FC236}">
                 <a16:creationId xmlns:a16="http://schemas.microsoft.com/office/drawing/2014/main" id="{C7AA5A10-E2A6-28A3-7044-47A99F7DA47D}"/>
               </a:ext>
             </a:extLst>
@@ -5290,7 +5033,7 @@
 </p:sld>
 </file>
 
-<file path=ppt/slides/slide12.xml><?xml version="1.0" encoding="utf-8"?>
+<file path=ppt/slides/slide11.xml><?xml version="1.0" encoding="utf-8"?>
 <p:sld xmlns:a="http://schemas.openxmlformats.org/drawingml/2006/main" xmlns:r="http://schemas.openxmlformats.org/officeDocument/2006/relationships" xmlns:p="http://schemas.openxmlformats.org/presentationml/2006/main">
   <p:cSld>
     <p:spTree>
@@ -7167,10 +6910,10 @@
       </p:sp>
       <p:sp>
         <p:nvSpPr>
-          <p:cNvPr id="8" name="Text Placeholder 7">
+          <p:cNvPr id="5" name="Content Placeholder 4">
             <a:extLst>
               <a:ext uri="{FF2B5EF4-FFF2-40B4-BE49-F238E27FC236}">
-                <a16:creationId xmlns:a16="http://schemas.microsoft.com/office/drawing/2014/main" id="{313684A5-8352-BC34-5100-0550A25D1982}"/>
+                <a16:creationId xmlns:a16="http://schemas.microsoft.com/office/drawing/2014/main" id="{364631AB-B475-0A0C-9235-4A388DE1EB24}"/>
               </a:ext>
             </a:extLst>
           </p:cNvPr>
@@ -7178,92 +6921,128 @@
             <a:spLocks noGrp="1"/>
           </p:cNvSpPr>
           <p:nvPr>
-            <p:ph type="body" idx="1"/>
+            <p:ph idx="1"/>
           </p:nvPr>
         </p:nvSpPr>
         <p:spPr/>
         <p:txBody>
-          <a:bodyPr>
-            <a:normAutofit fontScale="62500" lnSpcReduction="20000"/>
-          </a:bodyPr>
-          <a:lstStyle/>
-          <a:p>
-            <a:r>
-              <a:rPr lang="en-US" dirty="0"/>
+          <a:bodyPr/>
+          <a:lstStyle/>
+          <a:p>
+            <a:r>
+              <a:rPr lang="en-US" sz="1800" dirty="0"/>
               <a:t>Gender doesn’t seem to play a major role in satisfaction as both have almost the same satisfaction levels.</a:t>
             </a:r>
           </a:p>
-        </p:txBody>
-      </p:sp>
-      <p:sp>
-        <p:nvSpPr>
-          <p:cNvPr id="9" name="Text Placeholder 8">
+          <a:p>
+            <a:r>
+              <a:rPr lang="en-US" sz="1800" dirty="0"/>
+              <a:t>Business class passengers have higher satisfaction levels, particularly in </a:t>
+            </a:r>
+            <a:r>
+              <a:rPr lang="en-US" sz="1800" dirty="0" err="1"/>
+              <a:t>Checkin.service</a:t>
+            </a:r>
+            <a:r>
+              <a:rPr lang="en-US" sz="1800" dirty="0"/>
+              <a:t>, </a:t>
+            </a:r>
+            <a:r>
+              <a:rPr lang="en-US" sz="1800" dirty="0" err="1"/>
+              <a:t>Seat.Comfort</a:t>
+            </a:r>
+            <a:r>
+              <a:rPr lang="en-US" sz="1800" dirty="0"/>
+              <a:t>, and </a:t>
+            </a:r>
+            <a:r>
+              <a:rPr lang="en-US" sz="1800" dirty="0" err="1"/>
+              <a:t>Food.and.drink</a:t>
+            </a:r>
+            <a:r>
+              <a:rPr lang="en-US" sz="1800" dirty="0"/>
+              <a:t> compared to Eco Plus and Economy class</a:t>
+            </a:r>
+          </a:p>
+          <a:p>
+            <a:r>
+              <a:rPr lang="en-US" sz="1800" dirty="0"/>
+              <a:t>Cleanliness does not translate to passenger satisfaction</a:t>
+            </a:r>
+          </a:p>
+          <a:p>
+            <a:pPr marL="0" indent="0">
+              <a:buNone/>
+            </a:pPr>
+            <a:endParaRPr lang="en-US" sz="1800" dirty="0"/>
+          </a:p>
+          <a:p>
+            <a:endParaRPr lang="en-US" sz="1800" b="0" i="0" u="none" strike="noStrike" dirty="0">
+              <a:solidFill>
+                <a:srgbClr val="000000"/>
+              </a:solidFill>
+              <a:effectLst/>
+              <a:latin typeface="Times New Roman" panose="02020603050405020304" pitchFamily="18" charset="0"/>
+            </a:endParaRPr>
+          </a:p>
+          <a:p>
+            <a:endParaRPr lang="en-US" sz="1800" dirty="0">
+              <a:solidFill>
+                <a:srgbClr val="000000"/>
+              </a:solidFill>
+              <a:latin typeface="Times New Roman" panose="02020603050405020304" pitchFamily="18" charset="0"/>
+            </a:endParaRPr>
+          </a:p>
+          <a:p>
+            <a:endParaRPr lang="en-US" sz="1800" dirty="0">
+              <a:solidFill>
+                <a:srgbClr val="000000"/>
+              </a:solidFill>
+              <a:latin typeface="Times New Roman" panose="02020603050405020304" pitchFamily="18" charset="0"/>
+            </a:endParaRPr>
+          </a:p>
+          <a:p>
+            <a:endParaRPr lang="en-US" sz="1800" dirty="0">
+              <a:solidFill>
+                <a:srgbClr val="000000"/>
+              </a:solidFill>
+              <a:latin typeface="Times New Roman" panose="02020603050405020304" pitchFamily="18" charset="0"/>
+            </a:endParaRPr>
+          </a:p>
+          <a:p>
+            <a:endParaRPr lang="en-US" sz="1800" dirty="0">
+              <a:solidFill>
+                <a:srgbClr val="000000"/>
+              </a:solidFill>
+              <a:latin typeface="Times New Roman" panose="02020603050405020304" pitchFamily="18" charset="0"/>
+            </a:endParaRPr>
+          </a:p>
+          <a:p>
+            <a:endParaRPr lang="en-US" sz="1800" dirty="0">
+              <a:solidFill>
+                <a:srgbClr val="000000"/>
+              </a:solidFill>
+              <a:latin typeface="Times New Roman" panose="02020603050405020304" pitchFamily="18" charset="0"/>
+            </a:endParaRPr>
+          </a:p>
+          <a:p>
+            <a:endParaRPr lang="en-US" dirty="0"/>
+          </a:p>
+        </p:txBody>
+      </p:sp>
+      <p:pic>
+        <p:nvPicPr>
+          <p:cNvPr id="3" name="Picture 2">
             <a:extLst>
               <a:ext uri="{FF2B5EF4-FFF2-40B4-BE49-F238E27FC236}">
-                <a16:creationId xmlns:a16="http://schemas.microsoft.com/office/drawing/2014/main" id="{A55D8D18-A2CD-0C9E-C022-AF04CDD3120C}"/>
-              </a:ext>
-            </a:extLst>
-          </p:cNvPr>
-          <p:cNvSpPr>
-            <a:spLocks noGrp="1"/>
-          </p:cNvSpPr>
-          <p:nvPr>
-            <p:ph type="body" sz="quarter" idx="3"/>
-          </p:nvPr>
-        </p:nvSpPr>
-        <p:spPr/>
-        <p:txBody>
-          <a:bodyPr>
-            <a:normAutofit fontScale="62500" lnSpcReduction="20000"/>
-          </a:bodyPr>
-          <a:lstStyle/>
-          <a:p>
-            <a:r>
-              <a:rPr lang="en-US" dirty="0"/>
-              <a:t>Business class passengers have higher satisfaction levels, particularly in </a:t>
-            </a:r>
-            <a:r>
-              <a:rPr lang="en-US" dirty="0" err="1"/>
-              <a:t>Checkin.service</a:t>
-            </a:r>
-            <a:r>
-              <a:rPr lang="en-US" dirty="0"/>
-              <a:t>, </a:t>
-            </a:r>
-            <a:r>
-              <a:rPr lang="en-US" dirty="0" err="1"/>
-              <a:t>Seat.Comfort</a:t>
-            </a:r>
-            <a:r>
-              <a:rPr lang="en-US" dirty="0"/>
-              <a:t>, and </a:t>
-            </a:r>
-            <a:r>
-              <a:rPr lang="en-US" dirty="0" err="1"/>
-              <a:t>Food.and.drink</a:t>
-            </a:r>
-            <a:r>
-              <a:rPr lang="en-US" dirty="0"/>
-              <a:t> compared to Eco Plus and Economy class</a:t>
-            </a:r>
-          </a:p>
-        </p:txBody>
-      </p:sp>
-      <p:pic>
-        <p:nvPicPr>
-          <p:cNvPr id="14" name="Picture 2">
-            <a:extLst>
-              <a:ext uri="{FF2B5EF4-FFF2-40B4-BE49-F238E27FC236}">
-                <a16:creationId xmlns:a16="http://schemas.microsoft.com/office/drawing/2014/main" id="{1C5FA6A2-F1BB-FA91-EFA4-9F9BAC284542}"/>
+                <a16:creationId xmlns:a16="http://schemas.microsoft.com/office/drawing/2014/main" id="{ECA1A8F6-526A-D9C5-82F7-628A84682B08}"/>
               </a:ext>
             </a:extLst>
           </p:cNvPr>
           <p:cNvPicPr>
-            <a:picLocks noGrp="1" noChangeAspect="1" noChangeArrowheads="1"/>
+            <a:picLocks noChangeAspect="1" noChangeArrowheads="1"/>
           </p:cNvPicPr>
-          <p:nvPr>
-            <p:ph sz="half" idx="2"/>
-          </p:nvPr>
+          <p:nvPr/>
         </p:nvPicPr>
         <p:blipFill rotWithShape="1">
           <a:blip r:embed="rId3">
@@ -7278,7 +7057,7 @@
         </p:blipFill>
         <p:spPr bwMode="auto">
           <a:xfrm>
-            <a:off x="3734238" y="3114675"/>
+            <a:off x="3734238" y="2896961"/>
             <a:ext cx="3635916" cy="1704975"/>
           </a:xfrm>
           <a:prstGeom prst="rect">
@@ -7298,19 +7077,17 @@
       </p:pic>
       <p:pic>
         <p:nvPicPr>
-          <p:cNvPr id="16" name="Picture 2">
+          <p:cNvPr id="4" name="Picture 2">
             <a:extLst>
               <a:ext uri="{FF2B5EF4-FFF2-40B4-BE49-F238E27FC236}">
-                <a16:creationId xmlns:a16="http://schemas.microsoft.com/office/drawing/2014/main" id="{7D516384-1397-4ED1-1FD8-E7AFB2AF5C79}"/>
+                <a16:creationId xmlns:a16="http://schemas.microsoft.com/office/drawing/2014/main" id="{0AF10789-502E-7FA3-2421-6AC531C17528}"/>
               </a:ext>
             </a:extLst>
           </p:cNvPr>
           <p:cNvPicPr>
-            <a:picLocks noGrp="1" noChangeAspect="1" noChangeArrowheads="1"/>
+            <a:picLocks noChangeAspect="1" noChangeArrowheads="1"/>
           </p:cNvPicPr>
-          <p:nvPr>
-            <p:ph sz="quarter" idx="4"/>
-          </p:nvPr>
+          <p:nvPr/>
         </p:nvPicPr>
         <p:blipFill rotWithShape="1">
           <a:blip r:embed="rId3">
@@ -7325,7 +7102,7 @@
         </p:blipFill>
         <p:spPr bwMode="auto">
           <a:xfrm>
-            <a:off x="7740820" y="3114676"/>
+            <a:off x="7740820" y="2896962"/>
             <a:ext cx="3738167" cy="1704974"/>
           </a:xfrm>
           <a:prstGeom prst="rect">
@@ -7343,10 +7120,448 @@
           </a:extLst>
         </p:spPr>
       </p:pic>
+      <p:pic>
+        <p:nvPicPr>
+          <p:cNvPr id="6" name="Picture 5">
+            <a:extLst>
+              <a:ext uri="{FF2B5EF4-FFF2-40B4-BE49-F238E27FC236}">
+                <a16:creationId xmlns:a16="http://schemas.microsoft.com/office/drawing/2014/main" id="{D457A1E1-2F86-2750-A141-2DA7F43D2BBD}"/>
+              </a:ext>
+            </a:extLst>
+          </p:cNvPr>
+          <p:cNvPicPr>
+            <a:picLocks noChangeAspect="1" noChangeArrowheads="1"/>
+          </p:cNvPicPr>
+          <p:nvPr/>
+        </p:nvPicPr>
+        <p:blipFill rotWithShape="1">
+          <a:blip r:embed="rId3">
+            <a:extLst>
+              <a:ext uri="{28A0092B-C50C-407E-A947-70E740481C1C}">
+                <a14:useLocalDpi xmlns:a14="http://schemas.microsoft.com/office/drawing/2010/main" val="0"/>
+              </a:ext>
+            </a:extLst>
+          </a:blip>
+          <a:srcRect l="50445" t="80921" r="25371" b="69"/>
+          <a:stretch/>
+        </p:blipFill>
+        <p:spPr bwMode="auto">
+          <a:xfrm>
+            <a:off x="3734238" y="4758418"/>
+            <a:ext cx="3635916" cy="1704975"/>
+          </a:xfrm>
+          <a:prstGeom prst="rect">
+            <a:avLst/>
+          </a:prstGeom>
+          <a:noFill/>
+          <a:extLst>
+            <a:ext uri="{909E8E84-426E-40DD-AFC4-6F175D3DCCD1}">
+              <a14:hiddenFill xmlns:a14="http://schemas.microsoft.com/office/drawing/2010/main">
+                <a:solidFill>
+                  <a:srgbClr val="FFFFFF"/>
+                </a:solidFill>
+              </a14:hiddenFill>
+            </a:ext>
+          </a:extLst>
+        </p:spPr>
+      </p:pic>
+      <p:sp>
+        <p:nvSpPr>
+          <p:cNvPr id="15" name="Rectangle 14">
+            <a:extLst>
+              <a:ext uri="{FF2B5EF4-FFF2-40B4-BE49-F238E27FC236}">
+                <a16:creationId xmlns:a16="http://schemas.microsoft.com/office/drawing/2014/main" id="{0A784D9A-49E8-DC08-E9D2-A5B28359A4D5}"/>
+              </a:ext>
+            </a:extLst>
+          </p:cNvPr>
+          <p:cNvSpPr/>
+          <p:nvPr/>
+        </p:nvSpPr>
+        <p:spPr>
+          <a:xfrm>
+            <a:off x="8417216" y="4027714"/>
+            <a:ext cx="1684727" cy="217715"/>
+          </a:xfrm>
+          <a:prstGeom prst="rect">
+            <a:avLst/>
+          </a:prstGeom>
+          <a:solidFill>
+            <a:schemeClr val="bg1"/>
+          </a:solidFill>
+          <a:ln>
+            <a:solidFill>
+              <a:schemeClr val="bg1"/>
+            </a:solidFill>
+          </a:ln>
+        </p:spPr>
+        <p:style>
+          <a:lnRef idx="2">
+            <a:schemeClr val="accent1">
+              <a:shade val="15000"/>
+            </a:schemeClr>
+          </a:lnRef>
+          <a:fillRef idx="1">
+            <a:schemeClr val="accent1"/>
+          </a:fillRef>
+          <a:effectRef idx="0">
+            <a:schemeClr val="accent1"/>
+          </a:effectRef>
+          <a:fontRef idx="minor">
+            <a:schemeClr val="lt1"/>
+          </a:fontRef>
+        </p:style>
+        <p:txBody>
+          <a:bodyPr rtlCol="0" anchor="ctr"/>
+          <a:lstStyle/>
+          <a:p>
+            <a:pPr algn="ctr"/>
+            <a:endParaRPr lang="en-US"/>
+          </a:p>
+        </p:txBody>
+      </p:sp>
+      <p:sp>
+        <p:nvSpPr>
+          <p:cNvPr id="16" name="Rectangle 15">
+            <a:extLst>
+              <a:ext uri="{FF2B5EF4-FFF2-40B4-BE49-F238E27FC236}">
+                <a16:creationId xmlns:a16="http://schemas.microsoft.com/office/drawing/2014/main" id="{B4298800-5F6D-18FA-C3FF-F23BD3509B94}"/>
+              </a:ext>
+            </a:extLst>
+          </p:cNvPr>
+          <p:cNvSpPr/>
+          <p:nvPr/>
+        </p:nvSpPr>
+        <p:spPr>
+          <a:xfrm>
+            <a:off x="8316506" y="3854903"/>
+            <a:ext cx="1151328" cy="563336"/>
+          </a:xfrm>
+          <a:prstGeom prst="rect">
+            <a:avLst/>
+          </a:prstGeom>
+          <a:noFill/>
+          <a:ln>
+            <a:noFill/>
+          </a:ln>
+        </p:spPr>
+        <p:style>
+          <a:lnRef idx="2">
+            <a:schemeClr val="accent1">
+              <a:shade val="15000"/>
+            </a:schemeClr>
+          </a:lnRef>
+          <a:fillRef idx="1">
+            <a:schemeClr val="accent1"/>
+          </a:fillRef>
+          <a:effectRef idx="0">
+            <a:schemeClr val="accent1"/>
+          </a:effectRef>
+          <a:fontRef idx="minor">
+            <a:schemeClr val="lt1"/>
+          </a:fontRef>
+        </p:style>
+        <p:txBody>
+          <a:bodyPr rtlCol="0" anchor="ctr"/>
+          <a:lstStyle/>
+          <a:p>
+            <a:pPr algn="ctr"/>
+            <a:r>
+              <a:rPr lang="en-US" dirty="0">
+                <a:solidFill>
+                  <a:schemeClr val="tx1"/>
+                </a:solidFill>
+              </a:rPr>
+              <a:t>Bus</a:t>
+            </a:r>
+          </a:p>
+        </p:txBody>
+      </p:sp>
+      <p:sp>
+        <p:nvSpPr>
+          <p:cNvPr id="7" name="Rectangle 6">
+            <a:extLst>
+              <a:ext uri="{FF2B5EF4-FFF2-40B4-BE49-F238E27FC236}">
+                <a16:creationId xmlns:a16="http://schemas.microsoft.com/office/drawing/2014/main" id="{F9631A57-120D-CCD9-2573-210999280E43}"/>
+              </a:ext>
+            </a:extLst>
+          </p:cNvPr>
+          <p:cNvSpPr/>
+          <p:nvPr/>
+        </p:nvSpPr>
+        <p:spPr>
+          <a:xfrm>
+            <a:off x="8730716" y="3854903"/>
+            <a:ext cx="1151328" cy="563336"/>
+          </a:xfrm>
+          <a:prstGeom prst="rect">
+            <a:avLst/>
+          </a:prstGeom>
+          <a:noFill/>
+          <a:ln>
+            <a:noFill/>
+          </a:ln>
+        </p:spPr>
+        <p:style>
+          <a:lnRef idx="2">
+            <a:schemeClr val="accent1">
+              <a:shade val="15000"/>
+            </a:schemeClr>
+          </a:lnRef>
+          <a:fillRef idx="1">
+            <a:schemeClr val="accent1"/>
+          </a:fillRef>
+          <a:effectRef idx="0">
+            <a:schemeClr val="accent1"/>
+          </a:effectRef>
+          <a:fontRef idx="minor">
+            <a:schemeClr val="lt1"/>
+          </a:fontRef>
+        </p:style>
+        <p:txBody>
+          <a:bodyPr rtlCol="0" anchor="ctr"/>
+          <a:lstStyle/>
+          <a:p>
+            <a:pPr algn="ctr"/>
+            <a:r>
+              <a:rPr lang="en-US" dirty="0">
+                <a:solidFill>
+                  <a:schemeClr val="tx1"/>
+                </a:solidFill>
+              </a:rPr>
+              <a:t>Eco</a:t>
+            </a:r>
+          </a:p>
+        </p:txBody>
+      </p:sp>
+      <p:sp>
+        <p:nvSpPr>
+          <p:cNvPr id="10" name="Rectangle 9">
+            <a:extLst>
+              <a:ext uri="{FF2B5EF4-FFF2-40B4-BE49-F238E27FC236}">
+                <a16:creationId xmlns:a16="http://schemas.microsoft.com/office/drawing/2014/main" id="{6FE78BE0-DEF3-A7A3-1F8D-5E4CF3B958B9}"/>
+              </a:ext>
+            </a:extLst>
+          </p:cNvPr>
+          <p:cNvSpPr/>
+          <p:nvPr/>
+        </p:nvSpPr>
+        <p:spPr>
+          <a:xfrm>
+            <a:off x="9205670" y="3854903"/>
+            <a:ext cx="1151328" cy="563336"/>
+          </a:xfrm>
+          <a:prstGeom prst="rect">
+            <a:avLst/>
+          </a:prstGeom>
+          <a:noFill/>
+          <a:ln>
+            <a:noFill/>
+          </a:ln>
+        </p:spPr>
+        <p:style>
+          <a:lnRef idx="2">
+            <a:schemeClr val="accent1">
+              <a:shade val="15000"/>
+            </a:schemeClr>
+          </a:lnRef>
+          <a:fillRef idx="1">
+            <a:schemeClr val="accent1"/>
+          </a:fillRef>
+          <a:effectRef idx="0">
+            <a:schemeClr val="accent1"/>
+          </a:effectRef>
+          <a:fontRef idx="minor">
+            <a:schemeClr val="lt1"/>
+          </a:fontRef>
+        </p:style>
+        <p:txBody>
+          <a:bodyPr rtlCol="0" anchor="ctr"/>
+          <a:lstStyle/>
+          <a:p>
+            <a:pPr algn="ctr"/>
+            <a:r>
+              <a:rPr lang="en-US" dirty="0">
+                <a:solidFill>
+                  <a:schemeClr val="tx1"/>
+                </a:solidFill>
+              </a:rPr>
+              <a:t>Eco+</a:t>
+            </a:r>
+          </a:p>
+        </p:txBody>
+      </p:sp>
+      <p:sp>
+        <p:nvSpPr>
+          <p:cNvPr id="11" name="Rectangle 10">
+            <a:extLst>
+              <a:ext uri="{FF2B5EF4-FFF2-40B4-BE49-F238E27FC236}">
+                <a16:creationId xmlns:a16="http://schemas.microsoft.com/office/drawing/2014/main" id="{B4E0B84A-348D-4F49-F2BF-9A0D4017AFE0}"/>
+              </a:ext>
+            </a:extLst>
+          </p:cNvPr>
+          <p:cNvSpPr/>
+          <p:nvPr/>
+        </p:nvSpPr>
+        <p:spPr>
+          <a:xfrm>
+            <a:off x="4593771" y="4103914"/>
+            <a:ext cx="1153886" cy="175859"/>
+          </a:xfrm>
+          <a:prstGeom prst="rect">
+            <a:avLst/>
+          </a:prstGeom>
+          <a:solidFill>
+            <a:schemeClr val="bg1"/>
+          </a:solidFill>
+          <a:ln>
+            <a:solidFill>
+              <a:schemeClr val="bg1"/>
+            </a:solidFill>
+          </a:ln>
+        </p:spPr>
+        <p:style>
+          <a:lnRef idx="2">
+            <a:schemeClr val="accent1">
+              <a:shade val="15000"/>
+            </a:schemeClr>
+          </a:lnRef>
+          <a:fillRef idx="1">
+            <a:schemeClr val="accent1"/>
+          </a:fillRef>
+          <a:effectRef idx="0">
+            <a:schemeClr val="accent1"/>
+          </a:effectRef>
+          <a:fontRef idx="minor">
+            <a:schemeClr val="lt1"/>
+          </a:fontRef>
+        </p:style>
+        <p:txBody>
+          <a:bodyPr rtlCol="0" anchor="ctr"/>
+          <a:lstStyle/>
+          <a:p>
+            <a:pPr algn="ctr"/>
+            <a:endParaRPr lang="en-US"/>
+          </a:p>
+        </p:txBody>
+      </p:sp>
+      <p:sp>
+        <p:nvSpPr>
+          <p:cNvPr id="12" name="Rectangle 11">
+            <a:extLst>
+              <a:ext uri="{FF2B5EF4-FFF2-40B4-BE49-F238E27FC236}">
+                <a16:creationId xmlns:a16="http://schemas.microsoft.com/office/drawing/2014/main" id="{AEB3A429-67E7-AC3F-7A9E-50C2BF06DD8B}"/>
+              </a:ext>
+            </a:extLst>
+          </p:cNvPr>
+          <p:cNvSpPr/>
+          <p:nvPr/>
+        </p:nvSpPr>
+        <p:spPr>
+          <a:xfrm>
+            <a:off x="4399781" y="3910175"/>
+            <a:ext cx="1151328" cy="563336"/>
+          </a:xfrm>
+          <a:prstGeom prst="rect">
+            <a:avLst/>
+          </a:prstGeom>
+          <a:noFill/>
+          <a:ln>
+            <a:noFill/>
+          </a:ln>
+        </p:spPr>
+        <p:style>
+          <a:lnRef idx="2">
+            <a:schemeClr val="accent1">
+              <a:shade val="15000"/>
+            </a:schemeClr>
+          </a:lnRef>
+          <a:fillRef idx="1">
+            <a:schemeClr val="accent1"/>
+          </a:fillRef>
+          <a:effectRef idx="0">
+            <a:schemeClr val="accent1"/>
+          </a:effectRef>
+          <a:fontRef idx="minor">
+            <a:schemeClr val="lt1"/>
+          </a:fontRef>
+        </p:style>
+        <p:txBody>
+          <a:bodyPr rtlCol="0" anchor="ctr"/>
+          <a:lstStyle/>
+          <a:p>
+            <a:pPr algn="ctr"/>
+            <a:r>
+              <a:rPr lang="en-US" dirty="0">
+                <a:solidFill>
+                  <a:schemeClr val="tx1"/>
+                </a:solidFill>
+              </a:rPr>
+              <a:t>F</a:t>
+            </a:r>
+          </a:p>
+        </p:txBody>
+      </p:sp>
+      <p:sp>
+        <p:nvSpPr>
+          <p:cNvPr id="13" name="Rectangle 12">
+            <a:extLst>
+              <a:ext uri="{FF2B5EF4-FFF2-40B4-BE49-F238E27FC236}">
+                <a16:creationId xmlns:a16="http://schemas.microsoft.com/office/drawing/2014/main" id="{FEC58EB5-382F-3B1A-2FA4-2856BA4254E6}"/>
+              </a:ext>
+            </a:extLst>
+          </p:cNvPr>
+          <p:cNvSpPr/>
+          <p:nvPr/>
+        </p:nvSpPr>
+        <p:spPr>
+          <a:xfrm>
+            <a:off x="4907393" y="3910175"/>
+            <a:ext cx="1151328" cy="563336"/>
+          </a:xfrm>
+          <a:prstGeom prst="rect">
+            <a:avLst/>
+          </a:prstGeom>
+          <a:noFill/>
+          <a:ln>
+            <a:noFill/>
+          </a:ln>
+        </p:spPr>
+        <p:style>
+          <a:lnRef idx="2">
+            <a:schemeClr val="accent1">
+              <a:shade val="15000"/>
+            </a:schemeClr>
+          </a:lnRef>
+          <a:fillRef idx="1">
+            <a:schemeClr val="accent1"/>
+          </a:fillRef>
+          <a:effectRef idx="0">
+            <a:schemeClr val="accent1"/>
+          </a:effectRef>
+          <a:fontRef idx="minor">
+            <a:schemeClr val="lt1"/>
+          </a:fontRef>
+        </p:style>
+        <p:txBody>
+          <a:bodyPr rtlCol="0" anchor="ctr"/>
+          <a:lstStyle/>
+          <a:p>
+            <a:pPr algn="ctr"/>
+            <a:r>
+              <a:rPr lang="en-US" dirty="0">
+                <a:solidFill>
+                  <a:schemeClr val="tx1"/>
+                </a:solidFill>
+              </a:rPr>
+              <a:t>M</a:t>
+            </a:r>
+          </a:p>
+        </p:txBody>
+      </p:sp>
     </p:spTree>
     <p:extLst>
       <p:ext uri="{BB962C8B-B14F-4D97-AF65-F5344CB8AC3E}">
-        <p14:creationId xmlns:p14="http://schemas.microsoft.com/office/powerpoint/2010/main" val="1270015963"/>
+        <p14:creationId xmlns:p14="http://schemas.microsoft.com/office/powerpoint/2010/main" val="2836967151"/>
       </p:ext>
     </p:extLst>
   </p:cSld>
@@ -7532,6 +7747,15 @@
               </a:rPr>
               <a:t>. Only when the ratings of these services are above 3, there are more passengers who are satisfied but then this number doesn’t seem to be significantly large.</a:t>
             </a:r>
+          </a:p>
+          <a:p>
+            <a:endParaRPr lang="en-US" sz="1800" b="0" i="0" u="none" strike="noStrike" dirty="0">
+              <a:solidFill>
+                <a:srgbClr val="000000"/>
+              </a:solidFill>
+              <a:effectLst/>
+              <a:latin typeface="Times New Roman" panose="02020603050405020304" pitchFamily="18" charset="0"/>
+            </a:endParaRPr>
           </a:p>
           <a:p>
             <a:endParaRPr lang="en-US" sz="1800" dirty="0">
@@ -7806,7 +8030,7 @@
     </p:spTree>
     <p:extLst>
       <p:ext uri="{BB962C8B-B14F-4D97-AF65-F5344CB8AC3E}">
-        <p14:creationId xmlns:p14="http://schemas.microsoft.com/office/powerpoint/2010/main" val="171283115"/>
+        <p14:creationId xmlns:p14="http://schemas.microsoft.com/office/powerpoint/2010/main" val="3490236593"/>
       </p:ext>
     </p:extLst>
   </p:cSld>
@@ -7856,7 +8080,7 @@
           <a:p>
             <a:r>
               <a:rPr lang="en-US" dirty="0"/>
-              <a:t>Dataset Overview</a:t>
+              <a:t>Modeling</a:t>
             </a:r>
           </a:p>
         </p:txBody>
@@ -7887,98 +8111,36 @@
             <a:pPr algn="l"/>
             <a:r>
               <a:rPr lang="en-US" dirty="0"/>
-              <a:t>The dataset is taken from surveys from a US airline. It includes user ratings for multiple aspects of air travel such as food and drink and seat comfort, as well as customer information such as age and gender.</a:t>
-            </a:r>
-            <a:r>
-              <a:rPr lang="en-US" baseline="30000" dirty="0"/>
-              <a:t>2</a:t>
-            </a:r>
+              <a:t>Logistic Regression</a:t>
+            </a:r>
+          </a:p>
+          <a:p>
+            <a:pPr algn="l"/>
             <a:r>
               <a:rPr lang="en-US" dirty="0"/>
-              <a:t> </a:t>
+              <a:t>Decision Tree</a:t>
             </a:r>
           </a:p>
           <a:p>
             <a:pPr algn="l"/>
-            <a:endParaRPr lang="en-US" dirty="0"/>
+            <a:r>
+              <a:rPr lang="en-US" dirty="0"/>
+              <a:t>Random Forest</a:t>
+            </a:r>
           </a:p>
           <a:p>
             <a:pPr algn="l"/>
-            <a:endParaRPr lang="en-US" dirty="0"/>
-          </a:p>
-          <a:p>
-            <a:pPr algn="l"/>
-            <a:endParaRPr lang="en-US" dirty="0"/>
-          </a:p>
-          <a:p>
-            <a:pPr algn="l"/>
-            <a:endParaRPr lang="en-US" dirty="0"/>
-          </a:p>
-          <a:p>
-            <a:pPr algn="l"/>
-            <a:endParaRPr lang="en-US" dirty="0"/>
-          </a:p>
-          <a:p>
-            <a:pPr algn="l"/>
-            <a:endParaRPr lang="en-US" dirty="0"/>
-          </a:p>
-          <a:p>
-            <a:pPr algn="l"/>
-            <a:endParaRPr lang="en-US" dirty="0"/>
-          </a:p>
-        </p:txBody>
-      </p:sp>
-      <p:pic>
-        <p:nvPicPr>
-          <p:cNvPr id="2050" name="Picture 2">
-            <a:extLst>
-              <a:ext uri="{FF2B5EF4-FFF2-40B4-BE49-F238E27FC236}">
-                <a16:creationId xmlns:a16="http://schemas.microsoft.com/office/drawing/2014/main" id="{F5451500-2D3C-329E-5870-A4C52B757CC4}"/>
-              </a:ext>
-            </a:extLst>
-          </p:cNvPr>
-          <p:cNvPicPr>
-            <a:picLocks noChangeAspect="1" noChangeArrowheads="1"/>
-          </p:cNvPicPr>
-          <p:nvPr/>
-        </p:nvPicPr>
-        <p:blipFill>
-          <a:blip r:embed="rId3">
-            <a:extLst>
-              <a:ext uri="{28A0092B-C50C-407E-A947-70E740481C1C}">
-                <a14:useLocalDpi xmlns:a14="http://schemas.microsoft.com/office/drawing/2010/main" val="0"/>
-              </a:ext>
-            </a:extLst>
-          </a:blip>
-          <a:srcRect/>
-          <a:stretch>
-            <a:fillRect/>
-          </a:stretch>
-        </p:blipFill>
-        <p:spPr bwMode="auto">
-          <a:xfrm>
-            <a:off x="3967163" y="2552700"/>
-            <a:ext cx="6124575" cy="3657600"/>
-          </a:xfrm>
-          <a:prstGeom prst="rect">
-            <a:avLst/>
-          </a:prstGeom>
-          <a:noFill/>
-          <a:extLst>
-            <a:ext uri="{909E8E84-426E-40DD-AFC4-6F175D3DCCD1}">
-              <a14:hiddenFill xmlns:a14="http://schemas.microsoft.com/office/drawing/2010/main">
-                <a:solidFill>
-                  <a:srgbClr val="FFFFFF"/>
-                </a:solidFill>
-              </a14:hiddenFill>
-            </a:ext>
-          </a:extLst>
-        </p:spPr>
-      </p:pic>
+            <a:r>
+              <a:rPr lang="en-US" dirty="0"/>
+              <a:t>Support Vector Machines</a:t>
+            </a:r>
+          </a:p>
+        </p:txBody>
+      </p:sp>
     </p:spTree>
     <p:extLst>
       <p:ext uri="{BB962C8B-B14F-4D97-AF65-F5344CB8AC3E}">
-        <p14:creationId xmlns:p14="http://schemas.microsoft.com/office/powerpoint/2010/main" val="2853117273"/>
+        <p14:creationId xmlns:p14="http://schemas.microsoft.com/office/powerpoint/2010/main" val="2933682471"/>
       </p:ext>
     </p:extLst>
   </p:cSld>
@@ -8010,7 +8172,7 @@
           <p:cNvPr id="2" name="Title 1">
             <a:extLst>
               <a:ext uri="{FF2B5EF4-FFF2-40B4-BE49-F238E27FC236}">
-                <a16:creationId xmlns:a16="http://schemas.microsoft.com/office/drawing/2014/main" id="{BC8107AF-A697-F007-FBC6-663EEACE8539}"/>
+                <a16:creationId xmlns:a16="http://schemas.microsoft.com/office/drawing/2014/main" id="{49241911-89D4-97F0-FABA-ADD4726EFB7A}"/>
               </a:ext>
             </a:extLst>
           </p:cNvPr>
@@ -8028,7 +8190,7 @@
           <a:p>
             <a:r>
               <a:rPr lang="en-US" dirty="0"/>
-              <a:t>Modeling</a:t>
+              <a:t>Sources</a:t>
             </a:r>
           </a:p>
         </p:txBody>
@@ -8038,7 +8200,7 @@
           <p:cNvPr id="3" name="Content Placeholder 2">
             <a:extLst>
               <a:ext uri="{FF2B5EF4-FFF2-40B4-BE49-F238E27FC236}">
-                <a16:creationId xmlns:a16="http://schemas.microsoft.com/office/drawing/2014/main" id="{AC68744F-2AB0-9C00-83B2-5DA833BC80DC}"/>
+                <a16:creationId xmlns:a16="http://schemas.microsoft.com/office/drawing/2014/main" id="{39FCF39E-D111-3122-EA43-D55DA132BB63}"/>
               </a:ext>
             </a:extLst>
           </p:cNvPr>
@@ -8051,44 +8213,99 @@
         </p:nvSpPr>
         <p:spPr/>
         <p:txBody>
-          <a:bodyPr>
-            <a:normAutofit/>
-          </a:bodyPr>
-          <a:lstStyle/>
-          <a:p>
-            <a:pPr algn="l"/>
-            <a:r>
-              <a:rPr lang="en-US" dirty="0"/>
-              <a:t>Logistic Regression</a:t>
-            </a:r>
-          </a:p>
-          <a:p>
-            <a:pPr algn="l"/>
-            <a:r>
-              <a:rPr lang="en-US" dirty="0"/>
-              <a:t>Decision Tree</a:t>
-            </a:r>
-          </a:p>
-          <a:p>
-            <a:pPr algn="l"/>
-            <a:r>
-              <a:rPr lang="en-US" dirty="0"/>
-              <a:t>Random Forest</a:t>
-            </a:r>
-          </a:p>
-          <a:p>
-            <a:pPr algn="l"/>
-            <a:r>
-              <a:rPr lang="en-US" dirty="0"/>
-              <a:t>Support Vector Machines</a:t>
-            </a:r>
+          <a:bodyPr/>
+          <a:lstStyle/>
+          <a:p>
+            <a:pPr marL="457200" indent="-457200">
+              <a:buAutoNum type="arabicPeriod"/>
+            </a:pPr>
+            <a:r>
+              <a:rPr lang="en-US" dirty="0">
+                <a:hlinkClick r:id="rId2"/>
+              </a:rPr>
+              <a:t>https://www.forbes.com/sites/forbesbusinesscouncil/2022/12/12/customer-retention-versus-customer-acquisition/?sh=3cef46fc1c7d</a:t>
+            </a:r>
+            <a:endParaRPr lang="en-US" dirty="0"/>
+          </a:p>
+          <a:p>
+            <a:pPr marL="457200" indent="-457200">
+              <a:buAutoNum type="arabicPeriod"/>
+            </a:pPr>
+            <a:r>
+              <a:rPr lang="en-US" dirty="0">
+                <a:hlinkClick r:id="rId3"/>
+              </a:rPr>
+              <a:t>https://www.kaggle.com/datasets/teejmahal20/airline-passenger-satisfaction</a:t>
+            </a:r>
+            <a:endParaRPr lang="en-US" dirty="0"/>
+          </a:p>
+          <a:p>
+            <a:pPr marL="457200" indent="-457200">
+              <a:buAutoNum type="arabicPeriod"/>
+            </a:pPr>
+            <a:r>
+              <a:rPr lang="en-US" dirty="0">
+                <a:hlinkClick r:id="rId4"/>
+              </a:rPr>
+              <a:t>https://www.sciencedirect.com/science/article/pii/S0969699723000844#bib20</a:t>
+            </a:r>
+            <a:endParaRPr lang="en-US" dirty="0"/>
+          </a:p>
+          <a:p>
+            <a:pPr marL="457200" indent="-457200">
+              <a:buAutoNum type="arabicPeriod"/>
+            </a:pPr>
+            <a:r>
+              <a:rPr lang="en-US" dirty="0">
+                <a:hlinkClick r:id="rId5"/>
+              </a:rPr>
+              <a:t>https://www.sciencedirect.com/science/article/abs/pii/S0969699719302959</a:t>
+            </a:r>
+            <a:endParaRPr lang="en-US" dirty="0"/>
+          </a:p>
+          <a:p>
+            <a:pPr marL="457200" indent="-457200">
+              <a:buFont typeface="Wingdings 2" pitchFamily="18" charset="2"/>
+              <a:buAutoNum type="arabicPeriod"/>
+            </a:pPr>
+            <a:r>
+              <a:rPr lang="en-US" dirty="0">
+                <a:hlinkClick r:id="rId6"/>
+              </a:rPr>
+              <a:t>https://www.sciencedirect.com/science/article/pii/S2352340923002421</a:t>
+            </a:r>
+            <a:endParaRPr lang="en-US" dirty="0"/>
+          </a:p>
+          <a:p>
+            <a:pPr marL="457200" indent="-457200">
+              <a:buAutoNum type="arabicPeriod"/>
+            </a:pPr>
+            <a:r>
+              <a:rPr lang="en-US" dirty="0">
+                <a:hlinkClick r:id="rId7"/>
+              </a:rPr>
+              <a:t>https://psycnet.apa.org/record/1989-10632-001</a:t>
+            </a:r>
+            <a:endParaRPr lang="en-US" dirty="0"/>
+          </a:p>
+          <a:p>
+            <a:pPr marL="457200" indent="-457200">
+              <a:buAutoNum type="arabicPeriod"/>
+            </a:pPr>
+            <a:r>
+              <a:rPr lang="en-US" dirty="0">
+                <a:hlinkClick r:id="rId8"/>
+              </a:rPr>
+              <a:t>https://www.techscience.com/cmc/v75n1/51460/pdf</a:t>
+            </a:r>
+            <a:endParaRPr lang="en-US" dirty="0"/>
           </a:p>
         </p:txBody>
       </p:sp>
     </p:spTree>
     <p:extLst>
       <p:ext uri="{BB962C8B-B14F-4D97-AF65-F5344CB8AC3E}">
-        <p14:creationId xmlns:p14="http://schemas.microsoft.com/office/powerpoint/2010/main" val="2933682471"/>
+        <p14:creationId xmlns:p14="http://schemas.microsoft.com/office/powerpoint/2010/main" val="1917321065"/>
       </p:ext>
     </p:extLst>
   </p:cSld>

--- a/Final Presentation Slides/Team_6_Final_Slides.pptx
+++ b/Final Presentation Slides/Team_6_Final_Slides.pptx
@@ -5,20 +5,27 @@
     <p:sldMasterId id="2147483797" r:id="rId1"/>
   </p:sldMasterIdLst>
   <p:notesMasterIdLst>
-    <p:notesMasterId r:id="rId13"/>
+    <p:notesMasterId r:id="rId20"/>
   </p:notesMasterIdLst>
   <p:sldIdLst>
     <p:sldId id="256" r:id="rId2"/>
     <p:sldId id="258" r:id="rId3"/>
-    <p:sldId id="259" r:id="rId4"/>
-    <p:sldId id="265" r:id="rId5"/>
-    <p:sldId id="264" r:id="rId6"/>
-    <p:sldId id="277" r:id="rId7"/>
-    <p:sldId id="276" r:id="rId8"/>
-    <p:sldId id="275" r:id="rId9"/>
-    <p:sldId id="260" r:id="rId10"/>
-    <p:sldId id="270" r:id="rId11"/>
-    <p:sldId id="271" r:id="rId12"/>
+    <p:sldId id="279" r:id="rId4"/>
+    <p:sldId id="259" r:id="rId5"/>
+    <p:sldId id="285" r:id="rId6"/>
+    <p:sldId id="280" r:id="rId7"/>
+    <p:sldId id="281" r:id="rId8"/>
+    <p:sldId id="277" r:id="rId9"/>
+    <p:sldId id="284" r:id="rId10"/>
+    <p:sldId id="282" r:id="rId11"/>
+    <p:sldId id="283" r:id="rId12"/>
+    <p:sldId id="276" r:id="rId13"/>
+    <p:sldId id="286" r:id="rId14"/>
+    <p:sldId id="287" r:id="rId15"/>
+    <p:sldId id="275" r:id="rId16"/>
+    <p:sldId id="260" r:id="rId17"/>
+    <p:sldId id="270" r:id="rId18"/>
+    <p:sldId id="271" r:id="rId19"/>
   </p:sldIdLst>
   <p:sldSz cx="12192000" cy="6858000"/>
   <p:notesSz cx="6858000" cy="9144000"/>
@@ -221,7 +228,7 @@
           <a:p>
             <a:fld id="{9824F8DB-2990-4811-82DD-7422336D885B}" type="datetimeFigureOut">
               <a:rPr lang="en-US" smtClean="0"/>
-              <a:t>7/17/2023</a:t>
+              <a:t>7/18/2023</a:t>
             </a:fld>
             <a:endParaRPr lang="en-US"/>
           </a:p>
@@ -575,6 +582,768 @@
 </p:notes>
 </file>
 
+<file path=ppt/notesSlides/notesSlide10.xml><?xml version="1.0" encoding="utf-8"?>
+<p:notes xmlns:a="http://schemas.openxmlformats.org/drawingml/2006/main" xmlns:r="http://schemas.openxmlformats.org/officeDocument/2006/relationships" xmlns:p="http://schemas.openxmlformats.org/presentationml/2006/main">
+  <p:cSld>
+    <p:spTree>
+      <p:nvGrpSpPr>
+        <p:cNvPr id="1" name=""/>
+        <p:cNvGrpSpPr/>
+        <p:nvPr/>
+      </p:nvGrpSpPr>
+      <p:grpSpPr>
+        <a:xfrm>
+          <a:off x="0" y="0"/>
+          <a:ext cx="0" cy="0"/>
+          <a:chOff x="0" y="0"/>
+          <a:chExt cx="0" cy="0"/>
+        </a:xfrm>
+      </p:grpSpPr>
+      <p:sp>
+        <p:nvSpPr>
+          <p:cNvPr id="2" name="Slide Image Placeholder 1"/>
+          <p:cNvSpPr>
+            <a:spLocks noGrp="1" noRot="1" noChangeAspect="1"/>
+          </p:cNvSpPr>
+          <p:nvPr>
+            <p:ph type="sldImg"/>
+          </p:nvPr>
+        </p:nvSpPr>
+        <p:spPr/>
+      </p:sp>
+      <p:sp>
+        <p:nvSpPr>
+          <p:cNvPr id="3" name="Notes Placeholder 2"/>
+          <p:cNvSpPr>
+            <a:spLocks noGrp="1"/>
+          </p:cNvSpPr>
+          <p:nvPr>
+            <p:ph type="body" idx="1"/>
+          </p:nvPr>
+        </p:nvSpPr>
+        <p:spPr/>
+        <p:txBody>
+          <a:bodyPr/>
+          <a:lstStyle/>
+          <a:p>
+            <a:r>
+              <a:rPr lang="en-US" sz="1800" dirty="0">
+                <a:effectLst/>
+                <a:latin typeface="Segoe UI" panose="020B0502040204020203" pitchFamily="34" charset="0"/>
+              </a:rPr>
+              <a:t>Business class passengers are overwhelmingly more likely to be satisfied whereas economy and economy plus passengers are highly likely to be unsatisfied.</a:t>
+            </a:r>
+            <a:endParaRPr lang="en-US" dirty="0"/>
+          </a:p>
+        </p:txBody>
+      </p:sp>
+      <p:sp>
+        <p:nvSpPr>
+          <p:cNvPr id="4" name="Slide Number Placeholder 3"/>
+          <p:cNvSpPr>
+            <a:spLocks noGrp="1"/>
+          </p:cNvSpPr>
+          <p:nvPr>
+            <p:ph type="sldNum" sz="quarter" idx="5"/>
+          </p:nvPr>
+        </p:nvSpPr>
+        <p:spPr/>
+        <p:txBody>
+          <a:bodyPr/>
+          <a:lstStyle/>
+          <a:p>
+            <a:fld id="{9BCCD4D3-9FFD-4D42-BD91-737D0D78D7F6}" type="slidenum">
+              <a:rPr lang="en-US" smtClean="0"/>
+              <a:t>10</a:t>
+            </a:fld>
+            <a:endParaRPr lang="en-US"/>
+          </a:p>
+        </p:txBody>
+      </p:sp>
+    </p:spTree>
+    <p:extLst>
+      <p:ext uri="{BB962C8B-B14F-4D97-AF65-F5344CB8AC3E}">
+        <p14:creationId xmlns:p14="http://schemas.microsoft.com/office/powerpoint/2010/main" val="949423231"/>
+      </p:ext>
+    </p:extLst>
+  </p:cSld>
+  <p:clrMapOvr>
+    <a:masterClrMapping/>
+  </p:clrMapOvr>
+</p:notes>
+</file>
+
+<file path=ppt/notesSlides/notesSlide11.xml><?xml version="1.0" encoding="utf-8"?>
+<p:notes xmlns:a="http://schemas.openxmlformats.org/drawingml/2006/main" xmlns:r="http://schemas.openxmlformats.org/officeDocument/2006/relationships" xmlns:p="http://schemas.openxmlformats.org/presentationml/2006/main">
+  <p:cSld>
+    <p:spTree>
+      <p:nvGrpSpPr>
+        <p:cNvPr id="1" name=""/>
+        <p:cNvGrpSpPr/>
+        <p:nvPr/>
+      </p:nvGrpSpPr>
+      <p:grpSpPr>
+        <a:xfrm>
+          <a:off x="0" y="0"/>
+          <a:ext cx="0" cy="0"/>
+          <a:chOff x="0" y="0"/>
+          <a:chExt cx="0" cy="0"/>
+        </a:xfrm>
+      </p:grpSpPr>
+      <p:sp>
+        <p:nvSpPr>
+          <p:cNvPr id="2" name="Slide Image Placeholder 1"/>
+          <p:cNvSpPr>
+            <a:spLocks noGrp="1" noRot="1" noChangeAspect="1"/>
+          </p:cNvSpPr>
+          <p:nvPr>
+            <p:ph type="sldImg"/>
+          </p:nvPr>
+        </p:nvSpPr>
+        <p:spPr/>
+      </p:sp>
+      <p:sp>
+        <p:nvSpPr>
+          <p:cNvPr id="3" name="Notes Placeholder 2"/>
+          <p:cNvSpPr>
+            <a:spLocks noGrp="1"/>
+          </p:cNvSpPr>
+          <p:nvPr>
+            <p:ph type="body" idx="1"/>
+          </p:nvPr>
+        </p:nvSpPr>
+        <p:spPr/>
+        <p:txBody>
+          <a:bodyPr/>
+          <a:lstStyle/>
+          <a:p>
+            <a:r>
+              <a:rPr lang="en-US" dirty="0"/>
+              <a:t>Low cleanliness values of 1 and 2 are highly likely to lead to low satisfaction but once cleanliness is acceptable at 3 or above it does not seem to have a significant effect in creating additional satisfaction.</a:t>
+            </a:r>
+          </a:p>
+        </p:txBody>
+      </p:sp>
+      <p:sp>
+        <p:nvSpPr>
+          <p:cNvPr id="4" name="Slide Number Placeholder 3"/>
+          <p:cNvSpPr>
+            <a:spLocks noGrp="1"/>
+          </p:cNvSpPr>
+          <p:nvPr>
+            <p:ph type="sldNum" sz="quarter" idx="5"/>
+          </p:nvPr>
+        </p:nvSpPr>
+        <p:spPr/>
+        <p:txBody>
+          <a:bodyPr/>
+          <a:lstStyle/>
+          <a:p>
+            <a:fld id="{9BCCD4D3-9FFD-4D42-BD91-737D0D78D7F6}" type="slidenum">
+              <a:rPr lang="en-US" smtClean="0"/>
+              <a:t>11</a:t>
+            </a:fld>
+            <a:endParaRPr lang="en-US"/>
+          </a:p>
+        </p:txBody>
+      </p:sp>
+    </p:spTree>
+    <p:extLst>
+      <p:ext uri="{BB962C8B-B14F-4D97-AF65-F5344CB8AC3E}">
+        <p14:creationId xmlns:p14="http://schemas.microsoft.com/office/powerpoint/2010/main" val="3134963643"/>
+      </p:ext>
+    </p:extLst>
+  </p:cSld>
+  <p:clrMapOvr>
+    <a:masterClrMapping/>
+  </p:clrMapOvr>
+</p:notes>
+</file>
+
+<file path=ppt/notesSlides/notesSlide12.xml><?xml version="1.0" encoding="utf-8"?>
+<p:notes xmlns:a="http://schemas.openxmlformats.org/drawingml/2006/main" xmlns:r="http://schemas.openxmlformats.org/officeDocument/2006/relationships" xmlns:p="http://schemas.openxmlformats.org/presentationml/2006/main">
+  <p:cSld>
+    <p:spTree>
+      <p:nvGrpSpPr>
+        <p:cNvPr id="1" name=""/>
+        <p:cNvGrpSpPr/>
+        <p:nvPr/>
+      </p:nvGrpSpPr>
+      <p:grpSpPr>
+        <a:xfrm>
+          <a:off x="0" y="0"/>
+          <a:ext cx="0" cy="0"/>
+          <a:chOff x="0" y="0"/>
+          <a:chExt cx="0" cy="0"/>
+        </a:xfrm>
+      </p:grpSpPr>
+      <p:sp>
+        <p:nvSpPr>
+          <p:cNvPr id="2" name="Slide Image Placeholder 1"/>
+          <p:cNvSpPr>
+            <a:spLocks noGrp="1" noRot="1" noChangeAspect="1"/>
+          </p:cNvSpPr>
+          <p:nvPr>
+            <p:ph type="sldImg"/>
+          </p:nvPr>
+        </p:nvSpPr>
+        <p:spPr/>
+      </p:sp>
+      <p:sp>
+        <p:nvSpPr>
+          <p:cNvPr id="3" name="Notes Placeholder 2"/>
+          <p:cNvSpPr>
+            <a:spLocks noGrp="1"/>
+          </p:cNvSpPr>
+          <p:nvPr>
+            <p:ph type="body" idx="1"/>
+          </p:nvPr>
+        </p:nvSpPr>
+        <p:spPr/>
+        <p:txBody>
+          <a:bodyPr/>
+          <a:lstStyle/>
+          <a:p>
+            <a:r>
+              <a:rPr lang="en-US" sz="1800" b="0" i="0" u="none" strike="noStrike" dirty="0">
+                <a:solidFill>
+                  <a:srgbClr val="000000"/>
+                </a:solidFill>
+                <a:effectLst/>
+                <a:latin typeface="Times New Roman" panose="02020603050405020304" pitchFamily="18" charset="0"/>
+              </a:rPr>
+              <a:t>Passengers express greater dissatisfaction with services like </a:t>
+            </a:r>
+            <a:r>
+              <a:rPr lang="en-US" sz="1800" b="0" i="1" u="none" strike="noStrike" dirty="0" err="1">
+                <a:solidFill>
+                  <a:srgbClr val="000000"/>
+                </a:solidFill>
+                <a:effectLst/>
+                <a:latin typeface="Times New Roman" panose="02020603050405020304" pitchFamily="18" charset="0"/>
+              </a:rPr>
+              <a:t>Inflight.wifi.service</a:t>
+            </a:r>
+            <a:r>
+              <a:rPr lang="en-US" sz="1800" b="0" i="0" u="none" strike="noStrike" dirty="0">
+                <a:solidFill>
+                  <a:srgbClr val="000000"/>
+                </a:solidFill>
+                <a:effectLst/>
+                <a:latin typeface="Times New Roman" panose="02020603050405020304" pitchFamily="18" charset="0"/>
+              </a:rPr>
+              <a:t>, </a:t>
+            </a:r>
+            <a:r>
+              <a:rPr lang="en-US" sz="1800" b="0" i="1" u="none" strike="noStrike" dirty="0" err="1">
+                <a:solidFill>
+                  <a:srgbClr val="000000"/>
+                </a:solidFill>
+                <a:effectLst/>
+                <a:latin typeface="Times New Roman" panose="02020603050405020304" pitchFamily="18" charset="0"/>
+              </a:rPr>
+              <a:t>Inflight.entertainment</a:t>
+            </a:r>
+            <a:r>
+              <a:rPr lang="en-US" sz="1800" b="0" i="0" u="none" strike="noStrike" dirty="0">
+                <a:solidFill>
+                  <a:srgbClr val="000000"/>
+                </a:solidFill>
+                <a:effectLst/>
+                <a:latin typeface="Times New Roman" panose="02020603050405020304" pitchFamily="18" charset="0"/>
+              </a:rPr>
+              <a:t>, </a:t>
+            </a:r>
+            <a:r>
+              <a:rPr lang="en-US" sz="1800" b="0" i="1" u="none" strike="noStrike" dirty="0" err="1">
+                <a:solidFill>
+                  <a:srgbClr val="000000"/>
+                </a:solidFill>
+                <a:effectLst/>
+                <a:latin typeface="Times New Roman" panose="02020603050405020304" pitchFamily="18" charset="0"/>
+              </a:rPr>
+              <a:t>Baggage.handling</a:t>
+            </a:r>
+            <a:r>
+              <a:rPr lang="en-US" sz="1800" b="0" i="0" u="none" strike="noStrike" dirty="0">
+                <a:solidFill>
+                  <a:srgbClr val="000000"/>
+                </a:solidFill>
+                <a:effectLst/>
+                <a:latin typeface="Times New Roman" panose="02020603050405020304" pitchFamily="18" charset="0"/>
+              </a:rPr>
+              <a:t>, </a:t>
+            </a:r>
+            <a:r>
+              <a:rPr lang="en-US" sz="1800" b="0" i="1" u="none" strike="noStrike" dirty="0" err="1">
+                <a:solidFill>
+                  <a:srgbClr val="000000"/>
+                </a:solidFill>
+                <a:effectLst/>
+                <a:latin typeface="Times New Roman" panose="02020603050405020304" pitchFamily="18" charset="0"/>
+              </a:rPr>
+              <a:t>On.board.service</a:t>
+            </a:r>
+            <a:r>
+              <a:rPr lang="en-US" sz="1800" b="0" i="0" u="none" strike="noStrike" dirty="0">
+                <a:solidFill>
+                  <a:srgbClr val="000000"/>
+                </a:solidFill>
+                <a:effectLst/>
+                <a:latin typeface="Times New Roman" panose="02020603050405020304" pitchFamily="18" charset="0"/>
+              </a:rPr>
+              <a:t>, </a:t>
+            </a:r>
+            <a:r>
+              <a:rPr lang="en-US" sz="1800" b="0" i="1" u="none" strike="noStrike" dirty="0" err="1">
+                <a:solidFill>
+                  <a:srgbClr val="000000"/>
+                </a:solidFill>
+                <a:effectLst/>
+                <a:latin typeface="Times New Roman" panose="02020603050405020304" pitchFamily="18" charset="0"/>
+              </a:rPr>
+              <a:t>Inflight.service</a:t>
+            </a:r>
+            <a:r>
+              <a:rPr lang="en-US" sz="1800" b="0" i="0" u="none" strike="noStrike" dirty="0">
+                <a:solidFill>
+                  <a:srgbClr val="000000"/>
+                </a:solidFill>
+                <a:effectLst/>
+                <a:latin typeface="Times New Roman" panose="02020603050405020304" pitchFamily="18" charset="0"/>
+              </a:rPr>
+              <a:t>. The ratings for these services need to be above </a:t>
+            </a:r>
+            <a:r>
+              <a:rPr lang="en-US" sz="1800" b="0" i="0" u="none" strike="noStrike" dirty="0" err="1">
+                <a:solidFill>
+                  <a:srgbClr val="000000"/>
+                </a:solidFill>
+                <a:effectLst/>
+                <a:latin typeface="Times New Roman" panose="02020603050405020304" pitchFamily="18" charset="0"/>
+              </a:rPr>
+              <a:t>above</a:t>
+            </a:r>
+            <a:r>
+              <a:rPr lang="en-US" sz="1800" b="0" i="0" u="none" strike="noStrike" dirty="0">
+                <a:solidFill>
+                  <a:srgbClr val="000000"/>
+                </a:solidFill>
+                <a:effectLst/>
+                <a:latin typeface="Times New Roman" panose="02020603050405020304" pitchFamily="18" charset="0"/>
+              </a:rPr>
+              <a:t> 3 to increase satisfaction levels and even then it’s approximately a fifty </a:t>
+            </a:r>
+            <a:r>
+              <a:rPr lang="en-US" sz="1800" b="0" i="0" u="none" strike="noStrike" dirty="0" err="1">
+                <a:solidFill>
+                  <a:srgbClr val="000000"/>
+                </a:solidFill>
+                <a:effectLst/>
+                <a:latin typeface="Times New Roman" panose="02020603050405020304" pitchFamily="18" charset="0"/>
+              </a:rPr>
+              <a:t>fifty</a:t>
+            </a:r>
+            <a:r>
+              <a:rPr lang="en-US" sz="1800" b="0" i="0" u="none" strike="noStrike" dirty="0">
+                <a:solidFill>
+                  <a:srgbClr val="000000"/>
+                </a:solidFill>
+                <a:effectLst/>
+                <a:latin typeface="Times New Roman" panose="02020603050405020304" pitchFamily="18" charset="0"/>
+              </a:rPr>
+              <a:t> split on whether customers will be satisfied.</a:t>
+            </a:r>
+          </a:p>
+        </p:txBody>
+      </p:sp>
+      <p:sp>
+        <p:nvSpPr>
+          <p:cNvPr id="4" name="Slide Number Placeholder 3"/>
+          <p:cNvSpPr>
+            <a:spLocks noGrp="1"/>
+          </p:cNvSpPr>
+          <p:nvPr>
+            <p:ph type="sldNum" sz="quarter" idx="5"/>
+          </p:nvPr>
+        </p:nvSpPr>
+        <p:spPr/>
+        <p:txBody>
+          <a:bodyPr/>
+          <a:lstStyle/>
+          <a:p>
+            <a:fld id="{9BCCD4D3-9FFD-4D42-BD91-737D0D78D7F6}" type="slidenum">
+              <a:rPr lang="en-US" smtClean="0"/>
+              <a:t>12</a:t>
+            </a:fld>
+            <a:endParaRPr lang="en-US"/>
+          </a:p>
+        </p:txBody>
+      </p:sp>
+    </p:spTree>
+    <p:extLst>
+      <p:ext uri="{BB962C8B-B14F-4D97-AF65-F5344CB8AC3E}">
+        <p14:creationId xmlns:p14="http://schemas.microsoft.com/office/powerpoint/2010/main" val="153279925"/>
+      </p:ext>
+    </p:extLst>
+  </p:cSld>
+  <p:clrMapOvr>
+    <a:masterClrMapping/>
+  </p:clrMapOvr>
+</p:notes>
+</file>
+
+<file path=ppt/notesSlides/notesSlide13.xml><?xml version="1.0" encoding="utf-8"?>
+<p:notes xmlns:a="http://schemas.openxmlformats.org/drawingml/2006/main" xmlns:r="http://schemas.openxmlformats.org/officeDocument/2006/relationships" xmlns:p="http://schemas.openxmlformats.org/presentationml/2006/main">
+  <p:cSld>
+    <p:spTree>
+      <p:nvGrpSpPr>
+        <p:cNvPr id="1" name=""/>
+        <p:cNvGrpSpPr/>
+        <p:nvPr/>
+      </p:nvGrpSpPr>
+      <p:grpSpPr>
+        <a:xfrm>
+          <a:off x="0" y="0"/>
+          <a:ext cx="0" cy="0"/>
+          <a:chOff x="0" y="0"/>
+          <a:chExt cx="0" cy="0"/>
+        </a:xfrm>
+      </p:grpSpPr>
+      <p:sp>
+        <p:nvSpPr>
+          <p:cNvPr id="2" name="Slide Image Placeholder 1"/>
+          <p:cNvSpPr>
+            <a:spLocks noGrp="1" noRot="1" noChangeAspect="1"/>
+          </p:cNvSpPr>
+          <p:nvPr>
+            <p:ph type="sldImg"/>
+          </p:nvPr>
+        </p:nvSpPr>
+        <p:spPr/>
+      </p:sp>
+      <p:sp>
+        <p:nvSpPr>
+          <p:cNvPr id="3" name="Notes Placeholder 2"/>
+          <p:cNvSpPr>
+            <a:spLocks noGrp="1"/>
+          </p:cNvSpPr>
+          <p:nvPr>
+            <p:ph type="body" idx="1"/>
+          </p:nvPr>
+        </p:nvSpPr>
+        <p:spPr/>
+        <p:txBody>
+          <a:bodyPr/>
+          <a:lstStyle/>
+          <a:p>
+            <a:r>
+              <a:rPr lang="en-US" sz="1800" b="0" i="0" u="none" strike="noStrike" dirty="0">
+                <a:solidFill>
+                  <a:srgbClr val="000000"/>
+                </a:solidFill>
+                <a:effectLst/>
+                <a:latin typeface="Times New Roman" panose="02020603050405020304" pitchFamily="18" charset="0"/>
+              </a:rPr>
+              <a:t>We performed different correlation analyses. Shown here are the correlations for the numeric variables. This shows that </a:t>
+            </a:r>
+            <a:r>
+              <a:rPr lang="en-US" sz="1800" b="0" i="1" u="none" strike="noStrike" dirty="0" err="1">
+                <a:solidFill>
+                  <a:srgbClr val="000000"/>
+                </a:solidFill>
+                <a:effectLst/>
+                <a:latin typeface="Times New Roman" panose="02020603050405020304" pitchFamily="18" charset="0"/>
+              </a:rPr>
+              <a:t>Arrival.Delay.in.Minutes</a:t>
+            </a:r>
+            <a:r>
+              <a:rPr lang="en-US" sz="1800" b="0" i="0" u="none" strike="noStrike" dirty="0">
+                <a:solidFill>
+                  <a:srgbClr val="000000"/>
+                </a:solidFill>
+                <a:effectLst/>
+                <a:latin typeface="Times New Roman" panose="02020603050405020304" pitchFamily="18" charset="0"/>
+              </a:rPr>
+              <a:t> and </a:t>
+            </a:r>
+            <a:r>
+              <a:rPr lang="en-US" sz="1800" b="0" i="1" u="none" strike="noStrike" dirty="0" err="1">
+                <a:solidFill>
+                  <a:srgbClr val="000000"/>
+                </a:solidFill>
+                <a:effectLst/>
+                <a:latin typeface="Times New Roman" panose="02020603050405020304" pitchFamily="18" charset="0"/>
+              </a:rPr>
+              <a:t>Departure.Delay.in.Minutes</a:t>
+            </a:r>
+            <a:r>
+              <a:rPr lang="en-US" sz="1800" b="0" i="0" u="none" strike="noStrike" dirty="0">
+                <a:solidFill>
+                  <a:srgbClr val="000000"/>
+                </a:solidFill>
+                <a:effectLst/>
+                <a:latin typeface="Times New Roman" panose="02020603050405020304" pitchFamily="18" charset="0"/>
+              </a:rPr>
+              <a:t> are highly correlated.</a:t>
+            </a:r>
+            <a:endParaRPr lang="en-US" dirty="0"/>
+          </a:p>
+        </p:txBody>
+      </p:sp>
+      <p:sp>
+        <p:nvSpPr>
+          <p:cNvPr id="4" name="Slide Number Placeholder 3"/>
+          <p:cNvSpPr>
+            <a:spLocks noGrp="1"/>
+          </p:cNvSpPr>
+          <p:nvPr>
+            <p:ph type="sldNum" sz="quarter" idx="5"/>
+          </p:nvPr>
+        </p:nvSpPr>
+        <p:spPr/>
+        <p:txBody>
+          <a:bodyPr/>
+          <a:lstStyle/>
+          <a:p>
+            <a:fld id="{9BCCD4D3-9FFD-4D42-BD91-737D0D78D7F6}" type="slidenum">
+              <a:rPr lang="en-US" smtClean="0"/>
+              <a:t>13</a:t>
+            </a:fld>
+            <a:endParaRPr lang="en-US"/>
+          </a:p>
+        </p:txBody>
+      </p:sp>
+    </p:spTree>
+    <p:extLst>
+      <p:ext uri="{BB962C8B-B14F-4D97-AF65-F5344CB8AC3E}">
+        <p14:creationId xmlns:p14="http://schemas.microsoft.com/office/powerpoint/2010/main" val="2421873853"/>
+      </p:ext>
+    </p:extLst>
+  </p:cSld>
+  <p:clrMapOvr>
+    <a:masterClrMapping/>
+  </p:clrMapOvr>
+</p:notes>
+</file>
+
+<file path=ppt/notesSlides/notesSlide14.xml><?xml version="1.0" encoding="utf-8"?>
+<p:notes xmlns:a="http://schemas.openxmlformats.org/drawingml/2006/main" xmlns:r="http://schemas.openxmlformats.org/officeDocument/2006/relationships" xmlns:p="http://schemas.openxmlformats.org/presentationml/2006/main">
+  <p:cSld>
+    <p:spTree>
+      <p:nvGrpSpPr>
+        <p:cNvPr id="1" name=""/>
+        <p:cNvGrpSpPr/>
+        <p:nvPr/>
+      </p:nvGrpSpPr>
+      <p:grpSpPr>
+        <a:xfrm>
+          <a:off x="0" y="0"/>
+          <a:ext cx="0" cy="0"/>
+          <a:chOff x="0" y="0"/>
+          <a:chExt cx="0" cy="0"/>
+        </a:xfrm>
+      </p:grpSpPr>
+      <p:sp>
+        <p:nvSpPr>
+          <p:cNvPr id="2" name="Slide Image Placeholder 1"/>
+          <p:cNvSpPr>
+            <a:spLocks noGrp="1" noRot="1" noChangeAspect="1"/>
+          </p:cNvSpPr>
+          <p:nvPr>
+            <p:ph type="sldImg"/>
+          </p:nvPr>
+        </p:nvSpPr>
+        <p:spPr/>
+      </p:sp>
+      <p:sp>
+        <p:nvSpPr>
+          <p:cNvPr id="3" name="Notes Placeholder 2"/>
+          <p:cNvSpPr>
+            <a:spLocks noGrp="1"/>
+          </p:cNvSpPr>
+          <p:nvPr>
+            <p:ph type="body" idx="1"/>
+          </p:nvPr>
+        </p:nvSpPr>
+        <p:spPr/>
+        <p:txBody>
+          <a:bodyPr/>
+          <a:lstStyle/>
+          <a:p>
+            <a:pPr algn="just" rtl="0">
+              <a:spcBef>
+                <a:spcPts val="600"/>
+              </a:spcBef>
+              <a:spcAft>
+                <a:spcPts val="600"/>
+              </a:spcAft>
+            </a:pPr>
+            <a:r>
+              <a:rPr lang="en-US" sz="1800" b="0" i="0" u="none" strike="noStrike" dirty="0">
+                <a:solidFill>
+                  <a:srgbClr val="000000"/>
+                </a:solidFill>
+                <a:effectLst/>
+                <a:latin typeface="Times New Roman" panose="02020603050405020304" pitchFamily="18" charset="0"/>
+              </a:rPr>
+              <a:t>Shown here is a heat map for the categorical variables. </a:t>
+            </a:r>
+            <a:r>
+              <a:rPr lang="en-US" sz="1800" b="0" i="0" u="none" strike="noStrike" dirty="0">
+                <a:solidFill>
+                  <a:srgbClr val="000000"/>
+                </a:solidFill>
+                <a:effectLst/>
+                <a:highlight>
+                  <a:srgbClr val="FFFF00"/>
+                </a:highlight>
+                <a:latin typeface="Times New Roman" panose="02020603050405020304" pitchFamily="18" charset="0"/>
+              </a:rPr>
+              <a:t>All the values are less than 0.7 which suggests that there are no strong correlations between any of the variables.</a:t>
+            </a:r>
+            <a:endParaRPr lang="en-US" b="0" dirty="0">
+              <a:effectLst/>
+              <a:highlight>
+                <a:srgbClr val="FFFF00"/>
+              </a:highlight>
+            </a:endParaRPr>
+          </a:p>
+          <a:p>
+            <a:br>
+              <a:rPr lang="en-US" dirty="0"/>
+            </a:br>
+            <a:endParaRPr lang="en-US" dirty="0"/>
+          </a:p>
+        </p:txBody>
+      </p:sp>
+      <p:sp>
+        <p:nvSpPr>
+          <p:cNvPr id="4" name="Slide Number Placeholder 3"/>
+          <p:cNvSpPr>
+            <a:spLocks noGrp="1"/>
+          </p:cNvSpPr>
+          <p:nvPr>
+            <p:ph type="sldNum" sz="quarter" idx="5"/>
+          </p:nvPr>
+        </p:nvSpPr>
+        <p:spPr/>
+        <p:txBody>
+          <a:bodyPr/>
+          <a:lstStyle/>
+          <a:p>
+            <a:fld id="{9BCCD4D3-9FFD-4D42-BD91-737D0D78D7F6}" type="slidenum">
+              <a:rPr lang="en-US" smtClean="0"/>
+              <a:t>14</a:t>
+            </a:fld>
+            <a:endParaRPr lang="en-US"/>
+          </a:p>
+        </p:txBody>
+      </p:sp>
+    </p:spTree>
+    <p:extLst>
+      <p:ext uri="{BB962C8B-B14F-4D97-AF65-F5344CB8AC3E}">
+        <p14:creationId xmlns:p14="http://schemas.microsoft.com/office/powerpoint/2010/main" val="3351643655"/>
+      </p:ext>
+    </p:extLst>
+  </p:cSld>
+  <p:clrMapOvr>
+    <a:masterClrMapping/>
+  </p:clrMapOvr>
+</p:notes>
+</file>
+
+<file path=ppt/notesSlides/notesSlide15.xml><?xml version="1.0" encoding="utf-8"?>
+<p:notes xmlns:a="http://schemas.openxmlformats.org/drawingml/2006/main" xmlns:r="http://schemas.openxmlformats.org/officeDocument/2006/relationships" xmlns:p="http://schemas.openxmlformats.org/presentationml/2006/main">
+  <p:cSld>
+    <p:spTree>
+      <p:nvGrpSpPr>
+        <p:cNvPr id="1" name=""/>
+        <p:cNvGrpSpPr/>
+        <p:nvPr/>
+      </p:nvGrpSpPr>
+      <p:grpSpPr>
+        <a:xfrm>
+          <a:off x="0" y="0"/>
+          <a:ext cx="0" cy="0"/>
+          <a:chOff x="0" y="0"/>
+          <a:chExt cx="0" cy="0"/>
+        </a:xfrm>
+      </p:grpSpPr>
+      <p:sp>
+        <p:nvSpPr>
+          <p:cNvPr id="2" name="Slide Image Placeholder 1"/>
+          <p:cNvSpPr>
+            <a:spLocks noGrp="1" noRot="1" noChangeAspect="1"/>
+          </p:cNvSpPr>
+          <p:nvPr>
+            <p:ph type="sldImg"/>
+          </p:nvPr>
+        </p:nvSpPr>
+        <p:spPr/>
+      </p:sp>
+      <p:sp>
+        <p:nvSpPr>
+          <p:cNvPr id="3" name="Notes Placeholder 2"/>
+          <p:cNvSpPr>
+            <a:spLocks noGrp="1"/>
+          </p:cNvSpPr>
+          <p:nvPr>
+            <p:ph type="body" idx="1"/>
+          </p:nvPr>
+        </p:nvSpPr>
+        <p:spPr/>
+        <p:txBody>
+          <a:bodyPr/>
+          <a:lstStyle/>
+          <a:p>
+            <a:r>
+              <a:rPr lang="en-US" sz="1800" dirty="0">
+                <a:effectLst/>
+                <a:latin typeface="Segoe UI" panose="020B0502040204020203" pitchFamily="34" charset="0"/>
+              </a:rPr>
+              <a:t>Departure delay and arrival delay are highly correlated and arrival delay has missing values so we will be excluding arrival delay. ID is removed because it doesn’t provide useful information for modeling.</a:t>
+            </a:r>
+            <a:endParaRPr lang="en-US" dirty="0"/>
+          </a:p>
+        </p:txBody>
+      </p:sp>
+      <p:sp>
+        <p:nvSpPr>
+          <p:cNvPr id="4" name="Slide Number Placeholder 3"/>
+          <p:cNvSpPr>
+            <a:spLocks noGrp="1"/>
+          </p:cNvSpPr>
+          <p:nvPr>
+            <p:ph type="sldNum" sz="quarter" idx="5"/>
+          </p:nvPr>
+        </p:nvSpPr>
+        <p:spPr/>
+        <p:txBody>
+          <a:bodyPr/>
+          <a:lstStyle/>
+          <a:p>
+            <a:fld id="{9BCCD4D3-9FFD-4D42-BD91-737D0D78D7F6}" type="slidenum">
+              <a:rPr lang="en-US" smtClean="0"/>
+              <a:t>15</a:t>
+            </a:fld>
+            <a:endParaRPr lang="en-US"/>
+          </a:p>
+        </p:txBody>
+      </p:sp>
+    </p:spTree>
+    <p:extLst>
+      <p:ext uri="{BB962C8B-B14F-4D97-AF65-F5344CB8AC3E}">
+        <p14:creationId xmlns:p14="http://schemas.microsoft.com/office/powerpoint/2010/main" val="3459143105"/>
+      </p:ext>
+    </p:extLst>
+  </p:cSld>
+  <p:clrMapOvr>
+    <a:masterClrMapping/>
+  </p:clrMapOvr>
+</p:notes>
+</file>
+
 <file path=ppt/notesSlides/notesSlide2.xml><?xml version="1.0" encoding="utf-8"?>
 <p:notes xmlns:a="http://schemas.openxmlformats.org/drawingml/2006/main" xmlns:r="http://schemas.openxmlformats.org/officeDocument/2006/relationships" xmlns:p="http://schemas.openxmlformats.org/presentationml/2006/main">
   <p:cSld>
@@ -619,28 +1388,7 @@
           <a:bodyPr/>
           <a:lstStyle/>
           <a:p>
-            <a:r>
-              <a:rPr lang="en-US" dirty="0"/>
-              <a:t>We intend to use a dataset consisting of airline passenger satisfaction survey results to understand which factors are most important to customers and provide recommendations on how money should be invested or re-allocated.</a:t>
-            </a:r>
-          </a:p>
-          <a:p>
             <a:endParaRPr lang="en-US" dirty="0"/>
-          </a:p>
-          <a:p>
-            <a:r>
-              <a:rPr lang="en-US" dirty="0"/>
-              <a:t>Customer satisfaction is a main driver in attracting and retaining business. By finding the most important factors we can provide key insights for airlines to enhance their services, improve the customer experience and optimize business operations.</a:t>
-            </a:r>
-          </a:p>
-          <a:p>
-            <a:endParaRPr lang="en-US" dirty="0"/>
-          </a:p>
-          <a:p>
-            <a:r>
-              <a:rPr lang="en-US" dirty="0"/>
-              <a:t>Some estimates indicate that increasing customer retention by as little as 5% increases profits by 25-95%.</a:t>
-            </a:r>
           </a:p>
         </p:txBody>
       </p:sp>
@@ -725,28 +1473,27 @@
           <a:lstStyle/>
           <a:p>
             <a:r>
-              <a:rPr lang="en-US" sz="1800" dirty="0">
-                <a:effectLst/>
-                <a:latin typeface="Segoe UI" panose="020B0502040204020203" pitchFamily="34" charset="0"/>
-              </a:rPr>
-              <a:t>Here is an overview of our dataset which contains user ratings for multiple aspects of air travel.</a:t>
-            </a:r>
-          </a:p>
-          <a:p>
-            <a:endParaRPr lang="en-US" sz="1800" dirty="0">
-              <a:effectLst/>
-              <a:latin typeface="Segoe UI" panose="020B0502040204020203" pitchFamily="34" charset="0"/>
-            </a:endParaRPr>
-          </a:p>
-          <a:p>
-            <a:r>
-              <a:rPr lang="en-US" sz="1800" dirty="0">
-                <a:effectLst/>
-                <a:latin typeface="Segoe UI" panose="020B0502040204020203" pitchFamily="34" charset="0"/>
-              </a:rPr>
-              <a:t>It is important to note that the last row, shown in the orange box, indicates whether the passenger was satisfied or not. This is the dependent variable that we will fit our models to.</a:t>
-            </a:r>
+              <a:rPr lang="en-US" dirty="0"/>
+              <a:t>We used a dataset consisting of airline passenger satisfaction survey results to understand which factors are most important to customers and provide recommendations to airlines on how money should be invested or re-allocated to increase customer satisfaction.</a:t>
+            </a:r>
+          </a:p>
+          <a:p>
             <a:endParaRPr lang="en-US" dirty="0"/>
+          </a:p>
+          <a:p>
+            <a:r>
+              <a:rPr lang="en-US" dirty="0"/>
+              <a:t>Customer satisfaction is a main driver in attracting and retaining business. By finding the most important factors we can provide key insights for airlines to enhance their services, improve the customer experience and optimize business operations in order to differentiate themselves from the competition.</a:t>
+            </a:r>
+          </a:p>
+          <a:p>
+            <a:endParaRPr lang="en-US" dirty="0"/>
+          </a:p>
+          <a:p>
+            <a:r>
+              <a:rPr lang="en-US" dirty="0"/>
+              <a:t>Some estimates indicate that increasing customer retention by as little as 5% increases profits by 25-95%. </a:t>
+            </a:r>
           </a:p>
         </p:txBody>
       </p:sp>
@@ -776,7 +1523,7 @@
     </p:spTree>
     <p:extLst>
       <p:ext uri="{BB962C8B-B14F-4D97-AF65-F5344CB8AC3E}">
-        <p14:creationId xmlns:p14="http://schemas.microsoft.com/office/powerpoint/2010/main" val="654713510"/>
+        <p14:creationId xmlns:p14="http://schemas.microsoft.com/office/powerpoint/2010/main" val="3040300232"/>
       </p:ext>
     </p:extLst>
   </p:cSld>
@@ -831,24 +1578,28 @@
           <a:lstStyle/>
           <a:p>
             <a:r>
-              <a:rPr lang="en-US" dirty="0"/>
-              <a:t>The green boxes show our prediction as to what we expect to be the most important factors in customer satisfaction.</a:t>
-            </a:r>
-          </a:p>
-          <a:p>
+              <a:rPr lang="en-US" sz="1800" dirty="0">
+                <a:effectLst/>
+                <a:latin typeface="Segoe UI" panose="020B0502040204020203" pitchFamily="34" charset="0"/>
+              </a:rPr>
+              <a:t>Here is an overview of our dataset which is publicly available on Kaggle. It contains user ratings for multiple aspects of air travel.</a:t>
+            </a:r>
+          </a:p>
+          <a:p>
+            <a:endParaRPr lang="en-US" sz="1800" dirty="0">
+              <a:effectLst/>
+              <a:latin typeface="Segoe UI" panose="020B0502040204020203" pitchFamily="34" charset="0"/>
+            </a:endParaRPr>
+          </a:p>
+          <a:p>
+            <a:r>
+              <a:rPr lang="en-US" sz="1800" dirty="0">
+                <a:effectLst/>
+                <a:latin typeface="Segoe UI" panose="020B0502040204020203" pitchFamily="34" charset="0"/>
+              </a:rPr>
+              <a:t>Not shown is the target variable which is a binary value for whether the customer was satisfied.</a:t>
+            </a:r>
             <a:endParaRPr lang="en-US" dirty="0"/>
-          </a:p>
-          <a:p>
-            <a:r>
-              <a:rPr lang="en-US" dirty="0"/>
-              <a:t>Some examples are that Longer flight distances lead to lower satisfaction due to travel fatigue.</a:t>
-            </a:r>
-          </a:p>
-          <a:p>
-            <a:r>
-              <a:rPr lang="en-US" dirty="0"/>
-              <a:t>We expect Departure and arrival delays to be the most important factors because people usually have plans that they don’t want to have to reschedule.</a:t>
-            </a:r>
           </a:p>
         </p:txBody>
       </p:sp>
@@ -878,7 +1629,7 @@
     </p:spTree>
     <p:extLst>
       <p:ext uri="{BB962C8B-B14F-4D97-AF65-F5344CB8AC3E}">
-        <p14:creationId xmlns:p14="http://schemas.microsoft.com/office/powerpoint/2010/main" val="3086426561"/>
+        <p14:creationId xmlns:p14="http://schemas.microsoft.com/office/powerpoint/2010/main" val="654713510"/>
       </p:ext>
     </p:extLst>
   </p:cSld>
@@ -937,7 +1688,37 @@
                 <a:effectLst/>
                 <a:latin typeface="Segoe UI" panose="020B0502040204020203" pitchFamily="34" charset="0"/>
               </a:rPr>
-              <a:t>Departure delay and arrival delay are highly correlated and arrival delay has missing values so we will be excluding arrival delay. ID is removed because it doesn’t provide useful information for modeling.</a:t>
+              <a:t>Our initial hypothesis was that </a:t>
+            </a:r>
+            <a:r>
+              <a:rPr lang="en-US" sz="1800" b="0" i="0" u="none" strike="noStrike" dirty="0">
+                <a:solidFill>
+                  <a:srgbClr val="000000"/>
+                </a:solidFill>
+                <a:effectLst/>
+                <a:latin typeface="Times New Roman" panose="02020603050405020304" pitchFamily="18" charset="0"/>
+              </a:rPr>
+              <a:t>flight distance, inflight </a:t>
+            </a:r>
+            <a:r>
+              <a:rPr lang="en-US" sz="1800" b="0" i="0" u="none" strike="noStrike" dirty="0" err="1">
+                <a:solidFill>
+                  <a:srgbClr val="000000"/>
+                </a:solidFill>
+                <a:effectLst/>
+                <a:latin typeface="Times New Roman" panose="02020603050405020304" pitchFamily="18" charset="0"/>
+              </a:rPr>
+              <a:t>wifi</a:t>
+            </a:r>
+            <a:r>
+              <a:rPr lang="en-US" sz="1800" b="0" i="0" u="none" strike="noStrike" dirty="0">
+                <a:solidFill>
+                  <a:srgbClr val="000000"/>
+                </a:solidFill>
+                <a:effectLst/>
+                <a:latin typeface="Times New Roman" panose="02020603050405020304" pitchFamily="18" charset="0"/>
+              </a:rPr>
+              <a:t> service, departure/arrival time convenience, food and drink, seat comfort, inflight entertainment, on-board service, legroom service, inflight service, departure delays in minutes, and arrival delays in minutes would be the most important factors. Additionally, we hypothesized that the relevance of these factors will vary depending on the class, type of travel, demographic factors (e.g., age, gender), and flight distance.</a:t>
             </a:r>
             <a:endParaRPr lang="en-US" dirty="0"/>
           </a:p>
@@ -969,7 +1750,7 @@
     </p:spTree>
     <p:extLst>
       <p:ext uri="{BB962C8B-B14F-4D97-AF65-F5344CB8AC3E}">
-        <p14:creationId xmlns:p14="http://schemas.microsoft.com/office/powerpoint/2010/main" val="3406354395"/>
+        <p14:creationId xmlns:p14="http://schemas.microsoft.com/office/powerpoint/2010/main" val="1976018788"/>
       </p:ext>
     </p:extLst>
   </p:cSld>
@@ -1028,8 +1809,42 @@
                 <a:effectLst/>
                 <a:latin typeface="Segoe UI" panose="020B0502040204020203" pitchFamily="34" charset="0"/>
               </a:rPr>
-              <a:t>Departure delay and arrival delay are highly correlated and arrival delay has missing values so we will be excluding arrival delay. ID is removed because it doesn’t provide useful information for modeling.</a:t>
-            </a:r>
+              <a:t>The variables between the brackets are Likert Scale values, this means that they take an integer value between zero and five with five being the best rating. Zero indicates that the customer did not rate that feature. The remaining values are continuous integer values.</a:t>
+            </a:r>
+          </a:p>
+          <a:p>
+            <a:endParaRPr lang="en-US" sz="1800" dirty="0">
+              <a:effectLst/>
+              <a:latin typeface="Segoe UI" panose="020B0502040204020203" pitchFamily="34" charset="0"/>
+            </a:endParaRPr>
+          </a:p>
+          <a:p>
+            <a:pPr marL="0" marR="0" lvl="0" indent="0" algn="l" defTabSz="914400" rtl="0" eaLnBrk="1" fontAlgn="auto" latinLnBrk="0" hangingPunct="1">
+              <a:lnSpc>
+                <a:spcPct val="100000"/>
+              </a:lnSpc>
+              <a:spcBef>
+                <a:spcPts val="0"/>
+              </a:spcBef>
+              <a:spcAft>
+                <a:spcPts val="0"/>
+              </a:spcAft>
+              <a:buClrTx/>
+              <a:buSzTx/>
+              <a:buFontTx/>
+              <a:buNone/>
+              <a:tabLst/>
+              <a:defRPr/>
+            </a:pPr>
+            <a:r>
+              <a:rPr lang="en-US" sz="1200" dirty="0">
+                <a:effectLst/>
+                <a:latin typeface="Segoe UI" panose="020B0502040204020203" pitchFamily="34" charset="0"/>
+              </a:rPr>
+              <a:t>We split the training data into a training and validation set, additionally a separate test set is already provided. The final split is approximately sixty percent training data, twenty percent validation data, and twenty percent test data. The validation data was used for hyperparameter tuning and final model selection and the test data was used to check the final accuracy of the selected model.</a:t>
+            </a:r>
+          </a:p>
+          <a:p>
             <a:endParaRPr lang="en-US" dirty="0"/>
           </a:p>
         </p:txBody>
@@ -1060,7 +1875,7 @@
     </p:spTree>
     <p:extLst>
       <p:ext uri="{BB962C8B-B14F-4D97-AF65-F5344CB8AC3E}">
-        <p14:creationId xmlns:p14="http://schemas.microsoft.com/office/powerpoint/2010/main" val="1599829775"/>
+        <p14:creationId xmlns:p14="http://schemas.microsoft.com/office/powerpoint/2010/main" val="1993990445"/>
       </p:ext>
     </p:extLst>
   </p:cSld>
@@ -1119,7 +1934,22 @@
                 <a:effectLst/>
                 <a:latin typeface="Segoe UI" panose="020B0502040204020203" pitchFamily="34" charset="0"/>
               </a:rPr>
-              <a:t>Departure delay and arrival delay are highly correlated and arrival delay has missing values so we will be excluding arrival delay. ID is removed because it doesn’t provide useful information for modeling.</a:t>
+              <a:t>Arrival delay in minutes had 310 missing values and since it is highly correlated with departure delay in minutes we decided to exclude it from our models. There was also a customer id number which we eliminated since it provides no useful information for modeling.</a:t>
+            </a:r>
+          </a:p>
+          <a:p>
+            <a:endParaRPr lang="en-US" sz="1800" dirty="0">
+              <a:effectLst/>
+              <a:latin typeface="Segoe UI" panose="020B0502040204020203" pitchFamily="34" charset="0"/>
+            </a:endParaRPr>
+          </a:p>
+          <a:p>
+            <a:r>
+              <a:rPr lang="en-US" sz="1800" dirty="0">
+                <a:effectLst/>
+                <a:latin typeface="Segoe UI" panose="020B0502040204020203" pitchFamily="34" charset="0"/>
+              </a:rPr>
+              <a:t>Some of the Likert scale variables had a zero, meaning that they weren’t rated. This accounted for less than 5% of the total data for each variable. We replaced those values with their corresponding mode values calculated on the training data set only. The mode values calculated from the training data set were then used to fill in the zero values on the validation and test set.</a:t>
             </a:r>
             <a:endParaRPr lang="en-US" dirty="0"/>
           </a:p>
@@ -1151,7 +1981,7 @@
     </p:spTree>
     <p:extLst>
       <p:ext uri="{BB962C8B-B14F-4D97-AF65-F5344CB8AC3E}">
-        <p14:creationId xmlns:p14="http://schemas.microsoft.com/office/powerpoint/2010/main" val="153279925"/>
+        <p14:creationId xmlns:p14="http://schemas.microsoft.com/office/powerpoint/2010/main" val="118272407"/>
       </p:ext>
     </p:extLst>
   </p:cSld>
@@ -1210,7 +2040,7 @@
                 <a:effectLst/>
                 <a:latin typeface="Segoe UI" panose="020B0502040204020203" pitchFamily="34" charset="0"/>
               </a:rPr>
-              <a:t>Departure delay and arrival delay are highly correlated and arrival delay has missing values so we will be excluding arrival delay. ID is removed because it doesn’t provide useful information for modeling.</a:t>
+              <a:t>As an initial step in exploratory data analysis we created overlayed graphs for each feature showing the number of satisfied and unsatisfied customers. In this example, we can see that the ratings are very similar for both genders, indicating that gender does not play a major role in satisfaction.</a:t>
             </a:r>
             <a:endParaRPr lang="en-US" dirty="0"/>
           </a:p>
@@ -1242,7 +2072,94 @@
     </p:spTree>
     <p:extLst>
       <p:ext uri="{BB962C8B-B14F-4D97-AF65-F5344CB8AC3E}">
-        <p14:creationId xmlns:p14="http://schemas.microsoft.com/office/powerpoint/2010/main" val="3459143105"/>
+        <p14:creationId xmlns:p14="http://schemas.microsoft.com/office/powerpoint/2010/main" val="1599829775"/>
+      </p:ext>
+    </p:extLst>
+  </p:cSld>
+  <p:clrMapOvr>
+    <a:masterClrMapping/>
+  </p:clrMapOvr>
+</p:notes>
+</file>
+
+<file path=ppt/notesSlides/notesSlide9.xml><?xml version="1.0" encoding="utf-8"?>
+<p:notes xmlns:a="http://schemas.openxmlformats.org/drawingml/2006/main" xmlns:r="http://schemas.openxmlformats.org/officeDocument/2006/relationships" xmlns:p="http://schemas.openxmlformats.org/presentationml/2006/main">
+  <p:cSld>
+    <p:spTree>
+      <p:nvGrpSpPr>
+        <p:cNvPr id="1" name=""/>
+        <p:cNvGrpSpPr/>
+        <p:nvPr/>
+      </p:nvGrpSpPr>
+      <p:grpSpPr>
+        <a:xfrm>
+          <a:off x="0" y="0"/>
+          <a:ext cx="0" cy="0"/>
+          <a:chOff x="0" y="0"/>
+          <a:chExt cx="0" cy="0"/>
+        </a:xfrm>
+      </p:grpSpPr>
+      <p:sp>
+        <p:nvSpPr>
+          <p:cNvPr id="2" name="Slide Image Placeholder 1"/>
+          <p:cNvSpPr>
+            <a:spLocks noGrp="1" noRot="1" noChangeAspect="1"/>
+          </p:cNvSpPr>
+          <p:nvPr>
+            <p:ph type="sldImg"/>
+          </p:nvPr>
+        </p:nvSpPr>
+        <p:spPr/>
+      </p:sp>
+      <p:sp>
+        <p:nvSpPr>
+          <p:cNvPr id="3" name="Notes Placeholder 2"/>
+          <p:cNvSpPr>
+            <a:spLocks noGrp="1"/>
+          </p:cNvSpPr>
+          <p:nvPr>
+            <p:ph type="body" idx="1"/>
+          </p:nvPr>
+        </p:nvSpPr>
+        <p:spPr/>
+        <p:txBody>
+          <a:bodyPr/>
+          <a:lstStyle/>
+          <a:p>
+            <a:r>
+              <a:rPr lang="en-US" dirty="0"/>
+              <a:t>Younger travelers are more likely to be dissatisfied, with people in the age group of approximately twenty to thirty five being more dissatisfied than any other age group. Interestingly, people in this age group are more likely to be disloyal.</a:t>
+            </a:r>
+          </a:p>
+        </p:txBody>
+      </p:sp>
+      <p:sp>
+        <p:nvSpPr>
+          <p:cNvPr id="4" name="Slide Number Placeholder 3"/>
+          <p:cNvSpPr>
+            <a:spLocks noGrp="1"/>
+          </p:cNvSpPr>
+          <p:nvPr>
+            <p:ph type="sldNum" sz="quarter" idx="5"/>
+          </p:nvPr>
+        </p:nvSpPr>
+        <p:spPr/>
+        <p:txBody>
+          <a:bodyPr/>
+          <a:lstStyle/>
+          <a:p>
+            <a:fld id="{9BCCD4D3-9FFD-4D42-BD91-737D0D78D7F6}" type="slidenum">
+              <a:rPr lang="en-US" smtClean="0"/>
+              <a:t>9</a:t>
+            </a:fld>
+            <a:endParaRPr lang="en-US"/>
+          </a:p>
+        </p:txBody>
+      </p:sp>
+    </p:spTree>
+    <p:extLst>
+      <p:ext uri="{BB962C8B-B14F-4D97-AF65-F5344CB8AC3E}">
+        <p14:creationId xmlns:p14="http://schemas.microsoft.com/office/powerpoint/2010/main" val="571067344"/>
       </p:ext>
     </p:extLst>
   </p:cSld>
@@ -1476,7 +2393,7 @@
           <a:p>
             <a:fld id="{1955A8DF-052F-408C-B32C-6128C7E474DA}" type="datetimeFigureOut">
               <a:rPr lang="en-US" smtClean="0"/>
-              <a:t>7/17/2023</a:t>
+              <a:t>7/18/2023</a:t>
             </a:fld>
             <a:endParaRPr lang="en-US"/>
           </a:p>
@@ -1646,7 +2563,7 @@
           <a:p>
             <a:fld id="{1955A8DF-052F-408C-B32C-6128C7E474DA}" type="datetimeFigureOut">
               <a:rPr lang="en-US" smtClean="0"/>
-              <a:t>7/17/2023</a:t>
+              <a:t>7/18/2023</a:t>
             </a:fld>
             <a:endParaRPr lang="en-US"/>
           </a:p>
@@ -1826,7 +2743,7 @@
           <a:p>
             <a:fld id="{1955A8DF-052F-408C-B32C-6128C7E474DA}" type="datetimeFigureOut">
               <a:rPr lang="en-US" smtClean="0"/>
-              <a:t>7/17/2023</a:t>
+              <a:t>7/18/2023</a:t>
             </a:fld>
             <a:endParaRPr lang="en-US"/>
           </a:p>
@@ -1996,7 +2913,7 @@
           <a:p>
             <a:fld id="{1955A8DF-052F-408C-B32C-6128C7E474DA}" type="datetimeFigureOut">
               <a:rPr lang="en-US" smtClean="0"/>
-              <a:t>7/17/2023</a:t>
+              <a:t>7/18/2023</a:t>
             </a:fld>
             <a:endParaRPr lang="en-US"/>
           </a:p>
@@ -2250,7 +3167,7 @@
           <a:p>
             <a:fld id="{1955A8DF-052F-408C-B32C-6128C7E474DA}" type="datetimeFigureOut">
               <a:rPr lang="en-US" smtClean="0"/>
-              <a:t>7/17/2023</a:t>
+              <a:t>7/18/2023</a:t>
             </a:fld>
             <a:endParaRPr lang="en-US"/>
           </a:p>
@@ -2538,7 +3455,7 @@
           <a:p>
             <a:fld id="{1955A8DF-052F-408C-B32C-6128C7E474DA}" type="datetimeFigureOut">
               <a:rPr lang="en-US" smtClean="0"/>
-              <a:t>7/17/2023</a:t>
+              <a:t>7/18/2023</a:t>
             </a:fld>
             <a:endParaRPr lang="en-US"/>
           </a:p>
@@ -2980,7 +3897,7 @@
           <a:p>
             <a:fld id="{1955A8DF-052F-408C-B32C-6128C7E474DA}" type="datetimeFigureOut">
               <a:rPr lang="en-US" smtClean="0"/>
-              <a:t>7/17/2023</a:t>
+              <a:t>7/18/2023</a:t>
             </a:fld>
             <a:endParaRPr lang="en-US"/>
           </a:p>
@@ -3098,7 +4015,7 @@
           <a:p>
             <a:fld id="{1955A8DF-052F-408C-B32C-6128C7E474DA}" type="datetimeFigureOut">
               <a:rPr lang="en-US" smtClean="0"/>
-              <a:t>7/17/2023</a:t>
+              <a:t>7/18/2023</a:t>
             </a:fld>
             <a:endParaRPr lang="en-US"/>
           </a:p>
@@ -3193,7 +4110,7 @@
           <a:p>
             <a:fld id="{1955A8DF-052F-408C-B32C-6128C7E474DA}" type="datetimeFigureOut">
               <a:rPr lang="en-US" smtClean="0"/>
-              <a:t>7/17/2023</a:t>
+              <a:t>7/18/2023</a:t>
             </a:fld>
             <a:endParaRPr lang="en-US"/>
           </a:p>
@@ -3481,7 +4398,7 @@
           <a:p>
             <a:fld id="{1955A8DF-052F-408C-B32C-6128C7E474DA}" type="datetimeFigureOut">
               <a:rPr lang="en-US" smtClean="0"/>
-              <a:t>7/17/2023</a:t>
+              <a:t>7/18/2023</a:t>
             </a:fld>
             <a:endParaRPr lang="en-US"/>
           </a:p>
@@ -3754,7 +4671,7 @@
           <a:p>
             <a:fld id="{1955A8DF-052F-408C-B32C-6128C7E474DA}" type="datetimeFigureOut">
               <a:rPr lang="en-US" smtClean="0"/>
-              <a:t>7/17/2023</a:t>
+              <a:t>7/18/2023</a:t>
             </a:fld>
             <a:endParaRPr lang="en-US"/>
           </a:p>
@@ -4051,7 +4968,7 @@
           <a:p>
             <a:fld id="{1955A8DF-052F-408C-B32C-6128C7E474DA}" type="datetimeFigureOut">
               <a:rPr lang="en-US" smtClean="0"/>
-              <a:t>7/17/2023</a:t>
+              <a:t>7/18/2023</a:t>
             </a:fld>
             <a:endParaRPr lang="en-US"/>
           </a:p>
@@ -4674,7 +5591,7 @@
           <p:cNvPr id="2" name="Title 1">
             <a:extLst>
               <a:ext uri="{FF2B5EF4-FFF2-40B4-BE49-F238E27FC236}">
-                <a16:creationId xmlns:a16="http://schemas.microsoft.com/office/drawing/2014/main" id="{C7AA5A10-E2A6-28A3-7044-47A99F7DA47D}"/>
+                <a16:creationId xmlns:a16="http://schemas.microsoft.com/office/drawing/2014/main" id="{BC8107AF-A697-F007-FBC6-663EEACE8539}"/>
               </a:ext>
             </a:extLst>
           </p:cNvPr>
@@ -4692,17 +5609,17 @@
           <a:p>
             <a:r>
               <a:rPr lang="en-US" dirty="0"/>
-              <a:t>Project Instructions</a:t>
-            </a:r>
-          </a:p>
-        </p:txBody>
-      </p:sp>
-      <p:sp>
-        <p:nvSpPr>
-          <p:cNvPr id="3" name="Content Placeholder 2">
+              <a:t>Dataset Overview</a:t>
+            </a:r>
+          </a:p>
+        </p:txBody>
+      </p:sp>
+      <p:sp>
+        <p:nvSpPr>
+          <p:cNvPr id="5" name="Content Placeholder 4">
             <a:extLst>
               <a:ext uri="{FF2B5EF4-FFF2-40B4-BE49-F238E27FC236}">
-                <a16:creationId xmlns:a16="http://schemas.microsoft.com/office/drawing/2014/main" id="{C91B768D-0AD7-9C4F-16FD-02AE5BFC22D1}"/>
+                <a16:creationId xmlns:a16="http://schemas.microsoft.com/office/drawing/2014/main" id="{364631AB-B475-0A0C-9235-4A388DE1EB24}"/>
               </a:ext>
             </a:extLst>
           </p:cNvPr>
@@ -4715,315 +5632,347 @@
         </p:nvSpPr>
         <p:spPr/>
         <p:txBody>
-          <a:bodyPr>
-            <a:normAutofit/>
-          </a:bodyPr>
-          <a:lstStyle/>
-          <a:p>
-            <a:pPr marL="228600" marR="0">
-              <a:lnSpc>
-                <a:spcPct val="107000"/>
-              </a:lnSpc>
-              <a:spcBef>
-                <a:spcPts val="1600"/>
-              </a:spcBef>
-              <a:spcAft>
-                <a:spcPts val="400"/>
-              </a:spcAft>
-            </a:pPr>
-            <a:r>
-              <a:rPr lang="en-US" sz="1600" b="1" dirty="0">
-                <a:solidFill>
-                  <a:srgbClr val="434343"/>
-                </a:solidFill>
-                <a:effectLst/>
-                <a:latin typeface="Georgia" panose="02040502050405020303" pitchFamily="18" charset="0"/>
-                <a:ea typeface="Georgia" panose="02040502050405020303" pitchFamily="18" charset="0"/>
-                <a:cs typeface="Georgia" panose="02040502050405020303" pitchFamily="18" charset="0"/>
-              </a:rPr>
-              <a:t>What is it? </a:t>
-            </a:r>
-          </a:p>
-          <a:p>
-            <a:pPr marL="342900" marR="0" lvl="0" indent="-342900">
-              <a:spcBef>
-                <a:spcPts val="0"/>
-              </a:spcBef>
-              <a:spcAft>
-                <a:spcPts val="0"/>
-              </a:spcAft>
-              <a:buFont typeface="Arial" panose="020B0604020202020204" pitchFamily="34" charset="0"/>
-              <a:buChar char="●"/>
-            </a:pPr>
-            <a:r>
-              <a:rPr lang="en-US" sz="1200" u="none" strike="noStrike" dirty="0">
-                <a:effectLst/>
-                <a:latin typeface="Nunito" pitchFamily="2" charset="0"/>
-                <a:ea typeface="Nunito" pitchFamily="2" charset="0"/>
-                <a:cs typeface="Nunito" pitchFamily="2" charset="0"/>
-              </a:rPr>
-              <a:t>The submission itself will be a video presentation 10-12 minutes in length that explains your entire project.</a:t>
-            </a:r>
-          </a:p>
-          <a:p>
-            <a:pPr marL="342900" marR="0" lvl="0" indent="-342900">
-              <a:spcBef>
-                <a:spcPts val="0"/>
-              </a:spcBef>
-              <a:spcAft>
-                <a:spcPts val="0"/>
-              </a:spcAft>
-              <a:buFont typeface="Arial" panose="020B0604020202020204" pitchFamily="34" charset="0"/>
-              <a:buChar char="●"/>
-            </a:pPr>
-            <a:r>
-              <a:rPr lang="en-US" sz="1200" u="none" strike="noStrike" dirty="0">
-                <a:effectLst/>
-                <a:latin typeface="Nunito" pitchFamily="2" charset="0"/>
-                <a:ea typeface="Nunito" pitchFamily="2" charset="0"/>
-                <a:cs typeface="Nunito" pitchFamily="2" charset="0"/>
-              </a:rPr>
-              <a:t>The video should show your slides (e.g., as pdf/ppt/slides/or similar on your computer screen via screen capture, say using QuickTime, </a:t>
-            </a:r>
-            <a:r>
-              <a:rPr lang="en-US" sz="1200" u="none" strike="noStrike" dirty="0" err="1">
-                <a:effectLst/>
-                <a:latin typeface="Nunito" pitchFamily="2" charset="0"/>
-                <a:ea typeface="Nunito" pitchFamily="2" charset="0"/>
-                <a:cs typeface="Nunito" pitchFamily="2" charset="0"/>
-              </a:rPr>
-              <a:t>MonoSnap</a:t>
-            </a:r>
-            <a:r>
-              <a:rPr lang="en-US" sz="1200" u="none" strike="noStrike" dirty="0">
-                <a:effectLst/>
-                <a:latin typeface="Nunito" pitchFamily="2" charset="0"/>
-                <a:ea typeface="Nunito" pitchFamily="2" charset="0"/>
-                <a:cs typeface="Nunito" pitchFamily="2" charset="0"/>
-              </a:rPr>
-              <a:t>, Screen Recorder etc.) with voice narration; it is up to you whether to show your face. You should be able to create this recording quickly with little effort – no need to do any special video or audio editing although if you feel the need to it is permitted. </a:t>
-            </a:r>
-          </a:p>
-          <a:p>
-            <a:pPr marL="342900" marR="0" lvl="0" indent="-342900">
-              <a:spcBef>
-                <a:spcPts val="0"/>
-              </a:spcBef>
-              <a:spcAft>
-                <a:spcPts val="0"/>
-              </a:spcAft>
-              <a:buFont typeface="Arial" panose="020B0604020202020204" pitchFamily="34" charset="0"/>
-              <a:buChar char="●"/>
-            </a:pPr>
-            <a:r>
-              <a:rPr lang="en-US" sz="1200" u="none" strike="noStrike" dirty="0">
-                <a:effectLst/>
-                <a:latin typeface="Nunito" pitchFamily="2" charset="0"/>
-                <a:ea typeface="Nunito" pitchFamily="2" charset="0"/>
-                <a:cs typeface="Nunito" pitchFamily="2" charset="0"/>
-              </a:rPr>
-              <a:t>It will cover from start to finish all the key highlights and work you’ve done for the past few months. It will also effectively summarize your findings and conclusions.</a:t>
-            </a:r>
-          </a:p>
-          <a:p>
-            <a:pPr marL="342900" marR="0" lvl="0" indent="-342900">
-              <a:spcBef>
-                <a:spcPts val="0"/>
-              </a:spcBef>
-              <a:spcAft>
-                <a:spcPts val="0"/>
-              </a:spcAft>
-              <a:buFont typeface="Arial" panose="020B0604020202020204" pitchFamily="34" charset="0"/>
-              <a:buChar char="●"/>
-            </a:pPr>
-            <a:r>
-              <a:rPr lang="en-US" sz="1200" u="none" strike="noStrike" dirty="0">
-                <a:effectLst/>
-                <a:latin typeface="Nunito" pitchFamily="2" charset="0"/>
-                <a:ea typeface="Nunito" pitchFamily="2" charset="0"/>
-                <a:cs typeface="Nunito" pitchFamily="2" charset="0"/>
-              </a:rPr>
-              <a:t>Imagine that this video would be the result you present to a manager at the culmination of an internal project who may or may not be familiar with all the details and purpose of the project. Take care to explain everything clearly and provide proper background knowledge. </a:t>
-            </a:r>
-          </a:p>
-          <a:p>
-            <a:pPr marL="342900" marR="0" lvl="0" indent="-342900">
-              <a:spcBef>
-                <a:spcPts val="0"/>
-              </a:spcBef>
-              <a:spcAft>
-                <a:spcPts val="0"/>
-              </a:spcAft>
-              <a:buFont typeface="Arial" panose="020B0604020202020204" pitchFamily="34" charset="0"/>
-              <a:buChar char="●"/>
-            </a:pPr>
-            <a:r>
-              <a:rPr lang="en-US" sz="1200" u="none" strike="noStrike" dirty="0">
-                <a:effectLst/>
-                <a:latin typeface="Nunito" pitchFamily="2" charset="0"/>
-                <a:ea typeface="Nunito" pitchFamily="2" charset="0"/>
-                <a:cs typeface="Nunito" pitchFamily="2" charset="0"/>
-              </a:rPr>
-              <a:t>It is alright to assume your audience has some familiarity with statistical models.</a:t>
-            </a:r>
-          </a:p>
-          <a:p>
-            <a:pPr marL="228600" marR="0">
-              <a:lnSpc>
-                <a:spcPct val="107000"/>
-              </a:lnSpc>
-              <a:spcBef>
-                <a:spcPts val="1600"/>
-              </a:spcBef>
-              <a:spcAft>
-                <a:spcPts val="400"/>
-              </a:spcAft>
-            </a:pPr>
-            <a:r>
-              <a:rPr lang="en-US" sz="1600" b="1" dirty="0">
-                <a:solidFill>
-                  <a:srgbClr val="434343"/>
-                </a:solidFill>
-                <a:effectLst/>
-                <a:latin typeface="Georgia" panose="02040502050405020303" pitchFamily="18" charset="0"/>
-                <a:ea typeface="Georgia" panose="02040502050405020303" pitchFamily="18" charset="0"/>
-                <a:cs typeface="Georgia" panose="02040502050405020303" pitchFamily="18" charset="0"/>
-              </a:rPr>
-              <a:t>What to Include &amp; What is Required? </a:t>
-            </a:r>
-          </a:p>
-          <a:p>
-            <a:pPr marL="342900" marR="0" lvl="0" indent="-342900">
-              <a:spcBef>
-                <a:spcPts val="0"/>
-              </a:spcBef>
-              <a:spcAft>
-                <a:spcPts val="0"/>
-              </a:spcAft>
-              <a:buFont typeface="Arial" panose="020B0604020202020204" pitchFamily="34" charset="0"/>
-              <a:buChar char="●"/>
-            </a:pPr>
-            <a:r>
-              <a:rPr lang="en-US" sz="1200" u="none" strike="noStrike" dirty="0">
-                <a:effectLst/>
-                <a:latin typeface="Nunito" pitchFamily="2" charset="0"/>
-                <a:ea typeface="Nunito" pitchFamily="2" charset="0"/>
-                <a:cs typeface="Nunito" pitchFamily="2" charset="0"/>
-              </a:rPr>
-              <a:t>All group members are required to appear in the presentation both by audio at minimum and preferably by visual as well (however visual is still optional). </a:t>
-            </a:r>
-          </a:p>
-          <a:p>
-            <a:pPr marL="342900" marR="0" lvl="0" indent="-342900">
-              <a:spcBef>
-                <a:spcPts val="0"/>
-              </a:spcBef>
-              <a:spcAft>
-                <a:spcPts val="0"/>
-              </a:spcAft>
-              <a:buFont typeface="Arial" panose="020B0604020202020204" pitchFamily="34" charset="0"/>
-              <a:buChar char="●"/>
-            </a:pPr>
-            <a:r>
-              <a:rPr lang="en-US" sz="1200" u="none" strike="noStrike" dirty="0">
-                <a:effectLst/>
-                <a:latin typeface="Nunito" pitchFamily="2" charset="0"/>
-                <a:ea typeface="Nunito" pitchFamily="2" charset="0"/>
-                <a:cs typeface="Nunito" pitchFamily="2" charset="0"/>
-              </a:rPr>
-              <a:t>Group members should include their names and introduce themselves before speaking</a:t>
-            </a:r>
-          </a:p>
-          <a:p>
-            <a:pPr marL="342900" marR="0" lvl="0" indent="-342900">
-              <a:spcBef>
-                <a:spcPts val="0"/>
-              </a:spcBef>
-              <a:spcAft>
-                <a:spcPts val="0"/>
-              </a:spcAft>
-              <a:buFont typeface="Arial" panose="020B0604020202020204" pitchFamily="34" charset="0"/>
-              <a:buChar char="●"/>
-            </a:pPr>
-            <a:r>
-              <a:rPr lang="en-US" sz="1200" u="none" strike="noStrike" dirty="0">
-                <a:effectLst/>
-                <a:latin typeface="Nunito" pitchFamily="2" charset="0"/>
-                <a:ea typeface="Nunito" pitchFamily="2" charset="0"/>
-                <a:cs typeface="Nunito" pitchFamily="2" charset="0"/>
-              </a:rPr>
-              <a:t>Each group member should be featured for a similar amount of time </a:t>
-            </a:r>
-          </a:p>
-          <a:p>
-            <a:pPr marL="342900" marR="0" lvl="0" indent="-342900">
-              <a:spcBef>
-                <a:spcPts val="0"/>
-              </a:spcBef>
-              <a:spcAft>
-                <a:spcPts val="0"/>
-              </a:spcAft>
-              <a:buFont typeface="Arial" panose="020B0604020202020204" pitchFamily="34" charset="0"/>
-              <a:buChar char="●"/>
-            </a:pPr>
-            <a:r>
-              <a:rPr lang="en-US" sz="1200" u="none" strike="noStrike" dirty="0">
-                <a:effectLst/>
-                <a:latin typeface="Nunito" pitchFamily="2" charset="0"/>
-                <a:ea typeface="Nunito" pitchFamily="2" charset="0"/>
-                <a:cs typeface="Nunito" pitchFamily="2" charset="0"/>
-              </a:rPr>
-              <a:t>Visuals and Slides are necessary; DO NOT just read your final paper/results </a:t>
-            </a:r>
-          </a:p>
-          <a:p>
-            <a:pPr marL="342900" marR="0" lvl="0" indent="-342900">
-              <a:spcBef>
-                <a:spcPts val="0"/>
-              </a:spcBef>
-              <a:spcAft>
-                <a:spcPts val="0"/>
-              </a:spcAft>
-              <a:buFont typeface="Arial" panose="020B0604020202020204" pitchFamily="34" charset="0"/>
-              <a:buChar char="●"/>
-            </a:pPr>
-            <a:r>
-              <a:rPr lang="en-US" sz="1200" u="none" strike="noStrike" dirty="0">
-                <a:effectLst/>
-                <a:latin typeface="Nunito" pitchFamily="2" charset="0"/>
-                <a:ea typeface="Nunito" pitchFamily="2" charset="0"/>
-                <a:cs typeface="Nunito" pitchFamily="2" charset="0"/>
-              </a:rPr>
-              <a:t>Include audio narration</a:t>
-            </a:r>
-          </a:p>
-          <a:p>
-            <a:pPr marL="342900" marR="0" lvl="0" indent="-342900">
-              <a:spcBef>
-                <a:spcPts val="0"/>
-              </a:spcBef>
-              <a:spcAft>
-                <a:spcPts val="0"/>
-              </a:spcAft>
-              <a:buFont typeface="Arial" panose="020B0604020202020204" pitchFamily="34" charset="0"/>
-              <a:buChar char="●"/>
-            </a:pPr>
-            <a:r>
-              <a:rPr lang="en-US" sz="1200" u="none" strike="noStrike" dirty="0">
-                <a:effectLst/>
-                <a:latin typeface="Nunito" pitchFamily="2" charset="0"/>
-                <a:ea typeface="Nunito" pitchFamily="2" charset="0"/>
-                <a:cs typeface="Nunito" pitchFamily="2" charset="0"/>
-              </a:rPr>
-              <a:t>We would like each group member to cover a similar length of the video. Obviously exactly equal time would be impractical to the flow of the presentation but try to keep everyone’s presentation time similar</a:t>
-            </a:r>
-          </a:p>
-        </p:txBody>
-      </p:sp>
+          <a:bodyPr/>
+          <a:lstStyle/>
+          <a:p>
+            <a:r>
+              <a:rPr lang="en-US" sz="1800" dirty="0"/>
+              <a:t>Business class passengers have higher satisfaction levels, particularly in </a:t>
+            </a:r>
+            <a:r>
+              <a:rPr lang="en-US" sz="1800" dirty="0" err="1"/>
+              <a:t>Checkin.service</a:t>
+            </a:r>
+            <a:r>
+              <a:rPr lang="en-US" sz="1800" dirty="0"/>
+              <a:t>, </a:t>
+            </a:r>
+            <a:r>
+              <a:rPr lang="en-US" sz="1800" dirty="0" err="1"/>
+              <a:t>Seat.Comfort</a:t>
+            </a:r>
+            <a:r>
+              <a:rPr lang="en-US" sz="1800" dirty="0"/>
+              <a:t>, and </a:t>
+            </a:r>
+            <a:r>
+              <a:rPr lang="en-US" sz="1800" dirty="0" err="1"/>
+              <a:t>Food.and.drink</a:t>
+            </a:r>
+            <a:r>
+              <a:rPr lang="en-US" sz="1800" dirty="0"/>
+              <a:t> compared to Eco Plus and Economy class</a:t>
+            </a:r>
+          </a:p>
+          <a:p>
+            <a:endParaRPr lang="en-US" sz="1800" dirty="0"/>
+          </a:p>
+          <a:p>
+            <a:endParaRPr lang="en-US" sz="1800" dirty="0"/>
+          </a:p>
+          <a:p>
+            <a:endParaRPr lang="en-US" sz="1800" dirty="0"/>
+          </a:p>
+          <a:p>
+            <a:endParaRPr lang="en-US" sz="1800" dirty="0"/>
+          </a:p>
+        </p:txBody>
+      </p:sp>
+      <p:grpSp>
+        <p:nvGrpSpPr>
+          <p:cNvPr id="23" name="Group 22">
+            <a:extLst>
+              <a:ext uri="{FF2B5EF4-FFF2-40B4-BE49-F238E27FC236}">
+                <a16:creationId xmlns:a16="http://schemas.microsoft.com/office/drawing/2014/main" id="{BB7A731D-CE46-4A16-8464-DF60246EB01B}"/>
+              </a:ext>
+            </a:extLst>
+          </p:cNvPr>
+          <p:cNvGrpSpPr/>
+          <p:nvPr/>
+        </p:nvGrpSpPr>
+        <p:grpSpPr>
+          <a:xfrm>
+            <a:off x="5141213" y="3429000"/>
+            <a:ext cx="5194425" cy="2369172"/>
+            <a:chOff x="7740820" y="2896962"/>
+            <a:chExt cx="3738167" cy="1704974"/>
+          </a:xfrm>
+        </p:grpSpPr>
+        <p:pic>
+          <p:nvPicPr>
+            <p:cNvPr id="4" name="Picture 2">
+              <a:extLst>
+                <a:ext uri="{FF2B5EF4-FFF2-40B4-BE49-F238E27FC236}">
+                  <a16:creationId xmlns:a16="http://schemas.microsoft.com/office/drawing/2014/main" id="{0AF10789-502E-7FA3-2421-6AC531C17528}"/>
+                </a:ext>
+              </a:extLst>
+            </p:cNvPr>
+            <p:cNvPicPr>
+              <a:picLocks noChangeAspect="1" noChangeArrowheads="1"/>
+            </p:cNvPicPr>
+            <p:nvPr/>
+          </p:nvPicPr>
+          <p:blipFill rotWithShape="1">
+            <a:blip r:embed="rId3">
+              <a:extLst>
+                <a:ext uri="{28A0092B-C50C-407E-A947-70E740481C1C}">
+                  <a14:useLocalDpi xmlns:a14="http://schemas.microsoft.com/office/drawing/2010/main" val="0"/>
+                </a:ext>
+              </a:extLst>
+            </a:blip>
+            <a:srcRect t="21354" r="75816" b="60156"/>
+            <a:stretch/>
+          </p:blipFill>
+          <p:spPr bwMode="auto">
+            <a:xfrm>
+              <a:off x="7740820" y="2896962"/>
+              <a:ext cx="3738167" cy="1704974"/>
+            </a:xfrm>
+            <a:prstGeom prst="rect">
+              <a:avLst/>
+            </a:prstGeom>
+            <a:noFill/>
+            <a:extLst>
+              <a:ext uri="{909E8E84-426E-40DD-AFC4-6F175D3DCCD1}">
+                <a14:hiddenFill xmlns:a14="http://schemas.microsoft.com/office/drawing/2010/main">
+                  <a:solidFill>
+                    <a:srgbClr val="FFFFFF"/>
+                  </a:solidFill>
+                </a14:hiddenFill>
+              </a:ext>
+            </a:extLst>
+          </p:spPr>
+        </p:pic>
+        <p:sp>
+          <p:nvSpPr>
+            <p:cNvPr id="15" name="Rectangle 14">
+              <a:extLst>
+                <a:ext uri="{FF2B5EF4-FFF2-40B4-BE49-F238E27FC236}">
+                  <a16:creationId xmlns:a16="http://schemas.microsoft.com/office/drawing/2014/main" id="{0A784D9A-49E8-DC08-E9D2-A5B28359A4D5}"/>
+                </a:ext>
+              </a:extLst>
+            </p:cNvPr>
+            <p:cNvSpPr/>
+            <p:nvPr/>
+          </p:nvSpPr>
+          <p:spPr>
+            <a:xfrm>
+              <a:off x="8417216" y="4027714"/>
+              <a:ext cx="1684727" cy="217715"/>
+            </a:xfrm>
+            <a:prstGeom prst="rect">
+              <a:avLst/>
+            </a:prstGeom>
+            <a:solidFill>
+              <a:schemeClr val="bg1"/>
+            </a:solidFill>
+            <a:ln>
+              <a:solidFill>
+                <a:schemeClr val="bg1"/>
+              </a:solidFill>
+            </a:ln>
+          </p:spPr>
+          <p:style>
+            <a:lnRef idx="2">
+              <a:schemeClr val="accent1">
+                <a:shade val="15000"/>
+              </a:schemeClr>
+            </a:lnRef>
+            <a:fillRef idx="1">
+              <a:schemeClr val="accent1"/>
+            </a:fillRef>
+            <a:effectRef idx="0">
+              <a:schemeClr val="accent1"/>
+            </a:effectRef>
+            <a:fontRef idx="minor">
+              <a:schemeClr val="lt1"/>
+            </a:fontRef>
+          </p:style>
+          <p:txBody>
+            <a:bodyPr rtlCol="0" anchor="ctr"/>
+            <a:lstStyle/>
+            <a:p>
+              <a:pPr algn="ctr"/>
+              <a:endParaRPr lang="en-US"/>
+            </a:p>
+          </p:txBody>
+        </p:sp>
+        <p:sp>
+          <p:nvSpPr>
+            <p:cNvPr id="16" name="Rectangle 15">
+              <a:extLst>
+                <a:ext uri="{FF2B5EF4-FFF2-40B4-BE49-F238E27FC236}">
+                  <a16:creationId xmlns:a16="http://schemas.microsoft.com/office/drawing/2014/main" id="{B4298800-5F6D-18FA-C3FF-F23BD3509B94}"/>
+                </a:ext>
+              </a:extLst>
+            </p:cNvPr>
+            <p:cNvSpPr/>
+            <p:nvPr/>
+          </p:nvSpPr>
+          <p:spPr>
+            <a:xfrm>
+              <a:off x="8316506" y="3854903"/>
+              <a:ext cx="1151328" cy="563336"/>
+            </a:xfrm>
+            <a:prstGeom prst="rect">
+              <a:avLst/>
+            </a:prstGeom>
+            <a:noFill/>
+            <a:ln>
+              <a:noFill/>
+            </a:ln>
+          </p:spPr>
+          <p:style>
+            <a:lnRef idx="2">
+              <a:schemeClr val="accent1">
+                <a:shade val="15000"/>
+              </a:schemeClr>
+            </a:lnRef>
+            <a:fillRef idx="1">
+              <a:schemeClr val="accent1"/>
+            </a:fillRef>
+            <a:effectRef idx="0">
+              <a:schemeClr val="accent1"/>
+            </a:effectRef>
+            <a:fontRef idx="minor">
+              <a:schemeClr val="lt1"/>
+            </a:fontRef>
+          </p:style>
+          <p:txBody>
+            <a:bodyPr rtlCol="0" anchor="ctr"/>
+            <a:lstStyle/>
+            <a:p>
+              <a:pPr algn="ctr"/>
+              <a:r>
+                <a:rPr lang="en-US" dirty="0">
+                  <a:solidFill>
+                    <a:schemeClr val="tx1"/>
+                  </a:solidFill>
+                </a:rPr>
+                <a:t>Bus</a:t>
+              </a:r>
+            </a:p>
+          </p:txBody>
+        </p:sp>
+        <p:sp>
+          <p:nvSpPr>
+            <p:cNvPr id="7" name="Rectangle 6">
+              <a:extLst>
+                <a:ext uri="{FF2B5EF4-FFF2-40B4-BE49-F238E27FC236}">
+                  <a16:creationId xmlns:a16="http://schemas.microsoft.com/office/drawing/2014/main" id="{F9631A57-120D-CCD9-2573-210999280E43}"/>
+                </a:ext>
+              </a:extLst>
+            </p:cNvPr>
+            <p:cNvSpPr/>
+            <p:nvPr/>
+          </p:nvSpPr>
+          <p:spPr>
+            <a:xfrm>
+              <a:off x="8730716" y="3854903"/>
+              <a:ext cx="1151328" cy="563336"/>
+            </a:xfrm>
+            <a:prstGeom prst="rect">
+              <a:avLst/>
+            </a:prstGeom>
+            <a:noFill/>
+            <a:ln>
+              <a:noFill/>
+            </a:ln>
+          </p:spPr>
+          <p:style>
+            <a:lnRef idx="2">
+              <a:schemeClr val="accent1">
+                <a:shade val="15000"/>
+              </a:schemeClr>
+            </a:lnRef>
+            <a:fillRef idx="1">
+              <a:schemeClr val="accent1"/>
+            </a:fillRef>
+            <a:effectRef idx="0">
+              <a:schemeClr val="accent1"/>
+            </a:effectRef>
+            <a:fontRef idx="minor">
+              <a:schemeClr val="lt1"/>
+            </a:fontRef>
+          </p:style>
+          <p:txBody>
+            <a:bodyPr rtlCol="0" anchor="ctr"/>
+            <a:lstStyle/>
+            <a:p>
+              <a:pPr algn="ctr"/>
+              <a:r>
+                <a:rPr lang="en-US" dirty="0">
+                  <a:solidFill>
+                    <a:schemeClr val="tx1"/>
+                  </a:solidFill>
+                </a:rPr>
+                <a:t>Eco</a:t>
+              </a:r>
+            </a:p>
+          </p:txBody>
+        </p:sp>
+        <p:sp>
+          <p:nvSpPr>
+            <p:cNvPr id="10" name="Rectangle 9">
+              <a:extLst>
+                <a:ext uri="{FF2B5EF4-FFF2-40B4-BE49-F238E27FC236}">
+                  <a16:creationId xmlns:a16="http://schemas.microsoft.com/office/drawing/2014/main" id="{6FE78BE0-DEF3-A7A3-1F8D-5E4CF3B958B9}"/>
+                </a:ext>
+              </a:extLst>
+            </p:cNvPr>
+            <p:cNvSpPr/>
+            <p:nvPr/>
+          </p:nvSpPr>
+          <p:spPr>
+            <a:xfrm>
+              <a:off x="9205670" y="3854903"/>
+              <a:ext cx="1151328" cy="563336"/>
+            </a:xfrm>
+            <a:prstGeom prst="rect">
+              <a:avLst/>
+            </a:prstGeom>
+            <a:noFill/>
+            <a:ln>
+              <a:noFill/>
+            </a:ln>
+          </p:spPr>
+          <p:style>
+            <a:lnRef idx="2">
+              <a:schemeClr val="accent1">
+                <a:shade val="15000"/>
+              </a:schemeClr>
+            </a:lnRef>
+            <a:fillRef idx="1">
+              <a:schemeClr val="accent1"/>
+            </a:fillRef>
+            <a:effectRef idx="0">
+              <a:schemeClr val="accent1"/>
+            </a:effectRef>
+            <a:fontRef idx="minor">
+              <a:schemeClr val="lt1"/>
+            </a:fontRef>
+          </p:style>
+          <p:txBody>
+            <a:bodyPr rtlCol="0" anchor="ctr"/>
+            <a:lstStyle/>
+            <a:p>
+              <a:pPr algn="ctr"/>
+              <a:r>
+                <a:rPr lang="en-US" dirty="0">
+                  <a:solidFill>
+                    <a:schemeClr val="tx1"/>
+                  </a:solidFill>
+                </a:rPr>
+                <a:t>Eco+</a:t>
+              </a:r>
+            </a:p>
+          </p:txBody>
+        </p:sp>
+      </p:grpSp>
     </p:spTree>
     <p:extLst>
       <p:ext uri="{BB962C8B-B14F-4D97-AF65-F5344CB8AC3E}">
-        <p14:creationId xmlns:p14="http://schemas.microsoft.com/office/powerpoint/2010/main" val="4114580640"/>
+        <p14:creationId xmlns:p14="http://schemas.microsoft.com/office/powerpoint/2010/main" val="3400368580"/>
       </p:ext>
     </p:extLst>
   </p:cSld>
@@ -5055,1836 +6004,6 @@
           <p:cNvPr id="2" name="Title 1">
             <a:extLst>
               <a:ext uri="{FF2B5EF4-FFF2-40B4-BE49-F238E27FC236}">
-                <a16:creationId xmlns:a16="http://schemas.microsoft.com/office/drawing/2014/main" id="{C7AA5A10-E2A6-28A3-7044-47A99F7DA47D}"/>
-              </a:ext>
-            </a:extLst>
-          </p:cNvPr>
-          <p:cNvSpPr>
-            <a:spLocks noGrp="1"/>
-          </p:cNvSpPr>
-          <p:nvPr>
-            <p:ph type="title"/>
-          </p:nvPr>
-        </p:nvSpPr>
-        <p:spPr/>
-        <p:txBody>
-          <a:bodyPr/>
-          <a:lstStyle/>
-          <a:p>
-            <a:r>
-              <a:rPr lang="en-US" dirty="0"/>
-              <a:t>Project Instructions</a:t>
-            </a:r>
-          </a:p>
-        </p:txBody>
-      </p:sp>
-      <p:sp>
-        <p:nvSpPr>
-          <p:cNvPr id="3" name="Content Placeholder 2">
-            <a:extLst>
-              <a:ext uri="{FF2B5EF4-FFF2-40B4-BE49-F238E27FC236}">
-                <a16:creationId xmlns:a16="http://schemas.microsoft.com/office/drawing/2014/main" id="{C91B768D-0AD7-9C4F-16FD-02AE5BFC22D1}"/>
-              </a:ext>
-            </a:extLst>
-          </p:cNvPr>
-          <p:cNvSpPr>
-            <a:spLocks noGrp="1"/>
-          </p:cNvSpPr>
-          <p:nvPr>
-            <p:ph idx="1"/>
-          </p:nvPr>
-        </p:nvSpPr>
-        <p:spPr/>
-        <p:txBody>
-          <a:bodyPr>
-            <a:normAutofit lnSpcReduction="10000"/>
-          </a:bodyPr>
-          <a:lstStyle/>
-          <a:p>
-            <a:pPr marL="2560320" marR="0" indent="0">
-              <a:spcBef>
-                <a:spcPts val="0"/>
-              </a:spcBef>
-              <a:spcAft>
-                <a:spcPts val="0"/>
-              </a:spcAft>
-              <a:buNone/>
-            </a:pPr>
-            <a:r>
-              <a:rPr lang="en-US" sz="1200" dirty="0">
-                <a:effectLst/>
-                <a:latin typeface="Nunito" pitchFamily="2" charset="0"/>
-                <a:ea typeface="Nunito" pitchFamily="2" charset="0"/>
-                <a:cs typeface="Nunito" pitchFamily="2" charset="0"/>
-              </a:rPr>
-              <a:t> </a:t>
-            </a:r>
-          </a:p>
-          <a:p>
-            <a:pPr marL="342900" marR="0" lvl="0" indent="-342900">
-              <a:spcBef>
-                <a:spcPts val="0"/>
-              </a:spcBef>
-              <a:spcAft>
-                <a:spcPts val="0"/>
-              </a:spcAft>
-              <a:buFont typeface="Arial" panose="020B0604020202020204" pitchFamily="34" charset="0"/>
-              <a:buChar char="●"/>
-            </a:pPr>
-            <a:r>
-              <a:rPr lang="en-US" sz="1200" b="1" u="none" strike="noStrike" dirty="0">
-                <a:effectLst/>
-                <a:latin typeface="Nunito" pitchFamily="2" charset="0"/>
-                <a:ea typeface="Nunito" pitchFamily="2" charset="0"/>
-                <a:cs typeface="Nunito" pitchFamily="2" charset="0"/>
-              </a:rPr>
-              <a:t>Overview of Project:</a:t>
-            </a:r>
-            <a:endParaRPr lang="en-US" sz="1200" u="none" strike="noStrike" dirty="0">
-              <a:effectLst/>
-              <a:latin typeface="Nunito" pitchFamily="2" charset="0"/>
-              <a:ea typeface="Nunito" pitchFamily="2" charset="0"/>
-              <a:cs typeface="Nunito" pitchFamily="2" charset="0"/>
-            </a:endParaRPr>
-          </a:p>
-          <a:p>
-            <a:pPr marL="742950" marR="0" lvl="1" indent="-285750">
-              <a:spcBef>
-                <a:spcPts val="0"/>
-              </a:spcBef>
-              <a:spcAft>
-                <a:spcPts val="0"/>
-              </a:spcAft>
-              <a:buFont typeface="Arial" panose="020B0604020202020204" pitchFamily="34" charset="0"/>
-              <a:buChar char="○"/>
-            </a:pPr>
-            <a:r>
-              <a:rPr lang="en-US" sz="1200" u="none" strike="noStrike" dirty="0">
-                <a:effectLst/>
-                <a:latin typeface="Nunito" pitchFamily="2" charset="0"/>
-                <a:ea typeface="Nunito" pitchFamily="2" charset="0"/>
-                <a:cs typeface="Nunito" pitchFamily="2" charset="0"/>
-              </a:rPr>
-              <a:t>Team members' names listed in the presentation.</a:t>
-            </a:r>
-          </a:p>
-          <a:p>
-            <a:pPr marL="742950" marR="0" lvl="1" indent="-285750">
-              <a:spcBef>
-                <a:spcPts val="0"/>
-              </a:spcBef>
-              <a:spcAft>
-                <a:spcPts val="0"/>
-              </a:spcAft>
-              <a:buFont typeface="Arial" panose="020B0604020202020204" pitchFamily="34" charset="0"/>
-              <a:buChar char="○"/>
-            </a:pPr>
-            <a:r>
-              <a:rPr lang="en-US" sz="1200" u="none" strike="noStrike" dirty="0">
-                <a:effectLst/>
-                <a:latin typeface="Nunito" pitchFamily="2" charset="0"/>
-                <a:ea typeface="Nunito" pitchFamily="2" charset="0"/>
-                <a:cs typeface="Nunito" pitchFamily="2" charset="0"/>
-              </a:rPr>
-              <a:t>Necessary background information/framing of the problem.</a:t>
-            </a:r>
-          </a:p>
-          <a:p>
-            <a:pPr marL="742950" marR="0" lvl="1" indent="-285750">
-              <a:spcBef>
-                <a:spcPts val="0"/>
-              </a:spcBef>
-              <a:spcAft>
-                <a:spcPts val="0"/>
-              </a:spcAft>
-              <a:buFont typeface="Arial" panose="020B0604020202020204" pitchFamily="34" charset="0"/>
-              <a:buChar char="○"/>
-            </a:pPr>
-            <a:r>
-              <a:rPr lang="en-US" sz="1200" u="none" strike="noStrike" dirty="0">
-                <a:effectLst/>
-                <a:latin typeface="Nunito" pitchFamily="2" charset="0"/>
-                <a:ea typeface="Nunito" pitchFamily="2" charset="0"/>
-                <a:cs typeface="Nunito" pitchFamily="2" charset="0"/>
-              </a:rPr>
-              <a:t>Include an overview of the problem in general as well as your general approach.</a:t>
-            </a:r>
-          </a:p>
-          <a:p>
-            <a:pPr marL="742950" marR="0" lvl="1" indent="-285750">
-              <a:spcBef>
-                <a:spcPts val="0"/>
-              </a:spcBef>
-              <a:spcAft>
-                <a:spcPts val="0"/>
-              </a:spcAft>
-              <a:buFont typeface="Arial" panose="020B0604020202020204" pitchFamily="34" charset="0"/>
-              <a:buChar char="○"/>
-            </a:pPr>
-            <a:r>
-              <a:rPr lang="en-US" sz="1200" u="none" strike="noStrike" dirty="0">
-                <a:effectLst/>
-                <a:latin typeface="Nunito" pitchFamily="2" charset="0"/>
-                <a:ea typeface="Nunito" pitchFamily="2" charset="0"/>
-                <a:cs typeface="Nunito" pitchFamily="2" charset="0"/>
-              </a:rPr>
-              <a:t>State initial hypotheses.</a:t>
-            </a:r>
-          </a:p>
-          <a:p>
-            <a:pPr marL="3200400" marR="0">
-              <a:spcBef>
-                <a:spcPts val="0"/>
-              </a:spcBef>
-              <a:spcAft>
-                <a:spcPts val="0"/>
-              </a:spcAft>
-            </a:pPr>
-            <a:r>
-              <a:rPr lang="en-US" sz="1200" dirty="0">
-                <a:effectLst/>
-                <a:latin typeface="Nunito" pitchFamily="2" charset="0"/>
-                <a:ea typeface="Nunito" pitchFamily="2" charset="0"/>
-                <a:cs typeface="Nunito" pitchFamily="2" charset="0"/>
-              </a:rPr>
-              <a:t> </a:t>
-            </a:r>
-          </a:p>
-          <a:p>
-            <a:pPr marL="342900" marR="0" lvl="0" indent="-342900">
-              <a:spcBef>
-                <a:spcPts val="0"/>
-              </a:spcBef>
-              <a:spcAft>
-                <a:spcPts val="0"/>
-              </a:spcAft>
-              <a:buFont typeface="Arial" panose="020B0604020202020204" pitchFamily="34" charset="0"/>
-              <a:buChar char="●"/>
-            </a:pPr>
-            <a:r>
-              <a:rPr lang="en-US" sz="1200" b="1" u="none" strike="noStrike" dirty="0">
-                <a:effectLst/>
-                <a:latin typeface="Nunito" pitchFamily="2" charset="0"/>
-                <a:ea typeface="Nunito" pitchFamily="2" charset="0"/>
-                <a:cs typeface="Nunito" pitchFamily="2" charset="0"/>
-              </a:rPr>
-              <a:t>Overview of Data:</a:t>
-            </a:r>
-            <a:endParaRPr lang="en-US" sz="1200" u="none" strike="noStrike" dirty="0">
-              <a:effectLst/>
-              <a:latin typeface="Nunito" pitchFamily="2" charset="0"/>
-              <a:ea typeface="Nunito" pitchFamily="2" charset="0"/>
-              <a:cs typeface="Nunito" pitchFamily="2" charset="0"/>
-            </a:endParaRPr>
-          </a:p>
-          <a:p>
-            <a:pPr marL="742950" marR="0" lvl="1" indent="-285750">
-              <a:spcBef>
-                <a:spcPts val="0"/>
-              </a:spcBef>
-              <a:spcAft>
-                <a:spcPts val="0"/>
-              </a:spcAft>
-              <a:buFont typeface="Arial" panose="020B0604020202020204" pitchFamily="34" charset="0"/>
-              <a:buChar char="○"/>
-            </a:pPr>
-            <a:r>
-              <a:rPr lang="en-US" sz="1200" u="none" strike="noStrike" dirty="0">
-                <a:effectLst/>
-                <a:latin typeface="Nunito" pitchFamily="2" charset="0"/>
-                <a:ea typeface="Nunito" pitchFamily="2" charset="0"/>
-                <a:cs typeface="Nunito" pitchFamily="2" charset="0"/>
-              </a:rPr>
-              <a:t>How involved was the cleaning process?</a:t>
-            </a:r>
-          </a:p>
-          <a:p>
-            <a:pPr marL="742950" marR="0" lvl="1" indent="-285750">
-              <a:spcBef>
-                <a:spcPts val="0"/>
-              </a:spcBef>
-              <a:spcAft>
-                <a:spcPts val="0"/>
-              </a:spcAft>
-              <a:buFont typeface="Arial" panose="020B0604020202020204" pitchFamily="34" charset="0"/>
-              <a:buChar char="○"/>
-            </a:pPr>
-            <a:r>
-              <a:rPr lang="en-US" sz="1200" u="none" strike="noStrike" dirty="0">
-                <a:effectLst/>
-                <a:latin typeface="Nunito" pitchFamily="2" charset="0"/>
-                <a:ea typeface="Nunito" pitchFamily="2" charset="0"/>
-                <a:cs typeface="Nunito" pitchFamily="2" charset="0"/>
-              </a:rPr>
-              <a:t>What were your key variables?</a:t>
-            </a:r>
-          </a:p>
-          <a:p>
-            <a:pPr marL="742950" marR="0" lvl="1" indent="-285750">
-              <a:spcBef>
-                <a:spcPts val="0"/>
-              </a:spcBef>
-              <a:spcAft>
-                <a:spcPts val="0"/>
-              </a:spcAft>
-              <a:buFont typeface="Arial" panose="020B0604020202020204" pitchFamily="34" charset="0"/>
-              <a:buChar char="○"/>
-            </a:pPr>
-            <a:r>
-              <a:rPr lang="en-US" sz="1200" u="none" strike="noStrike" dirty="0">
-                <a:effectLst/>
-                <a:latin typeface="Nunito" pitchFamily="2" charset="0"/>
-                <a:ea typeface="Nunito" pitchFamily="2" charset="0"/>
-                <a:cs typeface="Nunito" pitchFamily="2" charset="0"/>
-              </a:rPr>
-              <a:t>Any interesting insights from EDA?</a:t>
-            </a:r>
-          </a:p>
-          <a:p>
-            <a:pPr marL="742950" marR="0" lvl="1" indent="-285750">
-              <a:spcBef>
-                <a:spcPts val="0"/>
-              </a:spcBef>
-              <a:spcAft>
-                <a:spcPts val="0"/>
-              </a:spcAft>
-              <a:buFont typeface="Arial" panose="020B0604020202020204" pitchFamily="34" charset="0"/>
-              <a:buChar char="○"/>
-            </a:pPr>
-            <a:r>
-              <a:rPr lang="en-US" sz="1200" u="none" strike="noStrike" dirty="0">
-                <a:effectLst/>
-                <a:latin typeface="Nunito" pitchFamily="2" charset="0"/>
-                <a:ea typeface="Nunito" pitchFamily="2" charset="0"/>
-                <a:cs typeface="Nunito" pitchFamily="2" charset="0"/>
-              </a:rPr>
-              <a:t>If you used feature engineering how and was it successful?</a:t>
-            </a:r>
-          </a:p>
-          <a:p>
-            <a:pPr marL="742950" marR="0" lvl="1" indent="-285750">
-              <a:spcBef>
-                <a:spcPts val="0"/>
-              </a:spcBef>
-              <a:spcAft>
-                <a:spcPts val="0"/>
-              </a:spcAft>
-              <a:buFont typeface="Arial" panose="020B0604020202020204" pitchFamily="34" charset="0"/>
-              <a:buChar char="○"/>
-            </a:pPr>
-            <a:r>
-              <a:rPr lang="en-US" sz="1200" u="none" strike="noStrike" dirty="0">
-                <a:effectLst/>
-                <a:latin typeface="Nunito" pitchFamily="2" charset="0"/>
-                <a:ea typeface="Nunito" pitchFamily="2" charset="0"/>
-                <a:cs typeface="Nunito" pitchFamily="2" charset="0"/>
-              </a:rPr>
-              <a:t>Where did the dataset come from?</a:t>
-            </a:r>
-          </a:p>
-          <a:p>
-            <a:pPr marL="742950" marR="0" lvl="1" indent="-285750">
-              <a:spcBef>
-                <a:spcPts val="0"/>
-              </a:spcBef>
-              <a:spcAft>
-                <a:spcPts val="0"/>
-              </a:spcAft>
-              <a:buFont typeface="Arial" panose="020B0604020202020204" pitchFamily="34" charset="0"/>
-              <a:buChar char="○"/>
-            </a:pPr>
-            <a:r>
-              <a:rPr lang="en-US" sz="1200" u="none" strike="noStrike" dirty="0">
-                <a:effectLst/>
-                <a:latin typeface="Nunito" pitchFamily="2" charset="0"/>
-                <a:ea typeface="Nunito" pitchFamily="2" charset="0"/>
-                <a:cs typeface="Nunito" pitchFamily="2" charset="0"/>
-              </a:rPr>
-              <a:t>Super quick overview of the data.</a:t>
-            </a:r>
-          </a:p>
-          <a:p>
-            <a:pPr marL="3200400" marR="0">
-              <a:spcBef>
-                <a:spcPts val="0"/>
-              </a:spcBef>
-              <a:spcAft>
-                <a:spcPts val="0"/>
-              </a:spcAft>
-            </a:pPr>
-            <a:r>
-              <a:rPr lang="en-US" sz="1200" dirty="0">
-                <a:effectLst/>
-                <a:latin typeface="Nunito" pitchFamily="2" charset="0"/>
-                <a:ea typeface="Nunito" pitchFamily="2" charset="0"/>
-                <a:cs typeface="Nunito" pitchFamily="2" charset="0"/>
-              </a:rPr>
-              <a:t> </a:t>
-            </a:r>
-          </a:p>
-          <a:p>
-            <a:pPr marL="342900" marR="0" lvl="0" indent="-342900">
-              <a:spcBef>
-                <a:spcPts val="0"/>
-              </a:spcBef>
-              <a:spcAft>
-                <a:spcPts val="0"/>
-              </a:spcAft>
-              <a:buFont typeface="Arial" panose="020B0604020202020204" pitchFamily="34" charset="0"/>
-              <a:buChar char="●"/>
-            </a:pPr>
-            <a:r>
-              <a:rPr lang="en-US" sz="1200" b="1" u="none" strike="noStrike" dirty="0">
-                <a:effectLst/>
-                <a:latin typeface="Nunito" pitchFamily="2" charset="0"/>
-                <a:ea typeface="Nunito" pitchFamily="2" charset="0"/>
-                <a:cs typeface="Nunito" pitchFamily="2" charset="0"/>
-              </a:rPr>
-              <a:t>Overview of Modeling:</a:t>
-            </a:r>
-            <a:endParaRPr lang="en-US" sz="1200" u="none" strike="noStrike" dirty="0">
-              <a:effectLst/>
-              <a:latin typeface="Nunito" pitchFamily="2" charset="0"/>
-              <a:ea typeface="Nunito" pitchFamily="2" charset="0"/>
-              <a:cs typeface="Nunito" pitchFamily="2" charset="0"/>
-            </a:endParaRPr>
-          </a:p>
-          <a:p>
-            <a:pPr marL="742950" marR="0" lvl="1" indent="-285750">
-              <a:spcBef>
-                <a:spcPts val="0"/>
-              </a:spcBef>
-              <a:spcAft>
-                <a:spcPts val="0"/>
-              </a:spcAft>
-              <a:buFont typeface="Arial" panose="020B0604020202020204" pitchFamily="34" charset="0"/>
-              <a:buChar char="○"/>
-            </a:pPr>
-            <a:r>
-              <a:rPr lang="en-US" sz="1200" u="none" strike="noStrike" dirty="0">
-                <a:effectLst/>
-                <a:latin typeface="Nunito" pitchFamily="2" charset="0"/>
-                <a:ea typeface="Nunito" pitchFamily="2" charset="0"/>
-                <a:cs typeface="Nunito" pitchFamily="2" charset="0"/>
-              </a:rPr>
-              <a:t>What type of models did you use? </a:t>
-            </a:r>
-          </a:p>
-          <a:p>
-            <a:pPr marL="742950" marR="0" lvl="1" indent="-285750">
-              <a:spcBef>
-                <a:spcPts val="0"/>
-              </a:spcBef>
-              <a:spcAft>
-                <a:spcPts val="0"/>
-              </a:spcAft>
-              <a:buFont typeface="Arial" panose="020B0604020202020204" pitchFamily="34" charset="0"/>
-              <a:buChar char="○"/>
-            </a:pPr>
-            <a:r>
-              <a:rPr lang="en-US" sz="1200" u="none" strike="noStrike" dirty="0">
-                <a:effectLst/>
-                <a:latin typeface="Nunito" pitchFamily="2" charset="0"/>
-                <a:ea typeface="Nunito" pitchFamily="2" charset="0"/>
-                <a:cs typeface="Nunito" pitchFamily="2" charset="0"/>
-              </a:rPr>
-              <a:t>How do they compare? </a:t>
-            </a:r>
-          </a:p>
-          <a:p>
-            <a:pPr marL="742950" marR="0" lvl="1" indent="-285750">
-              <a:spcBef>
-                <a:spcPts val="0"/>
-              </a:spcBef>
-              <a:spcAft>
-                <a:spcPts val="0"/>
-              </a:spcAft>
-              <a:buFont typeface="Arial" panose="020B0604020202020204" pitchFamily="34" charset="0"/>
-              <a:buChar char="○"/>
-            </a:pPr>
-            <a:r>
-              <a:rPr lang="en-US" sz="1200" u="none" strike="noStrike" dirty="0">
-                <a:effectLst/>
-                <a:latin typeface="Nunito" pitchFamily="2" charset="0"/>
-                <a:ea typeface="Nunito" pitchFamily="2" charset="0"/>
-                <a:cs typeface="Nunito" pitchFamily="2" charset="0"/>
-              </a:rPr>
-              <a:t>How did you perform model selection? </a:t>
-            </a:r>
-          </a:p>
-          <a:p>
-            <a:pPr marL="742950" marR="0" lvl="1" indent="-285750">
-              <a:spcBef>
-                <a:spcPts val="0"/>
-              </a:spcBef>
-              <a:spcAft>
-                <a:spcPts val="0"/>
-              </a:spcAft>
-              <a:buFont typeface="Arial" panose="020B0604020202020204" pitchFamily="34" charset="0"/>
-              <a:buChar char="○"/>
-            </a:pPr>
-            <a:r>
-              <a:rPr lang="en-US" sz="1200" u="none" strike="noStrike" dirty="0">
-                <a:effectLst/>
-                <a:latin typeface="Nunito" pitchFamily="2" charset="0"/>
-                <a:ea typeface="Nunito" pitchFamily="2" charset="0"/>
-                <a:cs typeface="Nunito" pitchFamily="2" charset="0"/>
-              </a:rPr>
-              <a:t>How did you perform hyperparameter optimization? </a:t>
-            </a:r>
-          </a:p>
-          <a:p>
-            <a:pPr marL="742950" marR="0" lvl="1" indent="-285750">
-              <a:spcBef>
-                <a:spcPts val="0"/>
-              </a:spcBef>
-              <a:spcAft>
-                <a:spcPts val="0"/>
-              </a:spcAft>
-              <a:buFont typeface="Arial" panose="020B0604020202020204" pitchFamily="34" charset="0"/>
-              <a:buChar char="○"/>
-            </a:pPr>
-            <a:r>
-              <a:rPr lang="en-US" sz="1200" u="none" strike="noStrike" dirty="0">
-                <a:effectLst/>
-                <a:latin typeface="Nunito" pitchFamily="2" charset="0"/>
-                <a:ea typeface="Nunito" pitchFamily="2" charset="0"/>
-                <a:cs typeface="Nunito" pitchFamily="2" charset="0"/>
-              </a:rPr>
-              <a:t>How did the models perform generally speaking?</a:t>
-            </a:r>
-          </a:p>
-          <a:p>
-            <a:pPr marL="742950" marR="0" lvl="1" indent="-285750">
-              <a:spcBef>
-                <a:spcPts val="0"/>
-              </a:spcBef>
-              <a:spcAft>
-                <a:spcPts val="0"/>
-              </a:spcAft>
-              <a:buFont typeface="Arial" panose="020B0604020202020204" pitchFamily="34" charset="0"/>
-              <a:buChar char="○"/>
-            </a:pPr>
-            <a:r>
-              <a:rPr lang="en-US" sz="1200" u="none" strike="noStrike" dirty="0">
-                <a:effectLst/>
-                <a:latin typeface="Nunito" pitchFamily="2" charset="0"/>
-                <a:ea typeface="Nunito" pitchFamily="2" charset="0"/>
-                <a:cs typeface="Nunito" pitchFamily="2" charset="0"/>
-              </a:rPr>
-              <a:t>Are they useful and in what ways?</a:t>
-            </a:r>
-          </a:p>
-          <a:p>
-            <a:pPr marL="742950" marR="0" lvl="1" indent="-285750">
-              <a:spcBef>
-                <a:spcPts val="0"/>
-              </a:spcBef>
-              <a:spcAft>
-                <a:spcPts val="0"/>
-              </a:spcAft>
-              <a:buFont typeface="Arial" panose="020B0604020202020204" pitchFamily="34" charset="0"/>
-              <a:buChar char="○"/>
-            </a:pPr>
-            <a:r>
-              <a:rPr lang="en-US" sz="1200" u="none" strike="noStrike" dirty="0">
-                <a:effectLst/>
-                <a:latin typeface="Nunito" pitchFamily="2" charset="0"/>
-                <a:ea typeface="Nunito" pitchFamily="2" charset="0"/>
-                <a:cs typeface="Nunito" pitchFamily="2" charset="0"/>
-              </a:rPr>
-              <a:t>Why did you choose those models in particular?</a:t>
-            </a:r>
-          </a:p>
-          <a:p>
-            <a:pPr marL="914400" marR="0">
-              <a:spcBef>
-                <a:spcPts val="0"/>
-              </a:spcBef>
-              <a:spcAft>
-                <a:spcPts val="0"/>
-              </a:spcAft>
-            </a:pPr>
-            <a:r>
-              <a:rPr lang="en-US" sz="1200" dirty="0">
-                <a:effectLst/>
-                <a:latin typeface="Nunito" pitchFamily="2" charset="0"/>
-                <a:ea typeface="Nunito" pitchFamily="2" charset="0"/>
-                <a:cs typeface="Nunito" pitchFamily="2" charset="0"/>
-              </a:rPr>
-              <a:t> </a:t>
-            </a:r>
-          </a:p>
-          <a:p>
-            <a:pPr marL="342900" marR="0" lvl="0" indent="-342900">
-              <a:spcBef>
-                <a:spcPts val="0"/>
-              </a:spcBef>
-              <a:spcAft>
-                <a:spcPts val="0"/>
-              </a:spcAft>
-              <a:buFont typeface="Arial" panose="020B0604020202020204" pitchFamily="34" charset="0"/>
-              <a:buChar char="●"/>
-            </a:pPr>
-            <a:r>
-              <a:rPr lang="en-US" sz="1200" u="none" strike="noStrike" dirty="0">
-                <a:effectLst/>
-                <a:latin typeface="Nunito" pitchFamily="2" charset="0"/>
-                <a:ea typeface="Nunito" pitchFamily="2" charset="0"/>
-                <a:cs typeface="Nunito" pitchFamily="2" charset="0"/>
-              </a:rPr>
-              <a:t>Include a couple of key visualizations and be sure to include captions, labels, legends, and most importantly context where needed!</a:t>
-            </a:r>
-          </a:p>
-          <a:p>
-            <a:pPr marL="342900" marR="0" lvl="0" indent="-342900">
-              <a:spcBef>
-                <a:spcPts val="0"/>
-              </a:spcBef>
-              <a:spcAft>
-                <a:spcPts val="0"/>
-              </a:spcAft>
-              <a:buFont typeface="Arial" panose="020B0604020202020204" pitchFamily="34" charset="0"/>
-              <a:buChar char="●"/>
-            </a:pPr>
-            <a:r>
-              <a:rPr lang="en-US" sz="1200" u="none" strike="noStrike" dirty="0">
-                <a:effectLst/>
-                <a:latin typeface="Nunito" pitchFamily="2" charset="0"/>
-                <a:ea typeface="Nunito" pitchFamily="2" charset="0"/>
-                <a:cs typeface="Nunito" pitchFamily="2" charset="0"/>
-              </a:rPr>
-              <a:t>If you encounter any unexpected problems, challenges, or interesting findings please mention these. Discussion of things that didn’t work is also encouraged. </a:t>
-            </a:r>
-          </a:p>
-          <a:p>
-            <a:pPr marL="342900" marR="0" lvl="0" indent="-342900">
-              <a:spcBef>
-                <a:spcPts val="0"/>
-              </a:spcBef>
-              <a:spcAft>
-                <a:spcPts val="0"/>
-              </a:spcAft>
-              <a:buFont typeface="Arial" panose="020B0604020202020204" pitchFamily="34" charset="0"/>
-              <a:buChar char="●"/>
-            </a:pPr>
-            <a:r>
-              <a:rPr lang="en-US" sz="1200" u="none" strike="noStrike" dirty="0">
-                <a:effectLst/>
-                <a:latin typeface="Nunito" pitchFamily="2" charset="0"/>
-                <a:ea typeface="Nunito" pitchFamily="2" charset="0"/>
-                <a:cs typeface="Nunito" pitchFamily="2" charset="0"/>
-              </a:rPr>
-              <a:t>Is there any unfinished business or areas which if given more time or resources you would deem promising or interesting to further pursue?</a:t>
-            </a:r>
-          </a:p>
-          <a:p>
-            <a:pPr marL="342900" marR="0" lvl="0" indent="-342900">
-              <a:spcBef>
-                <a:spcPts val="0"/>
-              </a:spcBef>
-              <a:spcAft>
-                <a:spcPts val="0"/>
-              </a:spcAft>
-              <a:buFont typeface="Arial" panose="020B0604020202020204" pitchFamily="34" charset="0"/>
-              <a:buChar char="●"/>
-            </a:pPr>
-            <a:r>
-              <a:rPr lang="en-US" sz="1200" u="none" strike="noStrike" dirty="0">
-                <a:effectLst/>
-                <a:latin typeface="Nunito" pitchFamily="2" charset="0"/>
-                <a:ea typeface="Nunito" pitchFamily="2" charset="0"/>
-                <a:cs typeface="Nunito" pitchFamily="2" charset="0"/>
-              </a:rPr>
-              <a:t>Overall conclusion and key takeaways from your project as a closing message.</a:t>
-            </a:r>
-          </a:p>
-          <a:p>
-            <a:pPr marL="342900" marR="0" lvl="0" indent="-342900">
-              <a:spcBef>
-                <a:spcPts val="0"/>
-              </a:spcBef>
-              <a:spcAft>
-                <a:spcPts val="0"/>
-              </a:spcAft>
-              <a:buFont typeface="Arial" panose="020B0604020202020204" pitchFamily="34" charset="0"/>
-              <a:buChar char="●"/>
-            </a:pPr>
-            <a:r>
-              <a:rPr lang="en-US" sz="1200" u="none" strike="noStrike" dirty="0">
-                <a:effectLst/>
-                <a:latin typeface="Nunito" pitchFamily="2" charset="0"/>
-                <a:ea typeface="Nunito" pitchFamily="2" charset="0"/>
-                <a:cs typeface="Nunito" pitchFamily="2" charset="0"/>
-              </a:rPr>
-              <a:t>Sources cited on the last slide (no need to read them just include them).</a:t>
-            </a:r>
-          </a:p>
-        </p:txBody>
-      </p:sp>
-    </p:spTree>
-    <p:extLst>
-      <p:ext uri="{BB962C8B-B14F-4D97-AF65-F5344CB8AC3E}">
-        <p14:creationId xmlns:p14="http://schemas.microsoft.com/office/powerpoint/2010/main" val="194527829"/>
-      </p:ext>
-    </p:extLst>
-  </p:cSld>
-  <p:clrMapOvr>
-    <a:masterClrMapping/>
-  </p:clrMapOvr>
-</p:sld>
-</file>
-
-<file path=ppt/slides/slide2.xml><?xml version="1.0" encoding="utf-8"?>
-<p:sld xmlns:a="http://schemas.openxmlformats.org/drawingml/2006/main" xmlns:r="http://schemas.openxmlformats.org/officeDocument/2006/relationships" xmlns:p="http://schemas.openxmlformats.org/presentationml/2006/main">
-  <p:cSld>
-    <p:bg>
-      <p:bgPr>
-        <a:solidFill>
-          <a:schemeClr val="bg1"/>
-        </a:solidFill>
-        <a:effectLst/>
-      </p:bgPr>
-    </p:bg>
-    <p:spTree>
-      <p:nvGrpSpPr>
-        <p:cNvPr id="1" name=""/>
-        <p:cNvGrpSpPr/>
-        <p:nvPr/>
-      </p:nvGrpSpPr>
-      <p:grpSpPr>
-        <a:xfrm>
-          <a:off x="0" y="0"/>
-          <a:ext cx="0" cy="0"/>
-          <a:chOff x="0" y="0"/>
-          <a:chExt cx="0" cy="0"/>
-        </a:xfrm>
-      </p:grpSpPr>
-      <p:sp>
-        <p:nvSpPr>
-          <p:cNvPr id="2" name="Title 1">
-            <a:extLst>
-              <a:ext uri="{FF2B5EF4-FFF2-40B4-BE49-F238E27FC236}">
-                <a16:creationId xmlns:a16="http://schemas.microsoft.com/office/drawing/2014/main" id="{BC8107AF-A697-F007-FBC6-663EEACE8539}"/>
-              </a:ext>
-            </a:extLst>
-          </p:cNvPr>
-          <p:cNvSpPr>
-            <a:spLocks noGrp="1"/>
-          </p:cNvSpPr>
-          <p:nvPr>
-            <p:ph type="title"/>
-          </p:nvPr>
-        </p:nvSpPr>
-        <p:spPr/>
-        <p:txBody>
-          <a:bodyPr>
-            <a:normAutofit/>
-          </a:bodyPr>
-          <a:lstStyle/>
-          <a:p>
-            <a:r>
-              <a:rPr lang="en-US" sz="3300" dirty="0"/>
-              <a:t>Project Overview</a:t>
-            </a:r>
-          </a:p>
-        </p:txBody>
-      </p:sp>
-      <p:sp>
-        <p:nvSpPr>
-          <p:cNvPr id="3" name="Content Placeholder 2">
-            <a:extLst>
-              <a:ext uri="{FF2B5EF4-FFF2-40B4-BE49-F238E27FC236}">
-                <a16:creationId xmlns:a16="http://schemas.microsoft.com/office/drawing/2014/main" id="{AC68744F-2AB0-9C00-83B2-5DA833BC80DC}"/>
-              </a:ext>
-            </a:extLst>
-          </p:cNvPr>
-          <p:cNvSpPr>
-            <a:spLocks noGrp="1"/>
-          </p:cNvSpPr>
-          <p:nvPr>
-            <p:ph idx="1"/>
-          </p:nvPr>
-        </p:nvSpPr>
-        <p:spPr/>
-        <p:txBody>
-          <a:bodyPr>
-            <a:normAutofit/>
-          </a:bodyPr>
-          <a:lstStyle/>
-          <a:p>
-            <a:r>
-              <a:rPr lang="en-US" b="0" i="0" u="none" strike="noStrike" baseline="0">
-                <a:solidFill>
-                  <a:schemeClr val="tx1"/>
-                </a:solidFill>
-              </a:rPr>
-              <a:t>We intend to use airline passenger satisfaction surve</a:t>
-            </a:r>
-            <a:r>
-              <a:rPr lang="en-US">
-                <a:solidFill>
-                  <a:schemeClr val="tx1"/>
-                </a:solidFill>
-              </a:rPr>
-              <a:t>y data to </a:t>
-            </a:r>
-            <a:r>
-              <a:rPr lang="en-US" b="0" i="0" u="none" strike="noStrike" baseline="0">
-                <a:solidFill>
-                  <a:schemeClr val="tx1"/>
-                </a:solidFill>
-              </a:rPr>
-              <a:t>determine which factors drive customer satisfaction (or dissatisfaction) so that we can provide actionable recommendations on how money should be invested or re-allocated to keep passengers satisfied.</a:t>
-            </a:r>
-          </a:p>
-          <a:p>
-            <a:r>
-              <a:rPr lang="en-US">
-                <a:solidFill>
-                  <a:schemeClr val="tx1"/>
-                </a:solidFill>
-              </a:rPr>
-              <a:t>Customer satisfaction is a key factor in attracting and retaining business. Identifying factors that have the strongest effect on customer satisfaction will provide key insights for airlines to enhance their services, improve the customer experience and optimize business operations. </a:t>
-            </a:r>
-          </a:p>
-          <a:p>
-            <a:r>
-              <a:rPr lang="en-US">
-                <a:solidFill>
-                  <a:schemeClr val="tx1"/>
-                </a:solidFill>
-              </a:rPr>
-              <a:t>Some estimates indicate that increasing customer retention by as little as 5% increases profits by 25%-95%.</a:t>
-            </a:r>
-            <a:r>
-              <a:rPr lang="en-US" baseline="30000">
-                <a:solidFill>
-                  <a:schemeClr val="tx1"/>
-                </a:solidFill>
-              </a:rPr>
-              <a:t>1</a:t>
-            </a:r>
-          </a:p>
-        </p:txBody>
-      </p:sp>
-    </p:spTree>
-    <p:extLst>
-      <p:ext uri="{BB962C8B-B14F-4D97-AF65-F5344CB8AC3E}">
-        <p14:creationId xmlns:p14="http://schemas.microsoft.com/office/powerpoint/2010/main" val="2813255050"/>
-      </p:ext>
-    </p:extLst>
-  </p:cSld>
-  <p:clrMapOvr>
-    <a:masterClrMapping/>
-  </p:clrMapOvr>
-</p:sld>
-</file>
-
-<file path=ppt/slides/slide3.xml><?xml version="1.0" encoding="utf-8"?>
-<p:sld xmlns:a="http://schemas.openxmlformats.org/drawingml/2006/main" xmlns:r="http://schemas.openxmlformats.org/officeDocument/2006/relationships" xmlns:p="http://schemas.openxmlformats.org/presentationml/2006/main">
-  <p:cSld>
-    <p:spTree>
-      <p:nvGrpSpPr>
-        <p:cNvPr id="1" name=""/>
-        <p:cNvGrpSpPr/>
-        <p:nvPr/>
-      </p:nvGrpSpPr>
-      <p:grpSpPr>
-        <a:xfrm>
-          <a:off x="0" y="0"/>
-          <a:ext cx="0" cy="0"/>
-          <a:chOff x="0" y="0"/>
-          <a:chExt cx="0" cy="0"/>
-        </a:xfrm>
-      </p:grpSpPr>
-      <p:sp>
-        <p:nvSpPr>
-          <p:cNvPr id="2" name="Title 1">
-            <a:extLst>
-              <a:ext uri="{FF2B5EF4-FFF2-40B4-BE49-F238E27FC236}">
-                <a16:creationId xmlns:a16="http://schemas.microsoft.com/office/drawing/2014/main" id="{BC8107AF-A697-F007-FBC6-663EEACE8539}"/>
-              </a:ext>
-            </a:extLst>
-          </p:cNvPr>
-          <p:cNvSpPr>
-            <a:spLocks noGrp="1"/>
-          </p:cNvSpPr>
-          <p:nvPr>
-            <p:ph type="title"/>
-          </p:nvPr>
-        </p:nvSpPr>
-        <p:spPr/>
-        <p:txBody>
-          <a:bodyPr/>
-          <a:lstStyle/>
-          <a:p>
-            <a:r>
-              <a:rPr lang="en-US" dirty="0"/>
-              <a:t>Dataset Overview</a:t>
-            </a:r>
-          </a:p>
-        </p:txBody>
-      </p:sp>
-      <p:sp>
-        <p:nvSpPr>
-          <p:cNvPr id="3" name="Content Placeholder 2">
-            <a:extLst>
-              <a:ext uri="{FF2B5EF4-FFF2-40B4-BE49-F238E27FC236}">
-                <a16:creationId xmlns:a16="http://schemas.microsoft.com/office/drawing/2014/main" id="{AC68744F-2AB0-9C00-83B2-5DA833BC80DC}"/>
-              </a:ext>
-            </a:extLst>
-          </p:cNvPr>
-          <p:cNvSpPr>
-            <a:spLocks noGrp="1"/>
-          </p:cNvSpPr>
-          <p:nvPr>
-            <p:ph idx="1"/>
-          </p:nvPr>
-        </p:nvSpPr>
-        <p:spPr/>
-        <p:txBody>
-          <a:bodyPr>
-            <a:normAutofit/>
-          </a:bodyPr>
-          <a:lstStyle/>
-          <a:p>
-            <a:pPr algn="l"/>
-            <a:r>
-              <a:rPr lang="en-US" dirty="0"/>
-              <a:t>The dataset is taken from surveys from a US airline and is publicly available on Kaggle. </a:t>
-            </a:r>
-          </a:p>
-          <a:p>
-            <a:pPr algn="l"/>
-            <a:r>
-              <a:rPr lang="en-US" dirty="0"/>
-              <a:t>It includes user ratings for multiple aspects of air travel such as food and drink and seat comfort, as well as customer information such as age and gender.</a:t>
-            </a:r>
-            <a:r>
-              <a:rPr lang="en-US" baseline="30000" dirty="0"/>
-              <a:t>2</a:t>
-            </a:r>
-            <a:r>
-              <a:rPr lang="en-US" dirty="0"/>
-              <a:t> </a:t>
-            </a:r>
-          </a:p>
-          <a:p>
-            <a:pPr algn="l"/>
-            <a:endParaRPr lang="en-US" dirty="0"/>
-          </a:p>
-          <a:p>
-            <a:pPr algn="l"/>
-            <a:endParaRPr lang="en-US" dirty="0"/>
-          </a:p>
-          <a:p>
-            <a:pPr algn="l"/>
-            <a:endParaRPr lang="en-US" dirty="0"/>
-          </a:p>
-          <a:p>
-            <a:pPr algn="l"/>
-            <a:endParaRPr lang="en-US" dirty="0"/>
-          </a:p>
-          <a:p>
-            <a:pPr algn="l"/>
-            <a:endParaRPr lang="en-US" dirty="0"/>
-          </a:p>
-          <a:p>
-            <a:pPr algn="l"/>
-            <a:endParaRPr lang="en-US" dirty="0"/>
-          </a:p>
-          <a:p>
-            <a:pPr algn="l"/>
-            <a:endParaRPr lang="en-US" dirty="0"/>
-          </a:p>
-        </p:txBody>
-      </p:sp>
-      <p:pic>
-        <p:nvPicPr>
-          <p:cNvPr id="5" name="Picture 4">
-            <a:extLst>
-              <a:ext uri="{FF2B5EF4-FFF2-40B4-BE49-F238E27FC236}">
-                <a16:creationId xmlns:a16="http://schemas.microsoft.com/office/drawing/2014/main" id="{59A38596-278B-EDE5-2164-439B11ED69CF}"/>
-              </a:ext>
-            </a:extLst>
-          </p:cNvPr>
-          <p:cNvPicPr>
-            <a:picLocks noChangeAspect="1"/>
-          </p:cNvPicPr>
-          <p:nvPr/>
-        </p:nvPicPr>
-        <p:blipFill rotWithShape="1">
-          <a:blip r:embed="rId3"/>
-          <a:srcRect t="11845"/>
-          <a:stretch/>
-        </p:blipFill>
-        <p:spPr>
-          <a:xfrm>
-            <a:off x="3740818" y="2707829"/>
-            <a:ext cx="7572099" cy="3286063"/>
-          </a:xfrm>
-          <a:prstGeom prst="rect">
-            <a:avLst/>
-          </a:prstGeom>
-        </p:spPr>
-      </p:pic>
-      <p:sp>
-        <p:nvSpPr>
-          <p:cNvPr id="4" name="Rectangle 3">
-            <a:extLst>
-              <a:ext uri="{FF2B5EF4-FFF2-40B4-BE49-F238E27FC236}">
-                <a16:creationId xmlns:a16="http://schemas.microsoft.com/office/drawing/2014/main" id="{B7F43AD0-4396-B767-A57D-A5F10A77A8A0}"/>
-              </a:ext>
-            </a:extLst>
-          </p:cNvPr>
-          <p:cNvSpPr/>
-          <p:nvPr/>
-        </p:nvSpPr>
-        <p:spPr>
-          <a:xfrm>
-            <a:off x="3962400" y="5725020"/>
-            <a:ext cx="2057400" cy="190005"/>
-          </a:xfrm>
-          <a:prstGeom prst="rect">
-            <a:avLst/>
-          </a:prstGeom>
-          <a:noFill/>
-          <a:ln w="38100">
-            <a:solidFill>
-              <a:srgbClr val="FFC000"/>
-            </a:solidFill>
-          </a:ln>
-        </p:spPr>
-        <p:style>
-          <a:lnRef idx="2">
-            <a:schemeClr val="accent1">
-              <a:shade val="15000"/>
-            </a:schemeClr>
-          </a:lnRef>
-          <a:fillRef idx="1">
-            <a:schemeClr val="accent1"/>
-          </a:fillRef>
-          <a:effectRef idx="0">
-            <a:schemeClr val="accent1"/>
-          </a:effectRef>
-          <a:fontRef idx="minor">
-            <a:schemeClr val="lt1"/>
-          </a:fontRef>
-        </p:style>
-        <p:txBody>
-          <a:bodyPr rtlCol="0" anchor="ctr"/>
-          <a:lstStyle/>
-          <a:p>
-            <a:pPr algn="ctr"/>
-            <a:endParaRPr lang="en-US"/>
-          </a:p>
-        </p:txBody>
-      </p:sp>
-    </p:spTree>
-    <p:extLst>
-      <p:ext uri="{BB962C8B-B14F-4D97-AF65-F5344CB8AC3E}">
-        <p14:creationId xmlns:p14="http://schemas.microsoft.com/office/powerpoint/2010/main" val="2980110185"/>
-      </p:ext>
-    </p:extLst>
-  </p:cSld>
-  <p:clrMapOvr>
-    <a:masterClrMapping/>
-  </p:clrMapOvr>
-</p:sld>
-</file>
-
-<file path=ppt/slides/slide4.xml><?xml version="1.0" encoding="utf-8"?>
-<p:sld xmlns:a="http://schemas.openxmlformats.org/drawingml/2006/main" xmlns:r="http://schemas.openxmlformats.org/officeDocument/2006/relationships" xmlns:p="http://schemas.openxmlformats.org/presentationml/2006/main">
-  <p:cSld>
-    <p:spTree>
-      <p:nvGrpSpPr>
-        <p:cNvPr id="1" name=""/>
-        <p:cNvGrpSpPr/>
-        <p:nvPr/>
-      </p:nvGrpSpPr>
-      <p:grpSpPr>
-        <a:xfrm>
-          <a:off x="0" y="0"/>
-          <a:ext cx="0" cy="0"/>
-          <a:chOff x="0" y="0"/>
-          <a:chExt cx="0" cy="0"/>
-        </a:xfrm>
-      </p:grpSpPr>
-      <p:sp>
-        <p:nvSpPr>
-          <p:cNvPr id="2" name="Title 1">
-            <a:extLst>
-              <a:ext uri="{FF2B5EF4-FFF2-40B4-BE49-F238E27FC236}">
-                <a16:creationId xmlns:a16="http://schemas.microsoft.com/office/drawing/2014/main" id="{BC8107AF-A697-F007-FBC6-663EEACE8539}"/>
-              </a:ext>
-            </a:extLst>
-          </p:cNvPr>
-          <p:cNvSpPr>
-            <a:spLocks noGrp="1"/>
-          </p:cNvSpPr>
-          <p:nvPr>
-            <p:ph type="title"/>
-          </p:nvPr>
-        </p:nvSpPr>
-        <p:spPr/>
-        <p:txBody>
-          <a:bodyPr/>
-          <a:lstStyle/>
-          <a:p>
-            <a:r>
-              <a:rPr lang="en-US" dirty="0"/>
-              <a:t>Dataset Overview</a:t>
-            </a:r>
-          </a:p>
-        </p:txBody>
-      </p:sp>
-      <p:sp>
-        <p:nvSpPr>
-          <p:cNvPr id="3" name="Content Placeholder 2">
-            <a:extLst>
-              <a:ext uri="{FF2B5EF4-FFF2-40B4-BE49-F238E27FC236}">
-                <a16:creationId xmlns:a16="http://schemas.microsoft.com/office/drawing/2014/main" id="{AC68744F-2AB0-9C00-83B2-5DA833BC80DC}"/>
-              </a:ext>
-            </a:extLst>
-          </p:cNvPr>
-          <p:cNvSpPr>
-            <a:spLocks noGrp="1"/>
-          </p:cNvSpPr>
-          <p:nvPr>
-            <p:ph idx="1"/>
-          </p:nvPr>
-        </p:nvSpPr>
-        <p:spPr/>
-        <p:txBody>
-          <a:bodyPr>
-            <a:normAutofit/>
-          </a:bodyPr>
-          <a:lstStyle/>
-          <a:p>
-            <a:pPr algn="l"/>
-            <a:r>
-              <a:rPr lang="en-US" dirty="0"/>
-              <a:t>The dataset is taken from surveys from a US airline and is publicly available on Kaggle. </a:t>
-            </a:r>
-          </a:p>
-          <a:p>
-            <a:pPr algn="l"/>
-            <a:r>
-              <a:rPr lang="en-US" dirty="0"/>
-              <a:t>It includes user ratings for multiple aspects of air travel such as food and drink and seat comfort, as well as customer information such as age and gender.</a:t>
-            </a:r>
-            <a:r>
-              <a:rPr lang="en-US" baseline="30000" dirty="0"/>
-              <a:t>2</a:t>
-            </a:r>
-            <a:r>
-              <a:rPr lang="en-US" dirty="0"/>
-              <a:t> </a:t>
-            </a:r>
-          </a:p>
-          <a:p>
-            <a:pPr algn="l"/>
-            <a:endParaRPr lang="en-US" dirty="0"/>
-          </a:p>
-          <a:p>
-            <a:pPr algn="l"/>
-            <a:endParaRPr lang="en-US" dirty="0"/>
-          </a:p>
-          <a:p>
-            <a:pPr algn="l"/>
-            <a:endParaRPr lang="en-US" dirty="0"/>
-          </a:p>
-          <a:p>
-            <a:pPr algn="l"/>
-            <a:endParaRPr lang="en-US" dirty="0"/>
-          </a:p>
-          <a:p>
-            <a:pPr algn="l"/>
-            <a:endParaRPr lang="en-US" dirty="0"/>
-          </a:p>
-          <a:p>
-            <a:pPr algn="l"/>
-            <a:endParaRPr lang="en-US" dirty="0"/>
-          </a:p>
-          <a:p>
-            <a:pPr algn="l"/>
-            <a:endParaRPr lang="en-US" dirty="0"/>
-          </a:p>
-        </p:txBody>
-      </p:sp>
-      <p:pic>
-        <p:nvPicPr>
-          <p:cNvPr id="5" name="Picture 4">
-            <a:extLst>
-              <a:ext uri="{FF2B5EF4-FFF2-40B4-BE49-F238E27FC236}">
-                <a16:creationId xmlns:a16="http://schemas.microsoft.com/office/drawing/2014/main" id="{59A38596-278B-EDE5-2164-439B11ED69CF}"/>
-              </a:ext>
-            </a:extLst>
-          </p:cNvPr>
-          <p:cNvPicPr>
-            <a:picLocks noChangeAspect="1"/>
-          </p:cNvPicPr>
-          <p:nvPr/>
-        </p:nvPicPr>
-        <p:blipFill rotWithShape="1">
-          <a:blip r:embed="rId3"/>
-          <a:srcRect t="11845"/>
-          <a:stretch/>
-        </p:blipFill>
-        <p:spPr>
-          <a:xfrm>
-            <a:off x="3740818" y="2707829"/>
-            <a:ext cx="7572099" cy="3286063"/>
-          </a:xfrm>
-          <a:prstGeom prst="rect">
-            <a:avLst/>
-          </a:prstGeom>
-        </p:spPr>
-      </p:pic>
-      <p:sp>
-        <p:nvSpPr>
-          <p:cNvPr id="6" name="Rectangle 5">
-            <a:extLst>
-              <a:ext uri="{FF2B5EF4-FFF2-40B4-BE49-F238E27FC236}">
-                <a16:creationId xmlns:a16="http://schemas.microsoft.com/office/drawing/2014/main" id="{B7CED1FF-FDFD-5397-7EA8-C8699BEAF6BF}"/>
-              </a:ext>
-            </a:extLst>
-          </p:cNvPr>
-          <p:cNvSpPr/>
-          <p:nvPr/>
-        </p:nvSpPr>
-        <p:spPr>
-          <a:xfrm>
-            <a:off x="3990886" y="3614871"/>
-            <a:ext cx="2105114" cy="410198"/>
-          </a:xfrm>
-          <a:prstGeom prst="rect">
-            <a:avLst/>
-          </a:prstGeom>
-          <a:solidFill>
-            <a:srgbClr val="00B050">
-              <a:alpha val="20000"/>
-            </a:srgbClr>
-          </a:solidFill>
-          <a:ln>
-            <a:noFill/>
-          </a:ln>
-        </p:spPr>
-        <p:style>
-          <a:lnRef idx="2">
-            <a:schemeClr val="accent1">
-              <a:shade val="15000"/>
-            </a:schemeClr>
-          </a:lnRef>
-          <a:fillRef idx="1">
-            <a:schemeClr val="accent1"/>
-          </a:fillRef>
-          <a:effectRef idx="0">
-            <a:schemeClr val="accent1"/>
-          </a:effectRef>
-          <a:fontRef idx="minor">
-            <a:schemeClr val="lt1"/>
-          </a:fontRef>
-        </p:style>
-        <p:txBody>
-          <a:bodyPr rtlCol="0" anchor="ctr"/>
-          <a:lstStyle/>
-          <a:p>
-            <a:pPr algn="ctr"/>
-            <a:endParaRPr lang="en-US"/>
-          </a:p>
-        </p:txBody>
-      </p:sp>
-      <p:sp>
-        <p:nvSpPr>
-          <p:cNvPr id="7" name="Rectangle 6">
-            <a:extLst>
-              <a:ext uri="{FF2B5EF4-FFF2-40B4-BE49-F238E27FC236}">
-                <a16:creationId xmlns:a16="http://schemas.microsoft.com/office/drawing/2014/main" id="{CC134D32-CAB5-5FBA-EA23-339F17DA17F0}"/>
-              </a:ext>
-            </a:extLst>
-          </p:cNvPr>
-          <p:cNvSpPr/>
-          <p:nvPr/>
-        </p:nvSpPr>
-        <p:spPr>
-          <a:xfrm>
-            <a:off x="3990886" y="4247260"/>
-            <a:ext cx="2105114" cy="145278"/>
-          </a:xfrm>
-          <a:prstGeom prst="rect">
-            <a:avLst/>
-          </a:prstGeom>
-          <a:solidFill>
-            <a:srgbClr val="00B050">
-              <a:alpha val="20000"/>
-            </a:srgbClr>
-          </a:solidFill>
-          <a:ln>
-            <a:noFill/>
-          </a:ln>
-        </p:spPr>
-        <p:style>
-          <a:lnRef idx="2">
-            <a:schemeClr val="accent1">
-              <a:shade val="15000"/>
-            </a:schemeClr>
-          </a:lnRef>
-          <a:fillRef idx="1">
-            <a:schemeClr val="accent1"/>
-          </a:fillRef>
-          <a:effectRef idx="0">
-            <a:schemeClr val="accent1"/>
-          </a:effectRef>
-          <a:fontRef idx="minor">
-            <a:schemeClr val="lt1"/>
-          </a:fontRef>
-        </p:style>
-        <p:txBody>
-          <a:bodyPr rtlCol="0" anchor="ctr"/>
-          <a:lstStyle/>
-          <a:p>
-            <a:pPr algn="ctr"/>
-            <a:endParaRPr lang="en-US"/>
-          </a:p>
-        </p:txBody>
-      </p:sp>
-      <p:sp>
-        <p:nvSpPr>
-          <p:cNvPr id="8" name="Rectangle 7">
-            <a:extLst>
-              <a:ext uri="{FF2B5EF4-FFF2-40B4-BE49-F238E27FC236}">
-                <a16:creationId xmlns:a16="http://schemas.microsoft.com/office/drawing/2014/main" id="{D826D34D-C4D5-A04C-13BA-945C1DF8F7C5}"/>
-              </a:ext>
-            </a:extLst>
-          </p:cNvPr>
-          <p:cNvSpPr/>
-          <p:nvPr/>
-        </p:nvSpPr>
-        <p:spPr>
-          <a:xfrm>
-            <a:off x="3990886" y="4516452"/>
-            <a:ext cx="2105114" cy="482838"/>
-          </a:xfrm>
-          <a:prstGeom prst="rect">
-            <a:avLst/>
-          </a:prstGeom>
-          <a:solidFill>
-            <a:srgbClr val="00B050">
-              <a:alpha val="20000"/>
-            </a:srgbClr>
-          </a:solidFill>
-          <a:ln>
-            <a:noFill/>
-          </a:ln>
-        </p:spPr>
-        <p:style>
-          <a:lnRef idx="2">
-            <a:schemeClr val="accent1">
-              <a:shade val="15000"/>
-            </a:schemeClr>
-          </a:lnRef>
-          <a:fillRef idx="1">
-            <a:schemeClr val="accent1"/>
-          </a:fillRef>
-          <a:effectRef idx="0">
-            <a:schemeClr val="accent1"/>
-          </a:effectRef>
-          <a:fontRef idx="minor">
-            <a:schemeClr val="lt1"/>
-          </a:fontRef>
-        </p:style>
-        <p:txBody>
-          <a:bodyPr rtlCol="0" anchor="ctr"/>
-          <a:lstStyle/>
-          <a:p>
-            <a:pPr algn="ctr"/>
-            <a:endParaRPr lang="en-US"/>
-          </a:p>
-        </p:txBody>
-      </p:sp>
-      <p:sp>
-        <p:nvSpPr>
-          <p:cNvPr id="9" name="Rectangle 8">
-            <a:extLst>
-              <a:ext uri="{FF2B5EF4-FFF2-40B4-BE49-F238E27FC236}">
-                <a16:creationId xmlns:a16="http://schemas.microsoft.com/office/drawing/2014/main" id="{1056AEA5-764D-D6AC-F9D7-2786480C2C15}"/>
-              </a:ext>
-            </a:extLst>
-          </p:cNvPr>
-          <p:cNvSpPr/>
-          <p:nvPr/>
-        </p:nvSpPr>
-        <p:spPr>
-          <a:xfrm>
-            <a:off x="3990886" y="5242054"/>
-            <a:ext cx="2105114" cy="141796"/>
-          </a:xfrm>
-          <a:prstGeom prst="rect">
-            <a:avLst/>
-          </a:prstGeom>
-          <a:solidFill>
-            <a:srgbClr val="00B050">
-              <a:alpha val="20000"/>
-            </a:srgbClr>
-          </a:solidFill>
-          <a:ln>
-            <a:noFill/>
-          </a:ln>
-        </p:spPr>
-        <p:style>
-          <a:lnRef idx="2">
-            <a:schemeClr val="accent1">
-              <a:shade val="15000"/>
-            </a:schemeClr>
-          </a:lnRef>
-          <a:fillRef idx="1">
-            <a:schemeClr val="accent1"/>
-          </a:fillRef>
-          <a:effectRef idx="0">
-            <a:schemeClr val="accent1"/>
-          </a:effectRef>
-          <a:fontRef idx="minor">
-            <a:schemeClr val="lt1"/>
-          </a:fontRef>
-        </p:style>
-        <p:txBody>
-          <a:bodyPr rtlCol="0" anchor="ctr"/>
-          <a:lstStyle/>
-          <a:p>
-            <a:pPr algn="ctr"/>
-            <a:endParaRPr lang="en-US"/>
-          </a:p>
-        </p:txBody>
-      </p:sp>
-      <p:sp>
-        <p:nvSpPr>
-          <p:cNvPr id="10" name="Rectangle 9">
-            <a:extLst>
-              <a:ext uri="{FF2B5EF4-FFF2-40B4-BE49-F238E27FC236}">
-                <a16:creationId xmlns:a16="http://schemas.microsoft.com/office/drawing/2014/main" id="{AD699D0D-5281-AF43-D413-D2AFD77818DB}"/>
-              </a:ext>
-            </a:extLst>
-          </p:cNvPr>
-          <p:cNvSpPr/>
-          <p:nvPr/>
-        </p:nvSpPr>
-        <p:spPr>
-          <a:xfrm>
-            <a:off x="3990886" y="5501910"/>
-            <a:ext cx="2105114" cy="231656"/>
-          </a:xfrm>
-          <a:prstGeom prst="rect">
-            <a:avLst/>
-          </a:prstGeom>
-          <a:solidFill>
-            <a:srgbClr val="00B050">
-              <a:alpha val="20000"/>
-            </a:srgbClr>
-          </a:solidFill>
-          <a:ln>
-            <a:noFill/>
-          </a:ln>
-        </p:spPr>
-        <p:style>
-          <a:lnRef idx="2">
-            <a:schemeClr val="accent1">
-              <a:shade val="15000"/>
-            </a:schemeClr>
-          </a:lnRef>
-          <a:fillRef idx="1">
-            <a:schemeClr val="accent1"/>
-          </a:fillRef>
-          <a:effectRef idx="0">
-            <a:schemeClr val="accent1"/>
-          </a:effectRef>
-          <a:fontRef idx="minor">
-            <a:schemeClr val="lt1"/>
-          </a:fontRef>
-        </p:style>
-        <p:txBody>
-          <a:bodyPr rtlCol="0" anchor="ctr"/>
-          <a:lstStyle/>
-          <a:p>
-            <a:pPr algn="ctr"/>
-            <a:endParaRPr lang="en-US"/>
-          </a:p>
-        </p:txBody>
-      </p:sp>
-    </p:spTree>
-    <p:extLst>
-      <p:ext uri="{BB962C8B-B14F-4D97-AF65-F5344CB8AC3E}">
-        <p14:creationId xmlns:p14="http://schemas.microsoft.com/office/powerpoint/2010/main" val="579416996"/>
-      </p:ext>
-    </p:extLst>
-  </p:cSld>
-  <p:clrMapOvr>
-    <a:masterClrMapping/>
-  </p:clrMapOvr>
-</p:sld>
-</file>
-
-<file path=ppt/slides/slide5.xml><?xml version="1.0" encoding="utf-8"?>
-<p:sld xmlns:a="http://schemas.openxmlformats.org/drawingml/2006/main" xmlns:r="http://schemas.openxmlformats.org/officeDocument/2006/relationships" xmlns:p="http://schemas.openxmlformats.org/presentationml/2006/main">
-  <p:cSld>
-    <p:spTree>
-      <p:nvGrpSpPr>
-        <p:cNvPr id="1" name=""/>
-        <p:cNvGrpSpPr/>
-        <p:nvPr/>
-      </p:nvGrpSpPr>
-      <p:grpSpPr>
-        <a:xfrm>
-          <a:off x="0" y="0"/>
-          <a:ext cx="0" cy="0"/>
-          <a:chOff x="0" y="0"/>
-          <a:chExt cx="0" cy="0"/>
-        </a:xfrm>
-      </p:grpSpPr>
-      <p:sp>
-        <p:nvSpPr>
-          <p:cNvPr id="2" name="Title 1">
-            <a:extLst>
-              <a:ext uri="{FF2B5EF4-FFF2-40B4-BE49-F238E27FC236}">
-                <a16:creationId xmlns:a16="http://schemas.microsoft.com/office/drawing/2014/main" id="{BC8107AF-A697-F007-FBC6-663EEACE8539}"/>
-              </a:ext>
-            </a:extLst>
-          </p:cNvPr>
-          <p:cNvSpPr>
-            <a:spLocks noGrp="1"/>
-          </p:cNvSpPr>
-          <p:nvPr>
-            <p:ph type="title"/>
-          </p:nvPr>
-        </p:nvSpPr>
-        <p:spPr/>
-        <p:txBody>
-          <a:bodyPr/>
-          <a:lstStyle/>
-          <a:p>
-            <a:r>
-              <a:rPr lang="en-US" dirty="0"/>
-              <a:t>Dataset Overview</a:t>
-            </a:r>
-          </a:p>
-        </p:txBody>
-      </p:sp>
-      <p:sp>
-        <p:nvSpPr>
-          <p:cNvPr id="3" name="Content Placeholder 2">
-            <a:extLst>
-              <a:ext uri="{FF2B5EF4-FFF2-40B4-BE49-F238E27FC236}">
-                <a16:creationId xmlns:a16="http://schemas.microsoft.com/office/drawing/2014/main" id="{AC68744F-2AB0-9C00-83B2-5DA833BC80DC}"/>
-              </a:ext>
-            </a:extLst>
-          </p:cNvPr>
-          <p:cNvSpPr>
-            <a:spLocks noGrp="1"/>
-          </p:cNvSpPr>
-          <p:nvPr>
-            <p:ph idx="1"/>
-          </p:nvPr>
-        </p:nvSpPr>
-        <p:spPr/>
-        <p:txBody>
-          <a:bodyPr>
-            <a:normAutofit/>
-          </a:bodyPr>
-          <a:lstStyle/>
-          <a:p>
-            <a:pPr algn="l"/>
-            <a:r>
-              <a:rPr lang="en-US" dirty="0"/>
-              <a:t>The dataset is taken from surveys from a US airline. It includes user ratings for multiple aspects of air travel such as food and drink and seat comfort, as well as customer information such as age and gender.</a:t>
-            </a:r>
-            <a:r>
-              <a:rPr lang="en-US" baseline="30000" dirty="0"/>
-              <a:t>2</a:t>
-            </a:r>
-            <a:r>
-              <a:rPr lang="en-US" dirty="0"/>
-              <a:t> </a:t>
-            </a:r>
-          </a:p>
-          <a:p>
-            <a:pPr algn="l"/>
-            <a:endParaRPr lang="en-US" dirty="0"/>
-          </a:p>
-          <a:p>
-            <a:pPr algn="l"/>
-            <a:endParaRPr lang="en-US" dirty="0"/>
-          </a:p>
-          <a:p>
-            <a:pPr algn="l"/>
-            <a:endParaRPr lang="en-US" dirty="0"/>
-          </a:p>
-          <a:p>
-            <a:pPr algn="l"/>
-            <a:endParaRPr lang="en-US" dirty="0"/>
-          </a:p>
-          <a:p>
-            <a:pPr algn="l"/>
-            <a:endParaRPr lang="en-US" dirty="0"/>
-          </a:p>
-          <a:p>
-            <a:pPr algn="l"/>
-            <a:endParaRPr lang="en-US" dirty="0"/>
-          </a:p>
-          <a:p>
-            <a:pPr algn="l"/>
-            <a:endParaRPr lang="en-US" dirty="0"/>
-          </a:p>
-        </p:txBody>
-      </p:sp>
-      <p:pic>
-        <p:nvPicPr>
-          <p:cNvPr id="5" name="Picture 4">
-            <a:extLst>
-              <a:ext uri="{FF2B5EF4-FFF2-40B4-BE49-F238E27FC236}">
-                <a16:creationId xmlns:a16="http://schemas.microsoft.com/office/drawing/2014/main" id="{59A38596-278B-EDE5-2164-439B11ED69CF}"/>
-              </a:ext>
-            </a:extLst>
-          </p:cNvPr>
-          <p:cNvPicPr>
-            <a:picLocks noChangeAspect="1"/>
-          </p:cNvPicPr>
-          <p:nvPr/>
-        </p:nvPicPr>
-        <p:blipFill rotWithShape="1">
-          <a:blip r:embed="rId3"/>
-          <a:srcRect t="11845"/>
-          <a:stretch/>
-        </p:blipFill>
-        <p:spPr>
-          <a:xfrm>
-            <a:off x="3740818" y="2707829"/>
-            <a:ext cx="7572099" cy="3286063"/>
-          </a:xfrm>
-          <a:prstGeom prst="rect">
-            <a:avLst/>
-          </a:prstGeom>
-        </p:spPr>
-      </p:pic>
-      <p:sp>
-        <p:nvSpPr>
-          <p:cNvPr id="11" name="Left Brace 10">
-            <a:extLst>
-              <a:ext uri="{FF2B5EF4-FFF2-40B4-BE49-F238E27FC236}">
-                <a16:creationId xmlns:a16="http://schemas.microsoft.com/office/drawing/2014/main" id="{877BE431-BCDC-8C09-7626-70DB176FE1CD}"/>
-              </a:ext>
-            </a:extLst>
-          </p:cNvPr>
-          <p:cNvSpPr/>
-          <p:nvPr/>
-        </p:nvSpPr>
-        <p:spPr>
-          <a:xfrm rot="10800000">
-            <a:off x="8131847" y="5501910"/>
-            <a:ext cx="128450" cy="223110"/>
-          </a:xfrm>
-          <a:prstGeom prst="leftBrace">
-            <a:avLst/>
-          </a:prstGeom>
-          <a:ln w="28575"/>
-        </p:spPr>
-        <p:style>
-          <a:lnRef idx="1">
-            <a:schemeClr val="accent1"/>
-          </a:lnRef>
-          <a:fillRef idx="0">
-            <a:schemeClr val="accent1"/>
-          </a:fillRef>
-          <a:effectRef idx="0">
-            <a:schemeClr val="accent1"/>
-          </a:effectRef>
-          <a:fontRef idx="minor">
-            <a:schemeClr val="tx1"/>
-          </a:fontRef>
-        </p:style>
-        <p:txBody>
-          <a:bodyPr rtlCol="0" anchor="ctr"/>
-          <a:lstStyle/>
-          <a:p>
-            <a:pPr algn="ctr"/>
-            <a:endParaRPr lang="en-US"/>
-          </a:p>
-        </p:txBody>
-      </p:sp>
-      <p:sp>
-        <p:nvSpPr>
-          <p:cNvPr id="12" name="TextBox 11">
-            <a:extLst>
-              <a:ext uri="{FF2B5EF4-FFF2-40B4-BE49-F238E27FC236}">
-                <a16:creationId xmlns:a16="http://schemas.microsoft.com/office/drawing/2014/main" id="{1EEAFC73-C591-20CB-B33A-0A6D498E12DE}"/>
-              </a:ext>
-            </a:extLst>
-          </p:cNvPr>
-          <p:cNvSpPr txBox="1"/>
-          <p:nvPr/>
-        </p:nvSpPr>
-        <p:spPr>
-          <a:xfrm>
-            <a:off x="8196071" y="5428799"/>
-            <a:ext cx="2039943" cy="369332"/>
-          </a:xfrm>
-          <a:prstGeom prst="rect">
-            <a:avLst/>
-          </a:prstGeom>
-          <a:noFill/>
-        </p:spPr>
-        <p:txBody>
-          <a:bodyPr wrap="square" rtlCol="0">
-            <a:spAutoFit/>
-          </a:bodyPr>
-          <a:lstStyle/>
-          <a:p>
-            <a:r>
-              <a:rPr lang="en-US" dirty="0"/>
-              <a:t>Highly correlated</a:t>
-            </a:r>
-          </a:p>
-        </p:txBody>
-      </p:sp>
-      <p:sp>
-        <p:nvSpPr>
-          <p:cNvPr id="4" name="Multiplication Sign 3">
-            <a:extLst>
-              <a:ext uri="{FF2B5EF4-FFF2-40B4-BE49-F238E27FC236}">
-                <a16:creationId xmlns:a16="http://schemas.microsoft.com/office/drawing/2014/main" id="{A051BF0F-1216-F319-33AF-0661D13B4AA1}"/>
-              </a:ext>
-            </a:extLst>
-          </p:cNvPr>
-          <p:cNvSpPr/>
-          <p:nvPr/>
-        </p:nvSpPr>
-        <p:spPr>
-          <a:xfrm>
-            <a:off x="3609975" y="5591174"/>
-            <a:ext cx="182880" cy="182880"/>
-          </a:xfrm>
-          <a:prstGeom prst="mathMultiply">
-            <a:avLst/>
-          </a:prstGeom>
-          <a:solidFill>
-            <a:srgbClr val="FF0000"/>
-          </a:solidFill>
-          <a:ln>
-            <a:noFill/>
-          </a:ln>
-        </p:spPr>
-        <p:style>
-          <a:lnRef idx="2">
-            <a:schemeClr val="accent1">
-              <a:shade val="15000"/>
-            </a:schemeClr>
-          </a:lnRef>
-          <a:fillRef idx="1">
-            <a:schemeClr val="accent1"/>
-          </a:fillRef>
-          <a:effectRef idx="0">
-            <a:schemeClr val="accent1"/>
-          </a:effectRef>
-          <a:fontRef idx="minor">
-            <a:schemeClr val="lt1"/>
-          </a:fontRef>
-        </p:style>
-        <p:txBody>
-          <a:bodyPr rtlCol="0" anchor="ctr"/>
-          <a:lstStyle/>
-          <a:p>
-            <a:pPr algn="ctr"/>
-            <a:endParaRPr lang="en-US"/>
-          </a:p>
-        </p:txBody>
-      </p:sp>
-      <p:sp>
-        <p:nvSpPr>
-          <p:cNvPr id="6" name="Multiplication Sign 5">
-            <a:extLst>
-              <a:ext uri="{FF2B5EF4-FFF2-40B4-BE49-F238E27FC236}">
-                <a16:creationId xmlns:a16="http://schemas.microsoft.com/office/drawing/2014/main" id="{FBA2336F-31FD-EC87-FBA2-FDF886F6D990}"/>
-              </a:ext>
-            </a:extLst>
-          </p:cNvPr>
-          <p:cNvSpPr/>
-          <p:nvPr/>
-        </p:nvSpPr>
-        <p:spPr>
-          <a:xfrm>
-            <a:off x="3605125" y="2841496"/>
-            <a:ext cx="182880" cy="182880"/>
-          </a:xfrm>
-          <a:prstGeom prst="mathMultiply">
-            <a:avLst/>
-          </a:prstGeom>
-          <a:solidFill>
-            <a:srgbClr val="FF0000"/>
-          </a:solidFill>
-          <a:ln>
-            <a:noFill/>
-          </a:ln>
-        </p:spPr>
-        <p:style>
-          <a:lnRef idx="2">
-            <a:schemeClr val="accent1">
-              <a:shade val="15000"/>
-            </a:schemeClr>
-          </a:lnRef>
-          <a:fillRef idx="1">
-            <a:schemeClr val="accent1"/>
-          </a:fillRef>
-          <a:effectRef idx="0">
-            <a:schemeClr val="accent1"/>
-          </a:effectRef>
-          <a:fontRef idx="minor">
-            <a:schemeClr val="lt1"/>
-          </a:fontRef>
-        </p:style>
-        <p:txBody>
-          <a:bodyPr rtlCol="0" anchor="ctr"/>
-          <a:lstStyle/>
-          <a:p>
-            <a:pPr algn="ctr"/>
-            <a:endParaRPr lang="en-US"/>
-          </a:p>
-        </p:txBody>
-      </p:sp>
-    </p:spTree>
-    <p:extLst>
-      <p:ext uri="{BB962C8B-B14F-4D97-AF65-F5344CB8AC3E}">
-        <p14:creationId xmlns:p14="http://schemas.microsoft.com/office/powerpoint/2010/main" val="1272309782"/>
-      </p:ext>
-    </p:extLst>
-  </p:cSld>
-  <p:clrMapOvr>
-    <a:masterClrMapping/>
-  </p:clrMapOvr>
-</p:sld>
-</file>
-
-<file path=ppt/slides/slide6.xml><?xml version="1.0" encoding="utf-8"?>
-<p:sld xmlns:a="http://schemas.openxmlformats.org/drawingml/2006/main" xmlns:r="http://schemas.openxmlformats.org/officeDocument/2006/relationships" xmlns:p="http://schemas.openxmlformats.org/presentationml/2006/main">
-  <p:cSld>
-    <p:spTree>
-      <p:nvGrpSpPr>
-        <p:cNvPr id="1" name=""/>
-        <p:cNvGrpSpPr/>
-        <p:nvPr/>
-      </p:nvGrpSpPr>
-      <p:grpSpPr>
-        <a:xfrm>
-          <a:off x="0" y="0"/>
-          <a:ext cx="0" cy="0"/>
-          <a:chOff x="0" y="0"/>
-          <a:chExt cx="0" cy="0"/>
-        </a:xfrm>
-      </p:grpSpPr>
-      <p:sp>
-        <p:nvSpPr>
-          <p:cNvPr id="2" name="Title 1">
-            <a:extLst>
-              <a:ext uri="{FF2B5EF4-FFF2-40B4-BE49-F238E27FC236}">
                 <a16:creationId xmlns:a16="http://schemas.microsoft.com/office/drawing/2014/main" id="{BC8107AF-A697-F007-FBC6-663EEACE8539}"/>
               </a:ext>
             </a:extLst>
@@ -6931,195 +6050,23 @@
           <a:p>
             <a:r>
               <a:rPr lang="en-US" sz="1800" dirty="0"/>
-              <a:t>Gender doesn’t seem to play a major role in satisfaction as both have almost the same satisfaction levels.</a:t>
-            </a:r>
-          </a:p>
-          <a:p>
-            <a:r>
-              <a:rPr lang="en-US" sz="1800" dirty="0"/>
-              <a:t>Business class passengers have higher satisfaction levels, particularly in </a:t>
-            </a:r>
-            <a:r>
-              <a:rPr lang="en-US" sz="1800" dirty="0" err="1"/>
-              <a:t>Checkin.service</a:t>
-            </a:r>
-            <a:r>
-              <a:rPr lang="en-US" sz="1800" dirty="0"/>
-              <a:t>, </a:t>
-            </a:r>
-            <a:r>
-              <a:rPr lang="en-US" sz="1800" dirty="0" err="1"/>
-              <a:t>Seat.Comfort</a:t>
-            </a:r>
-            <a:r>
-              <a:rPr lang="en-US" sz="1800" dirty="0"/>
-              <a:t>, and </a:t>
-            </a:r>
-            <a:r>
-              <a:rPr lang="en-US" sz="1800" dirty="0" err="1"/>
-              <a:t>Food.and.drink</a:t>
-            </a:r>
-            <a:r>
-              <a:rPr lang="en-US" sz="1800" dirty="0"/>
-              <a:t> compared to Eco Plus and Economy class</a:t>
-            </a:r>
-          </a:p>
-          <a:p>
-            <a:r>
-              <a:rPr lang="en-US" sz="1800" dirty="0"/>
               <a:t>Cleanliness does not translate to passenger satisfaction</a:t>
             </a:r>
           </a:p>
           <a:p>
-            <a:pPr marL="0" indent="0">
-              <a:buNone/>
-            </a:pPr>
-            <a:endParaRPr lang="en-US" sz="1800" dirty="0"/>
-          </a:p>
-          <a:p>
-            <a:endParaRPr lang="en-US" sz="1800" b="0" i="0" u="none" strike="noStrike" dirty="0">
-              <a:solidFill>
-                <a:srgbClr val="000000"/>
-              </a:solidFill>
-              <a:effectLst/>
-              <a:latin typeface="Times New Roman" panose="02020603050405020304" pitchFamily="18" charset="0"/>
-            </a:endParaRPr>
-          </a:p>
-          <a:p>
-            <a:endParaRPr lang="en-US" sz="1800" dirty="0">
-              <a:solidFill>
-                <a:srgbClr val="000000"/>
-              </a:solidFill>
-              <a:latin typeface="Times New Roman" panose="02020603050405020304" pitchFamily="18" charset="0"/>
-            </a:endParaRPr>
-          </a:p>
-          <a:p>
-            <a:endParaRPr lang="en-US" sz="1800" dirty="0">
-              <a:solidFill>
-                <a:srgbClr val="000000"/>
-              </a:solidFill>
-              <a:latin typeface="Times New Roman" panose="02020603050405020304" pitchFamily="18" charset="0"/>
-            </a:endParaRPr>
-          </a:p>
-          <a:p>
-            <a:endParaRPr lang="en-US" sz="1800" dirty="0">
-              <a:solidFill>
-                <a:srgbClr val="000000"/>
-              </a:solidFill>
-              <a:latin typeface="Times New Roman" panose="02020603050405020304" pitchFamily="18" charset="0"/>
-            </a:endParaRPr>
-          </a:p>
-          <a:p>
-            <a:endParaRPr lang="en-US" sz="1800" dirty="0">
-              <a:solidFill>
-                <a:srgbClr val="000000"/>
-              </a:solidFill>
-              <a:latin typeface="Times New Roman" panose="02020603050405020304" pitchFamily="18" charset="0"/>
-            </a:endParaRPr>
-          </a:p>
-          <a:p>
-            <a:endParaRPr lang="en-US" sz="1800" dirty="0">
-              <a:solidFill>
-                <a:srgbClr val="000000"/>
-              </a:solidFill>
-              <a:latin typeface="Times New Roman" panose="02020603050405020304" pitchFamily="18" charset="0"/>
-            </a:endParaRPr>
-          </a:p>
-          <a:p>
             <a:endParaRPr lang="en-US" dirty="0"/>
           </a:p>
-        </p:txBody>
-      </p:sp>
-      <p:pic>
-        <p:nvPicPr>
-          <p:cNvPr id="3" name="Picture 2">
-            <a:extLst>
-              <a:ext uri="{FF2B5EF4-FFF2-40B4-BE49-F238E27FC236}">
-                <a16:creationId xmlns:a16="http://schemas.microsoft.com/office/drawing/2014/main" id="{ECA1A8F6-526A-D9C5-82F7-628A84682B08}"/>
-              </a:ext>
-            </a:extLst>
-          </p:cNvPr>
-          <p:cNvPicPr>
-            <a:picLocks noChangeAspect="1" noChangeArrowheads="1"/>
-          </p:cNvPicPr>
-          <p:nvPr/>
-        </p:nvPicPr>
-        <p:blipFill rotWithShape="1">
-          <a:blip r:embed="rId3">
-            <a:extLst>
-              <a:ext uri="{28A0092B-C50C-407E-A947-70E740481C1C}">
-                <a14:useLocalDpi xmlns:a14="http://schemas.microsoft.com/office/drawing/2010/main" val="0"/>
-              </a:ext>
-            </a:extLst>
-          </a:blip>
-          <a:srcRect r="75816" b="80990"/>
-          <a:stretch/>
-        </p:blipFill>
-        <p:spPr bwMode="auto">
-          <a:xfrm>
-            <a:off x="3734238" y="2896961"/>
-            <a:ext cx="3635916" cy="1704975"/>
-          </a:xfrm>
-          <a:prstGeom prst="rect">
-            <a:avLst/>
-          </a:prstGeom>
-          <a:noFill/>
-          <a:extLst>
-            <a:ext uri="{909E8E84-426E-40DD-AFC4-6F175D3DCCD1}">
-              <a14:hiddenFill xmlns:a14="http://schemas.microsoft.com/office/drawing/2010/main">
-                <a:solidFill>
-                  <a:srgbClr val="FFFFFF"/>
-                </a:solidFill>
-              </a14:hiddenFill>
-            </a:ext>
-          </a:extLst>
-        </p:spPr>
-      </p:pic>
-      <p:pic>
-        <p:nvPicPr>
-          <p:cNvPr id="4" name="Picture 2">
-            <a:extLst>
-              <a:ext uri="{FF2B5EF4-FFF2-40B4-BE49-F238E27FC236}">
-                <a16:creationId xmlns:a16="http://schemas.microsoft.com/office/drawing/2014/main" id="{0AF10789-502E-7FA3-2421-6AC531C17528}"/>
-              </a:ext>
-            </a:extLst>
-          </p:cNvPr>
-          <p:cNvPicPr>
-            <a:picLocks noChangeAspect="1" noChangeArrowheads="1"/>
-          </p:cNvPicPr>
-          <p:nvPr/>
-        </p:nvPicPr>
-        <p:blipFill rotWithShape="1">
-          <a:blip r:embed="rId3">
-            <a:extLst>
-              <a:ext uri="{28A0092B-C50C-407E-A947-70E740481C1C}">
-                <a14:useLocalDpi xmlns:a14="http://schemas.microsoft.com/office/drawing/2010/main" val="0"/>
-              </a:ext>
-            </a:extLst>
-          </a:blip>
-          <a:srcRect t="21354" r="75816" b="60156"/>
-          <a:stretch/>
-        </p:blipFill>
-        <p:spPr bwMode="auto">
-          <a:xfrm>
-            <a:off x="7740820" y="2896962"/>
-            <a:ext cx="3738167" cy="1704974"/>
-          </a:xfrm>
-          <a:prstGeom prst="rect">
-            <a:avLst/>
-          </a:prstGeom>
-          <a:noFill/>
-          <a:extLst>
-            <a:ext uri="{909E8E84-426E-40DD-AFC4-6F175D3DCCD1}">
-              <a14:hiddenFill xmlns:a14="http://schemas.microsoft.com/office/drawing/2010/main">
-                <a:solidFill>
-                  <a:srgbClr val="FFFFFF"/>
-                </a:solidFill>
-              </a14:hiddenFill>
-            </a:ext>
-          </a:extLst>
-        </p:spPr>
-      </p:pic>
+          <a:p>
+            <a:endParaRPr lang="en-US" dirty="0"/>
+          </a:p>
+          <a:p>
+            <a:endParaRPr lang="en-US" dirty="0"/>
+          </a:p>
+          <a:p>
+            <a:endParaRPr lang="en-US" dirty="0"/>
+          </a:p>
+        </p:txBody>
+      </p:sp>
       <p:pic>
         <p:nvPicPr>
           <p:cNvPr id="6" name="Picture 5">
@@ -7147,8 +6094,8 @@
         </p:blipFill>
         <p:spPr bwMode="auto">
           <a:xfrm>
-            <a:off x="3734238" y="4758418"/>
-            <a:ext cx="3635916" cy="1704975"/>
+            <a:off x="5221222" y="3306808"/>
+            <a:ext cx="4916175" cy="2305322"/>
           </a:xfrm>
           <a:prstGeom prst="rect">
             <a:avLst/>
@@ -7165,403 +6112,10 @@
           </a:extLst>
         </p:spPr>
       </p:pic>
-      <p:sp>
-        <p:nvSpPr>
-          <p:cNvPr id="15" name="Rectangle 14">
-            <a:extLst>
-              <a:ext uri="{FF2B5EF4-FFF2-40B4-BE49-F238E27FC236}">
-                <a16:creationId xmlns:a16="http://schemas.microsoft.com/office/drawing/2014/main" id="{0A784D9A-49E8-DC08-E9D2-A5B28359A4D5}"/>
-              </a:ext>
-            </a:extLst>
-          </p:cNvPr>
-          <p:cNvSpPr/>
-          <p:nvPr/>
-        </p:nvSpPr>
-        <p:spPr>
-          <a:xfrm>
-            <a:off x="8417216" y="4027714"/>
-            <a:ext cx="1684727" cy="217715"/>
-          </a:xfrm>
-          <a:prstGeom prst="rect">
-            <a:avLst/>
-          </a:prstGeom>
-          <a:solidFill>
-            <a:schemeClr val="bg1"/>
-          </a:solidFill>
-          <a:ln>
-            <a:solidFill>
-              <a:schemeClr val="bg1"/>
-            </a:solidFill>
-          </a:ln>
-        </p:spPr>
-        <p:style>
-          <a:lnRef idx="2">
-            <a:schemeClr val="accent1">
-              <a:shade val="15000"/>
-            </a:schemeClr>
-          </a:lnRef>
-          <a:fillRef idx="1">
-            <a:schemeClr val="accent1"/>
-          </a:fillRef>
-          <a:effectRef idx="0">
-            <a:schemeClr val="accent1"/>
-          </a:effectRef>
-          <a:fontRef idx="minor">
-            <a:schemeClr val="lt1"/>
-          </a:fontRef>
-        </p:style>
-        <p:txBody>
-          <a:bodyPr rtlCol="0" anchor="ctr"/>
-          <a:lstStyle/>
-          <a:p>
-            <a:pPr algn="ctr"/>
-            <a:endParaRPr lang="en-US"/>
-          </a:p>
-        </p:txBody>
-      </p:sp>
-      <p:sp>
-        <p:nvSpPr>
-          <p:cNvPr id="16" name="Rectangle 15">
-            <a:extLst>
-              <a:ext uri="{FF2B5EF4-FFF2-40B4-BE49-F238E27FC236}">
-                <a16:creationId xmlns:a16="http://schemas.microsoft.com/office/drawing/2014/main" id="{B4298800-5F6D-18FA-C3FF-F23BD3509B94}"/>
-              </a:ext>
-            </a:extLst>
-          </p:cNvPr>
-          <p:cNvSpPr/>
-          <p:nvPr/>
-        </p:nvSpPr>
-        <p:spPr>
-          <a:xfrm>
-            <a:off x="8316506" y="3854903"/>
-            <a:ext cx="1151328" cy="563336"/>
-          </a:xfrm>
-          <a:prstGeom prst="rect">
-            <a:avLst/>
-          </a:prstGeom>
-          <a:noFill/>
-          <a:ln>
-            <a:noFill/>
-          </a:ln>
-        </p:spPr>
-        <p:style>
-          <a:lnRef idx="2">
-            <a:schemeClr val="accent1">
-              <a:shade val="15000"/>
-            </a:schemeClr>
-          </a:lnRef>
-          <a:fillRef idx="1">
-            <a:schemeClr val="accent1"/>
-          </a:fillRef>
-          <a:effectRef idx="0">
-            <a:schemeClr val="accent1"/>
-          </a:effectRef>
-          <a:fontRef idx="minor">
-            <a:schemeClr val="lt1"/>
-          </a:fontRef>
-        </p:style>
-        <p:txBody>
-          <a:bodyPr rtlCol="0" anchor="ctr"/>
-          <a:lstStyle/>
-          <a:p>
-            <a:pPr algn="ctr"/>
-            <a:r>
-              <a:rPr lang="en-US" dirty="0">
-                <a:solidFill>
-                  <a:schemeClr val="tx1"/>
-                </a:solidFill>
-              </a:rPr>
-              <a:t>Bus</a:t>
-            </a:r>
-          </a:p>
-        </p:txBody>
-      </p:sp>
-      <p:sp>
-        <p:nvSpPr>
-          <p:cNvPr id="7" name="Rectangle 6">
-            <a:extLst>
-              <a:ext uri="{FF2B5EF4-FFF2-40B4-BE49-F238E27FC236}">
-                <a16:creationId xmlns:a16="http://schemas.microsoft.com/office/drawing/2014/main" id="{F9631A57-120D-CCD9-2573-210999280E43}"/>
-              </a:ext>
-            </a:extLst>
-          </p:cNvPr>
-          <p:cNvSpPr/>
-          <p:nvPr/>
-        </p:nvSpPr>
-        <p:spPr>
-          <a:xfrm>
-            <a:off x="8730716" y="3854903"/>
-            <a:ext cx="1151328" cy="563336"/>
-          </a:xfrm>
-          <a:prstGeom prst="rect">
-            <a:avLst/>
-          </a:prstGeom>
-          <a:noFill/>
-          <a:ln>
-            <a:noFill/>
-          </a:ln>
-        </p:spPr>
-        <p:style>
-          <a:lnRef idx="2">
-            <a:schemeClr val="accent1">
-              <a:shade val="15000"/>
-            </a:schemeClr>
-          </a:lnRef>
-          <a:fillRef idx="1">
-            <a:schemeClr val="accent1"/>
-          </a:fillRef>
-          <a:effectRef idx="0">
-            <a:schemeClr val="accent1"/>
-          </a:effectRef>
-          <a:fontRef idx="minor">
-            <a:schemeClr val="lt1"/>
-          </a:fontRef>
-        </p:style>
-        <p:txBody>
-          <a:bodyPr rtlCol="0" anchor="ctr"/>
-          <a:lstStyle/>
-          <a:p>
-            <a:pPr algn="ctr"/>
-            <a:r>
-              <a:rPr lang="en-US" dirty="0">
-                <a:solidFill>
-                  <a:schemeClr val="tx1"/>
-                </a:solidFill>
-              </a:rPr>
-              <a:t>Eco</a:t>
-            </a:r>
-          </a:p>
-        </p:txBody>
-      </p:sp>
-      <p:sp>
-        <p:nvSpPr>
-          <p:cNvPr id="10" name="Rectangle 9">
-            <a:extLst>
-              <a:ext uri="{FF2B5EF4-FFF2-40B4-BE49-F238E27FC236}">
-                <a16:creationId xmlns:a16="http://schemas.microsoft.com/office/drawing/2014/main" id="{6FE78BE0-DEF3-A7A3-1F8D-5E4CF3B958B9}"/>
-              </a:ext>
-            </a:extLst>
-          </p:cNvPr>
-          <p:cNvSpPr/>
-          <p:nvPr/>
-        </p:nvSpPr>
-        <p:spPr>
-          <a:xfrm>
-            <a:off x="9205670" y="3854903"/>
-            <a:ext cx="1151328" cy="563336"/>
-          </a:xfrm>
-          <a:prstGeom prst="rect">
-            <a:avLst/>
-          </a:prstGeom>
-          <a:noFill/>
-          <a:ln>
-            <a:noFill/>
-          </a:ln>
-        </p:spPr>
-        <p:style>
-          <a:lnRef idx="2">
-            <a:schemeClr val="accent1">
-              <a:shade val="15000"/>
-            </a:schemeClr>
-          </a:lnRef>
-          <a:fillRef idx="1">
-            <a:schemeClr val="accent1"/>
-          </a:fillRef>
-          <a:effectRef idx="0">
-            <a:schemeClr val="accent1"/>
-          </a:effectRef>
-          <a:fontRef idx="minor">
-            <a:schemeClr val="lt1"/>
-          </a:fontRef>
-        </p:style>
-        <p:txBody>
-          <a:bodyPr rtlCol="0" anchor="ctr"/>
-          <a:lstStyle/>
-          <a:p>
-            <a:pPr algn="ctr"/>
-            <a:r>
-              <a:rPr lang="en-US" dirty="0">
-                <a:solidFill>
-                  <a:schemeClr val="tx1"/>
-                </a:solidFill>
-              </a:rPr>
-              <a:t>Eco+</a:t>
-            </a:r>
-          </a:p>
-        </p:txBody>
-      </p:sp>
-      <p:sp>
-        <p:nvSpPr>
-          <p:cNvPr id="11" name="Rectangle 10">
-            <a:extLst>
-              <a:ext uri="{FF2B5EF4-FFF2-40B4-BE49-F238E27FC236}">
-                <a16:creationId xmlns:a16="http://schemas.microsoft.com/office/drawing/2014/main" id="{B4E0B84A-348D-4F49-F2BF-9A0D4017AFE0}"/>
-              </a:ext>
-            </a:extLst>
-          </p:cNvPr>
-          <p:cNvSpPr/>
-          <p:nvPr/>
-        </p:nvSpPr>
-        <p:spPr>
-          <a:xfrm>
-            <a:off x="4593771" y="4103914"/>
-            <a:ext cx="1153886" cy="175859"/>
-          </a:xfrm>
-          <a:prstGeom prst="rect">
-            <a:avLst/>
-          </a:prstGeom>
-          <a:solidFill>
-            <a:schemeClr val="bg1"/>
-          </a:solidFill>
-          <a:ln>
-            <a:solidFill>
-              <a:schemeClr val="bg1"/>
-            </a:solidFill>
-          </a:ln>
-        </p:spPr>
-        <p:style>
-          <a:lnRef idx="2">
-            <a:schemeClr val="accent1">
-              <a:shade val="15000"/>
-            </a:schemeClr>
-          </a:lnRef>
-          <a:fillRef idx="1">
-            <a:schemeClr val="accent1"/>
-          </a:fillRef>
-          <a:effectRef idx="0">
-            <a:schemeClr val="accent1"/>
-          </a:effectRef>
-          <a:fontRef idx="minor">
-            <a:schemeClr val="lt1"/>
-          </a:fontRef>
-        </p:style>
-        <p:txBody>
-          <a:bodyPr rtlCol="0" anchor="ctr"/>
-          <a:lstStyle/>
-          <a:p>
-            <a:pPr algn="ctr"/>
-            <a:endParaRPr lang="en-US"/>
-          </a:p>
-        </p:txBody>
-      </p:sp>
-      <p:sp>
-        <p:nvSpPr>
-          <p:cNvPr id="12" name="Rectangle 11">
-            <a:extLst>
-              <a:ext uri="{FF2B5EF4-FFF2-40B4-BE49-F238E27FC236}">
-                <a16:creationId xmlns:a16="http://schemas.microsoft.com/office/drawing/2014/main" id="{AEB3A429-67E7-AC3F-7A9E-50C2BF06DD8B}"/>
-              </a:ext>
-            </a:extLst>
-          </p:cNvPr>
-          <p:cNvSpPr/>
-          <p:nvPr/>
-        </p:nvSpPr>
-        <p:spPr>
-          <a:xfrm>
-            <a:off x="4399781" y="3910175"/>
-            <a:ext cx="1151328" cy="563336"/>
-          </a:xfrm>
-          <a:prstGeom prst="rect">
-            <a:avLst/>
-          </a:prstGeom>
-          <a:noFill/>
-          <a:ln>
-            <a:noFill/>
-          </a:ln>
-        </p:spPr>
-        <p:style>
-          <a:lnRef idx="2">
-            <a:schemeClr val="accent1">
-              <a:shade val="15000"/>
-            </a:schemeClr>
-          </a:lnRef>
-          <a:fillRef idx="1">
-            <a:schemeClr val="accent1"/>
-          </a:fillRef>
-          <a:effectRef idx="0">
-            <a:schemeClr val="accent1"/>
-          </a:effectRef>
-          <a:fontRef idx="minor">
-            <a:schemeClr val="lt1"/>
-          </a:fontRef>
-        </p:style>
-        <p:txBody>
-          <a:bodyPr rtlCol="0" anchor="ctr"/>
-          <a:lstStyle/>
-          <a:p>
-            <a:pPr algn="ctr"/>
-            <a:r>
-              <a:rPr lang="en-US" dirty="0">
-                <a:solidFill>
-                  <a:schemeClr val="tx1"/>
-                </a:solidFill>
-              </a:rPr>
-              <a:t>F</a:t>
-            </a:r>
-          </a:p>
-        </p:txBody>
-      </p:sp>
-      <p:sp>
-        <p:nvSpPr>
-          <p:cNvPr id="13" name="Rectangle 12">
-            <a:extLst>
-              <a:ext uri="{FF2B5EF4-FFF2-40B4-BE49-F238E27FC236}">
-                <a16:creationId xmlns:a16="http://schemas.microsoft.com/office/drawing/2014/main" id="{FEC58EB5-382F-3B1A-2FA4-2856BA4254E6}"/>
-              </a:ext>
-            </a:extLst>
-          </p:cNvPr>
-          <p:cNvSpPr/>
-          <p:nvPr/>
-        </p:nvSpPr>
-        <p:spPr>
-          <a:xfrm>
-            <a:off x="4907393" y="3910175"/>
-            <a:ext cx="1151328" cy="563336"/>
-          </a:xfrm>
-          <a:prstGeom prst="rect">
-            <a:avLst/>
-          </a:prstGeom>
-          <a:noFill/>
-          <a:ln>
-            <a:noFill/>
-          </a:ln>
-        </p:spPr>
-        <p:style>
-          <a:lnRef idx="2">
-            <a:schemeClr val="accent1">
-              <a:shade val="15000"/>
-            </a:schemeClr>
-          </a:lnRef>
-          <a:fillRef idx="1">
-            <a:schemeClr val="accent1"/>
-          </a:fillRef>
-          <a:effectRef idx="0">
-            <a:schemeClr val="accent1"/>
-          </a:effectRef>
-          <a:fontRef idx="minor">
-            <a:schemeClr val="lt1"/>
-          </a:fontRef>
-        </p:style>
-        <p:txBody>
-          <a:bodyPr rtlCol="0" anchor="ctr"/>
-          <a:lstStyle/>
-          <a:p>
-            <a:pPr algn="ctr"/>
-            <a:r>
-              <a:rPr lang="en-US" dirty="0">
-                <a:solidFill>
-                  <a:schemeClr val="tx1"/>
-                </a:solidFill>
-              </a:rPr>
-              <a:t>M</a:t>
-            </a:r>
-          </a:p>
-        </p:txBody>
-      </p:sp>
     </p:spTree>
     <p:extLst>
       <p:ext uri="{BB962C8B-B14F-4D97-AF65-F5344CB8AC3E}">
-        <p14:creationId xmlns:p14="http://schemas.microsoft.com/office/powerpoint/2010/main" val="2836967151"/>
+        <p14:creationId xmlns:p14="http://schemas.microsoft.com/office/powerpoint/2010/main" val="2392204472"/>
       </p:ext>
     </p:extLst>
   </p:cSld>
@@ -7571,7 +6125,7 @@
 </p:sld>
 </file>
 
-<file path=ppt/slides/slide7.xml><?xml version="1.0" encoding="utf-8"?>
+<file path=ppt/slides/slide12.xml><?xml version="1.0" encoding="utf-8"?>
 <p:sld xmlns:a="http://schemas.openxmlformats.org/drawingml/2006/main" xmlns:r="http://schemas.openxmlformats.org/officeDocument/2006/relationships" xmlns:p="http://schemas.openxmlformats.org/presentationml/2006/main">
   <p:cSld>
     <p:spTree>
@@ -7745,17 +6299,8 @@
                 <a:effectLst/>
                 <a:latin typeface="Times New Roman" panose="02020603050405020304" pitchFamily="18" charset="0"/>
               </a:rPr>
-              <a:t>. Only when the ratings of these services are above 3, there are more passengers who are satisfied but then this number doesn’t seem to be significantly large.</a:t>
-            </a:r>
-          </a:p>
-          <a:p>
-            <a:endParaRPr lang="en-US" sz="1800" b="0" i="0" u="none" strike="noStrike" dirty="0">
-              <a:solidFill>
-                <a:srgbClr val="000000"/>
-              </a:solidFill>
-              <a:effectLst/>
-              <a:latin typeface="Times New Roman" panose="02020603050405020304" pitchFamily="18" charset="0"/>
-            </a:endParaRPr>
+              <a:t>. </a:t>
+            </a:r>
           </a:p>
           <a:p>
             <a:endParaRPr lang="en-US" sz="1800" dirty="0">
@@ -8040,6 +6585,2993 @@
 </p:sld>
 </file>
 
+<file path=ppt/slides/slide13.xml><?xml version="1.0" encoding="utf-8"?>
+<p:sld xmlns:a="http://schemas.openxmlformats.org/drawingml/2006/main" xmlns:r="http://schemas.openxmlformats.org/officeDocument/2006/relationships" xmlns:p="http://schemas.openxmlformats.org/presentationml/2006/main">
+  <p:cSld>
+    <p:spTree>
+      <p:nvGrpSpPr>
+        <p:cNvPr id="1" name=""/>
+        <p:cNvGrpSpPr/>
+        <p:nvPr/>
+      </p:nvGrpSpPr>
+      <p:grpSpPr>
+        <a:xfrm>
+          <a:off x="0" y="0"/>
+          <a:ext cx="0" cy="0"/>
+          <a:chOff x="0" y="0"/>
+          <a:chExt cx="0" cy="0"/>
+        </a:xfrm>
+      </p:grpSpPr>
+      <p:sp>
+        <p:nvSpPr>
+          <p:cNvPr id="2" name="Title 1">
+            <a:extLst>
+              <a:ext uri="{FF2B5EF4-FFF2-40B4-BE49-F238E27FC236}">
+                <a16:creationId xmlns:a16="http://schemas.microsoft.com/office/drawing/2014/main" id="{A277ABC9-6963-275D-97F4-86DD80F40DF3}"/>
+              </a:ext>
+            </a:extLst>
+          </p:cNvPr>
+          <p:cNvSpPr>
+            <a:spLocks noGrp="1"/>
+          </p:cNvSpPr>
+          <p:nvPr>
+            <p:ph type="title"/>
+          </p:nvPr>
+        </p:nvSpPr>
+        <p:spPr/>
+        <p:txBody>
+          <a:bodyPr/>
+          <a:lstStyle/>
+          <a:p>
+            <a:r>
+              <a:rPr lang="en-US" dirty="0"/>
+              <a:t>Data Overview</a:t>
+            </a:r>
+          </a:p>
+        </p:txBody>
+      </p:sp>
+      <p:pic>
+        <p:nvPicPr>
+          <p:cNvPr id="2050" name="Picture 2">
+            <a:extLst>
+              <a:ext uri="{FF2B5EF4-FFF2-40B4-BE49-F238E27FC236}">
+                <a16:creationId xmlns:a16="http://schemas.microsoft.com/office/drawing/2014/main" id="{5E19E1F2-2790-C22C-D637-543AEDCED7A9}"/>
+              </a:ext>
+            </a:extLst>
+          </p:cNvPr>
+          <p:cNvPicPr>
+            <a:picLocks noGrp="1" noChangeAspect="1" noChangeArrowheads="1"/>
+          </p:cNvPicPr>
+          <p:nvPr>
+            <p:ph idx="1"/>
+          </p:nvPr>
+        </p:nvPicPr>
+        <p:blipFill>
+          <a:blip r:embed="rId3">
+            <a:extLst>
+              <a:ext uri="{28A0092B-C50C-407E-A947-70E740481C1C}">
+                <a14:useLocalDpi xmlns:a14="http://schemas.microsoft.com/office/drawing/2010/main" val="0"/>
+              </a:ext>
+            </a:extLst>
+          </a:blip>
+          <a:srcRect/>
+          <a:stretch>
+            <a:fillRect/>
+          </a:stretch>
+        </p:blipFill>
+        <p:spPr bwMode="auto">
+          <a:xfrm>
+            <a:off x="4702652" y="1579523"/>
+            <a:ext cx="5264308" cy="3698954"/>
+          </a:xfrm>
+          <a:prstGeom prst="rect">
+            <a:avLst/>
+          </a:prstGeom>
+          <a:noFill/>
+          <a:extLst>
+            <a:ext uri="{909E8E84-426E-40DD-AFC4-6F175D3DCCD1}">
+              <a14:hiddenFill xmlns:a14="http://schemas.microsoft.com/office/drawing/2010/main">
+                <a:solidFill>
+                  <a:srgbClr val="FFFFFF"/>
+                </a:solidFill>
+              </a14:hiddenFill>
+            </a:ext>
+          </a:extLst>
+        </p:spPr>
+      </p:pic>
+    </p:spTree>
+    <p:extLst>
+      <p:ext uri="{BB962C8B-B14F-4D97-AF65-F5344CB8AC3E}">
+        <p14:creationId xmlns:p14="http://schemas.microsoft.com/office/powerpoint/2010/main" val="453044531"/>
+      </p:ext>
+    </p:extLst>
+  </p:cSld>
+  <p:clrMapOvr>
+    <a:masterClrMapping/>
+  </p:clrMapOvr>
+</p:sld>
+</file>
+
+<file path=ppt/slides/slide14.xml><?xml version="1.0" encoding="utf-8"?>
+<p:sld xmlns:a="http://schemas.openxmlformats.org/drawingml/2006/main" xmlns:r="http://schemas.openxmlformats.org/officeDocument/2006/relationships" xmlns:p="http://schemas.openxmlformats.org/presentationml/2006/main">
+  <p:cSld>
+    <p:spTree>
+      <p:nvGrpSpPr>
+        <p:cNvPr id="1" name=""/>
+        <p:cNvGrpSpPr/>
+        <p:nvPr/>
+      </p:nvGrpSpPr>
+      <p:grpSpPr>
+        <a:xfrm>
+          <a:off x="0" y="0"/>
+          <a:ext cx="0" cy="0"/>
+          <a:chOff x="0" y="0"/>
+          <a:chExt cx="0" cy="0"/>
+        </a:xfrm>
+      </p:grpSpPr>
+      <p:sp>
+        <p:nvSpPr>
+          <p:cNvPr id="2" name="Title 1">
+            <a:extLst>
+              <a:ext uri="{FF2B5EF4-FFF2-40B4-BE49-F238E27FC236}">
+                <a16:creationId xmlns:a16="http://schemas.microsoft.com/office/drawing/2014/main" id="{A277ABC9-6963-275D-97F4-86DD80F40DF3}"/>
+              </a:ext>
+            </a:extLst>
+          </p:cNvPr>
+          <p:cNvSpPr>
+            <a:spLocks noGrp="1"/>
+          </p:cNvSpPr>
+          <p:nvPr>
+            <p:ph type="title"/>
+          </p:nvPr>
+        </p:nvSpPr>
+        <p:spPr/>
+        <p:txBody>
+          <a:bodyPr/>
+          <a:lstStyle/>
+          <a:p>
+            <a:r>
+              <a:rPr lang="en-US" dirty="0"/>
+              <a:t>Data Overview</a:t>
+            </a:r>
+          </a:p>
+        </p:txBody>
+      </p:sp>
+      <p:pic>
+        <p:nvPicPr>
+          <p:cNvPr id="3074" name="Picture 2">
+            <a:extLst>
+              <a:ext uri="{FF2B5EF4-FFF2-40B4-BE49-F238E27FC236}">
+                <a16:creationId xmlns:a16="http://schemas.microsoft.com/office/drawing/2014/main" id="{F5423932-E7DE-210D-7682-A1782B434103}"/>
+              </a:ext>
+            </a:extLst>
+          </p:cNvPr>
+          <p:cNvPicPr>
+            <a:picLocks noGrp="1" noChangeAspect="1" noChangeArrowheads="1"/>
+          </p:cNvPicPr>
+          <p:nvPr>
+            <p:ph idx="1"/>
+          </p:nvPr>
+        </p:nvPicPr>
+        <p:blipFill>
+          <a:blip r:embed="rId3">
+            <a:extLst>
+              <a:ext uri="{28A0092B-C50C-407E-A947-70E740481C1C}">
+                <a14:useLocalDpi xmlns:a14="http://schemas.microsoft.com/office/drawing/2010/main" val="0"/>
+              </a:ext>
+            </a:extLst>
+          </a:blip>
+          <a:srcRect/>
+          <a:stretch>
+            <a:fillRect/>
+          </a:stretch>
+        </p:blipFill>
+        <p:spPr bwMode="auto">
+          <a:xfrm>
+            <a:off x="3721730" y="750055"/>
+            <a:ext cx="7891150" cy="5357889"/>
+          </a:xfrm>
+          <a:prstGeom prst="rect">
+            <a:avLst/>
+          </a:prstGeom>
+          <a:noFill/>
+          <a:extLst>
+            <a:ext uri="{909E8E84-426E-40DD-AFC4-6F175D3DCCD1}">
+              <a14:hiddenFill xmlns:a14="http://schemas.microsoft.com/office/drawing/2010/main">
+                <a:solidFill>
+                  <a:srgbClr val="FFFFFF"/>
+                </a:solidFill>
+              </a14:hiddenFill>
+            </a:ext>
+          </a:extLst>
+        </p:spPr>
+      </p:pic>
+    </p:spTree>
+    <p:extLst>
+      <p:ext uri="{BB962C8B-B14F-4D97-AF65-F5344CB8AC3E}">
+        <p14:creationId xmlns:p14="http://schemas.microsoft.com/office/powerpoint/2010/main" val="2379639398"/>
+      </p:ext>
+    </p:extLst>
+  </p:cSld>
+  <p:clrMapOvr>
+    <a:masterClrMapping/>
+  </p:clrMapOvr>
+</p:sld>
+</file>
+
+<file path=ppt/slides/slide15.xml><?xml version="1.0" encoding="utf-8"?>
+<p:sld xmlns:a="http://schemas.openxmlformats.org/drawingml/2006/main" xmlns:r="http://schemas.openxmlformats.org/officeDocument/2006/relationships" xmlns:p="http://schemas.openxmlformats.org/presentationml/2006/main">
+  <p:cSld>
+    <p:spTree>
+      <p:nvGrpSpPr>
+        <p:cNvPr id="1" name=""/>
+        <p:cNvGrpSpPr/>
+        <p:nvPr/>
+      </p:nvGrpSpPr>
+      <p:grpSpPr>
+        <a:xfrm>
+          <a:off x="0" y="0"/>
+          <a:ext cx="0" cy="0"/>
+          <a:chOff x="0" y="0"/>
+          <a:chExt cx="0" cy="0"/>
+        </a:xfrm>
+      </p:grpSpPr>
+      <p:sp>
+        <p:nvSpPr>
+          <p:cNvPr id="2" name="Title 1">
+            <a:extLst>
+              <a:ext uri="{FF2B5EF4-FFF2-40B4-BE49-F238E27FC236}">
+                <a16:creationId xmlns:a16="http://schemas.microsoft.com/office/drawing/2014/main" id="{BC8107AF-A697-F007-FBC6-663EEACE8539}"/>
+              </a:ext>
+            </a:extLst>
+          </p:cNvPr>
+          <p:cNvSpPr>
+            <a:spLocks noGrp="1"/>
+          </p:cNvSpPr>
+          <p:nvPr>
+            <p:ph type="title"/>
+          </p:nvPr>
+        </p:nvSpPr>
+        <p:spPr/>
+        <p:txBody>
+          <a:bodyPr/>
+          <a:lstStyle/>
+          <a:p>
+            <a:r>
+              <a:rPr lang="en-US" dirty="0"/>
+              <a:t>Modeling</a:t>
+            </a:r>
+          </a:p>
+        </p:txBody>
+      </p:sp>
+      <p:sp>
+        <p:nvSpPr>
+          <p:cNvPr id="3" name="Content Placeholder 2">
+            <a:extLst>
+              <a:ext uri="{FF2B5EF4-FFF2-40B4-BE49-F238E27FC236}">
+                <a16:creationId xmlns:a16="http://schemas.microsoft.com/office/drawing/2014/main" id="{AC68744F-2AB0-9C00-83B2-5DA833BC80DC}"/>
+              </a:ext>
+            </a:extLst>
+          </p:cNvPr>
+          <p:cNvSpPr>
+            <a:spLocks noGrp="1"/>
+          </p:cNvSpPr>
+          <p:nvPr>
+            <p:ph idx="1"/>
+          </p:nvPr>
+        </p:nvSpPr>
+        <p:spPr/>
+        <p:txBody>
+          <a:bodyPr>
+            <a:normAutofit/>
+          </a:bodyPr>
+          <a:lstStyle/>
+          <a:p>
+            <a:pPr algn="l"/>
+            <a:r>
+              <a:rPr lang="en-US" dirty="0"/>
+              <a:t>Logistic Regression</a:t>
+            </a:r>
+          </a:p>
+          <a:p>
+            <a:pPr algn="l"/>
+            <a:r>
+              <a:rPr lang="en-US" dirty="0"/>
+              <a:t>Decision Tree</a:t>
+            </a:r>
+          </a:p>
+          <a:p>
+            <a:pPr algn="l"/>
+            <a:r>
+              <a:rPr lang="en-US" dirty="0"/>
+              <a:t>Random Forest</a:t>
+            </a:r>
+          </a:p>
+          <a:p>
+            <a:pPr algn="l"/>
+            <a:r>
+              <a:rPr lang="en-US" dirty="0"/>
+              <a:t>Support Vector Machines</a:t>
+            </a:r>
+          </a:p>
+        </p:txBody>
+      </p:sp>
+    </p:spTree>
+    <p:extLst>
+      <p:ext uri="{BB962C8B-B14F-4D97-AF65-F5344CB8AC3E}">
+        <p14:creationId xmlns:p14="http://schemas.microsoft.com/office/powerpoint/2010/main" val="2933682471"/>
+      </p:ext>
+    </p:extLst>
+  </p:cSld>
+  <p:clrMapOvr>
+    <a:masterClrMapping/>
+  </p:clrMapOvr>
+</p:sld>
+</file>
+
+<file path=ppt/slides/slide16.xml><?xml version="1.0" encoding="utf-8"?>
+<p:sld xmlns:a="http://schemas.openxmlformats.org/drawingml/2006/main" xmlns:r="http://schemas.openxmlformats.org/officeDocument/2006/relationships" xmlns:p="http://schemas.openxmlformats.org/presentationml/2006/main">
+  <p:cSld>
+    <p:spTree>
+      <p:nvGrpSpPr>
+        <p:cNvPr id="1" name=""/>
+        <p:cNvGrpSpPr/>
+        <p:nvPr/>
+      </p:nvGrpSpPr>
+      <p:grpSpPr>
+        <a:xfrm>
+          <a:off x="0" y="0"/>
+          <a:ext cx="0" cy="0"/>
+          <a:chOff x="0" y="0"/>
+          <a:chExt cx="0" cy="0"/>
+        </a:xfrm>
+      </p:grpSpPr>
+      <p:sp>
+        <p:nvSpPr>
+          <p:cNvPr id="2" name="Title 1">
+            <a:extLst>
+              <a:ext uri="{FF2B5EF4-FFF2-40B4-BE49-F238E27FC236}">
+                <a16:creationId xmlns:a16="http://schemas.microsoft.com/office/drawing/2014/main" id="{49241911-89D4-97F0-FABA-ADD4726EFB7A}"/>
+              </a:ext>
+            </a:extLst>
+          </p:cNvPr>
+          <p:cNvSpPr>
+            <a:spLocks noGrp="1"/>
+          </p:cNvSpPr>
+          <p:nvPr>
+            <p:ph type="title"/>
+          </p:nvPr>
+        </p:nvSpPr>
+        <p:spPr/>
+        <p:txBody>
+          <a:bodyPr/>
+          <a:lstStyle/>
+          <a:p>
+            <a:r>
+              <a:rPr lang="en-US" dirty="0"/>
+              <a:t>Sources</a:t>
+            </a:r>
+          </a:p>
+        </p:txBody>
+      </p:sp>
+      <p:sp>
+        <p:nvSpPr>
+          <p:cNvPr id="3" name="Content Placeholder 2">
+            <a:extLst>
+              <a:ext uri="{FF2B5EF4-FFF2-40B4-BE49-F238E27FC236}">
+                <a16:creationId xmlns:a16="http://schemas.microsoft.com/office/drawing/2014/main" id="{39FCF39E-D111-3122-EA43-D55DA132BB63}"/>
+              </a:ext>
+            </a:extLst>
+          </p:cNvPr>
+          <p:cNvSpPr>
+            <a:spLocks noGrp="1"/>
+          </p:cNvSpPr>
+          <p:nvPr>
+            <p:ph idx="1"/>
+          </p:nvPr>
+        </p:nvSpPr>
+        <p:spPr/>
+        <p:txBody>
+          <a:bodyPr/>
+          <a:lstStyle/>
+          <a:p>
+            <a:pPr marL="457200" indent="-457200">
+              <a:buAutoNum type="arabicPeriod"/>
+            </a:pPr>
+            <a:r>
+              <a:rPr lang="en-US" dirty="0">
+                <a:hlinkClick r:id="rId2"/>
+              </a:rPr>
+              <a:t>https://www.forbes.com/sites/forbesbusinesscouncil/2022/12/12/customer-retention-versus-customer-acquisition/?sh=3cef46fc1c7d</a:t>
+            </a:r>
+            <a:endParaRPr lang="en-US" dirty="0"/>
+          </a:p>
+          <a:p>
+            <a:pPr marL="457200" indent="-457200">
+              <a:buAutoNum type="arabicPeriod"/>
+            </a:pPr>
+            <a:r>
+              <a:rPr lang="en-US" dirty="0">
+                <a:hlinkClick r:id="rId3"/>
+              </a:rPr>
+              <a:t>https://www.kaggle.com/datasets/teejmahal20/airline-passenger-satisfaction</a:t>
+            </a:r>
+            <a:endParaRPr lang="en-US" dirty="0"/>
+          </a:p>
+          <a:p>
+            <a:pPr marL="457200" indent="-457200">
+              <a:buAutoNum type="arabicPeriod"/>
+            </a:pPr>
+            <a:r>
+              <a:rPr lang="en-US" dirty="0">
+                <a:hlinkClick r:id="rId4"/>
+              </a:rPr>
+              <a:t>https://www.sciencedirect.com/science/article/pii/S0969699723000844#bib20</a:t>
+            </a:r>
+            <a:endParaRPr lang="en-US" dirty="0"/>
+          </a:p>
+          <a:p>
+            <a:pPr marL="457200" indent="-457200">
+              <a:buAutoNum type="arabicPeriod"/>
+            </a:pPr>
+            <a:r>
+              <a:rPr lang="en-US" dirty="0">
+                <a:hlinkClick r:id="rId5"/>
+              </a:rPr>
+              <a:t>https://www.sciencedirect.com/science/article/abs/pii/S0969699719302959</a:t>
+            </a:r>
+            <a:endParaRPr lang="en-US" dirty="0"/>
+          </a:p>
+          <a:p>
+            <a:pPr marL="457200" indent="-457200">
+              <a:buFont typeface="Wingdings 2" pitchFamily="18" charset="2"/>
+              <a:buAutoNum type="arabicPeriod"/>
+            </a:pPr>
+            <a:r>
+              <a:rPr lang="en-US" dirty="0">
+                <a:hlinkClick r:id="rId6"/>
+              </a:rPr>
+              <a:t>https://www.sciencedirect.com/science/article/pii/S2352340923002421</a:t>
+            </a:r>
+            <a:endParaRPr lang="en-US" dirty="0"/>
+          </a:p>
+          <a:p>
+            <a:pPr marL="457200" indent="-457200">
+              <a:buAutoNum type="arabicPeriod"/>
+            </a:pPr>
+            <a:r>
+              <a:rPr lang="en-US" dirty="0">
+                <a:hlinkClick r:id="rId7"/>
+              </a:rPr>
+              <a:t>https://psycnet.apa.org/record/1989-10632-001</a:t>
+            </a:r>
+            <a:endParaRPr lang="en-US" dirty="0"/>
+          </a:p>
+          <a:p>
+            <a:pPr marL="457200" indent="-457200">
+              <a:buAutoNum type="arabicPeriod"/>
+            </a:pPr>
+            <a:r>
+              <a:rPr lang="en-US" dirty="0">
+                <a:hlinkClick r:id="rId8"/>
+              </a:rPr>
+              <a:t>https://www.techscience.com/cmc/v75n1/51460/pdf</a:t>
+            </a:r>
+            <a:endParaRPr lang="en-US" dirty="0"/>
+          </a:p>
+        </p:txBody>
+      </p:sp>
+    </p:spTree>
+    <p:extLst>
+      <p:ext uri="{BB962C8B-B14F-4D97-AF65-F5344CB8AC3E}">
+        <p14:creationId xmlns:p14="http://schemas.microsoft.com/office/powerpoint/2010/main" val="1917321065"/>
+      </p:ext>
+    </p:extLst>
+  </p:cSld>
+  <p:clrMapOvr>
+    <a:masterClrMapping/>
+  </p:clrMapOvr>
+</p:sld>
+</file>
+
+<file path=ppt/slides/slide17.xml><?xml version="1.0" encoding="utf-8"?>
+<p:sld xmlns:a="http://schemas.openxmlformats.org/drawingml/2006/main" xmlns:r="http://schemas.openxmlformats.org/officeDocument/2006/relationships" xmlns:p="http://schemas.openxmlformats.org/presentationml/2006/main">
+  <p:cSld>
+    <p:spTree>
+      <p:nvGrpSpPr>
+        <p:cNvPr id="1" name=""/>
+        <p:cNvGrpSpPr/>
+        <p:nvPr/>
+      </p:nvGrpSpPr>
+      <p:grpSpPr>
+        <a:xfrm>
+          <a:off x="0" y="0"/>
+          <a:ext cx="0" cy="0"/>
+          <a:chOff x="0" y="0"/>
+          <a:chExt cx="0" cy="0"/>
+        </a:xfrm>
+      </p:grpSpPr>
+      <p:sp>
+        <p:nvSpPr>
+          <p:cNvPr id="2" name="Title 1">
+            <a:extLst>
+              <a:ext uri="{FF2B5EF4-FFF2-40B4-BE49-F238E27FC236}">
+                <a16:creationId xmlns:a16="http://schemas.microsoft.com/office/drawing/2014/main" id="{C7AA5A10-E2A6-28A3-7044-47A99F7DA47D}"/>
+              </a:ext>
+            </a:extLst>
+          </p:cNvPr>
+          <p:cNvSpPr>
+            <a:spLocks noGrp="1"/>
+          </p:cNvSpPr>
+          <p:nvPr>
+            <p:ph type="title"/>
+          </p:nvPr>
+        </p:nvSpPr>
+        <p:spPr/>
+        <p:txBody>
+          <a:bodyPr/>
+          <a:lstStyle/>
+          <a:p>
+            <a:r>
+              <a:rPr lang="en-US" dirty="0"/>
+              <a:t>Project Instructions</a:t>
+            </a:r>
+          </a:p>
+        </p:txBody>
+      </p:sp>
+      <p:sp>
+        <p:nvSpPr>
+          <p:cNvPr id="3" name="Content Placeholder 2">
+            <a:extLst>
+              <a:ext uri="{FF2B5EF4-FFF2-40B4-BE49-F238E27FC236}">
+                <a16:creationId xmlns:a16="http://schemas.microsoft.com/office/drawing/2014/main" id="{C91B768D-0AD7-9C4F-16FD-02AE5BFC22D1}"/>
+              </a:ext>
+            </a:extLst>
+          </p:cNvPr>
+          <p:cNvSpPr>
+            <a:spLocks noGrp="1"/>
+          </p:cNvSpPr>
+          <p:nvPr>
+            <p:ph idx="1"/>
+          </p:nvPr>
+        </p:nvSpPr>
+        <p:spPr/>
+        <p:txBody>
+          <a:bodyPr>
+            <a:normAutofit/>
+          </a:bodyPr>
+          <a:lstStyle/>
+          <a:p>
+            <a:pPr marL="228600" marR="0">
+              <a:lnSpc>
+                <a:spcPct val="107000"/>
+              </a:lnSpc>
+              <a:spcBef>
+                <a:spcPts val="1600"/>
+              </a:spcBef>
+              <a:spcAft>
+                <a:spcPts val="400"/>
+              </a:spcAft>
+            </a:pPr>
+            <a:r>
+              <a:rPr lang="en-US" sz="1600" b="1" dirty="0">
+                <a:solidFill>
+                  <a:srgbClr val="434343"/>
+                </a:solidFill>
+                <a:effectLst/>
+                <a:latin typeface="Georgia" panose="02040502050405020303" pitchFamily="18" charset="0"/>
+                <a:ea typeface="Georgia" panose="02040502050405020303" pitchFamily="18" charset="0"/>
+                <a:cs typeface="Georgia" panose="02040502050405020303" pitchFamily="18" charset="0"/>
+              </a:rPr>
+              <a:t>What is it? </a:t>
+            </a:r>
+          </a:p>
+          <a:p>
+            <a:pPr marL="342900" marR="0" lvl="0" indent="-342900">
+              <a:spcBef>
+                <a:spcPts val="0"/>
+              </a:spcBef>
+              <a:spcAft>
+                <a:spcPts val="0"/>
+              </a:spcAft>
+              <a:buFont typeface="Arial" panose="020B0604020202020204" pitchFamily="34" charset="0"/>
+              <a:buChar char="●"/>
+            </a:pPr>
+            <a:r>
+              <a:rPr lang="en-US" sz="1200" u="none" strike="noStrike" dirty="0">
+                <a:effectLst/>
+                <a:latin typeface="Nunito" pitchFamily="2" charset="0"/>
+                <a:ea typeface="Nunito" pitchFamily="2" charset="0"/>
+                <a:cs typeface="Nunito" pitchFamily="2" charset="0"/>
+              </a:rPr>
+              <a:t>The submission itself will be a video presentation 10-12 minutes in length that explains your entire project.</a:t>
+            </a:r>
+          </a:p>
+          <a:p>
+            <a:pPr marL="342900" marR="0" lvl="0" indent="-342900">
+              <a:spcBef>
+                <a:spcPts val="0"/>
+              </a:spcBef>
+              <a:spcAft>
+                <a:spcPts val="0"/>
+              </a:spcAft>
+              <a:buFont typeface="Arial" panose="020B0604020202020204" pitchFamily="34" charset="0"/>
+              <a:buChar char="●"/>
+            </a:pPr>
+            <a:r>
+              <a:rPr lang="en-US" sz="1200" u="none" strike="noStrike" dirty="0">
+                <a:effectLst/>
+                <a:latin typeface="Nunito" pitchFamily="2" charset="0"/>
+                <a:ea typeface="Nunito" pitchFamily="2" charset="0"/>
+                <a:cs typeface="Nunito" pitchFamily="2" charset="0"/>
+              </a:rPr>
+              <a:t>The video should show your slides (e.g., as pdf/ppt/slides/or similar on your computer screen via screen capture, say using QuickTime, </a:t>
+            </a:r>
+            <a:r>
+              <a:rPr lang="en-US" sz="1200" u="none" strike="noStrike" dirty="0" err="1">
+                <a:effectLst/>
+                <a:latin typeface="Nunito" pitchFamily="2" charset="0"/>
+                <a:ea typeface="Nunito" pitchFamily="2" charset="0"/>
+                <a:cs typeface="Nunito" pitchFamily="2" charset="0"/>
+              </a:rPr>
+              <a:t>MonoSnap</a:t>
+            </a:r>
+            <a:r>
+              <a:rPr lang="en-US" sz="1200" u="none" strike="noStrike" dirty="0">
+                <a:effectLst/>
+                <a:latin typeface="Nunito" pitchFamily="2" charset="0"/>
+                <a:ea typeface="Nunito" pitchFamily="2" charset="0"/>
+                <a:cs typeface="Nunito" pitchFamily="2" charset="0"/>
+              </a:rPr>
+              <a:t>, Screen Recorder etc.) with voice narration; it is up to you whether to show your face. You should be able to create this recording quickly with little effort – no need to do any special video or audio editing although if you feel the need to it is permitted. </a:t>
+            </a:r>
+          </a:p>
+          <a:p>
+            <a:pPr marL="342900" marR="0" lvl="0" indent="-342900">
+              <a:spcBef>
+                <a:spcPts val="0"/>
+              </a:spcBef>
+              <a:spcAft>
+                <a:spcPts val="0"/>
+              </a:spcAft>
+              <a:buFont typeface="Arial" panose="020B0604020202020204" pitchFamily="34" charset="0"/>
+              <a:buChar char="●"/>
+            </a:pPr>
+            <a:r>
+              <a:rPr lang="en-US" sz="1200" u="none" strike="noStrike" dirty="0">
+                <a:effectLst/>
+                <a:latin typeface="Nunito" pitchFamily="2" charset="0"/>
+                <a:ea typeface="Nunito" pitchFamily="2" charset="0"/>
+                <a:cs typeface="Nunito" pitchFamily="2" charset="0"/>
+              </a:rPr>
+              <a:t>It will cover from start to finish all the key highlights and work you’ve done for the past few months. It will also effectively summarize your findings and conclusions.</a:t>
+            </a:r>
+          </a:p>
+          <a:p>
+            <a:pPr marL="342900" marR="0" lvl="0" indent="-342900">
+              <a:spcBef>
+                <a:spcPts val="0"/>
+              </a:spcBef>
+              <a:spcAft>
+                <a:spcPts val="0"/>
+              </a:spcAft>
+              <a:buFont typeface="Arial" panose="020B0604020202020204" pitchFamily="34" charset="0"/>
+              <a:buChar char="●"/>
+            </a:pPr>
+            <a:r>
+              <a:rPr lang="en-US" sz="1200" u="none" strike="noStrike" dirty="0">
+                <a:effectLst/>
+                <a:latin typeface="Nunito" pitchFamily="2" charset="0"/>
+                <a:ea typeface="Nunito" pitchFamily="2" charset="0"/>
+                <a:cs typeface="Nunito" pitchFamily="2" charset="0"/>
+              </a:rPr>
+              <a:t>Imagine that this video would be the result you present to a manager at the culmination of an internal project who may or may not be familiar with all the details and purpose of the project. Take care to explain everything clearly and provide proper background knowledge. </a:t>
+            </a:r>
+          </a:p>
+          <a:p>
+            <a:pPr marL="342900" marR="0" lvl="0" indent="-342900">
+              <a:spcBef>
+                <a:spcPts val="0"/>
+              </a:spcBef>
+              <a:spcAft>
+                <a:spcPts val="0"/>
+              </a:spcAft>
+              <a:buFont typeface="Arial" panose="020B0604020202020204" pitchFamily="34" charset="0"/>
+              <a:buChar char="●"/>
+            </a:pPr>
+            <a:r>
+              <a:rPr lang="en-US" sz="1200" u="none" strike="noStrike" dirty="0">
+                <a:effectLst/>
+                <a:latin typeface="Nunito" pitchFamily="2" charset="0"/>
+                <a:ea typeface="Nunito" pitchFamily="2" charset="0"/>
+                <a:cs typeface="Nunito" pitchFamily="2" charset="0"/>
+              </a:rPr>
+              <a:t>It is alright to assume your audience has some familiarity with statistical models.</a:t>
+            </a:r>
+          </a:p>
+          <a:p>
+            <a:pPr marL="228600" marR="0">
+              <a:lnSpc>
+                <a:spcPct val="107000"/>
+              </a:lnSpc>
+              <a:spcBef>
+                <a:spcPts val="1600"/>
+              </a:spcBef>
+              <a:spcAft>
+                <a:spcPts val="400"/>
+              </a:spcAft>
+            </a:pPr>
+            <a:r>
+              <a:rPr lang="en-US" sz="1600" b="1" dirty="0">
+                <a:solidFill>
+                  <a:srgbClr val="434343"/>
+                </a:solidFill>
+                <a:effectLst/>
+                <a:latin typeface="Georgia" panose="02040502050405020303" pitchFamily="18" charset="0"/>
+                <a:ea typeface="Georgia" panose="02040502050405020303" pitchFamily="18" charset="0"/>
+                <a:cs typeface="Georgia" panose="02040502050405020303" pitchFamily="18" charset="0"/>
+              </a:rPr>
+              <a:t>What to Include &amp; What is Required? </a:t>
+            </a:r>
+          </a:p>
+          <a:p>
+            <a:pPr marL="342900" marR="0" lvl="0" indent="-342900">
+              <a:spcBef>
+                <a:spcPts val="0"/>
+              </a:spcBef>
+              <a:spcAft>
+                <a:spcPts val="0"/>
+              </a:spcAft>
+              <a:buFont typeface="Arial" panose="020B0604020202020204" pitchFamily="34" charset="0"/>
+              <a:buChar char="●"/>
+            </a:pPr>
+            <a:r>
+              <a:rPr lang="en-US" sz="1200" u="none" strike="noStrike" dirty="0">
+                <a:effectLst/>
+                <a:latin typeface="Nunito" pitchFamily="2" charset="0"/>
+                <a:ea typeface="Nunito" pitchFamily="2" charset="0"/>
+                <a:cs typeface="Nunito" pitchFamily="2" charset="0"/>
+              </a:rPr>
+              <a:t>All group members are required to appear in the presentation both by audio at minimum and preferably by visual as well (however visual is still optional). </a:t>
+            </a:r>
+          </a:p>
+          <a:p>
+            <a:pPr marL="342900" marR="0" lvl="0" indent="-342900">
+              <a:spcBef>
+                <a:spcPts val="0"/>
+              </a:spcBef>
+              <a:spcAft>
+                <a:spcPts val="0"/>
+              </a:spcAft>
+              <a:buFont typeface="Arial" panose="020B0604020202020204" pitchFamily="34" charset="0"/>
+              <a:buChar char="●"/>
+            </a:pPr>
+            <a:r>
+              <a:rPr lang="en-US" sz="1200" u="none" strike="noStrike" dirty="0">
+                <a:effectLst/>
+                <a:latin typeface="Nunito" pitchFamily="2" charset="0"/>
+                <a:ea typeface="Nunito" pitchFamily="2" charset="0"/>
+                <a:cs typeface="Nunito" pitchFamily="2" charset="0"/>
+              </a:rPr>
+              <a:t>Group members should include their names and introduce themselves before speaking</a:t>
+            </a:r>
+          </a:p>
+          <a:p>
+            <a:pPr marL="342900" marR="0" lvl="0" indent="-342900">
+              <a:spcBef>
+                <a:spcPts val="0"/>
+              </a:spcBef>
+              <a:spcAft>
+                <a:spcPts val="0"/>
+              </a:spcAft>
+              <a:buFont typeface="Arial" panose="020B0604020202020204" pitchFamily="34" charset="0"/>
+              <a:buChar char="●"/>
+            </a:pPr>
+            <a:r>
+              <a:rPr lang="en-US" sz="1200" u="none" strike="noStrike" dirty="0">
+                <a:effectLst/>
+                <a:latin typeface="Nunito" pitchFamily="2" charset="0"/>
+                <a:ea typeface="Nunito" pitchFamily="2" charset="0"/>
+                <a:cs typeface="Nunito" pitchFamily="2" charset="0"/>
+              </a:rPr>
+              <a:t>Each group member should be featured for a similar amount of time </a:t>
+            </a:r>
+          </a:p>
+          <a:p>
+            <a:pPr marL="342900" marR="0" lvl="0" indent="-342900">
+              <a:spcBef>
+                <a:spcPts val="0"/>
+              </a:spcBef>
+              <a:spcAft>
+                <a:spcPts val="0"/>
+              </a:spcAft>
+              <a:buFont typeface="Arial" panose="020B0604020202020204" pitchFamily="34" charset="0"/>
+              <a:buChar char="●"/>
+            </a:pPr>
+            <a:r>
+              <a:rPr lang="en-US" sz="1200" u="none" strike="noStrike" dirty="0">
+                <a:effectLst/>
+                <a:latin typeface="Nunito" pitchFamily="2" charset="0"/>
+                <a:ea typeface="Nunito" pitchFamily="2" charset="0"/>
+                <a:cs typeface="Nunito" pitchFamily="2" charset="0"/>
+              </a:rPr>
+              <a:t>Visuals and Slides are necessary; DO NOT just read your final paper/results </a:t>
+            </a:r>
+          </a:p>
+          <a:p>
+            <a:pPr marL="342900" marR="0" lvl="0" indent="-342900">
+              <a:spcBef>
+                <a:spcPts val="0"/>
+              </a:spcBef>
+              <a:spcAft>
+                <a:spcPts val="0"/>
+              </a:spcAft>
+              <a:buFont typeface="Arial" panose="020B0604020202020204" pitchFamily="34" charset="0"/>
+              <a:buChar char="●"/>
+            </a:pPr>
+            <a:r>
+              <a:rPr lang="en-US" sz="1200" u="none" strike="noStrike" dirty="0">
+                <a:effectLst/>
+                <a:latin typeface="Nunito" pitchFamily="2" charset="0"/>
+                <a:ea typeface="Nunito" pitchFamily="2" charset="0"/>
+                <a:cs typeface="Nunito" pitchFamily="2" charset="0"/>
+              </a:rPr>
+              <a:t>Include audio narration</a:t>
+            </a:r>
+          </a:p>
+          <a:p>
+            <a:pPr marL="342900" marR="0" lvl="0" indent="-342900">
+              <a:spcBef>
+                <a:spcPts val="0"/>
+              </a:spcBef>
+              <a:spcAft>
+                <a:spcPts val="0"/>
+              </a:spcAft>
+              <a:buFont typeface="Arial" panose="020B0604020202020204" pitchFamily="34" charset="0"/>
+              <a:buChar char="●"/>
+            </a:pPr>
+            <a:r>
+              <a:rPr lang="en-US" sz="1200" u="none" strike="noStrike" dirty="0">
+                <a:effectLst/>
+                <a:latin typeface="Nunito" pitchFamily="2" charset="0"/>
+                <a:ea typeface="Nunito" pitchFamily="2" charset="0"/>
+                <a:cs typeface="Nunito" pitchFamily="2" charset="0"/>
+              </a:rPr>
+              <a:t>We would like each group member to cover a similar length of the video. Obviously exactly equal time would be impractical to the flow of the presentation but try to keep everyone’s presentation time similar</a:t>
+            </a:r>
+          </a:p>
+        </p:txBody>
+      </p:sp>
+    </p:spTree>
+    <p:extLst>
+      <p:ext uri="{BB962C8B-B14F-4D97-AF65-F5344CB8AC3E}">
+        <p14:creationId xmlns:p14="http://schemas.microsoft.com/office/powerpoint/2010/main" val="4114580640"/>
+      </p:ext>
+    </p:extLst>
+  </p:cSld>
+  <p:clrMapOvr>
+    <a:masterClrMapping/>
+  </p:clrMapOvr>
+</p:sld>
+</file>
+
+<file path=ppt/slides/slide18.xml><?xml version="1.0" encoding="utf-8"?>
+<p:sld xmlns:a="http://schemas.openxmlformats.org/drawingml/2006/main" xmlns:r="http://schemas.openxmlformats.org/officeDocument/2006/relationships" xmlns:p="http://schemas.openxmlformats.org/presentationml/2006/main">
+  <p:cSld>
+    <p:spTree>
+      <p:nvGrpSpPr>
+        <p:cNvPr id="1" name=""/>
+        <p:cNvGrpSpPr/>
+        <p:nvPr/>
+      </p:nvGrpSpPr>
+      <p:grpSpPr>
+        <a:xfrm>
+          <a:off x="0" y="0"/>
+          <a:ext cx="0" cy="0"/>
+          <a:chOff x="0" y="0"/>
+          <a:chExt cx="0" cy="0"/>
+        </a:xfrm>
+      </p:grpSpPr>
+      <p:sp>
+        <p:nvSpPr>
+          <p:cNvPr id="2" name="Title 1">
+            <a:extLst>
+              <a:ext uri="{FF2B5EF4-FFF2-40B4-BE49-F238E27FC236}">
+                <a16:creationId xmlns:a16="http://schemas.microsoft.com/office/drawing/2014/main" id="{C7AA5A10-E2A6-28A3-7044-47A99F7DA47D}"/>
+              </a:ext>
+            </a:extLst>
+          </p:cNvPr>
+          <p:cNvSpPr>
+            <a:spLocks noGrp="1"/>
+          </p:cNvSpPr>
+          <p:nvPr>
+            <p:ph type="title"/>
+          </p:nvPr>
+        </p:nvSpPr>
+        <p:spPr/>
+        <p:txBody>
+          <a:bodyPr/>
+          <a:lstStyle/>
+          <a:p>
+            <a:r>
+              <a:rPr lang="en-US" dirty="0"/>
+              <a:t>Project Instructions</a:t>
+            </a:r>
+          </a:p>
+        </p:txBody>
+      </p:sp>
+      <p:sp>
+        <p:nvSpPr>
+          <p:cNvPr id="3" name="Content Placeholder 2">
+            <a:extLst>
+              <a:ext uri="{FF2B5EF4-FFF2-40B4-BE49-F238E27FC236}">
+                <a16:creationId xmlns:a16="http://schemas.microsoft.com/office/drawing/2014/main" id="{C91B768D-0AD7-9C4F-16FD-02AE5BFC22D1}"/>
+              </a:ext>
+            </a:extLst>
+          </p:cNvPr>
+          <p:cNvSpPr>
+            <a:spLocks noGrp="1"/>
+          </p:cNvSpPr>
+          <p:nvPr>
+            <p:ph idx="1"/>
+          </p:nvPr>
+        </p:nvSpPr>
+        <p:spPr/>
+        <p:txBody>
+          <a:bodyPr>
+            <a:normAutofit lnSpcReduction="10000"/>
+          </a:bodyPr>
+          <a:lstStyle/>
+          <a:p>
+            <a:pPr marL="2560320" marR="0" indent="0">
+              <a:spcBef>
+                <a:spcPts val="0"/>
+              </a:spcBef>
+              <a:spcAft>
+                <a:spcPts val="0"/>
+              </a:spcAft>
+              <a:buNone/>
+            </a:pPr>
+            <a:r>
+              <a:rPr lang="en-US" sz="1200" dirty="0">
+                <a:effectLst/>
+                <a:latin typeface="Nunito" pitchFamily="2" charset="0"/>
+                <a:ea typeface="Nunito" pitchFamily="2" charset="0"/>
+                <a:cs typeface="Nunito" pitchFamily="2" charset="0"/>
+              </a:rPr>
+              <a:t> </a:t>
+            </a:r>
+          </a:p>
+          <a:p>
+            <a:pPr marL="342900" marR="0" lvl="0" indent="-342900">
+              <a:spcBef>
+                <a:spcPts val="0"/>
+              </a:spcBef>
+              <a:spcAft>
+                <a:spcPts val="0"/>
+              </a:spcAft>
+              <a:buFont typeface="Arial" panose="020B0604020202020204" pitchFamily="34" charset="0"/>
+              <a:buChar char="●"/>
+            </a:pPr>
+            <a:r>
+              <a:rPr lang="en-US" sz="1200" b="1" u="none" strike="noStrike" dirty="0">
+                <a:effectLst/>
+                <a:latin typeface="Nunito" pitchFamily="2" charset="0"/>
+                <a:ea typeface="Nunito" pitchFamily="2" charset="0"/>
+                <a:cs typeface="Nunito" pitchFamily="2" charset="0"/>
+              </a:rPr>
+              <a:t>Overview of Project:</a:t>
+            </a:r>
+            <a:endParaRPr lang="en-US" sz="1200" u="none" strike="noStrike" dirty="0">
+              <a:effectLst/>
+              <a:latin typeface="Nunito" pitchFamily="2" charset="0"/>
+              <a:ea typeface="Nunito" pitchFamily="2" charset="0"/>
+              <a:cs typeface="Nunito" pitchFamily="2" charset="0"/>
+            </a:endParaRPr>
+          </a:p>
+          <a:p>
+            <a:pPr marL="742950" marR="0" lvl="1" indent="-285750">
+              <a:spcBef>
+                <a:spcPts val="0"/>
+              </a:spcBef>
+              <a:spcAft>
+                <a:spcPts val="0"/>
+              </a:spcAft>
+              <a:buFont typeface="Arial" panose="020B0604020202020204" pitchFamily="34" charset="0"/>
+              <a:buChar char="○"/>
+            </a:pPr>
+            <a:r>
+              <a:rPr lang="en-US" sz="1200" u="none" strike="noStrike" dirty="0">
+                <a:effectLst/>
+                <a:latin typeface="Nunito" pitchFamily="2" charset="0"/>
+                <a:ea typeface="Nunito" pitchFamily="2" charset="0"/>
+                <a:cs typeface="Nunito" pitchFamily="2" charset="0"/>
+              </a:rPr>
+              <a:t>Team members' names listed in the presentation.</a:t>
+            </a:r>
+          </a:p>
+          <a:p>
+            <a:pPr marL="742950" marR="0" lvl="1" indent="-285750">
+              <a:spcBef>
+                <a:spcPts val="0"/>
+              </a:spcBef>
+              <a:spcAft>
+                <a:spcPts val="0"/>
+              </a:spcAft>
+              <a:buFont typeface="Arial" panose="020B0604020202020204" pitchFamily="34" charset="0"/>
+              <a:buChar char="○"/>
+            </a:pPr>
+            <a:r>
+              <a:rPr lang="en-US" sz="1200" u="none" strike="noStrike" dirty="0">
+                <a:effectLst/>
+                <a:latin typeface="Nunito" pitchFamily="2" charset="0"/>
+                <a:ea typeface="Nunito" pitchFamily="2" charset="0"/>
+                <a:cs typeface="Nunito" pitchFamily="2" charset="0"/>
+              </a:rPr>
+              <a:t>Necessary background information/framing of the problem.</a:t>
+            </a:r>
+          </a:p>
+          <a:p>
+            <a:pPr marL="742950" marR="0" lvl="1" indent="-285750">
+              <a:spcBef>
+                <a:spcPts val="0"/>
+              </a:spcBef>
+              <a:spcAft>
+                <a:spcPts val="0"/>
+              </a:spcAft>
+              <a:buFont typeface="Arial" panose="020B0604020202020204" pitchFamily="34" charset="0"/>
+              <a:buChar char="○"/>
+            </a:pPr>
+            <a:r>
+              <a:rPr lang="en-US" sz="1200" u="none" strike="noStrike" dirty="0">
+                <a:effectLst/>
+                <a:latin typeface="Nunito" pitchFamily="2" charset="0"/>
+                <a:ea typeface="Nunito" pitchFamily="2" charset="0"/>
+                <a:cs typeface="Nunito" pitchFamily="2" charset="0"/>
+              </a:rPr>
+              <a:t>Include an overview of the problem in general as well as your general approach.</a:t>
+            </a:r>
+          </a:p>
+          <a:p>
+            <a:pPr marL="742950" marR="0" lvl="1" indent="-285750">
+              <a:spcBef>
+                <a:spcPts val="0"/>
+              </a:spcBef>
+              <a:spcAft>
+                <a:spcPts val="0"/>
+              </a:spcAft>
+              <a:buFont typeface="Arial" panose="020B0604020202020204" pitchFamily="34" charset="0"/>
+              <a:buChar char="○"/>
+            </a:pPr>
+            <a:r>
+              <a:rPr lang="en-US" sz="1200" u="none" strike="noStrike" dirty="0">
+                <a:effectLst/>
+                <a:latin typeface="Nunito" pitchFamily="2" charset="0"/>
+                <a:ea typeface="Nunito" pitchFamily="2" charset="0"/>
+                <a:cs typeface="Nunito" pitchFamily="2" charset="0"/>
+              </a:rPr>
+              <a:t>State initial hypotheses.</a:t>
+            </a:r>
+          </a:p>
+          <a:p>
+            <a:pPr marL="3200400" marR="0">
+              <a:spcBef>
+                <a:spcPts val="0"/>
+              </a:spcBef>
+              <a:spcAft>
+                <a:spcPts val="0"/>
+              </a:spcAft>
+            </a:pPr>
+            <a:r>
+              <a:rPr lang="en-US" sz="1200" dirty="0">
+                <a:effectLst/>
+                <a:latin typeface="Nunito" pitchFamily="2" charset="0"/>
+                <a:ea typeface="Nunito" pitchFamily="2" charset="0"/>
+                <a:cs typeface="Nunito" pitchFamily="2" charset="0"/>
+              </a:rPr>
+              <a:t> </a:t>
+            </a:r>
+          </a:p>
+          <a:p>
+            <a:pPr marL="342900" marR="0" lvl="0" indent="-342900">
+              <a:spcBef>
+                <a:spcPts val="0"/>
+              </a:spcBef>
+              <a:spcAft>
+                <a:spcPts val="0"/>
+              </a:spcAft>
+              <a:buFont typeface="Arial" panose="020B0604020202020204" pitchFamily="34" charset="0"/>
+              <a:buChar char="●"/>
+            </a:pPr>
+            <a:r>
+              <a:rPr lang="en-US" sz="1200" b="1" u="none" strike="noStrike" dirty="0">
+                <a:effectLst/>
+                <a:latin typeface="Nunito" pitchFamily="2" charset="0"/>
+                <a:ea typeface="Nunito" pitchFamily="2" charset="0"/>
+                <a:cs typeface="Nunito" pitchFamily="2" charset="0"/>
+              </a:rPr>
+              <a:t>Overview of Data:</a:t>
+            </a:r>
+            <a:endParaRPr lang="en-US" sz="1200" u="none" strike="noStrike" dirty="0">
+              <a:effectLst/>
+              <a:latin typeface="Nunito" pitchFamily="2" charset="0"/>
+              <a:ea typeface="Nunito" pitchFamily="2" charset="0"/>
+              <a:cs typeface="Nunito" pitchFamily="2" charset="0"/>
+            </a:endParaRPr>
+          </a:p>
+          <a:p>
+            <a:pPr marL="742950" marR="0" lvl="1" indent="-285750">
+              <a:spcBef>
+                <a:spcPts val="0"/>
+              </a:spcBef>
+              <a:spcAft>
+                <a:spcPts val="0"/>
+              </a:spcAft>
+              <a:buFont typeface="Arial" panose="020B0604020202020204" pitchFamily="34" charset="0"/>
+              <a:buChar char="○"/>
+            </a:pPr>
+            <a:r>
+              <a:rPr lang="en-US" sz="1200" u="none" strike="noStrike" dirty="0">
+                <a:effectLst/>
+                <a:latin typeface="Nunito" pitchFamily="2" charset="0"/>
+                <a:ea typeface="Nunito" pitchFamily="2" charset="0"/>
+                <a:cs typeface="Nunito" pitchFamily="2" charset="0"/>
+              </a:rPr>
+              <a:t>How involved was the cleaning process?</a:t>
+            </a:r>
+          </a:p>
+          <a:p>
+            <a:pPr marL="742950" marR="0" lvl="1" indent="-285750">
+              <a:spcBef>
+                <a:spcPts val="0"/>
+              </a:spcBef>
+              <a:spcAft>
+                <a:spcPts val="0"/>
+              </a:spcAft>
+              <a:buFont typeface="Arial" panose="020B0604020202020204" pitchFamily="34" charset="0"/>
+              <a:buChar char="○"/>
+            </a:pPr>
+            <a:r>
+              <a:rPr lang="en-US" sz="1200" u="none" strike="noStrike" dirty="0">
+                <a:effectLst/>
+                <a:latin typeface="Nunito" pitchFamily="2" charset="0"/>
+                <a:ea typeface="Nunito" pitchFamily="2" charset="0"/>
+                <a:cs typeface="Nunito" pitchFamily="2" charset="0"/>
+              </a:rPr>
+              <a:t>What were your key variables?</a:t>
+            </a:r>
+          </a:p>
+          <a:p>
+            <a:pPr marL="742950" marR="0" lvl="1" indent="-285750">
+              <a:spcBef>
+                <a:spcPts val="0"/>
+              </a:spcBef>
+              <a:spcAft>
+                <a:spcPts val="0"/>
+              </a:spcAft>
+              <a:buFont typeface="Arial" panose="020B0604020202020204" pitchFamily="34" charset="0"/>
+              <a:buChar char="○"/>
+            </a:pPr>
+            <a:r>
+              <a:rPr lang="en-US" sz="1200" u="none" strike="noStrike" dirty="0">
+                <a:effectLst/>
+                <a:latin typeface="Nunito" pitchFamily="2" charset="0"/>
+                <a:ea typeface="Nunito" pitchFamily="2" charset="0"/>
+                <a:cs typeface="Nunito" pitchFamily="2" charset="0"/>
+              </a:rPr>
+              <a:t>Any interesting insights from EDA?</a:t>
+            </a:r>
+          </a:p>
+          <a:p>
+            <a:pPr marL="742950" marR="0" lvl="1" indent="-285750">
+              <a:spcBef>
+                <a:spcPts val="0"/>
+              </a:spcBef>
+              <a:spcAft>
+                <a:spcPts val="0"/>
+              </a:spcAft>
+              <a:buFont typeface="Arial" panose="020B0604020202020204" pitchFamily="34" charset="0"/>
+              <a:buChar char="○"/>
+            </a:pPr>
+            <a:r>
+              <a:rPr lang="en-US" sz="1200" u="none" strike="noStrike" dirty="0">
+                <a:effectLst/>
+                <a:latin typeface="Nunito" pitchFamily="2" charset="0"/>
+                <a:ea typeface="Nunito" pitchFamily="2" charset="0"/>
+                <a:cs typeface="Nunito" pitchFamily="2" charset="0"/>
+              </a:rPr>
+              <a:t>If you used feature engineering how and was it successful?</a:t>
+            </a:r>
+          </a:p>
+          <a:p>
+            <a:pPr marL="742950" marR="0" lvl="1" indent="-285750">
+              <a:spcBef>
+                <a:spcPts val="0"/>
+              </a:spcBef>
+              <a:spcAft>
+                <a:spcPts val="0"/>
+              </a:spcAft>
+              <a:buFont typeface="Arial" panose="020B0604020202020204" pitchFamily="34" charset="0"/>
+              <a:buChar char="○"/>
+            </a:pPr>
+            <a:r>
+              <a:rPr lang="en-US" sz="1200" u="none" strike="noStrike" dirty="0">
+                <a:effectLst/>
+                <a:latin typeface="Nunito" pitchFamily="2" charset="0"/>
+                <a:ea typeface="Nunito" pitchFamily="2" charset="0"/>
+                <a:cs typeface="Nunito" pitchFamily="2" charset="0"/>
+              </a:rPr>
+              <a:t>Where did the dataset come from?</a:t>
+            </a:r>
+          </a:p>
+          <a:p>
+            <a:pPr marL="742950" marR="0" lvl="1" indent="-285750">
+              <a:spcBef>
+                <a:spcPts val="0"/>
+              </a:spcBef>
+              <a:spcAft>
+                <a:spcPts val="0"/>
+              </a:spcAft>
+              <a:buFont typeface="Arial" panose="020B0604020202020204" pitchFamily="34" charset="0"/>
+              <a:buChar char="○"/>
+            </a:pPr>
+            <a:r>
+              <a:rPr lang="en-US" sz="1200" u="none" strike="noStrike" dirty="0">
+                <a:effectLst/>
+                <a:latin typeface="Nunito" pitchFamily="2" charset="0"/>
+                <a:ea typeface="Nunito" pitchFamily="2" charset="0"/>
+                <a:cs typeface="Nunito" pitchFamily="2" charset="0"/>
+              </a:rPr>
+              <a:t>Super quick overview of the data.</a:t>
+            </a:r>
+          </a:p>
+          <a:p>
+            <a:pPr marL="3200400" marR="0">
+              <a:spcBef>
+                <a:spcPts val="0"/>
+              </a:spcBef>
+              <a:spcAft>
+                <a:spcPts val="0"/>
+              </a:spcAft>
+            </a:pPr>
+            <a:r>
+              <a:rPr lang="en-US" sz="1200" dirty="0">
+                <a:effectLst/>
+                <a:latin typeface="Nunito" pitchFamily="2" charset="0"/>
+                <a:ea typeface="Nunito" pitchFamily="2" charset="0"/>
+                <a:cs typeface="Nunito" pitchFamily="2" charset="0"/>
+              </a:rPr>
+              <a:t> </a:t>
+            </a:r>
+          </a:p>
+          <a:p>
+            <a:pPr marL="342900" marR="0" lvl="0" indent="-342900">
+              <a:spcBef>
+                <a:spcPts val="0"/>
+              </a:spcBef>
+              <a:spcAft>
+                <a:spcPts val="0"/>
+              </a:spcAft>
+              <a:buFont typeface="Arial" panose="020B0604020202020204" pitchFamily="34" charset="0"/>
+              <a:buChar char="●"/>
+            </a:pPr>
+            <a:r>
+              <a:rPr lang="en-US" sz="1200" b="1" u="none" strike="noStrike" dirty="0">
+                <a:effectLst/>
+                <a:latin typeface="Nunito" pitchFamily="2" charset="0"/>
+                <a:ea typeface="Nunito" pitchFamily="2" charset="0"/>
+                <a:cs typeface="Nunito" pitchFamily="2" charset="0"/>
+              </a:rPr>
+              <a:t>Overview of Modeling:</a:t>
+            </a:r>
+            <a:endParaRPr lang="en-US" sz="1200" u="none" strike="noStrike" dirty="0">
+              <a:effectLst/>
+              <a:latin typeface="Nunito" pitchFamily="2" charset="0"/>
+              <a:ea typeface="Nunito" pitchFamily="2" charset="0"/>
+              <a:cs typeface="Nunito" pitchFamily="2" charset="0"/>
+            </a:endParaRPr>
+          </a:p>
+          <a:p>
+            <a:pPr marL="742950" marR="0" lvl="1" indent="-285750">
+              <a:spcBef>
+                <a:spcPts val="0"/>
+              </a:spcBef>
+              <a:spcAft>
+                <a:spcPts val="0"/>
+              </a:spcAft>
+              <a:buFont typeface="Arial" panose="020B0604020202020204" pitchFamily="34" charset="0"/>
+              <a:buChar char="○"/>
+            </a:pPr>
+            <a:r>
+              <a:rPr lang="en-US" sz="1200" u="none" strike="noStrike" dirty="0">
+                <a:effectLst/>
+                <a:latin typeface="Nunito" pitchFamily="2" charset="0"/>
+                <a:ea typeface="Nunito" pitchFamily="2" charset="0"/>
+                <a:cs typeface="Nunito" pitchFamily="2" charset="0"/>
+              </a:rPr>
+              <a:t>What type of models did you use? </a:t>
+            </a:r>
+          </a:p>
+          <a:p>
+            <a:pPr marL="742950" marR="0" lvl="1" indent="-285750">
+              <a:spcBef>
+                <a:spcPts val="0"/>
+              </a:spcBef>
+              <a:spcAft>
+                <a:spcPts val="0"/>
+              </a:spcAft>
+              <a:buFont typeface="Arial" panose="020B0604020202020204" pitchFamily="34" charset="0"/>
+              <a:buChar char="○"/>
+            </a:pPr>
+            <a:r>
+              <a:rPr lang="en-US" sz="1200" u="none" strike="noStrike" dirty="0">
+                <a:effectLst/>
+                <a:latin typeface="Nunito" pitchFamily="2" charset="0"/>
+                <a:ea typeface="Nunito" pitchFamily="2" charset="0"/>
+                <a:cs typeface="Nunito" pitchFamily="2" charset="0"/>
+              </a:rPr>
+              <a:t>How do they compare? </a:t>
+            </a:r>
+          </a:p>
+          <a:p>
+            <a:pPr marL="742950" marR="0" lvl="1" indent="-285750">
+              <a:spcBef>
+                <a:spcPts val="0"/>
+              </a:spcBef>
+              <a:spcAft>
+                <a:spcPts val="0"/>
+              </a:spcAft>
+              <a:buFont typeface="Arial" panose="020B0604020202020204" pitchFamily="34" charset="0"/>
+              <a:buChar char="○"/>
+            </a:pPr>
+            <a:r>
+              <a:rPr lang="en-US" sz="1200" u="none" strike="noStrike" dirty="0">
+                <a:effectLst/>
+                <a:latin typeface="Nunito" pitchFamily="2" charset="0"/>
+                <a:ea typeface="Nunito" pitchFamily="2" charset="0"/>
+                <a:cs typeface="Nunito" pitchFamily="2" charset="0"/>
+              </a:rPr>
+              <a:t>How did you perform model selection? </a:t>
+            </a:r>
+          </a:p>
+          <a:p>
+            <a:pPr marL="742950" marR="0" lvl="1" indent="-285750">
+              <a:spcBef>
+                <a:spcPts val="0"/>
+              </a:spcBef>
+              <a:spcAft>
+                <a:spcPts val="0"/>
+              </a:spcAft>
+              <a:buFont typeface="Arial" panose="020B0604020202020204" pitchFamily="34" charset="0"/>
+              <a:buChar char="○"/>
+            </a:pPr>
+            <a:r>
+              <a:rPr lang="en-US" sz="1200" u="none" strike="noStrike" dirty="0">
+                <a:effectLst/>
+                <a:latin typeface="Nunito" pitchFamily="2" charset="0"/>
+                <a:ea typeface="Nunito" pitchFamily="2" charset="0"/>
+                <a:cs typeface="Nunito" pitchFamily="2" charset="0"/>
+              </a:rPr>
+              <a:t>How did you perform hyperparameter optimization? </a:t>
+            </a:r>
+          </a:p>
+          <a:p>
+            <a:pPr marL="742950" marR="0" lvl="1" indent="-285750">
+              <a:spcBef>
+                <a:spcPts val="0"/>
+              </a:spcBef>
+              <a:spcAft>
+                <a:spcPts val="0"/>
+              </a:spcAft>
+              <a:buFont typeface="Arial" panose="020B0604020202020204" pitchFamily="34" charset="0"/>
+              <a:buChar char="○"/>
+            </a:pPr>
+            <a:r>
+              <a:rPr lang="en-US" sz="1200" u="none" strike="noStrike" dirty="0">
+                <a:effectLst/>
+                <a:latin typeface="Nunito" pitchFamily="2" charset="0"/>
+                <a:ea typeface="Nunito" pitchFamily="2" charset="0"/>
+                <a:cs typeface="Nunito" pitchFamily="2" charset="0"/>
+              </a:rPr>
+              <a:t>How did the models perform generally speaking?</a:t>
+            </a:r>
+          </a:p>
+          <a:p>
+            <a:pPr marL="742950" marR="0" lvl="1" indent="-285750">
+              <a:spcBef>
+                <a:spcPts val="0"/>
+              </a:spcBef>
+              <a:spcAft>
+                <a:spcPts val="0"/>
+              </a:spcAft>
+              <a:buFont typeface="Arial" panose="020B0604020202020204" pitchFamily="34" charset="0"/>
+              <a:buChar char="○"/>
+            </a:pPr>
+            <a:r>
+              <a:rPr lang="en-US" sz="1200" u="none" strike="noStrike" dirty="0">
+                <a:effectLst/>
+                <a:latin typeface="Nunito" pitchFamily="2" charset="0"/>
+                <a:ea typeface="Nunito" pitchFamily="2" charset="0"/>
+                <a:cs typeface="Nunito" pitchFamily="2" charset="0"/>
+              </a:rPr>
+              <a:t>Are they useful and in what ways?</a:t>
+            </a:r>
+          </a:p>
+          <a:p>
+            <a:pPr marL="742950" marR="0" lvl="1" indent="-285750">
+              <a:spcBef>
+                <a:spcPts val="0"/>
+              </a:spcBef>
+              <a:spcAft>
+                <a:spcPts val="0"/>
+              </a:spcAft>
+              <a:buFont typeface="Arial" panose="020B0604020202020204" pitchFamily="34" charset="0"/>
+              <a:buChar char="○"/>
+            </a:pPr>
+            <a:r>
+              <a:rPr lang="en-US" sz="1200" u="none" strike="noStrike" dirty="0">
+                <a:effectLst/>
+                <a:latin typeface="Nunito" pitchFamily="2" charset="0"/>
+                <a:ea typeface="Nunito" pitchFamily="2" charset="0"/>
+                <a:cs typeface="Nunito" pitchFamily="2" charset="0"/>
+              </a:rPr>
+              <a:t>Why did you choose those models in particular?</a:t>
+            </a:r>
+          </a:p>
+          <a:p>
+            <a:pPr marL="914400" marR="0">
+              <a:spcBef>
+                <a:spcPts val="0"/>
+              </a:spcBef>
+              <a:spcAft>
+                <a:spcPts val="0"/>
+              </a:spcAft>
+            </a:pPr>
+            <a:r>
+              <a:rPr lang="en-US" sz="1200" dirty="0">
+                <a:effectLst/>
+                <a:latin typeface="Nunito" pitchFamily="2" charset="0"/>
+                <a:ea typeface="Nunito" pitchFamily="2" charset="0"/>
+                <a:cs typeface="Nunito" pitchFamily="2" charset="0"/>
+              </a:rPr>
+              <a:t> </a:t>
+            </a:r>
+          </a:p>
+          <a:p>
+            <a:pPr marL="342900" marR="0" lvl="0" indent="-342900">
+              <a:spcBef>
+                <a:spcPts val="0"/>
+              </a:spcBef>
+              <a:spcAft>
+                <a:spcPts val="0"/>
+              </a:spcAft>
+              <a:buFont typeface="Arial" panose="020B0604020202020204" pitchFamily="34" charset="0"/>
+              <a:buChar char="●"/>
+            </a:pPr>
+            <a:r>
+              <a:rPr lang="en-US" sz="1200" u="none" strike="noStrike" dirty="0">
+                <a:effectLst/>
+                <a:latin typeface="Nunito" pitchFamily="2" charset="0"/>
+                <a:ea typeface="Nunito" pitchFamily="2" charset="0"/>
+                <a:cs typeface="Nunito" pitchFamily="2" charset="0"/>
+              </a:rPr>
+              <a:t>Include a couple of key visualizations and be sure to include captions, labels, legends, and most importantly context where needed!</a:t>
+            </a:r>
+          </a:p>
+          <a:p>
+            <a:pPr marL="342900" marR="0" lvl="0" indent="-342900">
+              <a:spcBef>
+                <a:spcPts val="0"/>
+              </a:spcBef>
+              <a:spcAft>
+                <a:spcPts val="0"/>
+              </a:spcAft>
+              <a:buFont typeface="Arial" panose="020B0604020202020204" pitchFamily="34" charset="0"/>
+              <a:buChar char="●"/>
+            </a:pPr>
+            <a:r>
+              <a:rPr lang="en-US" sz="1200" u="none" strike="noStrike" dirty="0">
+                <a:effectLst/>
+                <a:latin typeface="Nunito" pitchFamily="2" charset="0"/>
+                <a:ea typeface="Nunito" pitchFamily="2" charset="0"/>
+                <a:cs typeface="Nunito" pitchFamily="2" charset="0"/>
+              </a:rPr>
+              <a:t>If you encounter any unexpected problems, challenges, or interesting findings please mention these. Discussion of things that didn’t work is also encouraged. </a:t>
+            </a:r>
+          </a:p>
+          <a:p>
+            <a:pPr marL="342900" marR="0" lvl="0" indent="-342900">
+              <a:spcBef>
+                <a:spcPts val="0"/>
+              </a:spcBef>
+              <a:spcAft>
+                <a:spcPts val="0"/>
+              </a:spcAft>
+              <a:buFont typeface="Arial" panose="020B0604020202020204" pitchFamily="34" charset="0"/>
+              <a:buChar char="●"/>
+            </a:pPr>
+            <a:r>
+              <a:rPr lang="en-US" sz="1200" u="none" strike="noStrike" dirty="0">
+                <a:effectLst/>
+                <a:latin typeface="Nunito" pitchFamily="2" charset="0"/>
+                <a:ea typeface="Nunito" pitchFamily="2" charset="0"/>
+                <a:cs typeface="Nunito" pitchFamily="2" charset="0"/>
+              </a:rPr>
+              <a:t>Is there any unfinished business or areas which if given more time or resources you would deem promising or interesting to further pursue?</a:t>
+            </a:r>
+          </a:p>
+          <a:p>
+            <a:pPr marL="342900" marR="0" lvl="0" indent="-342900">
+              <a:spcBef>
+                <a:spcPts val="0"/>
+              </a:spcBef>
+              <a:spcAft>
+                <a:spcPts val="0"/>
+              </a:spcAft>
+              <a:buFont typeface="Arial" panose="020B0604020202020204" pitchFamily="34" charset="0"/>
+              <a:buChar char="●"/>
+            </a:pPr>
+            <a:r>
+              <a:rPr lang="en-US" sz="1200" u="none" strike="noStrike" dirty="0">
+                <a:effectLst/>
+                <a:latin typeface="Nunito" pitchFamily="2" charset="0"/>
+                <a:ea typeface="Nunito" pitchFamily="2" charset="0"/>
+                <a:cs typeface="Nunito" pitchFamily="2" charset="0"/>
+              </a:rPr>
+              <a:t>Overall conclusion and key takeaways from your project as a closing message.</a:t>
+            </a:r>
+          </a:p>
+          <a:p>
+            <a:pPr marL="342900" marR="0" lvl="0" indent="-342900">
+              <a:spcBef>
+                <a:spcPts val="0"/>
+              </a:spcBef>
+              <a:spcAft>
+                <a:spcPts val="0"/>
+              </a:spcAft>
+              <a:buFont typeface="Arial" panose="020B0604020202020204" pitchFamily="34" charset="0"/>
+              <a:buChar char="●"/>
+            </a:pPr>
+            <a:r>
+              <a:rPr lang="en-US" sz="1200" u="none" strike="noStrike" dirty="0">
+                <a:effectLst/>
+                <a:latin typeface="Nunito" pitchFamily="2" charset="0"/>
+                <a:ea typeface="Nunito" pitchFamily="2" charset="0"/>
+                <a:cs typeface="Nunito" pitchFamily="2" charset="0"/>
+              </a:rPr>
+              <a:t>Sources cited on the last slide (no need to read them just include them).</a:t>
+            </a:r>
+          </a:p>
+        </p:txBody>
+      </p:sp>
+    </p:spTree>
+    <p:extLst>
+      <p:ext uri="{BB962C8B-B14F-4D97-AF65-F5344CB8AC3E}">
+        <p14:creationId xmlns:p14="http://schemas.microsoft.com/office/powerpoint/2010/main" val="194527829"/>
+      </p:ext>
+    </p:extLst>
+  </p:cSld>
+  <p:clrMapOvr>
+    <a:masterClrMapping/>
+  </p:clrMapOvr>
+</p:sld>
+</file>
+
+<file path=ppt/slides/slide2.xml><?xml version="1.0" encoding="utf-8"?>
+<p:sld xmlns:a="http://schemas.openxmlformats.org/drawingml/2006/main" xmlns:r="http://schemas.openxmlformats.org/officeDocument/2006/relationships" xmlns:p="http://schemas.openxmlformats.org/presentationml/2006/main">
+  <p:cSld>
+    <p:bg>
+      <p:bgPr>
+        <a:solidFill>
+          <a:schemeClr val="bg1"/>
+        </a:solidFill>
+        <a:effectLst/>
+      </p:bgPr>
+    </p:bg>
+    <p:spTree>
+      <p:nvGrpSpPr>
+        <p:cNvPr id="1" name=""/>
+        <p:cNvGrpSpPr/>
+        <p:nvPr/>
+      </p:nvGrpSpPr>
+      <p:grpSpPr>
+        <a:xfrm>
+          <a:off x="0" y="0"/>
+          <a:ext cx="0" cy="0"/>
+          <a:chOff x="0" y="0"/>
+          <a:chExt cx="0" cy="0"/>
+        </a:xfrm>
+      </p:grpSpPr>
+      <p:sp>
+        <p:nvSpPr>
+          <p:cNvPr id="2" name="Title 1">
+            <a:extLst>
+              <a:ext uri="{FF2B5EF4-FFF2-40B4-BE49-F238E27FC236}">
+                <a16:creationId xmlns:a16="http://schemas.microsoft.com/office/drawing/2014/main" id="{BC8107AF-A697-F007-FBC6-663EEACE8539}"/>
+              </a:ext>
+            </a:extLst>
+          </p:cNvPr>
+          <p:cNvSpPr>
+            <a:spLocks noGrp="1"/>
+          </p:cNvSpPr>
+          <p:nvPr>
+            <p:ph type="title"/>
+          </p:nvPr>
+        </p:nvSpPr>
+        <p:spPr/>
+        <p:txBody>
+          <a:bodyPr>
+            <a:normAutofit/>
+          </a:bodyPr>
+          <a:lstStyle/>
+          <a:p>
+            <a:r>
+              <a:rPr lang="en-US" sz="3300" dirty="0"/>
+              <a:t>Agenda</a:t>
+            </a:r>
+          </a:p>
+        </p:txBody>
+      </p:sp>
+      <p:sp>
+        <p:nvSpPr>
+          <p:cNvPr id="3" name="Content Placeholder 2">
+            <a:extLst>
+              <a:ext uri="{FF2B5EF4-FFF2-40B4-BE49-F238E27FC236}">
+                <a16:creationId xmlns:a16="http://schemas.microsoft.com/office/drawing/2014/main" id="{AC68744F-2AB0-9C00-83B2-5DA833BC80DC}"/>
+              </a:ext>
+            </a:extLst>
+          </p:cNvPr>
+          <p:cNvSpPr>
+            <a:spLocks noGrp="1"/>
+          </p:cNvSpPr>
+          <p:nvPr>
+            <p:ph idx="1"/>
+          </p:nvPr>
+        </p:nvSpPr>
+        <p:spPr/>
+        <p:txBody>
+          <a:bodyPr>
+            <a:normAutofit/>
+          </a:bodyPr>
+          <a:lstStyle/>
+          <a:p>
+            <a:r>
+              <a:rPr lang="en-US" b="0" i="0" u="none" strike="noStrike" baseline="0" dirty="0">
+                <a:solidFill>
+                  <a:schemeClr val="tx1"/>
+                </a:solidFill>
+              </a:rPr>
+              <a:t>Only if we have extra time</a:t>
+            </a:r>
+            <a:endParaRPr lang="en-US" baseline="30000" dirty="0">
+              <a:solidFill>
+                <a:schemeClr val="tx1"/>
+              </a:solidFill>
+            </a:endParaRPr>
+          </a:p>
+        </p:txBody>
+      </p:sp>
+    </p:spTree>
+    <p:extLst>
+      <p:ext uri="{BB962C8B-B14F-4D97-AF65-F5344CB8AC3E}">
+        <p14:creationId xmlns:p14="http://schemas.microsoft.com/office/powerpoint/2010/main" val="2813255050"/>
+      </p:ext>
+    </p:extLst>
+  </p:cSld>
+  <p:clrMapOvr>
+    <a:masterClrMapping/>
+  </p:clrMapOvr>
+</p:sld>
+</file>
+
+<file path=ppt/slides/slide3.xml><?xml version="1.0" encoding="utf-8"?>
+<p:sld xmlns:a="http://schemas.openxmlformats.org/drawingml/2006/main" xmlns:r="http://schemas.openxmlformats.org/officeDocument/2006/relationships" xmlns:p="http://schemas.openxmlformats.org/presentationml/2006/main">
+  <p:cSld>
+    <p:bg>
+      <p:bgPr>
+        <a:solidFill>
+          <a:schemeClr val="bg1"/>
+        </a:solidFill>
+        <a:effectLst/>
+      </p:bgPr>
+    </p:bg>
+    <p:spTree>
+      <p:nvGrpSpPr>
+        <p:cNvPr id="1" name=""/>
+        <p:cNvGrpSpPr/>
+        <p:nvPr/>
+      </p:nvGrpSpPr>
+      <p:grpSpPr>
+        <a:xfrm>
+          <a:off x="0" y="0"/>
+          <a:ext cx="0" cy="0"/>
+          <a:chOff x="0" y="0"/>
+          <a:chExt cx="0" cy="0"/>
+        </a:xfrm>
+      </p:grpSpPr>
+      <p:sp>
+        <p:nvSpPr>
+          <p:cNvPr id="2" name="Title 1">
+            <a:extLst>
+              <a:ext uri="{FF2B5EF4-FFF2-40B4-BE49-F238E27FC236}">
+                <a16:creationId xmlns:a16="http://schemas.microsoft.com/office/drawing/2014/main" id="{BC8107AF-A697-F007-FBC6-663EEACE8539}"/>
+              </a:ext>
+            </a:extLst>
+          </p:cNvPr>
+          <p:cNvSpPr>
+            <a:spLocks noGrp="1"/>
+          </p:cNvSpPr>
+          <p:nvPr>
+            <p:ph type="title"/>
+          </p:nvPr>
+        </p:nvSpPr>
+        <p:spPr/>
+        <p:txBody>
+          <a:bodyPr>
+            <a:normAutofit/>
+          </a:bodyPr>
+          <a:lstStyle/>
+          <a:p>
+            <a:r>
+              <a:rPr lang="en-US" dirty="0"/>
+              <a:t>Project Overview</a:t>
+            </a:r>
+          </a:p>
+        </p:txBody>
+      </p:sp>
+      <p:sp>
+        <p:nvSpPr>
+          <p:cNvPr id="3" name="Content Placeholder 2">
+            <a:extLst>
+              <a:ext uri="{FF2B5EF4-FFF2-40B4-BE49-F238E27FC236}">
+                <a16:creationId xmlns:a16="http://schemas.microsoft.com/office/drawing/2014/main" id="{AC68744F-2AB0-9C00-83B2-5DA833BC80DC}"/>
+              </a:ext>
+            </a:extLst>
+          </p:cNvPr>
+          <p:cNvSpPr>
+            <a:spLocks noGrp="1"/>
+          </p:cNvSpPr>
+          <p:nvPr>
+            <p:ph sz="half" idx="1"/>
+          </p:nvPr>
+        </p:nvSpPr>
+        <p:spPr/>
+        <p:txBody>
+          <a:bodyPr>
+            <a:normAutofit/>
+          </a:bodyPr>
+          <a:lstStyle/>
+          <a:p>
+            <a:r>
+              <a:rPr lang="en-US" dirty="0">
+                <a:solidFill>
+                  <a:schemeClr val="tx1"/>
+                </a:solidFill>
+              </a:rPr>
+              <a:t>Use customer satisfaction survey results to identify the most important factors that lead to customer satisfaction.</a:t>
+            </a:r>
+          </a:p>
+          <a:p>
+            <a:r>
+              <a:rPr lang="en-US" dirty="0">
+                <a:solidFill>
+                  <a:schemeClr val="tx1"/>
+                </a:solidFill>
+              </a:rPr>
+              <a:t>Customer satisfaction is a key factor in attracting and retaining business. </a:t>
+            </a:r>
+          </a:p>
+          <a:p>
+            <a:r>
+              <a:rPr lang="en-US" dirty="0">
+                <a:solidFill>
+                  <a:schemeClr val="tx1"/>
+                </a:solidFill>
+              </a:rPr>
+              <a:t>By understanding the crucial factors that drive customer satisfaction airlines can allocate resources to optimize business operations. </a:t>
+            </a:r>
+          </a:p>
+        </p:txBody>
+      </p:sp>
+      <p:pic>
+        <p:nvPicPr>
+          <p:cNvPr id="6" name="Content Placeholder 5" descr="Paper airplane on a blue background">
+            <a:extLst>
+              <a:ext uri="{FF2B5EF4-FFF2-40B4-BE49-F238E27FC236}">
+                <a16:creationId xmlns:a16="http://schemas.microsoft.com/office/drawing/2014/main" id="{38B11C22-DA9B-2BB7-525D-484E21FC35CB}"/>
+              </a:ext>
+            </a:extLst>
+          </p:cNvPr>
+          <p:cNvPicPr>
+            <a:picLocks noGrp="1" noChangeAspect="1"/>
+          </p:cNvPicPr>
+          <p:nvPr>
+            <p:ph sz="half" idx="2"/>
+          </p:nvPr>
+        </p:nvPicPr>
+        <p:blipFill>
+          <a:blip r:embed="rId3">
+            <a:extLst>
+              <a:ext uri="{28A0092B-C50C-407E-A947-70E740481C1C}">
+                <a14:useLocalDpi xmlns:a14="http://schemas.microsoft.com/office/drawing/2010/main" val="0"/>
+              </a:ext>
+            </a:extLst>
+          </a:blip>
+          <a:stretch>
+            <a:fillRect/>
+          </a:stretch>
+        </p:blipFill>
+        <p:spPr>
+          <a:xfrm>
+            <a:off x="7486650" y="2200265"/>
+            <a:ext cx="4080510" cy="2885645"/>
+          </a:xfrm>
+          <a:prstGeom prst="rect">
+            <a:avLst/>
+          </a:prstGeom>
+        </p:spPr>
+      </p:pic>
+      <p:pic>
+        <p:nvPicPr>
+          <p:cNvPr id="8" name="Picture 7" descr="Stacks of gold coins">
+            <a:extLst>
+              <a:ext uri="{FF2B5EF4-FFF2-40B4-BE49-F238E27FC236}">
+                <a16:creationId xmlns:a16="http://schemas.microsoft.com/office/drawing/2014/main" id="{51FB0D7D-3600-883B-0D7F-CEA67F969BB1}"/>
+              </a:ext>
+            </a:extLst>
+          </p:cNvPr>
+          <p:cNvPicPr>
+            <a:picLocks noChangeAspect="1"/>
+          </p:cNvPicPr>
+          <p:nvPr/>
+        </p:nvPicPr>
+        <p:blipFill>
+          <a:blip r:embed="rId4">
+            <a:clrChange>
+              <a:clrFrom>
+                <a:srgbClr val="FFFFFF"/>
+              </a:clrFrom>
+              <a:clrTo>
+                <a:srgbClr val="FFFFFF">
+                  <a:alpha val="0"/>
+                </a:srgbClr>
+              </a:clrTo>
+            </a:clrChange>
+            <a:extLst>
+              <a:ext uri="{28A0092B-C50C-407E-A947-70E740481C1C}">
+                <a14:useLocalDpi xmlns:a14="http://schemas.microsoft.com/office/drawing/2010/main" val="0"/>
+              </a:ext>
+            </a:extLst>
+          </a:blip>
+          <a:stretch>
+            <a:fillRect/>
+          </a:stretch>
+        </p:blipFill>
+        <p:spPr>
+          <a:xfrm>
+            <a:off x="9439450" y="2371715"/>
+            <a:ext cx="2271728" cy="1514485"/>
+          </a:xfrm>
+          <a:prstGeom prst="rect">
+            <a:avLst/>
+          </a:prstGeom>
+        </p:spPr>
+      </p:pic>
+    </p:spTree>
+    <p:extLst>
+      <p:ext uri="{BB962C8B-B14F-4D97-AF65-F5344CB8AC3E}">
+        <p14:creationId xmlns:p14="http://schemas.microsoft.com/office/powerpoint/2010/main" val="823685770"/>
+      </p:ext>
+    </p:extLst>
+  </p:cSld>
+  <p:clrMapOvr>
+    <a:masterClrMapping/>
+  </p:clrMapOvr>
+</p:sld>
+</file>
+
+<file path=ppt/slides/slide4.xml><?xml version="1.0" encoding="utf-8"?>
+<p:sld xmlns:a="http://schemas.openxmlformats.org/drawingml/2006/main" xmlns:r="http://schemas.openxmlformats.org/officeDocument/2006/relationships" xmlns:p="http://schemas.openxmlformats.org/presentationml/2006/main">
+  <p:cSld>
+    <p:spTree>
+      <p:nvGrpSpPr>
+        <p:cNvPr id="1" name=""/>
+        <p:cNvGrpSpPr/>
+        <p:nvPr/>
+      </p:nvGrpSpPr>
+      <p:grpSpPr>
+        <a:xfrm>
+          <a:off x="0" y="0"/>
+          <a:ext cx="0" cy="0"/>
+          <a:chOff x="0" y="0"/>
+          <a:chExt cx="0" cy="0"/>
+        </a:xfrm>
+      </p:grpSpPr>
+      <p:sp>
+        <p:nvSpPr>
+          <p:cNvPr id="2" name="Title 1">
+            <a:extLst>
+              <a:ext uri="{FF2B5EF4-FFF2-40B4-BE49-F238E27FC236}">
+                <a16:creationId xmlns:a16="http://schemas.microsoft.com/office/drawing/2014/main" id="{BC8107AF-A697-F007-FBC6-663EEACE8539}"/>
+              </a:ext>
+            </a:extLst>
+          </p:cNvPr>
+          <p:cNvSpPr>
+            <a:spLocks noGrp="1"/>
+          </p:cNvSpPr>
+          <p:nvPr>
+            <p:ph type="title"/>
+          </p:nvPr>
+        </p:nvSpPr>
+        <p:spPr/>
+        <p:txBody>
+          <a:bodyPr/>
+          <a:lstStyle/>
+          <a:p>
+            <a:r>
+              <a:rPr lang="en-US" dirty="0"/>
+              <a:t>Dataset Overview</a:t>
+            </a:r>
+          </a:p>
+        </p:txBody>
+      </p:sp>
+      <p:pic>
+        <p:nvPicPr>
+          <p:cNvPr id="11" name="Content Placeholder 10">
+            <a:extLst>
+              <a:ext uri="{FF2B5EF4-FFF2-40B4-BE49-F238E27FC236}">
+                <a16:creationId xmlns:a16="http://schemas.microsoft.com/office/drawing/2014/main" id="{682FC82B-BF3C-B80C-6829-CEB254859B5F}"/>
+              </a:ext>
+            </a:extLst>
+          </p:cNvPr>
+          <p:cNvPicPr>
+            <a:picLocks noGrp="1" noChangeAspect="1"/>
+          </p:cNvPicPr>
+          <p:nvPr>
+            <p:ph idx="1"/>
+          </p:nvPr>
+        </p:nvPicPr>
+        <p:blipFill>
+          <a:blip r:embed="rId3"/>
+          <a:stretch>
+            <a:fillRect/>
+          </a:stretch>
+        </p:blipFill>
+        <p:spPr>
+          <a:xfrm>
+            <a:off x="3753256" y="945967"/>
+            <a:ext cx="7711567" cy="4956922"/>
+          </a:xfrm>
+        </p:spPr>
+      </p:pic>
+    </p:spTree>
+    <p:extLst>
+      <p:ext uri="{BB962C8B-B14F-4D97-AF65-F5344CB8AC3E}">
+        <p14:creationId xmlns:p14="http://schemas.microsoft.com/office/powerpoint/2010/main" val="2980110185"/>
+      </p:ext>
+    </p:extLst>
+  </p:cSld>
+  <p:clrMapOvr>
+    <a:masterClrMapping/>
+  </p:clrMapOvr>
+</p:sld>
+</file>
+
+<file path=ppt/slides/slide5.xml><?xml version="1.0" encoding="utf-8"?>
+<p:sld xmlns:a="http://schemas.openxmlformats.org/drawingml/2006/main" xmlns:r="http://schemas.openxmlformats.org/officeDocument/2006/relationships" xmlns:p="http://schemas.openxmlformats.org/presentationml/2006/main">
+  <p:cSld>
+    <p:spTree>
+      <p:nvGrpSpPr>
+        <p:cNvPr id="1" name=""/>
+        <p:cNvGrpSpPr/>
+        <p:nvPr/>
+      </p:nvGrpSpPr>
+      <p:grpSpPr>
+        <a:xfrm>
+          <a:off x="0" y="0"/>
+          <a:ext cx="0" cy="0"/>
+          <a:chOff x="0" y="0"/>
+          <a:chExt cx="0" cy="0"/>
+        </a:xfrm>
+      </p:grpSpPr>
+      <p:sp>
+        <p:nvSpPr>
+          <p:cNvPr id="2" name="Title 1">
+            <a:extLst>
+              <a:ext uri="{FF2B5EF4-FFF2-40B4-BE49-F238E27FC236}">
+                <a16:creationId xmlns:a16="http://schemas.microsoft.com/office/drawing/2014/main" id="{BC8107AF-A697-F007-FBC6-663EEACE8539}"/>
+              </a:ext>
+            </a:extLst>
+          </p:cNvPr>
+          <p:cNvSpPr>
+            <a:spLocks noGrp="1"/>
+          </p:cNvSpPr>
+          <p:nvPr>
+            <p:ph type="title"/>
+          </p:nvPr>
+        </p:nvSpPr>
+        <p:spPr/>
+        <p:txBody>
+          <a:bodyPr/>
+          <a:lstStyle/>
+          <a:p>
+            <a:r>
+              <a:rPr lang="en-US" dirty="0"/>
+              <a:t>Dataset Overview</a:t>
+            </a:r>
+          </a:p>
+        </p:txBody>
+      </p:sp>
+      <p:pic>
+        <p:nvPicPr>
+          <p:cNvPr id="11" name="Content Placeholder 10">
+            <a:extLst>
+              <a:ext uri="{FF2B5EF4-FFF2-40B4-BE49-F238E27FC236}">
+                <a16:creationId xmlns:a16="http://schemas.microsoft.com/office/drawing/2014/main" id="{682FC82B-BF3C-B80C-6829-CEB254859B5F}"/>
+              </a:ext>
+            </a:extLst>
+          </p:cNvPr>
+          <p:cNvPicPr>
+            <a:picLocks noGrp="1" noChangeAspect="1"/>
+          </p:cNvPicPr>
+          <p:nvPr>
+            <p:ph idx="1"/>
+          </p:nvPr>
+        </p:nvPicPr>
+        <p:blipFill>
+          <a:blip r:embed="rId3"/>
+          <a:stretch>
+            <a:fillRect/>
+          </a:stretch>
+        </p:blipFill>
+        <p:spPr>
+          <a:xfrm>
+            <a:off x="3753256" y="945967"/>
+            <a:ext cx="7711567" cy="4956922"/>
+          </a:xfrm>
+        </p:spPr>
+      </p:pic>
+      <p:sp>
+        <p:nvSpPr>
+          <p:cNvPr id="3" name="Arrow: Right 2">
+            <a:extLst>
+              <a:ext uri="{FF2B5EF4-FFF2-40B4-BE49-F238E27FC236}">
+                <a16:creationId xmlns:a16="http://schemas.microsoft.com/office/drawing/2014/main" id="{78725FC2-BB5F-A84F-1B51-F5BB456BCBF2}"/>
+              </a:ext>
+            </a:extLst>
+          </p:cNvPr>
+          <p:cNvSpPr/>
+          <p:nvPr/>
+        </p:nvSpPr>
+        <p:spPr>
+          <a:xfrm>
+            <a:off x="3556838" y="2045970"/>
+            <a:ext cx="187096" cy="137160"/>
+          </a:xfrm>
+          <a:prstGeom prst="rightArrow">
+            <a:avLst/>
+          </a:prstGeom>
+        </p:spPr>
+        <p:style>
+          <a:lnRef idx="2">
+            <a:schemeClr val="accent1">
+              <a:shade val="15000"/>
+            </a:schemeClr>
+          </a:lnRef>
+          <a:fillRef idx="1">
+            <a:schemeClr val="accent1"/>
+          </a:fillRef>
+          <a:effectRef idx="0">
+            <a:schemeClr val="accent1"/>
+          </a:effectRef>
+          <a:fontRef idx="minor">
+            <a:schemeClr val="lt1"/>
+          </a:fontRef>
+        </p:style>
+        <p:txBody>
+          <a:bodyPr rtlCol="0" anchor="ctr"/>
+          <a:lstStyle/>
+          <a:p>
+            <a:pPr algn="ctr"/>
+            <a:endParaRPr lang="en-US"/>
+          </a:p>
+        </p:txBody>
+      </p:sp>
+      <p:sp>
+        <p:nvSpPr>
+          <p:cNvPr id="4" name="Arrow: Right 3">
+            <a:extLst>
+              <a:ext uri="{FF2B5EF4-FFF2-40B4-BE49-F238E27FC236}">
+                <a16:creationId xmlns:a16="http://schemas.microsoft.com/office/drawing/2014/main" id="{1A028C4A-749C-9990-4331-9899EDF6A492}"/>
+              </a:ext>
+            </a:extLst>
+          </p:cNvPr>
+          <p:cNvSpPr/>
+          <p:nvPr/>
+        </p:nvSpPr>
+        <p:spPr>
+          <a:xfrm>
+            <a:off x="3556838" y="1821180"/>
+            <a:ext cx="187096" cy="137160"/>
+          </a:xfrm>
+          <a:prstGeom prst="rightArrow">
+            <a:avLst/>
+          </a:prstGeom>
+        </p:spPr>
+        <p:style>
+          <a:lnRef idx="2">
+            <a:schemeClr val="accent1">
+              <a:shade val="15000"/>
+            </a:schemeClr>
+          </a:lnRef>
+          <a:fillRef idx="1">
+            <a:schemeClr val="accent1"/>
+          </a:fillRef>
+          <a:effectRef idx="0">
+            <a:schemeClr val="accent1"/>
+          </a:effectRef>
+          <a:fontRef idx="minor">
+            <a:schemeClr val="lt1"/>
+          </a:fontRef>
+        </p:style>
+        <p:txBody>
+          <a:bodyPr rtlCol="0" anchor="ctr"/>
+          <a:lstStyle/>
+          <a:p>
+            <a:pPr algn="ctr"/>
+            <a:endParaRPr lang="en-US"/>
+          </a:p>
+        </p:txBody>
+      </p:sp>
+      <p:sp>
+        <p:nvSpPr>
+          <p:cNvPr id="5" name="Arrow: Right 4">
+            <a:extLst>
+              <a:ext uri="{FF2B5EF4-FFF2-40B4-BE49-F238E27FC236}">
+                <a16:creationId xmlns:a16="http://schemas.microsoft.com/office/drawing/2014/main" id="{6A327099-615B-DD7D-D572-B31BB6899332}"/>
+              </a:ext>
+            </a:extLst>
+          </p:cNvPr>
+          <p:cNvSpPr/>
+          <p:nvPr/>
+        </p:nvSpPr>
+        <p:spPr>
+          <a:xfrm>
+            <a:off x="3556838" y="2293620"/>
+            <a:ext cx="187096" cy="137160"/>
+          </a:xfrm>
+          <a:prstGeom prst="rightArrow">
+            <a:avLst/>
+          </a:prstGeom>
+        </p:spPr>
+        <p:style>
+          <a:lnRef idx="2">
+            <a:schemeClr val="accent1">
+              <a:shade val="15000"/>
+            </a:schemeClr>
+          </a:lnRef>
+          <a:fillRef idx="1">
+            <a:schemeClr val="accent1"/>
+          </a:fillRef>
+          <a:effectRef idx="0">
+            <a:schemeClr val="accent1"/>
+          </a:effectRef>
+          <a:fontRef idx="minor">
+            <a:schemeClr val="lt1"/>
+          </a:fontRef>
+        </p:style>
+        <p:txBody>
+          <a:bodyPr rtlCol="0" anchor="ctr"/>
+          <a:lstStyle/>
+          <a:p>
+            <a:pPr algn="ctr"/>
+            <a:endParaRPr lang="en-US"/>
+          </a:p>
+        </p:txBody>
+      </p:sp>
+      <p:sp>
+        <p:nvSpPr>
+          <p:cNvPr id="6" name="Arrow: Right 5">
+            <a:extLst>
+              <a:ext uri="{FF2B5EF4-FFF2-40B4-BE49-F238E27FC236}">
+                <a16:creationId xmlns:a16="http://schemas.microsoft.com/office/drawing/2014/main" id="{64E1DCD4-D2E6-AE6B-537D-F5799B39820A}"/>
+              </a:ext>
+            </a:extLst>
+          </p:cNvPr>
+          <p:cNvSpPr/>
+          <p:nvPr/>
+        </p:nvSpPr>
+        <p:spPr>
+          <a:xfrm>
+            <a:off x="3556838" y="2994660"/>
+            <a:ext cx="187096" cy="137160"/>
+          </a:xfrm>
+          <a:prstGeom prst="rightArrow">
+            <a:avLst/>
+          </a:prstGeom>
+        </p:spPr>
+        <p:style>
+          <a:lnRef idx="2">
+            <a:schemeClr val="accent1">
+              <a:shade val="15000"/>
+            </a:schemeClr>
+          </a:lnRef>
+          <a:fillRef idx="1">
+            <a:schemeClr val="accent1"/>
+          </a:fillRef>
+          <a:effectRef idx="0">
+            <a:schemeClr val="accent1"/>
+          </a:effectRef>
+          <a:fontRef idx="minor">
+            <a:schemeClr val="lt1"/>
+          </a:fontRef>
+        </p:style>
+        <p:txBody>
+          <a:bodyPr rtlCol="0" anchor="ctr"/>
+          <a:lstStyle/>
+          <a:p>
+            <a:pPr algn="ctr"/>
+            <a:endParaRPr lang="en-US"/>
+          </a:p>
+        </p:txBody>
+      </p:sp>
+      <p:sp>
+        <p:nvSpPr>
+          <p:cNvPr id="7" name="Arrow: Right 6">
+            <a:extLst>
+              <a:ext uri="{FF2B5EF4-FFF2-40B4-BE49-F238E27FC236}">
+                <a16:creationId xmlns:a16="http://schemas.microsoft.com/office/drawing/2014/main" id="{2BAA3293-E465-B8B3-4939-6D0040C5AE6E}"/>
+              </a:ext>
+            </a:extLst>
+          </p:cNvPr>
+          <p:cNvSpPr/>
+          <p:nvPr/>
+        </p:nvSpPr>
+        <p:spPr>
+          <a:xfrm>
+            <a:off x="3556838" y="3451098"/>
+            <a:ext cx="187096" cy="137160"/>
+          </a:xfrm>
+          <a:prstGeom prst="rightArrow">
+            <a:avLst/>
+          </a:prstGeom>
+        </p:spPr>
+        <p:style>
+          <a:lnRef idx="2">
+            <a:schemeClr val="accent1">
+              <a:shade val="15000"/>
+            </a:schemeClr>
+          </a:lnRef>
+          <a:fillRef idx="1">
+            <a:schemeClr val="accent1"/>
+          </a:fillRef>
+          <a:effectRef idx="0">
+            <a:schemeClr val="accent1"/>
+          </a:effectRef>
+          <a:fontRef idx="minor">
+            <a:schemeClr val="lt1"/>
+          </a:fontRef>
+        </p:style>
+        <p:txBody>
+          <a:bodyPr rtlCol="0" anchor="ctr"/>
+          <a:lstStyle/>
+          <a:p>
+            <a:pPr algn="ctr"/>
+            <a:endParaRPr lang="en-US"/>
+          </a:p>
+        </p:txBody>
+      </p:sp>
+      <p:sp>
+        <p:nvSpPr>
+          <p:cNvPr id="8" name="Arrow: Right 7">
+            <a:extLst>
+              <a:ext uri="{FF2B5EF4-FFF2-40B4-BE49-F238E27FC236}">
+                <a16:creationId xmlns:a16="http://schemas.microsoft.com/office/drawing/2014/main" id="{E954B222-BC64-F51E-7936-E8FCD590EC07}"/>
+              </a:ext>
+            </a:extLst>
+          </p:cNvPr>
+          <p:cNvSpPr/>
+          <p:nvPr/>
+        </p:nvSpPr>
+        <p:spPr>
+          <a:xfrm>
+            <a:off x="3556838" y="3690584"/>
+            <a:ext cx="187096" cy="137160"/>
+          </a:xfrm>
+          <a:prstGeom prst="rightArrow">
+            <a:avLst/>
+          </a:prstGeom>
+        </p:spPr>
+        <p:style>
+          <a:lnRef idx="2">
+            <a:schemeClr val="accent1">
+              <a:shade val="15000"/>
+            </a:schemeClr>
+          </a:lnRef>
+          <a:fillRef idx="1">
+            <a:schemeClr val="accent1"/>
+          </a:fillRef>
+          <a:effectRef idx="0">
+            <a:schemeClr val="accent1"/>
+          </a:effectRef>
+          <a:fontRef idx="minor">
+            <a:schemeClr val="lt1"/>
+          </a:fontRef>
+        </p:style>
+        <p:txBody>
+          <a:bodyPr rtlCol="0" anchor="ctr"/>
+          <a:lstStyle/>
+          <a:p>
+            <a:pPr algn="ctr"/>
+            <a:endParaRPr lang="en-US"/>
+          </a:p>
+        </p:txBody>
+      </p:sp>
+      <p:sp>
+        <p:nvSpPr>
+          <p:cNvPr id="9" name="Arrow: Right 8">
+            <a:extLst>
+              <a:ext uri="{FF2B5EF4-FFF2-40B4-BE49-F238E27FC236}">
+                <a16:creationId xmlns:a16="http://schemas.microsoft.com/office/drawing/2014/main" id="{F04E9585-BBB7-B254-F30B-52CB868E6E1C}"/>
+              </a:ext>
+            </a:extLst>
+          </p:cNvPr>
+          <p:cNvSpPr/>
+          <p:nvPr/>
+        </p:nvSpPr>
+        <p:spPr>
+          <a:xfrm>
+            <a:off x="3556838" y="3907536"/>
+            <a:ext cx="187096" cy="137160"/>
+          </a:xfrm>
+          <a:prstGeom prst="rightArrow">
+            <a:avLst/>
+          </a:prstGeom>
+        </p:spPr>
+        <p:style>
+          <a:lnRef idx="2">
+            <a:schemeClr val="accent1">
+              <a:shade val="15000"/>
+            </a:schemeClr>
+          </a:lnRef>
+          <a:fillRef idx="1">
+            <a:schemeClr val="accent1"/>
+          </a:fillRef>
+          <a:effectRef idx="0">
+            <a:schemeClr val="accent1"/>
+          </a:effectRef>
+          <a:fontRef idx="minor">
+            <a:schemeClr val="lt1"/>
+          </a:fontRef>
+        </p:style>
+        <p:txBody>
+          <a:bodyPr rtlCol="0" anchor="ctr"/>
+          <a:lstStyle/>
+          <a:p>
+            <a:pPr algn="ctr"/>
+            <a:endParaRPr lang="en-US"/>
+          </a:p>
+        </p:txBody>
+      </p:sp>
+      <p:sp>
+        <p:nvSpPr>
+          <p:cNvPr id="10" name="Arrow: Right 9">
+            <a:extLst>
+              <a:ext uri="{FF2B5EF4-FFF2-40B4-BE49-F238E27FC236}">
+                <a16:creationId xmlns:a16="http://schemas.microsoft.com/office/drawing/2014/main" id="{8748F1CA-1264-EB73-30AB-4A6EC6D353EC}"/>
+              </a:ext>
+            </a:extLst>
+          </p:cNvPr>
+          <p:cNvSpPr/>
+          <p:nvPr/>
+        </p:nvSpPr>
+        <p:spPr>
+          <a:xfrm>
+            <a:off x="3556838" y="4151594"/>
+            <a:ext cx="187096" cy="137160"/>
+          </a:xfrm>
+          <a:prstGeom prst="rightArrow">
+            <a:avLst/>
+          </a:prstGeom>
+        </p:spPr>
+        <p:style>
+          <a:lnRef idx="2">
+            <a:schemeClr val="accent1">
+              <a:shade val="15000"/>
+            </a:schemeClr>
+          </a:lnRef>
+          <a:fillRef idx="1">
+            <a:schemeClr val="accent1"/>
+          </a:fillRef>
+          <a:effectRef idx="0">
+            <a:schemeClr val="accent1"/>
+          </a:effectRef>
+          <a:fontRef idx="minor">
+            <a:schemeClr val="lt1"/>
+          </a:fontRef>
+        </p:style>
+        <p:txBody>
+          <a:bodyPr rtlCol="0" anchor="ctr"/>
+          <a:lstStyle/>
+          <a:p>
+            <a:pPr algn="ctr"/>
+            <a:endParaRPr lang="en-US"/>
+          </a:p>
+        </p:txBody>
+      </p:sp>
+      <p:sp>
+        <p:nvSpPr>
+          <p:cNvPr id="12" name="Arrow: Right 11">
+            <a:extLst>
+              <a:ext uri="{FF2B5EF4-FFF2-40B4-BE49-F238E27FC236}">
+                <a16:creationId xmlns:a16="http://schemas.microsoft.com/office/drawing/2014/main" id="{7F836299-C92D-37E0-2299-5A6E18512DE5}"/>
+              </a:ext>
+            </a:extLst>
+          </p:cNvPr>
+          <p:cNvSpPr/>
+          <p:nvPr/>
+        </p:nvSpPr>
+        <p:spPr>
+          <a:xfrm>
+            <a:off x="3556838" y="4849804"/>
+            <a:ext cx="187096" cy="137160"/>
+          </a:xfrm>
+          <a:prstGeom prst="rightArrow">
+            <a:avLst/>
+          </a:prstGeom>
+        </p:spPr>
+        <p:style>
+          <a:lnRef idx="2">
+            <a:schemeClr val="accent1">
+              <a:shade val="15000"/>
+            </a:schemeClr>
+          </a:lnRef>
+          <a:fillRef idx="1">
+            <a:schemeClr val="accent1"/>
+          </a:fillRef>
+          <a:effectRef idx="0">
+            <a:schemeClr val="accent1"/>
+          </a:effectRef>
+          <a:fontRef idx="minor">
+            <a:schemeClr val="lt1"/>
+          </a:fontRef>
+        </p:style>
+        <p:txBody>
+          <a:bodyPr rtlCol="0" anchor="ctr"/>
+          <a:lstStyle/>
+          <a:p>
+            <a:pPr algn="ctr"/>
+            <a:endParaRPr lang="en-US"/>
+          </a:p>
+        </p:txBody>
+      </p:sp>
+      <p:sp>
+        <p:nvSpPr>
+          <p:cNvPr id="13" name="Arrow: Right 12">
+            <a:extLst>
+              <a:ext uri="{FF2B5EF4-FFF2-40B4-BE49-F238E27FC236}">
+                <a16:creationId xmlns:a16="http://schemas.microsoft.com/office/drawing/2014/main" id="{D1C28472-9999-F0DE-2A9D-F561BF9E8A69}"/>
+              </a:ext>
+            </a:extLst>
+          </p:cNvPr>
+          <p:cNvSpPr/>
+          <p:nvPr/>
+        </p:nvSpPr>
+        <p:spPr>
+          <a:xfrm>
+            <a:off x="3556838" y="5309508"/>
+            <a:ext cx="187096" cy="137160"/>
+          </a:xfrm>
+          <a:prstGeom prst="rightArrow">
+            <a:avLst/>
+          </a:prstGeom>
+        </p:spPr>
+        <p:style>
+          <a:lnRef idx="2">
+            <a:schemeClr val="accent1">
+              <a:shade val="15000"/>
+            </a:schemeClr>
+          </a:lnRef>
+          <a:fillRef idx="1">
+            <a:schemeClr val="accent1"/>
+          </a:fillRef>
+          <a:effectRef idx="0">
+            <a:schemeClr val="accent1"/>
+          </a:effectRef>
+          <a:fontRef idx="minor">
+            <a:schemeClr val="lt1"/>
+          </a:fontRef>
+        </p:style>
+        <p:txBody>
+          <a:bodyPr rtlCol="0" anchor="ctr"/>
+          <a:lstStyle/>
+          <a:p>
+            <a:pPr algn="ctr"/>
+            <a:endParaRPr lang="en-US"/>
+          </a:p>
+        </p:txBody>
+      </p:sp>
+      <p:sp>
+        <p:nvSpPr>
+          <p:cNvPr id="14" name="Arrow: Right 13">
+            <a:extLst>
+              <a:ext uri="{FF2B5EF4-FFF2-40B4-BE49-F238E27FC236}">
+                <a16:creationId xmlns:a16="http://schemas.microsoft.com/office/drawing/2014/main" id="{7424C48C-5463-FE00-8D01-FF1108D5F4E5}"/>
+              </a:ext>
+            </a:extLst>
+          </p:cNvPr>
+          <p:cNvSpPr/>
+          <p:nvPr/>
+        </p:nvSpPr>
+        <p:spPr>
+          <a:xfrm>
+            <a:off x="3556838" y="5575338"/>
+            <a:ext cx="187096" cy="137160"/>
+          </a:xfrm>
+          <a:prstGeom prst="rightArrow">
+            <a:avLst/>
+          </a:prstGeom>
+        </p:spPr>
+        <p:style>
+          <a:lnRef idx="2">
+            <a:schemeClr val="accent1">
+              <a:shade val="15000"/>
+            </a:schemeClr>
+          </a:lnRef>
+          <a:fillRef idx="1">
+            <a:schemeClr val="accent1"/>
+          </a:fillRef>
+          <a:effectRef idx="0">
+            <a:schemeClr val="accent1"/>
+          </a:effectRef>
+          <a:fontRef idx="minor">
+            <a:schemeClr val="lt1"/>
+          </a:fontRef>
+        </p:style>
+        <p:txBody>
+          <a:bodyPr rtlCol="0" anchor="ctr"/>
+          <a:lstStyle/>
+          <a:p>
+            <a:pPr algn="ctr"/>
+            <a:endParaRPr lang="en-US"/>
+          </a:p>
+        </p:txBody>
+      </p:sp>
+    </p:spTree>
+    <p:extLst>
+      <p:ext uri="{BB962C8B-B14F-4D97-AF65-F5344CB8AC3E}">
+        <p14:creationId xmlns:p14="http://schemas.microsoft.com/office/powerpoint/2010/main" val="936678334"/>
+      </p:ext>
+    </p:extLst>
+  </p:cSld>
+  <p:clrMapOvr>
+    <a:masterClrMapping/>
+  </p:clrMapOvr>
+</p:sld>
+</file>
+
+<file path=ppt/slides/slide6.xml><?xml version="1.0" encoding="utf-8"?>
+<p:sld xmlns:a="http://schemas.openxmlformats.org/drawingml/2006/main" xmlns:r="http://schemas.openxmlformats.org/officeDocument/2006/relationships" xmlns:p="http://schemas.openxmlformats.org/presentationml/2006/main">
+  <p:cSld>
+    <p:spTree>
+      <p:nvGrpSpPr>
+        <p:cNvPr id="1" name=""/>
+        <p:cNvGrpSpPr/>
+        <p:nvPr/>
+      </p:nvGrpSpPr>
+      <p:grpSpPr>
+        <a:xfrm>
+          <a:off x="0" y="0"/>
+          <a:ext cx="0" cy="0"/>
+          <a:chOff x="0" y="0"/>
+          <a:chExt cx="0" cy="0"/>
+        </a:xfrm>
+      </p:grpSpPr>
+      <p:sp>
+        <p:nvSpPr>
+          <p:cNvPr id="2" name="Title 1">
+            <a:extLst>
+              <a:ext uri="{FF2B5EF4-FFF2-40B4-BE49-F238E27FC236}">
+                <a16:creationId xmlns:a16="http://schemas.microsoft.com/office/drawing/2014/main" id="{BC8107AF-A697-F007-FBC6-663EEACE8539}"/>
+              </a:ext>
+            </a:extLst>
+          </p:cNvPr>
+          <p:cNvSpPr>
+            <a:spLocks noGrp="1"/>
+          </p:cNvSpPr>
+          <p:nvPr>
+            <p:ph type="title"/>
+          </p:nvPr>
+        </p:nvSpPr>
+        <p:spPr/>
+        <p:txBody>
+          <a:bodyPr/>
+          <a:lstStyle/>
+          <a:p>
+            <a:r>
+              <a:rPr lang="en-US" dirty="0"/>
+              <a:t>Dataset Overview</a:t>
+            </a:r>
+          </a:p>
+        </p:txBody>
+      </p:sp>
+      <p:pic>
+        <p:nvPicPr>
+          <p:cNvPr id="11" name="Content Placeholder 10">
+            <a:extLst>
+              <a:ext uri="{FF2B5EF4-FFF2-40B4-BE49-F238E27FC236}">
+                <a16:creationId xmlns:a16="http://schemas.microsoft.com/office/drawing/2014/main" id="{682FC82B-BF3C-B80C-6829-CEB254859B5F}"/>
+              </a:ext>
+            </a:extLst>
+          </p:cNvPr>
+          <p:cNvPicPr>
+            <a:picLocks noGrp="1" noChangeAspect="1"/>
+          </p:cNvPicPr>
+          <p:nvPr>
+            <p:ph idx="1"/>
+          </p:nvPr>
+        </p:nvPicPr>
+        <p:blipFill>
+          <a:blip r:embed="rId3"/>
+          <a:stretch>
+            <a:fillRect/>
+          </a:stretch>
+        </p:blipFill>
+        <p:spPr>
+          <a:xfrm>
+            <a:off x="3753256" y="945967"/>
+            <a:ext cx="7711567" cy="4956922"/>
+          </a:xfrm>
+        </p:spPr>
+      </p:pic>
+      <p:sp>
+        <p:nvSpPr>
+          <p:cNvPr id="13" name="Left Brace 12">
+            <a:extLst>
+              <a:ext uri="{FF2B5EF4-FFF2-40B4-BE49-F238E27FC236}">
+                <a16:creationId xmlns:a16="http://schemas.microsoft.com/office/drawing/2014/main" id="{3AF68499-B93F-C3D0-F38D-1B6B0C3E77F4}"/>
+              </a:ext>
+            </a:extLst>
+          </p:cNvPr>
+          <p:cNvSpPr/>
+          <p:nvPr/>
+        </p:nvSpPr>
+        <p:spPr>
+          <a:xfrm>
+            <a:off x="3520440" y="2023110"/>
+            <a:ext cx="255676" cy="3223260"/>
+          </a:xfrm>
+          <a:prstGeom prst="leftBrace">
+            <a:avLst/>
+          </a:prstGeom>
+          <a:ln w="38100"/>
+        </p:spPr>
+        <p:style>
+          <a:lnRef idx="1">
+            <a:schemeClr val="accent1"/>
+          </a:lnRef>
+          <a:fillRef idx="0">
+            <a:schemeClr val="accent1"/>
+          </a:fillRef>
+          <a:effectRef idx="0">
+            <a:schemeClr val="accent1"/>
+          </a:effectRef>
+          <a:fontRef idx="minor">
+            <a:schemeClr val="tx1"/>
+          </a:fontRef>
+        </p:style>
+        <p:txBody>
+          <a:bodyPr rtlCol="0" anchor="ctr"/>
+          <a:lstStyle/>
+          <a:p>
+            <a:pPr algn="ctr"/>
+            <a:endParaRPr lang="en-US"/>
+          </a:p>
+        </p:txBody>
+      </p:sp>
+      <p:sp>
+        <p:nvSpPr>
+          <p:cNvPr id="3" name="Left Brace 2">
+            <a:extLst>
+              <a:ext uri="{FF2B5EF4-FFF2-40B4-BE49-F238E27FC236}">
+                <a16:creationId xmlns:a16="http://schemas.microsoft.com/office/drawing/2014/main" id="{B6A36037-51F9-CEB8-82C2-70EE9FC3C9A0}"/>
+              </a:ext>
+            </a:extLst>
+          </p:cNvPr>
+          <p:cNvSpPr/>
+          <p:nvPr/>
+        </p:nvSpPr>
+        <p:spPr>
+          <a:xfrm rot="10800000">
+            <a:off x="11336985" y="2023110"/>
+            <a:ext cx="255676" cy="3223260"/>
+          </a:xfrm>
+          <a:prstGeom prst="leftBrace">
+            <a:avLst/>
+          </a:prstGeom>
+          <a:ln w="38100">
+            <a:solidFill>
+              <a:schemeClr val="bg1">
+                <a:lumMod val="75000"/>
+              </a:schemeClr>
+            </a:solidFill>
+          </a:ln>
+        </p:spPr>
+        <p:style>
+          <a:lnRef idx="1">
+            <a:schemeClr val="accent1"/>
+          </a:lnRef>
+          <a:fillRef idx="0">
+            <a:schemeClr val="accent1"/>
+          </a:fillRef>
+          <a:effectRef idx="0">
+            <a:schemeClr val="accent1"/>
+          </a:effectRef>
+          <a:fontRef idx="minor">
+            <a:schemeClr val="tx1"/>
+          </a:fontRef>
+        </p:style>
+        <p:txBody>
+          <a:bodyPr rtlCol="0" anchor="ctr"/>
+          <a:lstStyle/>
+          <a:p>
+            <a:pPr algn="ctr"/>
+            <a:endParaRPr lang="en-US"/>
+          </a:p>
+        </p:txBody>
+      </p:sp>
+    </p:spTree>
+    <p:extLst>
+      <p:ext uri="{BB962C8B-B14F-4D97-AF65-F5344CB8AC3E}">
+        <p14:creationId xmlns:p14="http://schemas.microsoft.com/office/powerpoint/2010/main" val="658047659"/>
+      </p:ext>
+    </p:extLst>
+  </p:cSld>
+  <p:clrMapOvr>
+    <a:masterClrMapping/>
+  </p:clrMapOvr>
+</p:sld>
+</file>
+
+<file path=ppt/slides/slide7.xml><?xml version="1.0" encoding="utf-8"?>
+<p:sld xmlns:a="http://schemas.openxmlformats.org/drawingml/2006/main" xmlns:r="http://schemas.openxmlformats.org/officeDocument/2006/relationships" xmlns:p="http://schemas.openxmlformats.org/presentationml/2006/main">
+  <p:cSld>
+    <p:spTree>
+      <p:nvGrpSpPr>
+        <p:cNvPr id="1" name=""/>
+        <p:cNvGrpSpPr/>
+        <p:nvPr/>
+      </p:nvGrpSpPr>
+      <p:grpSpPr>
+        <a:xfrm>
+          <a:off x="0" y="0"/>
+          <a:ext cx="0" cy="0"/>
+          <a:chOff x="0" y="0"/>
+          <a:chExt cx="0" cy="0"/>
+        </a:xfrm>
+      </p:grpSpPr>
+      <p:sp>
+        <p:nvSpPr>
+          <p:cNvPr id="2" name="Title 1">
+            <a:extLst>
+              <a:ext uri="{FF2B5EF4-FFF2-40B4-BE49-F238E27FC236}">
+                <a16:creationId xmlns:a16="http://schemas.microsoft.com/office/drawing/2014/main" id="{BC8107AF-A697-F007-FBC6-663EEACE8539}"/>
+              </a:ext>
+            </a:extLst>
+          </p:cNvPr>
+          <p:cNvSpPr>
+            <a:spLocks noGrp="1"/>
+          </p:cNvSpPr>
+          <p:nvPr>
+            <p:ph type="title"/>
+          </p:nvPr>
+        </p:nvSpPr>
+        <p:spPr/>
+        <p:txBody>
+          <a:bodyPr/>
+          <a:lstStyle/>
+          <a:p>
+            <a:r>
+              <a:rPr lang="en-US" dirty="0"/>
+              <a:t>Dataset Overview</a:t>
+            </a:r>
+          </a:p>
+        </p:txBody>
+      </p:sp>
+      <p:pic>
+        <p:nvPicPr>
+          <p:cNvPr id="11" name="Content Placeholder 10">
+            <a:extLst>
+              <a:ext uri="{FF2B5EF4-FFF2-40B4-BE49-F238E27FC236}">
+                <a16:creationId xmlns:a16="http://schemas.microsoft.com/office/drawing/2014/main" id="{682FC82B-BF3C-B80C-6829-CEB254859B5F}"/>
+              </a:ext>
+            </a:extLst>
+          </p:cNvPr>
+          <p:cNvPicPr>
+            <a:picLocks noGrp="1" noChangeAspect="1"/>
+          </p:cNvPicPr>
+          <p:nvPr>
+            <p:ph idx="1"/>
+          </p:nvPr>
+        </p:nvPicPr>
+        <p:blipFill>
+          <a:blip r:embed="rId3"/>
+          <a:stretch>
+            <a:fillRect/>
+          </a:stretch>
+        </p:blipFill>
+        <p:spPr>
+          <a:xfrm>
+            <a:off x="3753256" y="945967"/>
+            <a:ext cx="7711567" cy="4956922"/>
+          </a:xfrm>
+        </p:spPr>
+      </p:pic>
+      <p:sp>
+        <p:nvSpPr>
+          <p:cNvPr id="13" name="Left Brace 12">
+            <a:extLst>
+              <a:ext uri="{FF2B5EF4-FFF2-40B4-BE49-F238E27FC236}">
+                <a16:creationId xmlns:a16="http://schemas.microsoft.com/office/drawing/2014/main" id="{3AF68499-B93F-C3D0-F38D-1B6B0C3E77F4}"/>
+              </a:ext>
+            </a:extLst>
+          </p:cNvPr>
+          <p:cNvSpPr/>
+          <p:nvPr/>
+        </p:nvSpPr>
+        <p:spPr>
+          <a:xfrm>
+            <a:off x="3520440" y="2023110"/>
+            <a:ext cx="255676" cy="3223260"/>
+          </a:xfrm>
+          <a:prstGeom prst="leftBrace">
+            <a:avLst/>
+          </a:prstGeom>
+          <a:ln w="38100"/>
+        </p:spPr>
+        <p:style>
+          <a:lnRef idx="1">
+            <a:schemeClr val="accent1"/>
+          </a:lnRef>
+          <a:fillRef idx="0">
+            <a:schemeClr val="accent1"/>
+          </a:fillRef>
+          <a:effectRef idx="0">
+            <a:schemeClr val="accent1"/>
+          </a:effectRef>
+          <a:fontRef idx="minor">
+            <a:schemeClr val="tx1"/>
+          </a:fontRef>
+        </p:style>
+        <p:txBody>
+          <a:bodyPr rtlCol="0" anchor="ctr"/>
+          <a:lstStyle/>
+          <a:p>
+            <a:pPr algn="ctr"/>
+            <a:endParaRPr lang="en-US"/>
+          </a:p>
+        </p:txBody>
+      </p:sp>
+      <p:sp>
+        <p:nvSpPr>
+          <p:cNvPr id="3" name="Left Brace 2">
+            <a:extLst>
+              <a:ext uri="{FF2B5EF4-FFF2-40B4-BE49-F238E27FC236}">
+                <a16:creationId xmlns:a16="http://schemas.microsoft.com/office/drawing/2014/main" id="{B6A36037-51F9-CEB8-82C2-70EE9FC3C9A0}"/>
+              </a:ext>
+            </a:extLst>
+          </p:cNvPr>
+          <p:cNvSpPr/>
+          <p:nvPr/>
+        </p:nvSpPr>
+        <p:spPr>
+          <a:xfrm rot="10800000">
+            <a:off x="11336985" y="2023110"/>
+            <a:ext cx="255676" cy="3223260"/>
+          </a:xfrm>
+          <a:prstGeom prst="leftBrace">
+            <a:avLst/>
+          </a:prstGeom>
+          <a:ln w="38100">
+            <a:solidFill>
+              <a:schemeClr val="bg1">
+                <a:lumMod val="75000"/>
+              </a:schemeClr>
+            </a:solidFill>
+          </a:ln>
+        </p:spPr>
+        <p:style>
+          <a:lnRef idx="1">
+            <a:schemeClr val="accent1"/>
+          </a:lnRef>
+          <a:fillRef idx="0">
+            <a:schemeClr val="accent1"/>
+          </a:fillRef>
+          <a:effectRef idx="0">
+            <a:schemeClr val="accent1"/>
+          </a:effectRef>
+          <a:fontRef idx="minor">
+            <a:schemeClr val="tx1"/>
+          </a:fontRef>
+        </p:style>
+        <p:txBody>
+          <a:bodyPr rtlCol="0" anchor="ctr"/>
+          <a:lstStyle/>
+          <a:p>
+            <a:pPr algn="ctr"/>
+            <a:endParaRPr lang="en-US"/>
+          </a:p>
+        </p:txBody>
+      </p:sp>
+      <p:sp>
+        <p:nvSpPr>
+          <p:cNvPr id="4" name="Cross 3">
+            <a:extLst>
+              <a:ext uri="{FF2B5EF4-FFF2-40B4-BE49-F238E27FC236}">
+                <a16:creationId xmlns:a16="http://schemas.microsoft.com/office/drawing/2014/main" id="{58605B6D-63AD-0B51-1798-E0B4E95462D2}"/>
+              </a:ext>
+            </a:extLst>
+          </p:cNvPr>
+          <p:cNvSpPr/>
+          <p:nvPr/>
+        </p:nvSpPr>
+        <p:spPr>
+          <a:xfrm rot="2690102">
+            <a:off x="3619500" y="5557339"/>
+            <a:ext cx="182880" cy="182880"/>
+          </a:xfrm>
+          <a:prstGeom prst="plus">
+            <a:avLst>
+              <a:gd name="adj" fmla="val 38889"/>
+            </a:avLst>
+          </a:prstGeom>
+          <a:solidFill>
+            <a:srgbClr val="FF0000"/>
+          </a:solidFill>
+          <a:ln>
+            <a:solidFill>
+              <a:srgbClr val="FF0000"/>
+            </a:solidFill>
+          </a:ln>
+        </p:spPr>
+        <p:style>
+          <a:lnRef idx="2">
+            <a:schemeClr val="accent1">
+              <a:shade val="15000"/>
+            </a:schemeClr>
+          </a:lnRef>
+          <a:fillRef idx="1">
+            <a:schemeClr val="accent1"/>
+          </a:fillRef>
+          <a:effectRef idx="0">
+            <a:schemeClr val="accent1"/>
+          </a:effectRef>
+          <a:fontRef idx="minor">
+            <a:schemeClr val="lt1"/>
+          </a:fontRef>
+        </p:style>
+        <p:txBody>
+          <a:bodyPr rtlCol="0" anchor="ctr"/>
+          <a:lstStyle/>
+          <a:p>
+            <a:pPr algn="ctr"/>
+            <a:endParaRPr lang="en-US"/>
+          </a:p>
+        </p:txBody>
+      </p:sp>
+    </p:spTree>
+    <p:extLst>
+      <p:ext uri="{BB962C8B-B14F-4D97-AF65-F5344CB8AC3E}">
+        <p14:creationId xmlns:p14="http://schemas.microsoft.com/office/powerpoint/2010/main" val="3809007536"/>
+      </p:ext>
+    </p:extLst>
+  </p:cSld>
+  <p:clrMapOvr>
+    <a:masterClrMapping/>
+  </p:clrMapOvr>
+</p:sld>
+</file>
+
 <file path=ppt/slides/slide8.xml><?xml version="1.0" encoding="utf-8"?>
 <p:sld xmlns:a="http://schemas.openxmlformats.org/drawingml/2006/main" xmlns:r="http://schemas.openxmlformats.org/officeDocument/2006/relationships" xmlns:p="http://schemas.openxmlformats.org/presentationml/2006/main">
   <p:cSld>
@@ -8080,17 +9612,17 @@
           <a:p>
             <a:r>
               <a:rPr lang="en-US" dirty="0"/>
-              <a:t>Modeling</a:t>
-            </a:r>
-          </a:p>
-        </p:txBody>
-      </p:sp>
-      <p:sp>
-        <p:nvSpPr>
-          <p:cNvPr id="3" name="Content Placeholder 2">
+              <a:t>Dataset Overview</a:t>
+            </a:r>
+          </a:p>
+        </p:txBody>
+      </p:sp>
+      <p:sp>
+        <p:nvSpPr>
+          <p:cNvPr id="5" name="Content Placeholder 4">
             <a:extLst>
               <a:ext uri="{FF2B5EF4-FFF2-40B4-BE49-F238E27FC236}">
-                <a16:creationId xmlns:a16="http://schemas.microsoft.com/office/drawing/2014/main" id="{AC68744F-2AB0-9C00-83B2-5DA833BC80DC}"/>
+                <a16:creationId xmlns:a16="http://schemas.microsoft.com/office/drawing/2014/main" id="{364631AB-B475-0A0C-9235-4A388DE1EB24}"/>
               </a:ext>
             </a:extLst>
           </p:cNvPr>
@@ -8103,44 +9635,269 @@
         </p:nvSpPr>
         <p:spPr/>
         <p:txBody>
-          <a:bodyPr>
-            <a:normAutofit/>
-          </a:bodyPr>
-          <a:lstStyle/>
-          <a:p>
-            <a:pPr algn="l"/>
-            <a:r>
-              <a:rPr lang="en-US" dirty="0"/>
-              <a:t>Logistic Regression</a:t>
-            </a:r>
-          </a:p>
-          <a:p>
-            <a:pPr algn="l"/>
-            <a:r>
-              <a:rPr lang="en-US" dirty="0"/>
-              <a:t>Decision Tree</a:t>
-            </a:r>
-          </a:p>
-          <a:p>
-            <a:pPr algn="l"/>
-            <a:r>
-              <a:rPr lang="en-US" dirty="0"/>
-              <a:t>Random Forest</a:t>
-            </a:r>
-          </a:p>
-          <a:p>
-            <a:pPr algn="l"/>
-            <a:r>
-              <a:rPr lang="en-US" dirty="0"/>
-              <a:t>Support Vector Machines</a:t>
-            </a:r>
-          </a:p>
-        </p:txBody>
-      </p:sp>
+          <a:bodyPr/>
+          <a:lstStyle/>
+          <a:p>
+            <a:r>
+              <a:rPr lang="en-US" sz="1800" dirty="0"/>
+              <a:t>Gender doesn’t seem to play a major role in satisfaction as both have almost the same satisfaction levels.</a:t>
+            </a:r>
+          </a:p>
+          <a:p>
+            <a:endParaRPr lang="en-US" sz="1800" dirty="0"/>
+          </a:p>
+          <a:p>
+            <a:endParaRPr lang="en-US" sz="1800" dirty="0"/>
+          </a:p>
+          <a:p>
+            <a:endParaRPr lang="en-US" sz="1800" dirty="0"/>
+          </a:p>
+          <a:p>
+            <a:endParaRPr lang="en-US" sz="1800" dirty="0"/>
+          </a:p>
+          <a:p>
+            <a:endParaRPr lang="en-US" sz="1800" dirty="0"/>
+          </a:p>
+        </p:txBody>
+      </p:sp>
+      <p:grpSp>
+        <p:nvGrpSpPr>
+          <p:cNvPr id="30" name="Group 29">
+            <a:extLst>
+              <a:ext uri="{FF2B5EF4-FFF2-40B4-BE49-F238E27FC236}">
+                <a16:creationId xmlns:a16="http://schemas.microsoft.com/office/drawing/2014/main" id="{DD731CF1-BB29-6305-F906-3E4E463B0A39}"/>
+              </a:ext>
+            </a:extLst>
+          </p:cNvPr>
+          <p:cNvGrpSpPr/>
+          <p:nvPr/>
+        </p:nvGrpSpPr>
+        <p:grpSpPr>
+          <a:xfrm>
+            <a:off x="5155833" y="3278723"/>
+            <a:ext cx="4742070" cy="2223679"/>
+            <a:chOff x="3734238" y="2896961"/>
+            <a:chExt cx="3635916" cy="1704975"/>
+          </a:xfrm>
+        </p:grpSpPr>
+        <p:pic>
+          <p:nvPicPr>
+            <p:cNvPr id="31" name="Picture 30">
+              <a:extLst>
+                <a:ext uri="{FF2B5EF4-FFF2-40B4-BE49-F238E27FC236}">
+                  <a16:creationId xmlns:a16="http://schemas.microsoft.com/office/drawing/2014/main" id="{19E25EA2-DBBD-65E1-1F7C-EED171D88948}"/>
+                </a:ext>
+              </a:extLst>
+            </p:cNvPr>
+            <p:cNvPicPr>
+              <a:picLocks noChangeAspect="1" noChangeArrowheads="1"/>
+            </p:cNvPicPr>
+            <p:nvPr/>
+          </p:nvPicPr>
+          <p:blipFill rotWithShape="1">
+            <a:blip r:embed="rId3">
+              <a:extLst>
+                <a:ext uri="{28A0092B-C50C-407E-A947-70E740481C1C}">
+                  <a14:useLocalDpi xmlns:a14="http://schemas.microsoft.com/office/drawing/2010/main" val="0"/>
+                </a:ext>
+              </a:extLst>
+            </a:blip>
+            <a:srcRect r="75816" b="80990"/>
+            <a:stretch/>
+          </p:blipFill>
+          <p:spPr bwMode="auto">
+            <a:xfrm>
+              <a:off x="3734238" y="2896961"/>
+              <a:ext cx="3635916" cy="1704975"/>
+            </a:xfrm>
+            <a:prstGeom prst="rect">
+              <a:avLst/>
+            </a:prstGeom>
+            <a:noFill/>
+            <a:extLst>
+              <a:ext uri="{909E8E84-426E-40DD-AFC4-6F175D3DCCD1}">
+                <a14:hiddenFill xmlns:a14="http://schemas.microsoft.com/office/drawing/2010/main">
+                  <a:solidFill>
+                    <a:srgbClr val="FFFFFF"/>
+                  </a:solidFill>
+                </a14:hiddenFill>
+              </a:ext>
+            </a:extLst>
+          </p:spPr>
+        </p:pic>
+        <p:sp>
+          <p:nvSpPr>
+            <p:cNvPr id="32" name="Rectangle 31">
+              <a:extLst>
+                <a:ext uri="{FF2B5EF4-FFF2-40B4-BE49-F238E27FC236}">
+                  <a16:creationId xmlns:a16="http://schemas.microsoft.com/office/drawing/2014/main" id="{CA9B4B02-36A9-F321-79E1-CD69679A3747}"/>
+                </a:ext>
+              </a:extLst>
+            </p:cNvPr>
+            <p:cNvSpPr/>
+            <p:nvPr/>
+          </p:nvSpPr>
+          <p:spPr>
+            <a:xfrm>
+              <a:off x="4593771" y="4103914"/>
+              <a:ext cx="1153886" cy="175859"/>
+            </a:xfrm>
+            <a:prstGeom prst="rect">
+              <a:avLst/>
+            </a:prstGeom>
+            <a:solidFill>
+              <a:schemeClr val="bg1"/>
+            </a:solidFill>
+            <a:ln>
+              <a:solidFill>
+                <a:schemeClr val="bg1"/>
+              </a:solidFill>
+            </a:ln>
+          </p:spPr>
+          <p:style>
+            <a:lnRef idx="2">
+              <a:schemeClr val="accent1">
+                <a:shade val="15000"/>
+              </a:schemeClr>
+            </a:lnRef>
+            <a:fillRef idx="1">
+              <a:schemeClr val="accent1"/>
+            </a:fillRef>
+            <a:effectRef idx="0">
+              <a:schemeClr val="accent1"/>
+            </a:effectRef>
+            <a:fontRef idx="minor">
+              <a:schemeClr val="lt1"/>
+            </a:fontRef>
+          </p:style>
+          <p:txBody>
+            <a:bodyPr rtlCol="0" anchor="ctr"/>
+            <a:lstStyle/>
+            <a:p>
+              <a:pPr algn="ctr"/>
+              <a:endParaRPr lang="en-US"/>
+            </a:p>
+          </p:txBody>
+        </p:sp>
+        <p:sp>
+          <p:nvSpPr>
+            <p:cNvPr id="33" name="Rectangle 32">
+              <a:extLst>
+                <a:ext uri="{FF2B5EF4-FFF2-40B4-BE49-F238E27FC236}">
+                  <a16:creationId xmlns:a16="http://schemas.microsoft.com/office/drawing/2014/main" id="{18A8F72B-9052-43A0-7210-48F3F6B78CCA}"/>
+                </a:ext>
+              </a:extLst>
+            </p:cNvPr>
+            <p:cNvSpPr/>
+            <p:nvPr/>
+          </p:nvSpPr>
+          <p:spPr>
+            <a:xfrm>
+              <a:off x="4399781" y="3910175"/>
+              <a:ext cx="1151328" cy="563336"/>
+            </a:xfrm>
+            <a:prstGeom prst="rect">
+              <a:avLst/>
+            </a:prstGeom>
+            <a:noFill/>
+            <a:ln>
+              <a:noFill/>
+            </a:ln>
+          </p:spPr>
+          <p:style>
+            <a:lnRef idx="2">
+              <a:schemeClr val="accent1">
+                <a:shade val="15000"/>
+              </a:schemeClr>
+            </a:lnRef>
+            <a:fillRef idx="1">
+              <a:schemeClr val="accent1"/>
+            </a:fillRef>
+            <a:effectRef idx="0">
+              <a:schemeClr val="accent1"/>
+            </a:effectRef>
+            <a:fontRef idx="minor">
+              <a:schemeClr val="lt1"/>
+            </a:fontRef>
+          </p:style>
+          <p:txBody>
+            <a:bodyPr rtlCol="0" anchor="ctr"/>
+            <a:lstStyle/>
+            <a:p>
+              <a:pPr algn="ctr"/>
+              <a:r>
+                <a:rPr lang="en-US" dirty="0">
+                  <a:solidFill>
+                    <a:schemeClr val="tx1"/>
+                  </a:solidFill>
+                </a:rPr>
+                <a:t>F</a:t>
+              </a:r>
+            </a:p>
+          </p:txBody>
+        </p:sp>
+        <p:sp>
+          <p:nvSpPr>
+            <p:cNvPr id="34" name="Rectangle 33">
+              <a:extLst>
+                <a:ext uri="{FF2B5EF4-FFF2-40B4-BE49-F238E27FC236}">
+                  <a16:creationId xmlns:a16="http://schemas.microsoft.com/office/drawing/2014/main" id="{1FD94982-1EC5-300C-6879-FE980C70EAA0}"/>
+                </a:ext>
+              </a:extLst>
+            </p:cNvPr>
+            <p:cNvSpPr/>
+            <p:nvPr/>
+          </p:nvSpPr>
+          <p:spPr>
+            <a:xfrm>
+              <a:off x="4907393" y="3910175"/>
+              <a:ext cx="1151328" cy="563336"/>
+            </a:xfrm>
+            <a:prstGeom prst="rect">
+              <a:avLst/>
+            </a:prstGeom>
+            <a:noFill/>
+            <a:ln>
+              <a:noFill/>
+            </a:ln>
+          </p:spPr>
+          <p:style>
+            <a:lnRef idx="2">
+              <a:schemeClr val="accent1">
+                <a:shade val="15000"/>
+              </a:schemeClr>
+            </a:lnRef>
+            <a:fillRef idx="1">
+              <a:schemeClr val="accent1"/>
+            </a:fillRef>
+            <a:effectRef idx="0">
+              <a:schemeClr val="accent1"/>
+            </a:effectRef>
+            <a:fontRef idx="minor">
+              <a:schemeClr val="lt1"/>
+            </a:fontRef>
+          </p:style>
+          <p:txBody>
+            <a:bodyPr rtlCol="0" anchor="ctr"/>
+            <a:lstStyle/>
+            <a:p>
+              <a:pPr algn="ctr"/>
+              <a:r>
+                <a:rPr lang="en-US" dirty="0">
+                  <a:solidFill>
+                    <a:schemeClr val="tx1"/>
+                  </a:solidFill>
+                </a:rPr>
+                <a:t>M</a:t>
+              </a:r>
+            </a:p>
+          </p:txBody>
+        </p:sp>
+      </p:grpSp>
     </p:spTree>
     <p:extLst>
       <p:ext uri="{BB962C8B-B14F-4D97-AF65-F5344CB8AC3E}">
-        <p14:creationId xmlns:p14="http://schemas.microsoft.com/office/powerpoint/2010/main" val="2933682471"/>
+        <p14:creationId xmlns:p14="http://schemas.microsoft.com/office/powerpoint/2010/main" val="2836967151"/>
       </p:ext>
     </p:extLst>
   </p:cSld>
@@ -8172,7 +9929,7 @@
           <p:cNvPr id="2" name="Title 1">
             <a:extLst>
               <a:ext uri="{FF2B5EF4-FFF2-40B4-BE49-F238E27FC236}">
-                <a16:creationId xmlns:a16="http://schemas.microsoft.com/office/drawing/2014/main" id="{49241911-89D4-97F0-FABA-ADD4726EFB7A}"/>
+                <a16:creationId xmlns:a16="http://schemas.microsoft.com/office/drawing/2014/main" id="{BC8107AF-A697-F007-FBC6-663EEACE8539}"/>
               </a:ext>
             </a:extLst>
           </p:cNvPr>
@@ -8190,17 +9947,17 @@
           <a:p>
             <a:r>
               <a:rPr lang="en-US" dirty="0"/>
-              <a:t>Sources</a:t>
-            </a:r>
-          </a:p>
-        </p:txBody>
-      </p:sp>
-      <p:sp>
-        <p:nvSpPr>
-          <p:cNvPr id="3" name="Content Placeholder 2">
+              <a:t>Dataset Overview</a:t>
+            </a:r>
+          </a:p>
+        </p:txBody>
+      </p:sp>
+      <p:sp>
+        <p:nvSpPr>
+          <p:cNvPr id="5" name="Content Placeholder 4">
             <a:extLst>
               <a:ext uri="{FF2B5EF4-FFF2-40B4-BE49-F238E27FC236}">
-                <a16:creationId xmlns:a16="http://schemas.microsoft.com/office/drawing/2014/main" id="{39FCF39E-D111-3122-EA43-D55DA132BB63}"/>
+                <a16:creationId xmlns:a16="http://schemas.microsoft.com/office/drawing/2014/main" id="{364631AB-B475-0A0C-9235-4A388DE1EB24}"/>
               </a:ext>
             </a:extLst>
           </p:cNvPr>
@@ -8216,96 +9973,74 @@
           <a:bodyPr/>
           <a:lstStyle/>
           <a:p>
-            <a:pPr marL="457200" indent="-457200">
-              <a:buAutoNum type="arabicPeriod"/>
-            </a:pPr>
-            <a:r>
-              <a:rPr lang="en-US" dirty="0">
-                <a:hlinkClick r:id="rId2"/>
-              </a:rPr>
-              <a:t>https://www.forbes.com/sites/forbesbusinesscouncil/2022/12/12/customer-retention-versus-customer-acquisition/?sh=3cef46fc1c7d</a:t>
-            </a:r>
+            <a:r>
+              <a:rPr lang="en-US" sz="1800" dirty="0"/>
+              <a:t>Younger travelers are more likely to be dissatisfied</a:t>
+            </a:r>
+          </a:p>
+          <a:p>
             <a:endParaRPr lang="en-US" dirty="0"/>
           </a:p>
           <a:p>
-            <a:pPr marL="457200" indent="-457200">
-              <a:buAutoNum type="arabicPeriod"/>
-            </a:pPr>
-            <a:r>
-              <a:rPr lang="en-US" dirty="0">
-                <a:hlinkClick r:id="rId3"/>
-              </a:rPr>
-              <a:t>https://www.kaggle.com/datasets/teejmahal20/airline-passenger-satisfaction</a:t>
-            </a:r>
             <a:endParaRPr lang="en-US" dirty="0"/>
           </a:p>
           <a:p>
-            <a:pPr marL="457200" indent="-457200">
-              <a:buAutoNum type="arabicPeriod"/>
-            </a:pPr>
-            <a:r>
-              <a:rPr lang="en-US" dirty="0">
-                <a:hlinkClick r:id="rId4"/>
-              </a:rPr>
-              <a:t>https://www.sciencedirect.com/science/article/pii/S0969699723000844#bib20</a:t>
-            </a:r>
             <a:endParaRPr lang="en-US" dirty="0"/>
           </a:p>
           <a:p>
-            <a:pPr marL="457200" indent="-457200">
-              <a:buAutoNum type="arabicPeriod"/>
-            </a:pPr>
-            <a:r>
-              <a:rPr lang="en-US" dirty="0">
-                <a:hlinkClick r:id="rId5"/>
-              </a:rPr>
-              <a:t>https://www.sciencedirect.com/science/article/abs/pii/S0969699719302959</a:t>
-            </a:r>
             <a:endParaRPr lang="en-US" dirty="0"/>
           </a:p>
-          <a:p>
-            <a:pPr marL="457200" indent="-457200">
-              <a:buFont typeface="Wingdings 2" pitchFamily="18" charset="2"/>
-              <a:buAutoNum type="arabicPeriod"/>
-            </a:pPr>
-            <a:r>
-              <a:rPr lang="en-US" dirty="0">
-                <a:hlinkClick r:id="rId6"/>
-              </a:rPr>
-              <a:t>https://www.sciencedirect.com/science/article/pii/S2352340923002421</a:t>
-            </a:r>
-            <a:endParaRPr lang="en-US" dirty="0"/>
-          </a:p>
-          <a:p>
-            <a:pPr marL="457200" indent="-457200">
-              <a:buAutoNum type="arabicPeriod"/>
-            </a:pPr>
-            <a:r>
-              <a:rPr lang="en-US" dirty="0">
-                <a:hlinkClick r:id="rId7"/>
-              </a:rPr>
-              <a:t>https://psycnet.apa.org/record/1989-10632-001</a:t>
-            </a:r>
-            <a:endParaRPr lang="en-US" dirty="0"/>
-          </a:p>
-          <a:p>
-            <a:pPr marL="457200" indent="-457200">
-              <a:buAutoNum type="arabicPeriod"/>
-            </a:pPr>
-            <a:r>
-              <a:rPr lang="en-US" dirty="0">
-                <a:hlinkClick r:id="rId8"/>
-              </a:rPr>
-              <a:t>https://www.techscience.com/cmc/v75n1/51460/pdf</a:t>
-            </a:r>
-            <a:endParaRPr lang="en-US" dirty="0"/>
-          </a:p>
-        </p:txBody>
-      </p:sp>
+        </p:txBody>
+      </p:sp>
+      <p:pic>
+        <p:nvPicPr>
+          <p:cNvPr id="6" name="Picture 5">
+            <a:extLst>
+              <a:ext uri="{FF2B5EF4-FFF2-40B4-BE49-F238E27FC236}">
+                <a16:creationId xmlns:a16="http://schemas.microsoft.com/office/drawing/2014/main" id="{D457A1E1-2F86-2750-A141-2DA7F43D2BBD}"/>
+              </a:ext>
+            </a:extLst>
+          </p:cNvPr>
+          <p:cNvPicPr>
+            <a:picLocks noChangeAspect="1" noChangeArrowheads="1"/>
+          </p:cNvPicPr>
+          <p:nvPr/>
+        </p:nvPicPr>
+        <p:blipFill rotWithShape="1">
+          <a:blip r:embed="rId3">
+            <a:extLst>
+              <a:ext uri="{28A0092B-C50C-407E-A947-70E740481C1C}">
+                <a14:useLocalDpi xmlns:a14="http://schemas.microsoft.com/office/drawing/2010/main" val="0"/>
+              </a:ext>
+            </a:extLst>
+          </a:blip>
+          <a:srcRect l="50521" t="1398" r="25295" b="79592"/>
+          <a:stretch/>
+        </p:blipFill>
+        <p:spPr bwMode="auto">
+          <a:xfrm>
+            <a:off x="5157519" y="3424428"/>
+            <a:ext cx="5173038" cy="2425771"/>
+          </a:xfrm>
+          <a:prstGeom prst="rect">
+            <a:avLst/>
+          </a:prstGeom>
+          <a:noFill/>
+          <a:extLst>
+            <a:ext uri="{909E8E84-426E-40DD-AFC4-6F175D3DCCD1}">
+              <a14:hiddenFill xmlns:a14="http://schemas.microsoft.com/office/drawing/2010/main">
+                <a:solidFill>
+                  <a:srgbClr val="FFFFFF"/>
+                </a:solidFill>
+              </a14:hiddenFill>
+            </a:ext>
+          </a:extLst>
+        </p:spPr>
+      </p:pic>
     </p:spTree>
     <p:extLst>
       <p:ext uri="{BB962C8B-B14F-4D97-AF65-F5344CB8AC3E}">
-        <p14:creationId xmlns:p14="http://schemas.microsoft.com/office/powerpoint/2010/main" val="1917321065"/>
+        <p14:creationId xmlns:p14="http://schemas.microsoft.com/office/powerpoint/2010/main" val="1014270827"/>
       </p:ext>
     </p:extLst>
   </p:cSld>

--- a/Final Presentation Slides/Team_6_Final_Slides.pptx
+++ b/Final Presentation Slides/Team_6_Final_Slides.pptx
@@ -545,7 +545,16 @@
           <a:p>
             <a:r>
               <a:rPr lang="en-US" dirty="0"/>
-              <a:t>Hello, my name is John Doe from Team 6 and I will be introducing our project.</a:t>
+              <a:t>(~1:30)</a:t>
+            </a:r>
+          </a:p>
+          <a:p>
+            <a:endParaRPr lang="en-US" dirty="0"/>
+          </a:p>
+          <a:p>
+            <a:r>
+              <a:rPr lang="en-US" dirty="0"/>
+              <a:t>Hello, my name is John Doe A from Team 6 and I will be introducing our project about predicting customer satisfaction in the airline industry and giving you an overview of our dataset.</a:t>
             </a:r>
           </a:p>
         </p:txBody>
@@ -1160,17 +1169,7 @@
                 <a:effectLst/>
                 <a:latin typeface="Times New Roman" panose="02020603050405020304" pitchFamily="18" charset="0"/>
               </a:rPr>
-              <a:t>. There is also a high correlation </a:t>
-            </a:r>
-            <a:r>
-              <a:rPr lang="en-US" sz="1800" b="0" i="0" u="none" strike="noStrike" dirty="0" err="1">
-                <a:solidFill>
-                  <a:srgbClr val="000000"/>
-                </a:solidFill>
-                <a:effectLst/>
-                <a:latin typeface="Times New Roman" panose="02020603050405020304" pitchFamily="18" charset="0"/>
-              </a:rPr>
-              <a:t>between</a:t>
+              <a:t>. There is also a high correlation between </a:t>
             </a:r>
             <a:r>
               <a:rPr lang="en-US" sz="1800" b="0" i="1" u="none" strike="noStrike" dirty="0" err="1">
@@ -1307,6 +1306,23 @@
                 <a:spcPts val="600"/>
               </a:spcAft>
             </a:pPr>
+            <a:endParaRPr lang="en-US" sz="1800" b="0" i="0" u="none" strike="noStrike" dirty="0">
+              <a:solidFill>
+                <a:srgbClr val="000000"/>
+              </a:solidFill>
+              <a:effectLst/>
+              <a:latin typeface="Times New Roman" panose="02020603050405020304" pitchFamily="18" charset="0"/>
+            </a:endParaRPr>
+          </a:p>
+          <a:p>
+            <a:pPr algn="l" rtl="0">
+              <a:spcBef>
+                <a:spcPts val="600"/>
+              </a:spcBef>
+              <a:spcAft>
+                <a:spcPts val="600"/>
+              </a:spcAft>
+            </a:pPr>
             <a:r>
               <a:rPr lang="en-US" sz="1800" b="0" i="0" u="none" strike="noStrike" dirty="0">
                 <a:solidFill>
@@ -1441,6 +1457,108 @@
           <a:bodyPr/>
           <a:lstStyle/>
           <a:p>
+            <a:pPr marL="0" marR="0" lvl="0" indent="0" algn="l" defTabSz="914400" rtl="0" eaLnBrk="1" fontAlgn="auto" latinLnBrk="0" hangingPunct="1">
+              <a:lnSpc>
+                <a:spcPct val="100000"/>
+              </a:lnSpc>
+              <a:spcBef>
+                <a:spcPts val="600"/>
+              </a:spcBef>
+              <a:spcAft>
+                <a:spcPts val="600"/>
+              </a:spcAft>
+              <a:buClrTx/>
+              <a:buSzTx/>
+              <a:buFontTx/>
+              <a:buNone/>
+              <a:tabLst/>
+              <a:defRPr/>
+            </a:pPr>
+            <a:r>
+              <a:rPr lang="en-US" sz="1800" b="0" i="0" u="none" strike="noStrike" dirty="0">
+                <a:solidFill>
+                  <a:srgbClr val="000000"/>
+                </a:solidFill>
+                <a:effectLst/>
+                <a:latin typeface="Times New Roman" panose="02020603050405020304" pitchFamily="18" charset="0"/>
+              </a:rPr>
+              <a:t>(~1:45)</a:t>
+            </a:r>
+          </a:p>
+          <a:p>
+            <a:pPr marL="0" marR="0" lvl="0" indent="0" algn="l" defTabSz="914400" rtl="0" eaLnBrk="1" fontAlgn="auto" latinLnBrk="0" hangingPunct="1">
+              <a:lnSpc>
+                <a:spcPct val="100000"/>
+              </a:lnSpc>
+              <a:spcBef>
+                <a:spcPts val="600"/>
+              </a:spcBef>
+              <a:spcAft>
+                <a:spcPts val="600"/>
+              </a:spcAft>
+              <a:buClrTx/>
+              <a:buSzTx/>
+              <a:buFontTx/>
+              <a:buNone/>
+              <a:tabLst/>
+              <a:defRPr/>
+            </a:pPr>
+            <a:endParaRPr lang="en-US" sz="1800" b="0" i="0" u="none" strike="noStrike" dirty="0">
+              <a:solidFill>
+                <a:srgbClr val="000000"/>
+              </a:solidFill>
+              <a:effectLst/>
+              <a:latin typeface="Times New Roman" panose="02020603050405020304" pitchFamily="18" charset="0"/>
+            </a:endParaRPr>
+          </a:p>
+          <a:p>
+            <a:pPr marL="0" marR="0" lvl="0" indent="0" algn="l" defTabSz="914400" rtl="0" eaLnBrk="1" fontAlgn="auto" latinLnBrk="0" hangingPunct="1">
+              <a:lnSpc>
+                <a:spcPct val="100000"/>
+              </a:lnSpc>
+              <a:spcBef>
+                <a:spcPts val="600"/>
+              </a:spcBef>
+              <a:spcAft>
+                <a:spcPts val="600"/>
+              </a:spcAft>
+              <a:buClrTx/>
+              <a:buSzTx/>
+              <a:buFontTx/>
+              <a:buNone/>
+              <a:tabLst/>
+              <a:defRPr/>
+            </a:pPr>
+            <a:r>
+              <a:rPr lang="en-US" sz="1800" b="0" i="0" u="none" strike="noStrike" dirty="0">
+                <a:solidFill>
+                  <a:srgbClr val="000000"/>
+                </a:solidFill>
+                <a:effectLst/>
+                <a:latin typeface="Times New Roman" panose="02020603050405020304" pitchFamily="18" charset="0"/>
+              </a:rPr>
+              <a:t>Hello I am John Doe D and I will talk about our regression and random forest results.</a:t>
+            </a:r>
+          </a:p>
+          <a:p>
+            <a:endParaRPr lang="en-US" sz="1800" b="0" i="0" u="none" strike="noStrike" dirty="0">
+              <a:solidFill>
+                <a:srgbClr val="000000"/>
+              </a:solidFill>
+              <a:effectLst/>
+              <a:latin typeface="Times New Roman" panose="02020603050405020304" pitchFamily="18" charset="0"/>
+            </a:endParaRPr>
+          </a:p>
+          <a:p>
+            <a:endParaRPr lang="en-US" sz="1800" b="0" i="0" u="none" strike="noStrike" dirty="0">
+              <a:solidFill>
+                <a:srgbClr val="000000"/>
+              </a:solidFill>
+              <a:effectLst/>
+              <a:latin typeface="Times New Roman" panose="02020603050405020304" pitchFamily="18" charset="0"/>
+            </a:endParaRPr>
+          </a:p>
+          <a:p>
             <a:r>
               <a:rPr lang="en-US" sz="1800" b="0" i="0" u="none" strike="noStrike" dirty="0">
                 <a:solidFill>
@@ -1665,6 +1783,17 @@
               </a:rPr>
               <a:t>. </a:t>
             </a:r>
+          </a:p>
+          <a:p>
+            <a:endParaRPr lang="en-US" sz="1800" b="0" i="0" u="none" strike="noStrike" dirty="0">
+              <a:solidFill>
+                <a:srgbClr val="000000"/>
+              </a:solidFill>
+              <a:effectLst/>
+              <a:latin typeface="Times New Roman" panose="02020603050405020304" pitchFamily="18" charset="0"/>
+            </a:endParaRPr>
+          </a:p>
+          <a:p>
             <a:r>
               <a:rPr lang="en-US" sz="1800" b="0" i="0" u="none" strike="noStrike" dirty="0" err="1">
                 <a:solidFill>
@@ -1838,6 +1967,99 @@
           <a:bodyPr/>
           <a:lstStyle/>
           <a:p>
+            <a:pPr marL="0" marR="0" lvl="0" indent="0" algn="l" defTabSz="914400" rtl="0" eaLnBrk="1" fontAlgn="auto" latinLnBrk="0" hangingPunct="1">
+              <a:lnSpc>
+                <a:spcPct val="100000"/>
+              </a:lnSpc>
+              <a:spcBef>
+                <a:spcPts val="0"/>
+              </a:spcBef>
+              <a:spcAft>
+                <a:spcPts val="0"/>
+              </a:spcAft>
+              <a:buClrTx/>
+              <a:buSzTx/>
+              <a:buFontTx/>
+              <a:buNone/>
+              <a:tabLst/>
+              <a:defRPr/>
+            </a:pPr>
+            <a:r>
+              <a:rPr lang="en-US" sz="1800" b="0" i="0" u="none" strike="noStrike" dirty="0">
+                <a:solidFill>
+                  <a:srgbClr val="000000"/>
+                </a:solidFill>
+                <a:effectLst/>
+                <a:latin typeface="Times New Roman" panose="02020603050405020304" pitchFamily="18" charset="0"/>
+              </a:rPr>
+              <a:t>(~2:10)</a:t>
+            </a:r>
+          </a:p>
+          <a:p>
+            <a:pPr marL="0" marR="0" lvl="0" indent="0" algn="l" defTabSz="914400" rtl="0" eaLnBrk="1" fontAlgn="auto" latinLnBrk="0" hangingPunct="1">
+              <a:lnSpc>
+                <a:spcPct val="100000"/>
+              </a:lnSpc>
+              <a:spcBef>
+                <a:spcPts val="0"/>
+              </a:spcBef>
+              <a:spcAft>
+                <a:spcPts val="0"/>
+              </a:spcAft>
+              <a:buClrTx/>
+              <a:buSzTx/>
+              <a:buFontTx/>
+              <a:buNone/>
+              <a:tabLst/>
+              <a:defRPr/>
+            </a:pPr>
+            <a:endParaRPr lang="en-US" sz="1800" b="0" i="0" u="none" strike="noStrike" dirty="0">
+              <a:solidFill>
+                <a:srgbClr val="000000"/>
+              </a:solidFill>
+              <a:effectLst/>
+              <a:latin typeface="Times New Roman" panose="02020603050405020304" pitchFamily="18" charset="0"/>
+            </a:endParaRPr>
+          </a:p>
+          <a:p>
+            <a:pPr marL="0" marR="0" lvl="0" indent="0" algn="l" defTabSz="914400" rtl="0" eaLnBrk="1" fontAlgn="auto" latinLnBrk="0" hangingPunct="1">
+              <a:lnSpc>
+                <a:spcPct val="100000"/>
+              </a:lnSpc>
+              <a:spcBef>
+                <a:spcPts val="0"/>
+              </a:spcBef>
+              <a:spcAft>
+                <a:spcPts val="0"/>
+              </a:spcAft>
+              <a:buClrTx/>
+              <a:buSzTx/>
+              <a:buFontTx/>
+              <a:buNone/>
+              <a:tabLst/>
+              <a:defRPr/>
+            </a:pPr>
+            <a:r>
+              <a:rPr lang="en-US" sz="1800" b="0" i="0" u="none" strike="noStrike" dirty="0">
+                <a:solidFill>
+                  <a:srgbClr val="000000"/>
+                </a:solidFill>
+                <a:effectLst/>
+                <a:latin typeface="Times New Roman" panose="02020603050405020304" pitchFamily="18" charset="0"/>
+              </a:rPr>
+              <a:t>Hello I am John Doe E and I will talk about our Decision Tree and Support Vector Machines results.</a:t>
+            </a:r>
+          </a:p>
+          <a:p>
+            <a:endParaRPr lang="en-US" sz="1800" b="0" i="0" u="none" strike="noStrike" dirty="0">
+              <a:solidFill>
+                <a:srgbClr val="000000"/>
+              </a:solidFill>
+              <a:effectLst/>
+              <a:latin typeface="Times New Roman" panose="02020603050405020304" pitchFamily="18" charset="0"/>
+            </a:endParaRPr>
+          </a:p>
+          <a:p>
             <a:r>
               <a:rPr lang="en-US" sz="1800" b="0" i="0" u="none" strike="noStrike" dirty="0">
                 <a:solidFill>
@@ -2202,7 +2424,7 @@
                 <a:effectLst/>
                 <a:latin typeface="Times New Roman" panose="02020603050405020304" pitchFamily="18" charset="0"/>
               </a:rPr>
-              <a:t>We adopted a sub-sampling approach in training our Support Vector Machines (SVM), utilizing a small section of 15,000 randomly selected observations from the overall training set. The reason for this limitation was SVM’s known tendency to scale poorly to larger datasets. For the kernel, we selected a linear kernel for its interpretability relative to other kernels. </a:t>
+              <a:t>We adopted a sub-sampling approach in training our SVM utilizing a small section of 15,000 randomly selected observations from the overall training set. The reason for this limitation was SVM’s known tendency to scale poorly to larger datasets. For the kernel, we selected a linear kernel for its interpretability relative to other kernels. </a:t>
             </a:r>
           </a:p>
           <a:p>
@@ -2400,7 +2622,7 @@
           <a:p>
             <a:r>
               <a:rPr lang="en-US" dirty="0"/>
-              <a:t>Customer satisfaction is a main driver in attracting and retaining business. By finding the most important factors we can provide key insights for airlines to enhance their services, improve the customer experience and optimize business operations in order to differentiate themselves from the competition.</a:t>
+              <a:t>Customer satisfaction is a main driver in attracting and retaining business. By finding the most important factors we can provide key insights for airlines to enhance their services, improve the customer experience, and optimize business operations in order to differentiate themselves from the competition.</a:t>
             </a:r>
           </a:p>
           <a:p>
@@ -2496,6 +2718,24 @@
           <a:p>
             <a:r>
               <a:rPr lang="en-US" dirty="0"/>
+              <a:t>(~0:35)</a:t>
+            </a:r>
+          </a:p>
+          <a:p>
+            <a:endParaRPr lang="en-US" dirty="0"/>
+          </a:p>
+          <a:p>
+            <a:r>
+              <a:rPr lang="en-US" dirty="0"/>
+              <a:t>Hello, John Doe B again.</a:t>
+            </a:r>
+          </a:p>
+          <a:p>
+            <a:endParaRPr lang="en-US" dirty="0"/>
+          </a:p>
+          <a:p>
+            <a:r>
+              <a:rPr lang="en-US" dirty="0"/>
               <a:t>Here is a summary of the model performance. The highest AUC was reached by Logistic Regression with 97.1 percent. The most important features are very consistent across all models with online boarding, inflight </a:t>
             </a:r>
             <a:r>
@@ -2598,9 +2838,78 @@
           <a:bodyPr/>
           <a:lstStyle/>
           <a:p>
+            <a:pPr marL="0" marR="0" lvl="0" indent="0" algn="l" defTabSz="914400" rtl="0" eaLnBrk="1" fontAlgn="auto" latinLnBrk="0" hangingPunct="1">
+              <a:lnSpc>
+                <a:spcPct val="100000"/>
+              </a:lnSpc>
+              <a:spcBef>
+                <a:spcPts val="0"/>
+              </a:spcBef>
+              <a:spcAft>
+                <a:spcPts val="0"/>
+              </a:spcAft>
+              <a:buClrTx/>
+              <a:buSzTx/>
+              <a:buFontTx/>
+              <a:buNone/>
+              <a:tabLst/>
+              <a:defRPr/>
+            </a:pPr>
             <a:r>
               <a:rPr lang="en-US" dirty="0"/>
-              <a:t>The most important features that increase airline passenger satisfaction are </a:t>
+              <a:t>(~1:00)</a:t>
+            </a:r>
+          </a:p>
+          <a:p>
+            <a:pPr marL="0" marR="0" lvl="0" indent="0" algn="l" defTabSz="914400" rtl="0" eaLnBrk="1" fontAlgn="auto" latinLnBrk="0" hangingPunct="1">
+              <a:lnSpc>
+                <a:spcPct val="100000"/>
+              </a:lnSpc>
+              <a:spcBef>
+                <a:spcPts val="0"/>
+              </a:spcBef>
+              <a:spcAft>
+                <a:spcPts val="0"/>
+              </a:spcAft>
+              <a:buClrTx/>
+              <a:buSzTx/>
+              <a:buFontTx/>
+              <a:buNone/>
+              <a:tabLst/>
+              <a:defRPr/>
+            </a:pPr>
+            <a:endParaRPr lang="en-US" dirty="0"/>
+          </a:p>
+          <a:p>
+            <a:pPr marL="0" marR="0" lvl="0" indent="0" algn="l" defTabSz="914400" rtl="0" eaLnBrk="1" fontAlgn="auto" latinLnBrk="0" hangingPunct="1">
+              <a:lnSpc>
+                <a:spcPct val="100000"/>
+              </a:lnSpc>
+              <a:spcBef>
+                <a:spcPts val="0"/>
+              </a:spcBef>
+              <a:spcAft>
+                <a:spcPts val="0"/>
+              </a:spcAft>
+              <a:buClrTx/>
+              <a:buSzTx/>
+              <a:buFontTx/>
+              <a:buNone/>
+              <a:tabLst/>
+              <a:defRPr/>
+            </a:pPr>
+            <a:r>
+              <a:rPr lang="en-US" dirty="0"/>
+              <a:t>Hello, John Doe A again.</a:t>
+            </a:r>
+          </a:p>
+          <a:p>
+            <a:endParaRPr lang="en-US" dirty="0"/>
+          </a:p>
+          <a:p>
+            <a:r>
+              <a:rPr lang="en-US" dirty="0"/>
+              <a:t>We have concluded that the most important features that increase airline passenger satisfaction are </a:t>
             </a:r>
             <a:r>
               <a:rPr lang="en-US" dirty="0" err="1"/>
@@ -2616,6 +2925,9 @@
               <a:rPr lang="en-US" dirty="0"/>
               <a:t>People that travel for personal reasons are significantly more likely to be dissatisfied.</a:t>
             </a:r>
+          </a:p>
+          <a:p>
+            <a:endParaRPr lang="en-US" dirty="0"/>
           </a:p>
           <a:p>
             <a:r>
@@ -2963,7 +3275,7 @@
                 <a:effectLst/>
                 <a:latin typeface="Times New Roman" panose="02020603050405020304" pitchFamily="18" charset="0"/>
               </a:rPr>
-              <a:t> service, departure/arrival time convenience, food and drink, seat comfort, inflight entertainment, on-board service, legroom service, inflight service, departure delays in minutes, and arrival delays in minutes would be the most important factors. Additionally, we hypothesized that the relevance of these factors will vary depending on the class, type of travel, demographic factors (such as , age, gender), and flight distance.</a:t>
+              <a:t> service, departure/arrival time convenience, food and drink, seat comfort, inflight entertainment, on-board service, legroom service, inflight service, departure delays in minutes, and arrival delays in minutes would be the most important factors. Additionally, we hypothesized that the relevance of these factors will vary depending on the class, type of travel, demographic factors (such as , age and gender), and flight distance.</a:t>
             </a:r>
             <a:endParaRPr lang="en-US" dirty="0"/>
           </a:p>
@@ -3049,6 +3361,93 @@
           <a:bodyPr/>
           <a:lstStyle/>
           <a:p>
+            <a:endParaRPr lang="en-US" sz="1800" dirty="0">
+              <a:effectLst/>
+              <a:latin typeface="Segoe UI" panose="020B0502040204020203" pitchFamily="34" charset="0"/>
+            </a:endParaRPr>
+          </a:p>
+          <a:p>
+            <a:pPr marL="0" marR="0" lvl="0" indent="0" algn="l" defTabSz="914400" rtl="0" eaLnBrk="1" fontAlgn="auto" latinLnBrk="0" hangingPunct="1">
+              <a:lnSpc>
+                <a:spcPct val="100000"/>
+              </a:lnSpc>
+              <a:spcBef>
+                <a:spcPts val="0"/>
+              </a:spcBef>
+              <a:spcAft>
+                <a:spcPts val="0"/>
+              </a:spcAft>
+              <a:buClrTx/>
+              <a:buSzTx/>
+              <a:buFontTx/>
+              <a:buNone/>
+              <a:tabLst/>
+              <a:defRPr/>
+            </a:pPr>
+            <a:r>
+              <a:rPr lang="en-US" sz="1800" dirty="0">
+                <a:effectLst/>
+                <a:latin typeface="Segoe UI" panose="020B0502040204020203" pitchFamily="34" charset="0"/>
+              </a:rPr>
+              <a:t>(~1:30)</a:t>
+            </a:r>
+          </a:p>
+          <a:p>
+            <a:pPr marL="0" marR="0" lvl="0" indent="0" algn="l" defTabSz="914400" rtl="0" eaLnBrk="1" fontAlgn="auto" latinLnBrk="0" hangingPunct="1">
+              <a:lnSpc>
+                <a:spcPct val="100000"/>
+              </a:lnSpc>
+              <a:spcBef>
+                <a:spcPts val="0"/>
+              </a:spcBef>
+              <a:spcAft>
+                <a:spcPts val="0"/>
+              </a:spcAft>
+              <a:buClrTx/>
+              <a:buSzTx/>
+              <a:buFontTx/>
+              <a:buNone/>
+              <a:tabLst/>
+              <a:defRPr/>
+            </a:pPr>
+            <a:endParaRPr lang="en-US" sz="1800" dirty="0">
+              <a:effectLst/>
+              <a:latin typeface="Segoe UI" panose="020B0502040204020203" pitchFamily="34" charset="0"/>
+            </a:endParaRPr>
+          </a:p>
+          <a:p>
+            <a:pPr marL="0" marR="0" lvl="0" indent="0" algn="l" defTabSz="914400" rtl="0" eaLnBrk="1" fontAlgn="auto" latinLnBrk="0" hangingPunct="1">
+              <a:lnSpc>
+                <a:spcPct val="100000"/>
+              </a:lnSpc>
+              <a:spcBef>
+                <a:spcPts val="0"/>
+              </a:spcBef>
+              <a:spcAft>
+                <a:spcPts val="0"/>
+              </a:spcAft>
+              <a:buClrTx/>
+              <a:buSzTx/>
+              <a:buFontTx/>
+              <a:buNone/>
+              <a:tabLst/>
+              <a:defRPr/>
+            </a:pPr>
+            <a:r>
+              <a:rPr lang="en-US" sz="1800" dirty="0">
+                <a:effectLst/>
+                <a:latin typeface="Segoe UI" panose="020B0502040204020203" pitchFamily="34" charset="0"/>
+              </a:rPr>
+              <a:t>Hello I am John Doe B and I will talk about our data preparation and cleaning.</a:t>
+            </a:r>
+          </a:p>
+          <a:p>
+            <a:endParaRPr lang="en-US" sz="1800" dirty="0">
+              <a:effectLst/>
+              <a:latin typeface="Segoe UI" panose="020B0502040204020203" pitchFamily="34" charset="0"/>
+            </a:endParaRPr>
+          </a:p>
+          <a:p>
             <a:r>
               <a:rPr lang="en-US" sz="1800" dirty="0">
                 <a:effectLst/>
@@ -3322,6 +3721,100 @@
         <p:txBody>
           <a:bodyPr/>
           <a:lstStyle/>
+          <a:p>
+            <a:pPr marL="0" marR="0" lvl="0" indent="0" algn="l" defTabSz="914400" rtl="0" eaLnBrk="1" fontAlgn="auto" latinLnBrk="0" hangingPunct="1">
+              <a:lnSpc>
+                <a:spcPct val="100000"/>
+              </a:lnSpc>
+              <a:spcBef>
+                <a:spcPts val="0"/>
+              </a:spcBef>
+              <a:spcAft>
+                <a:spcPts val="0"/>
+              </a:spcAft>
+              <a:buClrTx/>
+              <a:buSzTx/>
+              <a:buFontTx/>
+              <a:buNone/>
+              <a:tabLst/>
+              <a:defRPr/>
+            </a:pPr>
+            <a:r>
+              <a:rPr lang="en-US" sz="1800" b="0" i="0" u="none" strike="noStrike" dirty="0">
+                <a:solidFill>
+                  <a:srgbClr val="000000"/>
+                </a:solidFill>
+                <a:effectLst/>
+                <a:latin typeface="Times New Roman" panose="02020603050405020304" pitchFamily="18" charset="0"/>
+              </a:rPr>
+              <a:t>(~2:15)</a:t>
+            </a:r>
+          </a:p>
+          <a:p>
+            <a:pPr marL="0" marR="0" lvl="0" indent="0" algn="l" defTabSz="914400" rtl="0" eaLnBrk="1" fontAlgn="auto" latinLnBrk="0" hangingPunct="1">
+              <a:lnSpc>
+                <a:spcPct val="100000"/>
+              </a:lnSpc>
+              <a:spcBef>
+                <a:spcPts val="0"/>
+              </a:spcBef>
+              <a:spcAft>
+                <a:spcPts val="0"/>
+              </a:spcAft>
+              <a:buClrTx/>
+              <a:buSzTx/>
+              <a:buFontTx/>
+              <a:buNone/>
+              <a:tabLst/>
+              <a:defRPr/>
+            </a:pPr>
+            <a:endParaRPr lang="en-US" sz="1800" b="0" i="0" u="none" strike="noStrike" dirty="0">
+              <a:solidFill>
+                <a:srgbClr val="000000"/>
+              </a:solidFill>
+              <a:effectLst/>
+              <a:latin typeface="Times New Roman" panose="02020603050405020304" pitchFamily="18" charset="0"/>
+            </a:endParaRPr>
+          </a:p>
+          <a:p>
+            <a:pPr marL="0" marR="0" lvl="0" indent="0" algn="l" defTabSz="914400" rtl="0" eaLnBrk="1" fontAlgn="auto" latinLnBrk="0" hangingPunct="1">
+              <a:lnSpc>
+                <a:spcPct val="100000"/>
+              </a:lnSpc>
+              <a:spcBef>
+                <a:spcPts val="0"/>
+              </a:spcBef>
+              <a:spcAft>
+                <a:spcPts val="0"/>
+              </a:spcAft>
+              <a:buClrTx/>
+              <a:buSzTx/>
+              <a:buFontTx/>
+              <a:buNone/>
+              <a:tabLst/>
+              <a:defRPr/>
+            </a:pPr>
+            <a:r>
+              <a:rPr lang="en-US" sz="1800" b="0" i="0" u="none" strike="noStrike" dirty="0">
+                <a:solidFill>
+                  <a:srgbClr val="000000"/>
+                </a:solidFill>
+                <a:effectLst/>
+                <a:latin typeface="Times New Roman" panose="02020603050405020304" pitchFamily="18" charset="0"/>
+              </a:rPr>
+              <a:t>Hello, I am John Doe C and I will talk about our exploratory data analysis and modelling approach.</a:t>
+            </a:r>
+            <a:endParaRPr lang="en-US" sz="1800" dirty="0">
+              <a:effectLst/>
+              <a:latin typeface="Segoe UI" panose="020B0502040204020203" pitchFamily="34" charset="0"/>
+            </a:endParaRPr>
+          </a:p>
+          <a:p>
+            <a:endParaRPr lang="en-US" sz="1800" dirty="0">
+              <a:effectLst/>
+              <a:latin typeface="Segoe UI" panose="020B0502040204020203" pitchFamily="34" charset="0"/>
+            </a:endParaRPr>
+          </a:p>
           <a:p>
             <a:r>
               <a:rPr lang="en-US" sz="1800" dirty="0">
@@ -12430,8 +12923,8 @@
         </p:blipFill>
         <p:spPr bwMode="auto">
           <a:xfrm>
-            <a:off x="5157519" y="3424428"/>
-            <a:ext cx="5173038" cy="2425771"/>
+            <a:off x="3453473" y="3424428"/>
+            <a:ext cx="4188298" cy="1964001"/>
           </a:xfrm>
           <a:prstGeom prst="rect">
             <a:avLst/>
@@ -12493,6 +12986,51 @@
             </a:solidFill>
           </a:ln>
           <a:effectLst/>
+        </p:spPr>
+      </p:pic>
+      <p:pic>
+        <p:nvPicPr>
+          <p:cNvPr id="1026" name="Picture 2">
+            <a:extLst>
+              <a:ext uri="{FF2B5EF4-FFF2-40B4-BE49-F238E27FC236}">
+                <a16:creationId xmlns:a16="http://schemas.microsoft.com/office/drawing/2014/main" id="{585BF0B6-7EE7-4715-8FB1-32C9F6E5F7FF}"/>
+              </a:ext>
+            </a:extLst>
+          </p:cNvPr>
+          <p:cNvPicPr>
+            <a:picLocks noChangeAspect="1" noChangeArrowheads="1"/>
+          </p:cNvPicPr>
+          <p:nvPr/>
+        </p:nvPicPr>
+        <p:blipFill rotWithShape="1">
+          <a:blip r:embed="rId6">
+            <a:extLst>
+              <a:ext uri="{28A0092B-C50C-407E-A947-70E740481C1C}">
+                <a14:useLocalDpi xmlns:a14="http://schemas.microsoft.com/office/drawing/2010/main" val="0"/>
+              </a:ext>
+            </a:extLst>
+          </a:blip>
+          <a:srcRect t="230" r="50000" b="50155"/>
+          <a:stretch/>
+        </p:blipFill>
+        <p:spPr bwMode="auto">
+          <a:xfrm>
+            <a:off x="7641771" y="3162392"/>
+            <a:ext cx="4078854" cy="2403643"/>
+          </a:xfrm>
+          <a:prstGeom prst="rect">
+            <a:avLst/>
+          </a:prstGeom>
+          <a:noFill/>
+          <a:extLst>
+            <a:ext uri="{909E8E84-426E-40DD-AFC4-6F175D3DCCD1}">
+              <a14:hiddenFill xmlns:a14="http://schemas.microsoft.com/office/drawing/2010/main">
+                <a:solidFill>
+                  <a:srgbClr val="FFFFFF"/>
+                </a:solidFill>
+              </a14:hiddenFill>
+            </a:ext>
+          </a:extLst>
         </p:spPr>
       </p:pic>
     </p:spTree>

--- a/Final Presentation Slides/Team_6_Final_Slides.pptx
+++ b/Final Presentation Slides/Team_6_Final_Slides.pptx
@@ -2736,7 +2736,7 @@
           <a:p>
             <a:r>
               <a:rPr lang="en-US" dirty="0"/>
-              <a:t>Here is a summary of the model performance. The highest AUC was reached by Logistic Regression with 97.1 percent. The most important features are very consistent across all models with online boarding, inflight </a:t>
+              <a:t>Here is a summary of the model performance. The highest AUC was reached by Logistic Regression with 0.919 so this was our selected model, it performed very similarly on the test set with an AUC of 0.972. The most important features are very consistent across all models with online boarding, inflight </a:t>
             </a:r>
             <a:r>
               <a:rPr lang="en-US" dirty="0" err="1"/>
@@ -2917,7 +2917,23 @@
             </a:r>
             <a:r>
               <a:rPr lang="en-US" dirty="0"/>
-              <a:t>, inflight.wifi.service5, and online.boarding4 and 5. </a:t>
+              <a:t>, </a:t>
+            </a:r>
+            <a:r>
+              <a:rPr lang="en-US" dirty="0" err="1"/>
+              <a:t>inflight.wifi.service</a:t>
+            </a:r>
+            <a:r>
+              <a:rPr lang="en-US" dirty="0"/>
+              <a:t>, and </a:t>
+            </a:r>
+            <a:r>
+              <a:rPr lang="en-US" dirty="0" err="1"/>
+              <a:t>online.boarding</a:t>
+            </a:r>
+            <a:r>
+              <a:rPr lang="en-US" dirty="0"/>
+              <a:t>. </a:t>
             </a:r>
           </a:p>
           <a:p>
@@ -2936,7 +2952,7 @@
             </a:r>
             <a:r>
               <a:rPr lang="en-US" dirty="0"/>
-              <a:t> service and online boarding can be controlled by airlines. This would suggest that providing free good </a:t>
+              <a:t> service and online boarding can be controlled by airlines. This would suggest that investing in good complimentary high speed </a:t>
             </a:r>
             <a:r>
               <a:rPr lang="en-US" dirty="0" err="1"/>
@@ -7461,7 +7477,7 @@
         </p:blipFill>
         <p:spPr>
           <a:xfrm>
-            <a:off x="1" y="0"/>
+            <a:off x="0" y="0"/>
             <a:ext cx="2057400" cy="2057400"/>
           </a:xfrm>
           <a:prstGeom prst="ellipse">
@@ -9894,7 +9910,7 @@
             <p:ph idx="1"/>
             <p:extLst>
               <p:ext uri="{D42A27DB-BD31-4B8C-83A1-F6EECF244321}">
-                <p14:modId xmlns:p14="http://schemas.microsoft.com/office/powerpoint/2010/main" val="1481046967"/>
+                <p14:modId xmlns:p14="http://schemas.microsoft.com/office/powerpoint/2010/main" val="3914922068"/>
               </p:ext>
             </p:extLst>
           </p:nvPr>
@@ -9997,6 +10013,126 @@
                     <a:bodyPr/>
                     <a:lstStyle/>
                     <a:p>
+                      <a:pPr marL="0" marR="0" lvl="0" indent="0" algn="l" defTabSz="914400" rtl="0" eaLnBrk="1" fontAlgn="auto" latinLnBrk="0" hangingPunct="1">
+                        <a:lnSpc>
+                          <a:spcPct val="100000"/>
+                        </a:lnSpc>
+                        <a:spcBef>
+                          <a:spcPts val="0"/>
+                        </a:spcBef>
+                        <a:spcAft>
+                          <a:spcPts val="0"/>
+                        </a:spcAft>
+                        <a:buClrTx/>
+                        <a:buSzTx/>
+                        <a:buFontTx/>
+                        <a:buNone/>
+                        <a:tabLst/>
+                        <a:defRPr/>
+                      </a:pPr>
+                      <a:r>
+                        <a:rPr lang="en-US" sz="1800" b="1" i="0" u="none" strike="noStrike" kern="1200" dirty="0">
+                          <a:solidFill>
+                            <a:schemeClr val="dk1"/>
+                          </a:solidFill>
+                          <a:effectLst/>
+                          <a:latin typeface="+mn-lt"/>
+                          <a:ea typeface="+mn-ea"/>
+                          <a:cs typeface="+mn-cs"/>
+                        </a:rPr>
+                        <a:t>Online.boarding4 and 5 (+)</a:t>
+                      </a:r>
+                      <a:endParaRPr lang="en-US" b="1" dirty="0">
+                        <a:effectLst/>
+                      </a:endParaRPr>
+                    </a:p>
+                    <a:p>
+                      <a:pPr marL="0" marR="0" lvl="0" indent="0" algn="l" defTabSz="914400" rtl="0" eaLnBrk="1" fontAlgn="auto" latinLnBrk="0" hangingPunct="1">
+                        <a:lnSpc>
+                          <a:spcPct val="100000"/>
+                        </a:lnSpc>
+                        <a:spcBef>
+                          <a:spcPts val="0"/>
+                        </a:spcBef>
+                        <a:spcAft>
+                          <a:spcPts val="0"/>
+                        </a:spcAft>
+                        <a:buClrTx/>
+                        <a:buSzTx/>
+                        <a:buFontTx/>
+                        <a:buNone/>
+                        <a:tabLst/>
+                        <a:defRPr/>
+                      </a:pPr>
+                      <a:r>
+                        <a:rPr lang="en-US" sz="1800" b="1" i="0" u="none" strike="noStrike" kern="1200" dirty="0" err="1">
+                          <a:solidFill>
+                            <a:schemeClr val="dk1"/>
+                          </a:solidFill>
+                          <a:effectLst/>
+                          <a:latin typeface="+mn-lt"/>
+                          <a:ea typeface="+mn-ea"/>
+                          <a:cs typeface="+mn-cs"/>
+                        </a:rPr>
+                        <a:t>Type.of.Travel</a:t>
+                      </a:r>
+                      <a:r>
+                        <a:rPr lang="en-US" sz="1800" b="1" i="0" u="none" strike="noStrike" kern="1200" dirty="0">
+                          <a:solidFill>
+                            <a:schemeClr val="dk1"/>
+                          </a:solidFill>
+                          <a:effectLst/>
+                          <a:latin typeface="+mn-lt"/>
+                          <a:ea typeface="+mn-ea"/>
+                          <a:cs typeface="+mn-cs"/>
+                        </a:rPr>
+                        <a:t> Personal Travel (-)</a:t>
+                      </a:r>
+                      <a:endParaRPr lang="en-US" b="1" dirty="0">
+                        <a:effectLst/>
+                      </a:endParaRPr>
+                    </a:p>
+                    <a:p>
+                      <a:pPr marL="0" marR="0" lvl="0" indent="0" algn="l" defTabSz="914400" rtl="0" eaLnBrk="1" fontAlgn="auto" latinLnBrk="0" hangingPunct="1">
+                        <a:lnSpc>
+                          <a:spcPct val="100000"/>
+                        </a:lnSpc>
+                        <a:spcBef>
+                          <a:spcPts val="0"/>
+                        </a:spcBef>
+                        <a:spcAft>
+                          <a:spcPts val="0"/>
+                        </a:spcAft>
+                        <a:buClrTx/>
+                        <a:buSzTx/>
+                        <a:buFontTx/>
+                        <a:buNone/>
+                        <a:tabLst/>
+                        <a:defRPr/>
+                      </a:pPr>
+                      <a:r>
+                        <a:rPr lang="en-US" sz="1800" b="1" i="0" u="none" strike="noStrike" kern="1200" dirty="0">
+                          <a:solidFill>
+                            <a:schemeClr val="dk1"/>
+                          </a:solidFill>
+                          <a:effectLst/>
+                          <a:latin typeface="+mn-lt"/>
+                          <a:ea typeface="+mn-ea"/>
+                          <a:cs typeface="+mn-cs"/>
+                        </a:rPr>
+                        <a:t>Inflight.wifi.service4 and 5 (+)</a:t>
+                      </a:r>
+                      <a:endParaRPr lang="en-US" sz="1800" b="0" i="0" u="none" strike="noStrike" kern="1200" dirty="0">
+                        <a:solidFill>
+                          <a:schemeClr val="dk1"/>
+                        </a:solidFill>
+                        <a:effectLst/>
+                        <a:latin typeface="+mn-lt"/>
+                        <a:ea typeface="+mn-ea"/>
+                        <a:cs typeface="+mn-cs"/>
+                      </a:endParaRPr>
+                    </a:p>
+                    <a:p>
                       <a:pPr rtl="0"/>
                       <a:r>
                         <a:rPr lang="en-US" sz="1800" b="0" i="0" u="none" strike="noStrike" kern="1200" dirty="0" err="1">
@@ -10023,72 +10159,6 @@
                         <a:t> (+)</a:t>
                       </a:r>
                       <a:endParaRPr lang="en-US" b="0" dirty="0">
-                        <a:effectLst/>
-                      </a:endParaRPr>
-                    </a:p>
-                    <a:p>
-                      <a:pPr rtl="0"/>
-                      <a:r>
-                        <a:rPr lang="en-US" sz="1800" b="1" i="0" u="none" strike="noStrike" kern="1200" dirty="0">
-                          <a:solidFill>
-                            <a:schemeClr val="dk1"/>
-                          </a:solidFill>
-                          <a:effectLst/>
-                          <a:latin typeface="+mn-lt"/>
-                          <a:ea typeface="+mn-ea"/>
-                          <a:cs typeface="+mn-cs"/>
-                        </a:rPr>
-                        <a:t>Inflight.wifi.service5 (+)</a:t>
-                      </a:r>
-                      <a:endParaRPr lang="en-US" b="1" dirty="0">
-                        <a:effectLst/>
-                      </a:endParaRPr>
-                    </a:p>
-                    <a:p>
-                      <a:pPr rtl="0"/>
-                      <a:r>
-                        <a:rPr lang="en-US" sz="1800" b="1" i="0" u="none" strike="noStrike" kern="1200" dirty="0">
-                          <a:solidFill>
-                            <a:schemeClr val="dk1"/>
-                          </a:solidFill>
-                          <a:effectLst/>
-                          <a:latin typeface="+mn-lt"/>
-                          <a:ea typeface="+mn-ea"/>
-                          <a:cs typeface="+mn-cs"/>
-                        </a:rPr>
-                        <a:t>Online.boarding4 and 5 (+)</a:t>
-                      </a:r>
-                      <a:endParaRPr lang="en-US" b="1" dirty="0">
-                        <a:effectLst/>
-                      </a:endParaRPr>
-                    </a:p>
-                    <a:p>
-                      <a:pPr rtl="0"/>
-                      <a:r>
-                        <a:rPr lang="en-US" sz="1800" b="1" i="0" u="none" strike="noStrike" kern="1200" dirty="0" err="1">
-                          <a:solidFill>
-                            <a:schemeClr val="dk1"/>
-                          </a:solidFill>
-                          <a:effectLst/>
-                          <a:latin typeface="+mn-lt"/>
-                          <a:ea typeface="+mn-ea"/>
-                          <a:cs typeface="+mn-cs"/>
-                        </a:rPr>
-                        <a:t>Type.of.Travel</a:t>
-                      </a:r>
-                      <a:r>
-                        <a:rPr lang="en-US" sz="1800" b="1" i="0" u="none" strike="noStrike" kern="1200" dirty="0">
-                          <a:solidFill>
-                            <a:schemeClr val="dk1"/>
-                          </a:solidFill>
-                          <a:effectLst/>
-                          <a:latin typeface="+mn-lt"/>
-                          <a:ea typeface="+mn-ea"/>
-                          <a:cs typeface="+mn-cs"/>
-                        </a:rPr>
-                        <a:t> Personal Travel (-)</a:t>
-                      </a:r>
-                      <a:endParaRPr lang="en-US" b="1" dirty="0">
                         <a:effectLst/>
                       </a:endParaRPr>
                     </a:p>
@@ -10126,10 +10196,23 @@
                           <a:ea typeface="+mn-ea"/>
                           <a:cs typeface="+mn-cs"/>
                         </a:rPr>
-                        <a:t>AUC: 97.1%</a:t>
+                        <a:t>Validation AUC: 0.971</a:t>
                       </a:r>
                     </a:p>
                     <a:p>
+                      <a:pPr rtl="0" fontAlgn="base"/>
+                      <a:r>
+                        <a:rPr lang="en-US" sz="1800" b="0" i="0" u="none" strike="noStrike" kern="1200" dirty="0">
+                          <a:solidFill>
+                            <a:schemeClr val="dk1"/>
+                          </a:solidFill>
+                          <a:effectLst/>
+                          <a:latin typeface="+mn-lt"/>
+                          <a:ea typeface="+mn-ea"/>
+                          <a:cs typeface="+mn-cs"/>
+                        </a:rPr>
+                        <a:t>Test AUC: 0.972</a:t>
+                      </a:r>
                       <a:endParaRPr lang="en-US" dirty="0"/>
                     </a:p>
                   </a:txBody>
@@ -10337,7 +10420,7 @@
                           <a:ea typeface="+mn-ea"/>
                           <a:cs typeface="+mn-cs"/>
                         </a:rPr>
-                        <a:t>Accuracy: 86.1% (CV on Train +Validation)</a:t>
+                        <a:t>Accuracy: 89.0% (validation)</a:t>
                       </a:r>
                     </a:p>
                     <a:p>
@@ -10352,7 +10435,7 @@
                           <a:ea typeface="+mn-ea"/>
                           <a:cs typeface="+mn-cs"/>
                         </a:rPr>
-                        <a:t>AUC: 96.2%</a:t>
+                        <a:t>AUC: 0.962</a:t>
                       </a:r>
                     </a:p>
                     <a:p>
@@ -10473,18 +10556,6 @@
                     <a:p>
                       <a:pPr rtl="0" fontAlgn="base"/>
                       <a:r>
-                        <a:rPr lang="fr-FR" sz="1800" b="0" i="0" u="none" strike="noStrike" kern="1200" dirty="0">
-                          <a:solidFill>
-                            <a:schemeClr val="dk1"/>
-                          </a:solidFill>
-                          <a:effectLst/>
-                          <a:latin typeface="+mn-lt"/>
-                          <a:ea typeface="+mn-ea"/>
-                          <a:cs typeface="+mn-cs"/>
-                        </a:rPr>
-                        <a:t>86.3% (CV on </a:t>
-                      </a:r>
-                      <a:r>
                         <a:rPr lang="fr-FR" sz="1800" b="0" i="0" u="none" strike="noStrike" kern="1200" dirty="0" err="1">
                           <a:solidFill>
                             <a:schemeClr val="dk1"/>
@@ -10494,7 +10565,7 @@
                           <a:ea typeface="+mn-ea"/>
                           <a:cs typeface="+mn-cs"/>
                         </a:rPr>
-                        <a:t>Train+Validation</a:t>
+                        <a:t>Accuracy</a:t>
                       </a:r>
                       <a:r>
                         <a:rPr lang="fr-FR" sz="1800" b="0" i="0" u="none" strike="noStrike" kern="1200" dirty="0">
@@ -10506,7 +10577,7 @@
                           <a:ea typeface="+mn-ea"/>
                           <a:cs typeface="+mn-cs"/>
                         </a:rPr>
-                        <a:t>)</a:t>
+                        <a:t>: 86.2% (validation)</a:t>
                       </a:r>
                     </a:p>
                     <a:p>
@@ -10521,7 +10592,7 @@
                           <a:ea typeface="+mn-ea"/>
                           <a:cs typeface="+mn-cs"/>
                         </a:rPr>
-                        <a:t>AUC - </a:t>
+                        <a:t>AUC: 0.886 </a:t>
                       </a:r>
                     </a:p>
                   </a:txBody>
@@ -10681,7 +10752,7 @@
                           <a:ea typeface="+mn-ea"/>
                           <a:cs typeface="+mn-cs"/>
                         </a:rPr>
-                        <a:t>AUC: 96.9%</a:t>
+                        <a:t>AUC: 0.969</a:t>
                       </a:r>
                     </a:p>
                     <a:p>
@@ -10848,21 +10919,21 @@
           <a:p>
             <a:r>
               <a:rPr lang="en-US" dirty="0"/>
-              <a:t> </a:t>
+              <a:t>Investing in complimentary </a:t>
             </a:r>
             <a:r>
               <a:rPr lang="en-US" dirty="0" err="1"/>
-              <a:t>Wifi</a:t>
+              <a:t>wifi</a:t>
             </a:r>
             <a:r>
               <a:rPr lang="en-US" dirty="0"/>
-              <a:t> service and online boarding can be controlled by airlines.</a:t>
+              <a:t> would be a worthwhile investment</a:t>
             </a:r>
           </a:p>
           <a:p>
             <a:r>
               <a:rPr lang="en-US" dirty="0"/>
-              <a:t>Airlines have no control over whether people are traveling for personal or business reasons.</a:t>
+              <a:t>Money may be better spent trying to attract business travelers instead of people traveling for personal reasons.</a:t>
             </a:r>
           </a:p>
         </p:txBody>

--- a/Final Presentation Slides/Team_6_Final_Slides.pptx
+++ b/Final Presentation Slides/Team_6_Final_Slides.pptx
@@ -8402,55 +8402,6 @@
       </p:sp>
       <p:pic>
         <p:nvPicPr>
-          <p:cNvPr id="3074" name="Picture 2">
-            <a:extLst>
-              <a:ext uri="{FF2B5EF4-FFF2-40B4-BE49-F238E27FC236}">
-                <a16:creationId xmlns:a16="http://schemas.microsoft.com/office/drawing/2014/main" id="{F5423932-E7DE-210D-7682-A1782B434103}"/>
-              </a:ext>
-            </a:extLst>
-          </p:cNvPr>
-          <p:cNvPicPr>
-            <a:picLocks noGrp="1" noChangeAspect="1" noChangeArrowheads="1"/>
-          </p:cNvPicPr>
-          <p:nvPr>
-            <p:ph idx="1"/>
-          </p:nvPr>
-        </p:nvPicPr>
-        <p:blipFill>
-          <a:blip r:embed="rId3">
-            <a:extLst>
-              <a:ext uri="{28A0092B-C50C-407E-A947-70E740481C1C}">
-                <a14:useLocalDpi xmlns:a14="http://schemas.microsoft.com/office/drawing/2010/main" val="0"/>
-              </a:ext>
-            </a:extLst>
-          </a:blip>
-          <a:srcRect/>
-          <a:stretch>
-            <a:fillRect/>
-          </a:stretch>
-        </p:blipFill>
-        <p:spPr bwMode="auto">
-          <a:xfrm>
-            <a:off x="3721730" y="750055"/>
-            <a:ext cx="7891150" cy="5357889"/>
-          </a:xfrm>
-          <a:prstGeom prst="rect">
-            <a:avLst/>
-          </a:prstGeom>
-          <a:noFill/>
-          <a:extLst>
-            <a:ext uri="{909E8E84-426E-40DD-AFC4-6F175D3DCCD1}">
-              <a14:hiddenFill xmlns:a14="http://schemas.microsoft.com/office/drawing/2010/main">
-                <a:solidFill>
-                  <a:srgbClr val="FFFFFF"/>
-                </a:solidFill>
-              </a14:hiddenFill>
-            </a:ext>
-          </a:extLst>
-        </p:spPr>
-      </p:pic>
-      <p:pic>
-        <p:nvPicPr>
           <p:cNvPr id="8" name="Camera 7">
             <a:extLst>
               <a:ext uri="{FF2B5EF4-FFF2-40B4-BE49-F238E27FC236}">
@@ -8469,10 +8420,10 @@
           <p:nvPr/>
         </p:nvPicPr>
         <p:blipFill>
-          <a:blip r:embed="rId4">
+          <a:blip r:embed="rId3">
             <a:extLst>
               <a:ext uri="{96DAC541-7B7A-43D3-8B79-37D633B846F1}">
-                <asvg:svgBlip xmlns:asvg="http://schemas.microsoft.com/office/drawing/2016/SVG/main" r:embed="rId5"/>
+                <asvg:svgBlip xmlns:asvg="http://schemas.microsoft.com/office/drawing/2016/SVG/main" r:embed="rId4"/>
               </a:ext>
             </a:extLst>
           </a:blip>
@@ -8494,6 +8445,61 @@
             </a:solidFill>
           </a:ln>
           <a:effectLst/>
+        </p:spPr>
+      </p:pic>
+      <p:sp>
+        <p:nvSpPr>
+          <p:cNvPr id="4" name="Content Placeholder 3">
+            <a:extLst>
+              <a:ext uri="{FF2B5EF4-FFF2-40B4-BE49-F238E27FC236}">
+                <a16:creationId xmlns:a16="http://schemas.microsoft.com/office/drawing/2014/main" id="{0E5B8B10-D7DC-8E65-A402-FC54A6D6465C}"/>
+              </a:ext>
+            </a:extLst>
+          </p:cNvPr>
+          <p:cNvSpPr>
+            <a:spLocks noGrp="1"/>
+          </p:cNvSpPr>
+          <p:nvPr>
+            <p:ph idx="1"/>
+          </p:nvPr>
+        </p:nvSpPr>
+        <p:spPr/>
+        <p:txBody>
+          <a:bodyPr/>
+          <a:lstStyle/>
+          <a:p>
+            <a:endParaRPr lang="en-US"/>
+          </a:p>
+        </p:txBody>
+      </p:sp>
+      <p:pic>
+        <p:nvPicPr>
+          <p:cNvPr id="6" name="Picture 5">
+            <a:extLst>
+              <a:ext uri="{FF2B5EF4-FFF2-40B4-BE49-F238E27FC236}">
+                <a16:creationId xmlns:a16="http://schemas.microsoft.com/office/drawing/2014/main" id="{16FF3E98-FF36-1936-40B8-D284AF8B8AA4}"/>
+              </a:ext>
+            </a:extLst>
+          </p:cNvPr>
+          <p:cNvPicPr>
+            <a:picLocks noChangeAspect="1"/>
+          </p:cNvPicPr>
+          <p:nvPr/>
+        </p:nvPicPr>
+        <p:blipFill>
+          <a:blip r:embed="rId5"/>
+          <a:stretch>
+            <a:fillRect/>
+          </a:stretch>
+        </p:blipFill>
+        <p:spPr>
+          <a:xfrm>
+            <a:off x="3869267" y="864107"/>
+            <a:ext cx="7610160" cy="5192492"/>
+          </a:xfrm>
+          <a:prstGeom prst="rect">
+            <a:avLst/>
+          </a:prstGeom>
         </p:spPr>
       </p:pic>
     </p:spTree>

--- a/Final Presentation Slides/Team_6_Final_Slides.pptx
+++ b/Final Presentation Slides/Team_6_Final_Slides.pptx
@@ -232,7 +232,7 @@
           <a:p>
             <a:fld id="{9824F8DB-2990-4811-82DD-7422336D885B}" type="datetimeFigureOut">
               <a:rPr lang="en-US" smtClean="0"/>
-              <a:t>7/19/2023</a:t>
+              <a:t>7/20/2023</a:t>
             </a:fld>
             <a:endParaRPr lang="en-US"/>
           </a:p>
@@ -1089,7 +1089,7 @@
                 <a:effectLst/>
                 <a:latin typeface="Times New Roman" panose="02020603050405020304" pitchFamily="18" charset="0"/>
               </a:rPr>
-              <a:t>Shown here is a heat map for the categorical variables. Most values are not highly correlated but there are a few exceptions such as </a:t>
+              <a:t>Shown here is a heat map for the categorical variables. Most values are not highly correlated but there are a few exceptions with correlation nearing 0.7 such as </a:t>
             </a:r>
             <a:r>
               <a:rPr lang="en-US" sz="1800" b="0" i="1" u="none" strike="noStrike" dirty="0">
@@ -2736,7 +2736,7 @@
           <a:p>
             <a:r>
               <a:rPr lang="en-US" dirty="0"/>
-              <a:t>Here is a summary of the model performance. The highest AUC was reached by Logistic Regression with 0.919 so this was our selected model, it performed very similarly on the test set with an AUC of 0.972. The most important features are very consistent across all models with online boarding, inflight </a:t>
+              <a:t>Here is a summary of the model performance. The highest AUC was reached by Logistic Regression with 0.971 so this was our selected model, it performed very similarly on the test set with an AUC of 0.972. The most important features are very consistent across all models with online boarding, inflight </a:t>
             </a:r>
             <a:r>
               <a:rPr lang="en-US" dirty="0" err="1"/>
@@ -4281,7 +4281,7 @@
           <a:p>
             <a:fld id="{1955A8DF-052F-408C-B32C-6128C7E474DA}" type="datetimeFigureOut">
               <a:rPr lang="en-US" smtClean="0"/>
-              <a:t>7/19/2023</a:t>
+              <a:t>7/20/2023</a:t>
             </a:fld>
             <a:endParaRPr lang="en-US"/>
           </a:p>
@@ -4451,7 +4451,7 @@
           <a:p>
             <a:fld id="{1955A8DF-052F-408C-B32C-6128C7E474DA}" type="datetimeFigureOut">
               <a:rPr lang="en-US" smtClean="0"/>
-              <a:t>7/19/2023</a:t>
+              <a:t>7/20/2023</a:t>
             </a:fld>
             <a:endParaRPr lang="en-US"/>
           </a:p>
@@ -4631,7 +4631,7 @@
           <a:p>
             <a:fld id="{1955A8DF-052F-408C-B32C-6128C7E474DA}" type="datetimeFigureOut">
               <a:rPr lang="en-US" smtClean="0"/>
-              <a:t>7/19/2023</a:t>
+              <a:t>7/20/2023</a:t>
             </a:fld>
             <a:endParaRPr lang="en-US"/>
           </a:p>
@@ -4801,7 +4801,7 @@
           <a:p>
             <a:fld id="{1955A8DF-052F-408C-B32C-6128C7E474DA}" type="datetimeFigureOut">
               <a:rPr lang="en-US" smtClean="0"/>
-              <a:t>7/19/2023</a:t>
+              <a:t>7/20/2023</a:t>
             </a:fld>
             <a:endParaRPr lang="en-US"/>
           </a:p>
@@ -5055,7 +5055,7 @@
           <a:p>
             <a:fld id="{1955A8DF-052F-408C-B32C-6128C7E474DA}" type="datetimeFigureOut">
               <a:rPr lang="en-US" smtClean="0"/>
-              <a:t>7/19/2023</a:t>
+              <a:t>7/20/2023</a:t>
             </a:fld>
             <a:endParaRPr lang="en-US"/>
           </a:p>
@@ -5343,7 +5343,7 @@
           <a:p>
             <a:fld id="{1955A8DF-052F-408C-B32C-6128C7E474DA}" type="datetimeFigureOut">
               <a:rPr lang="en-US" smtClean="0"/>
-              <a:t>7/19/2023</a:t>
+              <a:t>7/20/2023</a:t>
             </a:fld>
             <a:endParaRPr lang="en-US"/>
           </a:p>
@@ -5785,7 +5785,7 @@
           <a:p>
             <a:fld id="{1955A8DF-052F-408C-B32C-6128C7E474DA}" type="datetimeFigureOut">
               <a:rPr lang="en-US" smtClean="0"/>
-              <a:t>7/19/2023</a:t>
+              <a:t>7/20/2023</a:t>
             </a:fld>
             <a:endParaRPr lang="en-US"/>
           </a:p>
@@ -5903,7 +5903,7 @@
           <a:p>
             <a:fld id="{1955A8DF-052F-408C-B32C-6128C7E474DA}" type="datetimeFigureOut">
               <a:rPr lang="en-US" smtClean="0"/>
-              <a:t>7/19/2023</a:t>
+              <a:t>7/20/2023</a:t>
             </a:fld>
             <a:endParaRPr lang="en-US"/>
           </a:p>
@@ -5998,7 +5998,7 @@
           <a:p>
             <a:fld id="{1955A8DF-052F-408C-B32C-6128C7E474DA}" type="datetimeFigureOut">
               <a:rPr lang="en-US" smtClean="0"/>
-              <a:t>7/19/2023</a:t>
+              <a:t>7/20/2023</a:t>
             </a:fld>
             <a:endParaRPr lang="en-US"/>
           </a:p>
@@ -6286,7 +6286,7 @@
           <a:p>
             <a:fld id="{1955A8DF-052F-408C-B32C-6128C7E474DA}" type="datetimeFigureOut">
               <a:rPr lang="en-US" smtClean="0"/>
-              <a:t>7/19/2023</a:t>
+              <a:t>7/20/2023</a:t>
             </a:fld>
             <a:endParaRPr lang="en-US"/>
           </a:p>
@@ -6559,7 +6559,7 @@
           <a:p>
             <a:fld id="{1955A8DF-052F-408C-B32C-6128C7E474DA}" type="datetimeFigureOut">
               <a:rPr lang="en-US" smtClean="0"/>
-              <a:t>7/19/2023</a:t>
+              <a:t>7/20/2023</a:t>
             </a:fld>
             <a:endParaRPr lang="en-US"/>
           </a:p>
@@ -6856,7 +6856,7 @@
           <a:p>
             <a:fld id="{1955A8DF-052F-408C-B32C-6128C7E474DA}" type="datetimeFigureOut">
               <a:rPr lang="en-US" smtClean="0"/>
-              <a:t>7/19/2023</a:t>
+              <a:t>7/20/2023</a:t>
             </a:fld>
             <a:endParaRPr lang="en-US"/>
           </a:p>
@@ -9916,14 +9916,14 @@
             <p:ph idx="1"/>
             <p:extLst>
               <p:ext uri="{D42A27DB-BD31-4B8C-83A1-F6EECF244321}">
-                <p14:modId xmlns:p14="http://schemas.microsoft.com/office/powerpoint/2010/main" val="3914922068"/>
+                <p14:modId xmlns:p14="http://schemas.microsoft.com/office/powerpoint/2010/main" val="760787914"/>
               </p:ext>
             </p:extLst>
           </p:nvPr>
         </p:nvGraphicFramePr>
         <p:xfrm>
           <a:off x="3868738" y="711200"/>
-          <a:ext cx="7315200" cy="5669280"/>
+          <a:ext cx="7450903" cy="5669280"/>
         </p:xfrm>
         <a:graphic>
           <a:graphicData uri="http://schemas.openxmlformats.org/drawingml/2006/table">
@@ -9946,7 +9946,7 @@
                     </a:ext>
                   </a:extLst>
                 </a:gridCol>
-                <a:gridCol w="2301195">
+                <a:gridCol w="2436898">
                   <a:extLst>
                     <a:ext uri="{9D8B030D-6E8A-4147-A177-3AD203B41FA5}">
                       <a16:colId xmlns:a16="http://schemas.microsoft.com/office/drawing/2014/main" val="781483380"/>
@@ -10426,7 +10426,7 @@
                           <a:ea typeface="+mn-ea"/>
                           <a:cs typeface="+mn-cs"/>
                         </a:rPr>
-                        <a:t>Accuracy: 89.0% (validation)</a:t>
+                        <a:t>Accuracy: 91.2% (validation)</a:t>
                       </a:r>
                     </a:p>
                     <a:p>
@@ -10441,7 +10441,7 @@
                           <a:ea typeface="+mn-ea"/>
                           <a:cs typeface="+mn-cs"/>
                         </a:rPr>
-                        <a:t>AUC: 0.962</a:t>
+                        <a:t>AUC: 0.959</a:t>
                       </a:r>
                     </a:p>
                     <a:p>
@@ -10456,7 +10456,7 @@
                           <a:ea typeface="+mn-ea"/>
                           <a:cs typeface="+mn-cs"/>
                         </a:rPr>
-                        <a:t>Out-Of-Bag Error: 10.9% OOB</a:t>
+                        <a:t>Out-Of-Bag Error: 8.9%</a:t>
                       </a:r>
                     </a:p>
                     <a:p>

--- a/Final Presentation Slides/Team_6_Final_Slides.pptx
+++ b/Final Presentation Slides/Team_6_Final_Slides.pptx
@@ -13184,7 +13184,12 @@
             <p:ph idx="1"/>
           </p:nvPr>
         </p:nvSpPr>
-        <p:spPr/>
+        <p:spPr>
+          <a:xfrm>
+            <a:off x="3869268" y="864108"/>
+            <a:ext cx="7315200" cy="2966487"/>
+          </a:xfrm>
+        </p:spPr>
         <p:txBody>
           <a:bodyPr/>
           <a:lstStyle/>
@@ -13232,297 +13237,6 @@
           </a:p>
         </p:txBody>
       </p:sp>
-      <p:grpSp>
-        <p:nvGrpSpPr>
-          <p:cNvPr id="23" name="Group 22">
-            <a:extLst>
-              <a:ext uri="{FF2B5EF4-FFF2-40B4-BE49-F238E27FC236}">
-                <a16:creationId xmlns:a16="http://schemas.microsoft.com/office/drawing/2014/main" id="{BB7A731D-CE46-4A16-8464-DF60246EB01B}"/>
-              </a:ext>
-            </a:extLst>
-          </p:cNvPr>
-          <p:cNvGrpSpPr/>
-          <p:nvPr/>
-        </p:nvGrpSpPr>
-        <p:grpSpPr>
-          <a:xfrm>
-            <a:off x="5141213" y="3429000"/>
-            <a:ext cx="5194425" cy="2369172"/>
-            <a:chOff x="7740820" y="2896962"/>
-            <a:chExt cx="3738167" cy="1704974"/>
-          </a:xfrm>
-        </p:grpSpPr>
-        <p:pic>
-          <p:nvPicPr>
-            <p:cNvPr id="4" name="Picture 2">
-              <a:extLst>
-                <a:ext uri="{FF2B5EF4-FFF2-40B4-BE49-F238E27FC236}">
-                  <a16:creationId xmlns:a16="http://schemas.microsoft.com/office/drawing/2014/main" id="{0AF10789-502E-7FA3-2421-6AC531C17528}"/>
-                </a:ext>
-              </a:extLst>
-            </p:cNvPr>
-            <p:cNvPicPr>
-              <a:picLocks noChangeAspect="1" noChangeArrowheads="1"/>
-            </p:cNvPicPr>
-            <p:nvPr/>
-          </p:nvPicPr>
-          <p:blipFill rotWithShape="1">
-            <a:blip r:embed="rId3">
-              <a:extLst>
-                <a:ext uri="{28A0092B-C50C-407E-A947-70E740481C1C}">
-                  <a14:useLocalDpi xmlns:a14="http://schemas.microsoft.com/office/drawing/2010/main" val="0"/>
-                </a:ext>
-              </a:extLst>
-            </a:blip>
-            <a:srcRect t="21354" r="75816" b="60156"/>
-            <a:stretch/>
-          </p:blipFill>
-          <p:spPr bwMode="auto">
-            <a:xfrm>
-              <a:off x="7740820" y="2896962"/>
-              <a:ext cx="3738167" cy="1704974"/>
-            </a:xfrm>
-            <a:prstGeom prst="rect">
-              <a:avLst/>
-            </a:prstGeom>
-            <a:noFill/>
-            <a:extLst>
-              <a:ext uri="{909E8E84-426E-40DD-AFC4-6F175D3DCCD1}">
-                <a14:hiddenFill xmlns:a14="http://schemas.microsoft.com/office/drawing/2010/main">
-                  <a:solidFill>
-                    <a:srgbClr val="FFFFFF"/>
-                  </a:solidFill>
-                </a14:hiddenFill>
-              </a:ext>
-            </a:extLst>
-          </p:spPr>
-        </p:pic>
-        <p:sp>
-          <p:nvSpPr>
-            <p:cNvPr id="15" name="Rectangle 14">
-              <a:extLst>
-                <a:ext uri="{FF2B5EF4-FFF2-40B4-BE49-F238E27FC236}">
-                  <a16:creationId xmlns:a16="http://schemas.microsoft.com/office/drawing/2014/main" id="{0A784D9A-49E8-DC08-E9D2-A5B28359A4D5}"/>
-                </a:ext>
-              </a:extLst>
-            </p:cNvPr>
-            <p:cNvSpPr/>
-            <p:nvPr/>
-          </p:nvSpPr>
-          <p:spPr>
-            <a:xfrm>
-              <a:off x="8417216" y="4027714"/>
-              <a:ext cx="1684727" cy="217715"/>
-            </a:xfrm>
-            <a:prstGeom prst="rect">
-              <a:avLst/>
-            </a:prstGeom>
-            <a:solidFill>
-              <a:schemeClr val="bg1"/>
-            </a:solidFill>
-            <a:ln>
-              <a:solidFill>
-                <a:schemeClr val="bg1"/>
-              </a:solidFill>
-            </a:ln>
-          </p:spPr>
-          <p:style>
-            <a:lnRef idx="2">
-              <a:schemeClr val="accent1">
-                <a:shade val="15000"/>
-              </a:schemeClr>
-            </a:lnRef>
-            <a:fillRef idx="1">
-              <a:schemeClr val="accent1"/>
-            </a:fillRef>
-            <a:effectRef idx="0">
-              <a:schemeClr val="accent1"/>
-            </a:effectRef>
-            <a:fontRef idx="minor">
-              <a:schemeClr val="lt1"/>
-            </a:fontRef>
-          </p:style>
-          <p:txBody>
-            <a:bodyPr rtlCol="0" anchor="ctr"/>
-            <a:lstStyle/>
-            <a:p>
-              <a:pPr algn="ctr"/>
-              <a:endParaRPr lang="en-US"/>
-            </a:p>
-          </p:txBody>
-        </p:sp>
-        <p:sp>
-          <p:nvSpPr>
-            <p:cNvPr id="16" name="Rectangle 15">
-              <a:extLst>
-                <a:ext uri="{FF2B5EF4-FFF2-40B4-BE49-F238E27FC236}">
-                  <a16:creationId xmlns:a16="http://schemas.microsoft.com/office/drawing/2014/main" id="{B4298800-5F6D-18FA-C3FF-F23BD3509B94}"/>
-                </a:ext>
-              </a:extLst>
-            </p:cNvPr>
-            <p:cNvSpPr/>
-            <p:nvPr/>
-          </p:nvSpPr>
-          <p:spPr>
-            <a:xfrm>
-              <a:off x="8316506" y="3854903"/>
-              <a:ext cx="1151328" cy="563336"/>
-            </a:xfrm>
-            <a:prstGeom prst="rect">
-              <a:avLst/>
-            </a:prstGeom>
-            <a:noFill/>
-            <a:ln>
-              <a:noFill/>
-            </a:ln>
-          </p:spPr>
-          <p:style>
-            <a:lnRef idx="2">
-              <a:schemeClr val="accent1">
-                <a:shade val="15000"/>
-              </a:schemeClr>
-            </a:lnRef>
-            <a:fillRef idx="1">
-              <a:schemeClr val="accent1"/>
-            </a:fillRef>
-            <a:effectRef idx="0">
-              <a:schemeClr val="accent1"/>
-            </a:effectRef>
-            <a:fontRef idx="minor">
-              <a:schemeClr val="lt1"/>
-            </a:fontRef>
-          </p:style>
-          <p:txBody>
-            <a:bodyPr rtlCol="0" anchor="ctr"/>
-            <a:lstStyle/>
-            <a:p>
-              <a:pPr algn="ctr"/>
-              <a:r>
-                <a:rPr lang="en-US" dirty="0">
-                  <a:solidFill>
-                    <a:schemeClr val="tx1"/>
-                  </a:solidFill>
-                </a:rPr>
-                <a:t>Bus</a:t>
-              </a:r>
-            </a:p>
-          </p:txBody>
-        </p:sp>
-        <p:sp>
-          <p:nvSpPr>
-            <p:cNvPr id="7" name="Rectangle 6">
-              <a:extLst>
-                <a:ext uri="{FF2B5EF4-FFF2-40B4-BE49-F238E27FC236}">
-                  <a16:creationId xmlns:a16="http://schemas.microsoft.com/office/drawing/2014/main" id="{F9631A57-120D-CCD9-2573-210999280E43}"/>
-                </a:ext>
-              </a:extLst>
-            </p:cNvPr>
-            <p:cNvSpPr/>
-            <p:nvPr/>
-          </p:nvSpPr>
-          <p:spPr>
-            <a:xfrm>
-              <a:off x="8730716" y="3854903"/>
-              <a:ext cx="1151328" cy="563336"/>
-            </a:xfrm>
-            <a:prstGeom prst="rect">
-              <a:avLst/>
-            </a:prstGeom>
-            <a:noFill/>
-            <a:ln>
-              <a:noFill/>
-            </a:ln>
-          </p:spPr>
-          <p:style>
-            <a:lnRef idx="2">
-              <a:schemeClr val="accent1">
-                <a:shade val="15000"/>
-              </a:schemeClr>
-            </a:lnRef>
-            <a:fillRef idx="1">
-              <a:schemeClr val="accent1"/>
-            </a:fillRef>
-            <a:effectRef idx="0">
-              <a:schemeClr val="accent1"/>
-            </a:effectRef>
-            <a:fontRef idx="minor">
-              <a:schemeClr val="lt1"/>
-            </a:fontRef>
-          </p:style>
-          <p:txBody>
-            <a:bodyPr rtlCol="0" anchor="ctr"/>
-            <a:lstStyle/>
-            <a:p>
-              <a:pPr algn="ctr"/>
-              <a:r>
-                <a:rPr lang="en-US" dirty="0">
-                  <a:solidFill>
-                    <a:schemeClr val="tx1"/>
-                  </a:solidFill>
-                </a:rPr>
-                <a:t>Eco</a:t>
-              </a:r>
-            </a:p>
-          </p:txBody>
-        </p:sp>
-        <p:sp>
-          <p:nvSpPr>
-            <p:cNvPr id="10" name="Rectangle 9">
-              <a:extLst>
-                <a:ext uri="{FF2B5EF4-FFF2-40B4-BE49-F238E27FC236}">
-                  <a16:creationId xmlns:a16="http://schemas.microsoft.com/office/drawing/2014/main" id="{6FE78BE0-DEF3-A7A3-1F8D-5E4CF3B958B9}"/>
-                </a:ext>
-              </a:extLst>
-            </p:cNvPr>
-            <p:cNvSpPr/>
-            <p:nvPr/>
-          </p:nvSpPr>
-          <p:spPr>
-            <a:xfrm>
-              <a:off x="9205670" y="3854903"/>
-              <a:ext cx="1151328" cy="563336"/>
-            </a:xfrm>
-            <a:prstGeom prst="rect">
-              <a:avLst/>
-            </a:prstGeom>
-            <a:noFill/>
-            <a:ln>
-              <a:noFill/>
-            </a:ln>
-          </p:spPr>
-          <p:style>
-            <a:lnRef idx="2">
-              <a:schemeClr val="accent1">
-                <a:shade val="15000"/>
-              </a:schemeClr>
-            </a:lnRef>
-            <a:fillRef idx="1">
-              <a:schemeClr val="accent1"/>
-            </a:fillRef>
-            <a:effectRef idx="0">
-              <a:schemeClr val="accent1"/>
-            </a:effectRef>
-            <a:fontRef idx="minor">
-              <a:schemeClr val="lt1"/>
-            </a:fontRef>
-          </p:style>
-          <p:txBody>
-            <a:bodyPr rtlCol="0" anchor="ctr"/>
-            <a:lstStyle/>
-            <a:p>
-              <a:pPr algn="ctr"/>
-              <a:r>
-                <a:rPr lang="en-US" dirty="0">
-                  <a:solidFill>
-                    <a:schemeClr val="tx1"/>
-                  </a:solidFill>
-                </a:rPr>
-                <a:t>Eco+</a:t>
-              </a:r>
-            </a:p>
-          </p:txBody>
-        </p:sp>
-      </p:grpSp>
       <p:pic>
         <p:nvPicPr>
           <p:cNvPr id="12" name="Camera 11">
@@ -13543,10 +13257,10 @@
           <p:nvPr/>
         </p:nvPicPr>
         <p:blipFill>
-          <a:blip r:embed="rId4">
+          <a:blip r:embed="rId3">
             <a:extLst>
               <a:ext uri="{96DAC541-7B7A-43D3-8B79-37D633B846F1}">
-                <asvg:svgBlip xmlns:asvg="http://schemas.microsoft.com/office/drawing/2016/SVG/main" r:embed="rId5"/>
+                <asvg:svgBlip xmlns:asvg="http://schemas.microsoft.com/office/drawing/2016/SVG/main" r:embed="rId4"/>
               </a:ext>
             </a:extLst>
           </a:blip>
@@ -13568,6 +13282,36 @@
             </a:solidFill>
           </a:ln>
           <a:effectLst/>
+        </p:spPr>
+      </p:pic>
+      <p:pic>
+        <p:nvPicPr>
+          <p:cNvPr id="6" name="Picture 5">
+            <a:extLst>
+              <a:ext uri="{FF2B5EF4-FFF2-40B4-BE49-F238E27FC236}">
+                <a16:creationId xmlns:a16="http://schemas.microsoft.com/office/drawing/2014/main" id="{83FE71AB-E057-046B-6A99-CF7C24F1E8FA}"/>
+              </a:ext>
+            </a:extLst>
+          </p:cNvPr>
+          <p:cNvPicPr>
+            <a:picLocks noChangeAspect="1"/>
+          </p:cNvPicPr>
+          <p:nvPr/>
+        </p:nvPicPr>
+        <p:blipFill>
+          <a:blip r:embed="rId5"/>
+          <a:stretch>
+            <a:fillRect/>
+          </a:stretch>
+        </p:blipFill>
+        <p:spPr>
+          <a:xfrm>
+            <a:off x="4475325" y="2023496"/>
+            <a:ext cx="5966135" cy="3970396"/>
+          </a:xfrm>
+          <a:prstGeom prst="rect">
+            <a:avLst/>
+          </a:prstGeom>
         </p:spPr>
       </p:pic>
     </p:spTree>
